--- a/AIASPres.pptx
+++ b/AIASPres.pptx
@@ -10,10 +10,13 @@
     <p:sldId id="257" r:id="rId4"/>
     <p:sldId id="263" r:id="rId5"/>
     <p:sldId id="258" r:id="rId6"/>
-    <p:sldId id="261" r:id="rId7"/>
-    <p:sldId id="262" r:id="rId8"/>
-    <p:sldId id="264" r:id="rId9"/>
-    <p:sldId id="259" r:id="rId10"/>
+    <p:sldId id="266" r:id="rId7"/>
+    <p:sldId id="267" r:id="rId8"/>
+    <p:sldId id="261" r:id="rId9"/>
+    <p:sldId id="262" r:id="rId10"/>
+    <p:sldId id="264" r:id="rId11"/>
+    <p:sldId id="259" r:id="rId12"/>
+    <p:sldId id="265" r:id="rId13"/>
   </p:sldIdLst>
   <p:sldSz cx="12192000" cy="6858000"/>
   <p:notesSz cx="6858000" cy="9144000"/>
@@ -112,6 +115,11 @@
       </a:defRPr>
     </a:lvl9pPr>
   </p:defaultTextStyle>
+  <p:extLst>
+    <p:ext uri="{EFAFB233-063F-42B5-8137-9DF3F51BA10A}">
+      <p15:sldGuideLst xmlns:p15="http://schemas.microsoft.com/office/powerpoint/2012/main"/>
+    </p:ext>
+  </p:extLst>
 </p:presentation>
 </file>
 
@@ -264,7 +272,7 @@
           <a:p>
             <a:fld id="{BEC0A12F-6A7D-8841-A5A4-6740CA763864}" type="datetimeFigureOut">
               <a:rPr lang="en-DE" smtClean="0"/>
-              <a:t>24.06.25</a:t>
+              <a:t>27.06.25</a:t>
             </a:fld>
             <a:endParaRPr lang="en-DE"/>
           </a:p>
@@ -464,7 +472,7 @@
           <a:p>
             <a:fld id="{BEC0A12F-6A7D-8841-A5A4-6740CA763864}" type="datetimeFigureOut">
               <a:rPr lang="en-DE" smtClean="0"/>
-              <a:t>24.06.25</a:t>
+              <a:t>27.06.25</a:t>
             </a:fld>
             <a:endParaRPr lang="en-DE"/>
           </a:p>
@@ -674,7 +682,7 @@
           <a:p>
             <a:fld id="{BEC0A12F-6A7D-8841-A5A4-6740CA763864}" type="datetimeFigureOut">
               <a:rPr lang="en-DE" smtClean="0"/>
-              <a:t>24.06.25</a:t>
+              <a:t>27.06.25</a:t>
             </a:fld>
             <a:endParaRPr lang="en-DE"/>
           </a:p>
@@ -874,7 +882,7 @@
           <a:p>
             <a:fld id="{BEC0A12F-6A7D-8841-A5A4-6740CA763864}" type="datetimeFigureOut">
               <a:rPr lang="en-DE" smtClean="0"/>
-              <a:t>24.06.25</a:t>
+              <a:t>27.06.25</a:t>
             </a:fld>
             <a:endParaRPr lang="en-DE"/>
           </a:p>
@@ -1150,7 +1158,7 @@
           <a:p>
             <a:fld id="{BEC0A12F-6A7D-8841-A5A4-6740CA763864}" type="datetimeFigureOut">
               <a:rPr lang="en-DE" smtClean="0"/>
-              <a:t>24.06.25</a:t>
+              <a:t>27.06.25</a:t>
             </a:fld>
             <a:endParaRPr lang="en-DE"/>
           </a:p>
@@ -1418,7 +1426,7 @@
           <a:p>
             <a:fld id="{BEC0A12F-6A7D-8841-A5A4-6740CA763864}" type="datetimeFigureOut">
               <a:rPr lang="en-DE" smtClean="0"/>
-              <a:t>24.06.25</a:t>
+              <a:t>27.06.25</a:t>
             </a:fld>
             <a:endParaRPr lang="en-DE"/>
           </a:p>
@@ -1833,7 +1841,7 @@
           <a:p>
             <a:fld id="{BEC0A12F-6A7D-8841-A5A4-6740CA763864}" type="datetimeFigureOut">
               <a:rPr lang="en-DE" smtClean="0"/>
-              <a:t>24.06.25</a:t>
+              <a:t>27.06.25</a:t>
             </a:fld>
             <a:endParaRPr lang="en-DE"/>
           </a:p>
@@ -1975,7 +1983,7 @@
           <a:p>
             <a:fld id="{BEC0A12F-6A7D-8841-A5A4-6740CA763864}" type="datetimeFigureOut">
               <a:rPr lang="en-DE" smtClean="0"/>
-              <a:t>24.06.25</a:t>
+              <a:t>27.06.25</a:t>
             </a:fld>
             <a:endParaRPr lang="en-DE"/>
           </a:p>
@@ -2088,7 +2096,7 @@
           <a:p>
             <a:fld id="{BEC0A12F-6A7D-8841-A5A4-6740CA763864}" type="datetimeFigureOut">
               <a:rPr lang="en-DE" smtClean="0"/>
-              <a:t>24.06.25</a:t>
+              <a:t>27.06.25</a:t>
             </a:fld>
             <a:endParaRPr lang="en-DE"/>
           </a:p>
@@ -2401,7 +2409,7 @@
           <a:p>
             <a:fld id="{BEC0A12F-6A7D-8841-A5A4-6740CA763864}" type="datetimeFigureOut">
               <a:rPr lang="en-DE" smtClean="0"/>
-              <a:t>24.06.25</a:t>
+              <a:t>27.06.25</a:t>
             </a:fld>
             <a:endParaRPr lang="en-DE"/>
           </a:p>
@@ -2690,7 +2698,7 @@
           <a:p>
             <a:fld id="{BEC0A12F-6A7D-8841-A5A4-6740CA763864}" type="datetimeFigureOut">
               <a:rPr lang="en-DE" smtClean="0"/>
-              <a:t>24.06.25</a:t>
+              <a:t>27.06.25</a:t>
             </a:fld>
             <a:endParaRPr lang="en-DE"/>
           </a:p>
@@ -2933,7 +2941,7 @@
           <a:p>
             <a:fld id="{BEC0A12F-6A7D-8841-A5A4-6740CA763864}" type="datetimeFigureOut">
               <a:rPr lang="en-DE" smtClean="0"/>
-              <a:t>24.06.25</a:t>
+              <a:t>27.06.25</a:t>
             </a:fld>
             <a:endParaRPr lang="en-DE"/>
           </a:p>
@@ -3391,614 +3399,7 @@
 </p:sld>
 </file>
 
-<file path=ppt/slides/slide2.xml><?xml version="1.0" encoding="utf-8"?>
-<p:sld xmlns:a="http://schemas.openxmlformats.org/drawingml/2006/main" xmlns:r="http://schemas.openxmlformats.org/officeDocument/2006/relationships" xmlns:p="http://schemas.openxmlformats.org/presentationml/2006/main">
-  <p:cSld>
-    <p:spTree>
-      <p:nvGrpSpPr>
-        <p:cNvPr id="1" name=""/>
-        <p:cNvGrpSpPr/>
-        <p:nvPr/>
-      </p:nvGrpSpPr>
-      <p:grpSpPr>
-        <a:xfrm>
-          <a:off x="0" y="0"/>
-          <a:ext cx="0" cy="0"/>
-          <a:chOff x="0" y="0"/>
-          <a:chExt cx="0" cy="0"/>
-        </a:xfrm>
-      </p:grpSpPr>
-      <p:sp>
-        <p:nvSpPr>
-          <p:cNvPr id="2" name="Title 1">
-            <a:extLst>
-              <a:ext uri="{FF2B5EF4-FFF2-40B4-BE49-F238E27FC236}">
-                <a16:creationId xmlns:a16="http://schemas.microsoft.com/office/drawing/2014/main" id="{1B456A31-35E5-32B3-4B49-AA671ECB1193}"/>
-              </a:ext>
-            </a:extLst>
-          </p:cNvPr>
-          <p:cNvSpPr>
-            <a:spLocks noGrp="1"/>
-          </p:cNvSpPr>
-          <p:nvPr>
-            <p:ph type="title"/>
-          </p:nvPr>
-        </p:nvSpPr>
-        <p:spPr/>
-        <p:txBody>
-          <a:bodyPr/>
-          <a:lstStyle/>
-          <a:p>
-            <a:r>
-              <a:rPr lang="en-DE" dirty="0"/>
-              <a:t>Documentation</a:t>
-            </a:r>
-          </a:p>
-        </p:txBody>
-      </p:sp>
-      <p:sp>
-        <p:nvSpPr>
-          <p:cNvPr id="3" name="Content Placeholder 2">
-            <a:extLst>
-              <a:ext uri="{FF2B5EF4-FFF2-40B4-BE49-F238E27FC236}">
-                <a16:creationId xmlns:a16="http://schemas.microsoft.com/office/drawing/2014/main" id="{D3BA9E24-2CAB-F49D-99A5-87D0C2C0D9B3}"/>
-              </a:ext>
-            </a:extLst>
-          </p:cNvPr>
-          <p:cNvSpPr>
-            <a:spLocks noGrp="1"/>
-          </p:cNvSpPr>
-          <p:nvPr>
-            <p:ph idx="1"/>
-          </p:nvPr>
-        </p:nvSpPr>
-        <p:spPr/>
-        <p:txBody>
-          <a:bodyPr/>
-          <a:lstStyle/>
-          <a:p>
-            <a:endParaRPr lang="en-DE"/>
-          </a:p>
-        </p:txBody>
-      </p:sp>
-    </p:spTree>
-    <p:extLst>
-      <p:ext uri="{BB962C8B-B14F-4D97-AF65-F5344CB8AC3E}">
-        <p14:creationId xmlns:p14="http://schemas.microsoft.com/office/powerpoint/2010/main" val="3456268618"/>
-      </p:ext>
-    </p:extLst>
-  </p:cSld>
-  <p:clrMapOvr>
-    <a:masterClrMapping/>
-  </p:clrMapOvr>
-</p:sld>
-</file>
-
-<file path=ppt/slides/slide3.xml><?xml version="1.0" encoding="utf-8"?>
-<p:sld xmlns:a="http://schemas.openxmlformats.org/drawingml/2006/main" xmlns:r="http://schemas.openxmlformats.org/officeDocument/2006/relationships" xmlns:p="http://schemas.openxmlformats.org/presentationml/2006/main">
-  <p:cSld>
-    <p:spTree>
-      <p:nvGrpSpPr>
-        <p:cNvPr id="1" name=""/>
-        <p:cNvGrpSpPr/>
-        <p:nvPr/>
-      </p:nvGrpSpPr>
-      <p:grpSpPr>
-        <a:xfrm>
-          <a:off x="0" y="0"/>
-          <a:ext cx="0" cy="0"/>
-          <a:chOff x="0" y="0"/>
-          <a:chExt cx="0" cy="0"/>
-        </a:xfrm>
-      </p:grpSpPr>
-      <p:sp>
-        <p:nvSpPr>
-          <p:cNvPr id="2" name="Title 1">
-            <a:extLst>
-              <a:ext uri="{FF2B5EF4-FFF2-40B4-BE49-F238E27FC236}">
-                <a16:creationId xmlns:a16="http://schemas.microsoft.com/office/drawing/2014/main" id="{D12D5D62-FF58-40D6-D258-9941181C13A9}"/>
-              </a:ext>
-            </a:extLst>
-          </p:cNvPr>
-          <p:cNvSpPr>
-            <a:spLocks noGrp="1"/>
-          </p:cNvSpPr>
-          <p:nvPr>
-            <p:ph type="title"/>
-          </p:nvPr>
-        </p:nvSpPr>
-        <p:spPr/>
-        <p:txBody>
-          <a:bodyPr/>
-          <a:lstStyle/>
-          <a:p>
-            <a:r>
-              <a:rPr lang="en-DE" dirty="0"/>
-              <a:t>Elicitation</a:t>
-            </a:r>
-          </a:p>
-        </p:txBody>
-      </p:sp>
-      <p:sp>
-        <p:nvSpPr>
-          <p:cNvPr id="3" name="Content Placeholder 2">
-            <a:extLst>
-              <a:ext uri="{FF2B5EF4-FFF2-40B4-BE49-F238E27FC236}">
-                <a16:creationId xmlns:a16="http://schemas.microsoft.com/office/drawing/2014/main" id="{9CE43708-7545-3820-3387-E0ABDCF88F8B}"/>
-              </a:ext>
-            </a:extLst>
-          </p:cNvPr>
-          <p:cNvSpPr>
-            <a:spLocks noGrp="1"/>
-          </p:cNvSpPr>
-          <p:nvPr>
-            <p:ph idx="1"/>
-          </p:nvPr>
-        </p:nvSpPr>
-        <p:spPr/>
-        <p:txBody>
-          <a:bodyPr/>
-          <a:lstStyle/>
-          <a:p>
-            <a:r>
-              <a:rPr lang="en-GB" b="1" dirty="0"/>
-              <a:t>REQ1:</a:t>
-            </a:r>
-            <a:r>
-              <a:rPr lang="en-GB" dirty="0"/>
-              <a:t> The system shall provide fault-tolerant flight control by maintaining aircraft stability and command execution in the presence of multiple unexpected failure types, including actuator jams, reduced control effectiveness, structural failures, aerodynamic changes, and sensor noise.</a:t>
-            </a:r>
-            <a:endParaRPr lang="en-DE" dirty="0"/>
-          </a:p>
-        </p:txBody>
-      </p:sp>
-    </p:spTree>
-    <p:extLst>
-      <p:ext uri="{BB962C8B-B14F-4D97-AF65-F5344CB8AC3E}">
-        <p14:creationId xmlns:p14="http://schemas.microsoft.com/office/powerpoint/2010/main" val="180116877"/>
-      </p:ext>
-    </p:extLst>
-  </p:cSld>
-  <p:clrMapOvr>
-    <a:masterClrMapping/>
-  </p:clrMapOvr>
-</p:sld>
-</file>
-
-<file path=ppt/slides/slide4.xml><?xml version="1.0" encoding="utf-8"?>
-<p:sld xmlns:a="http://schemas.openxmlformats.org/drawingml/2006/main" xmlns:r="http://schemas.openxmlformats.org/officeDocument/2006/relationships" xmlns:p="http://schemas.openxmlformats.org/presentationml/2006/main">
-  <p:cSld>
-    <p:spTree>
-      <p:nvGrpSpPr>
-        <p:cNvPr id="1" name=""/>
-        <p:cNvGrpSpPr/>
-        <p:nvPr/>
-      </p:nvGrpSpPr>
-      <p:grpSpPr>
-        <a:xfrm>
-          <a:off x="0" y="0"/>
-          <a:ext cx="0" cy="0"/>
-          <a:chOff x="0" y="0"/>
-          <a:chExt cx="0" cy="0"/>
-        </a:xfrm>
-      </p:grpSpPr>
-      <p:sp>
-        <p:nvSpPr>
-          <p:cNvPr id="2" name="Title 1">
-            <a:extLst>
-              <a:ext uri="{FF2B5EF4-FFF2-40B4-BE49-F238E27FC236}">
-                <a16:creationId xmlns:a16="http://schemas.microsoft.com/office/drawing/2014/main" id="{AEB22556-B033-08D6-0716-5C99C570B10D}"/>
-              </a:ext>
-            </a:extLst>
-          </p:cNvPr>
-          <p:cNvSpPr>
-            <a:spLocks noGrp="1"/>
-          </p:cNvSpPr>
-          <p:nvPr>
-            <p:ph type="title"/>
-          </p:nvPr>
-        </p:nvSpPr>
-        <p:spPr/>
-        <p:txBody>
-          <a:bodyPr/>
-          <a:lstStyle/>
-          <a:p>
-            <a:r>
-              <a:rPr lang="en-DE" dirty="0"/>
-              <a:t>Specify System</a:t>
-            </a:r>
-          </a:p>
-        </p:txBody>
-      </p:sp>
-      <p:sp>
-        <p:nvSpPr>
-          <p:cNvPr id="3" name="Content Placeholder 2">
-            <a:extLst>
-              <a:ext uri="{FF2B5EF4-FFF2-40B4-BE49-F238E27FC236}">
-                <a16:creationId xmlns:a16="http://schemas.microsoft.com/office/drawing/2014/main" id="{BC6C2332-EAB7-BF91-E8D4-39E102586D62}"/>
-              </a:ext>
-            </a:extLst>
-          </p:cNvPr>
-          <p:cNvSpPr>
-            <a:spLocks noGrp="1"/>
-          </p:cNvSpPr>
-          <p:nvPr>
-            <p:ph idx="1"/>
-          </p:nvPr>
-        </p:nvSpPr>
-        <p:spPr/>
-        <p:txBody>
-          <a:bodyPr>
-            <a:normAutofit/>
-          </a:bodyPr>
-          <a:lstStyle/>
-          <a:p>
-            <a:r>
-              <a:rPr lang="en-GB" sz="1600" b="1" dirty="0"/>
-              <a:t>REQ2:</a:t>
-            </a:r>
-            <a:r>
-              <a:rPr lang="en-GB" sz="1600" dirty="0"/>
-              <a:t> The system shall utilize a model-free, Deep Reinforcement Learning-based (Soft Actor-Critic) control architecture for both attitude and altitude control.</a:t>
-            </a:r>
-          </a:p>
-          <a:p>
-            <a:r>
-              <a:rPr lang="en-GB" sz="1600" b="1" dirty="0"/>
-              <a:t>REQ3:</a:t>
-            </a:r>
-            <a:r>
-              <a:rPr lang="en-GB" sz="1600" dirty="0"/>
-              <a:t> The system shall implement a cascaded controller structure, where an inner-loop controller manages attitude (pitch, roll, sideslip) and an outer-loop controller manages altitude tracking.</a:t>
-            </a:r>
-          </a:p>
-          <a:p>
-            <a:r>
-              <a:rPr lang="en-GB" sz="1600" b="1" dirty="0"/>
-              <a:t>REQ4:</a:t>
-            </a:r>
-            <a:r>
-              <a:rPr lang="en-GB" sz="1600" dirty="0"/>
-              <a:t> The system shall deliver robust flight performance under varying initial flight conditions, reference signal shapes, biased sensor noise, and atmospheric disturbances.</a:t>
-            </a:r>
-          </a:p>
-          <a:p>
-            <a:r>
-              <a:rPr lang="en-GB" sz="1600" b="1" dirty="0"/>
-              <a:t>REQ5:</a:t>
-            </a:r>
-            <a:r>
-              <a:rPr lang="en-GB" sz="1600" dirty="0"/>
-              <a:t> The system shall operate at a refresh rate of at least 100 Hz, generating smooth incremental control commands to the aircraft’s elevator, aileron, and rudder.</a:t>
-            </a:r>
-          </a:p>
-          <a:p>
-            <a:r>
-              <a:rPr lang="en-GB" sz="1600" b="1" dirty="0"/>
-              <a:t>REQ6:</a:t>
-            </a:r>
-            <a:r>
-              <a:rPr lang="en-GB" sz="1600" dirty="0"/>
-              <a:t> The system shall interface with existing aircraft navigation and auto-throttle systems, commanding only control surfaces while leaving airspeed control to external systems.</a:t>
-            </a:r>
-          </a:p>
-          <a:p>
-            <a:r>
-              <a:rPr lang="en-GB" sz="1600" b="1" dirty="0"/>
-              <a:t>REQ7:</a:t>
-            </a:r>
-            <a:r>
-              <a:rPr lang="en-GB" sz="1600" dirty="0"/>
-              <a:t> The system shall be trained offline on nominal aircraft dynamics and demonstrate robust, adaptive response to failures during online operation without the need for parameter retuning or retraining.</a:t>
-            </a:r>
-          </a:p>
-          <a:p>
-            <a:r>
-              <a:rPr lang="en-GB" sz="1600" b="1" dirty="0"/>
-              <a:t>REQ8:</a:t>
-            </a:r>
-            <a:r>
-              <a:rPr lang="en-GB" sz="1600" dirty="0"/>
-              <a:t> The system shall generalize its control policy to untrained scenarios, adapting to unmodeled disturbances and maintaining performance without explicit reconfiguration.</a:t>
-            </a:r>
-          </a:p>
-          <a:p>
-            <a:endParaRPr lang="en-DE" sz="1600" dirty="0"/>
-          </a:p>
-        </p:txBody>
-      </p:sp>
-    </p:spTree>
-    <p:extLst>
-      <p:ext uri="{BB962C8B-B14F-4D97-AF65-F5344CB8AC3E}">
-        <p14:creationId xmlns:p14="http://schemas.microsoft.com/office/powerpoint/2010/main" val="2867327620"/>
-      </p:ext>
-    </p:extLst>
-  </p:cSld>
-  <p:clrMapOvr>
-    <a:masterClrMapping/>
-  </p:clrMapOvr>
-</p:sld>
-</file>
-
-<file path=ppt/slides/slide5.xml><?xml version="1.0" encoding="utf-8"?>
-<p:sld xmlns:a="http://schemas.openxmlformats.org/drawingml/2006/main" xmlns:r="http://schemas.openxmlformats.org/officeDocument/2006/relationships" xmlns:p="http://schemas.openxmlformats.org/presentationml/2006/main">
-  <p:cSld>
-    <p:spTree>
-      <p:nvGrpSpPr>
-        <p:cNvPr id="1" name=""/>
-        <p:cNvGrpSpPr/>
-        <p:nvPr/>
-      </p:nvGrpSpPr>
-      <p:grpSpPr>
-        <a:xfrm>
-          <a:off x="0" y="0"/>
-          <a:ext cx="0" cy="0"/>
-          <a:chOff x="0" y="0"/>
-          <a:chExt cx="0" cy="0"/>
-        </a:xfrm>
-      </p:grpSpPr>
-      <p:sp>
-        <p:nvSpPr>
-          <p:cNvPr id="2" name="Title 1">
-            <a:extLst>
-              <a:ext uri="{FF2B5EF4-FFF2-40B4-BE49-F238E27FC236}">
-                <a16:creationId xmlns:a16="http://schemas.microsoft.com/office/drawing/2014/main" id="{05BC657A-7B2F-00FF-0362-D6EC5E46E443}"/>
-              </a:ext>
-            </a:extLst>
-          </p:cNvPr>
-          <p:cNvSpPr>
-            <a:spLocks noGrp="1"/>
-          </p:cNvSpPr>
-          <p:nvPr>
-            <p:ph type="title"/>
-          </p:nvPr>
-        </p:nvSpPr>
-        <p:spPr/>
-        <p:txBody>
-          <a:bodyPr/>
-          <a:lstStyle/>
-          <a:p>
-            <a:r>
-              <a:rPr lang="en-DE" dirty="0"/>
-              <a:t>Specify System</a:t>
-            </a:r>
-          </a:p>
-        </p:txBody>
-      </p:sp>
-      <p:sp>
-        <p:nvSpPr>
-          <p:cNvPr id="3" name="Content Placeholder 2">
-            <a:extLst>
-              <a:ext uri="{FF2B5EF4-FFF2-40B4-BE49-F238E27FC236}">
-                <a16:creationId xmlns:a16="http://schemas.microsoft.com/office/drawing/2014/main" id="{9BF99268-9670-7103-39DB-43191691D41F}"/>
-              </a:ext>
-            </a:extLst>
-          </p:cNvPr>
-          <p:cNvSpPr>
-            <a:spLocks noGrp="1"/>
-          </p:cNvSpPr>
-          <p:nvPr>
-            <p:ph idx="1"/>
-          </p:nvPr>
-        </p:nvSpPr>
-        <p:spPr/>
-        <p:txBody>
-          <a:bodyPr/>
-          <a:lstStyle/>
-          <a:p>
-            <a:r>
-              <a:rPr lang="en-DE" dirty="0"/>
-              <a:t>Intent: In order to increase reliability of the Control System and help reduce the workload of the Flight Crew in high stress situations resulting from various failure modes, a fault tolerant flight system shall be integrated.</a:t>
-            </a:r>
-          </a:p>
-        </p:txBody>
-      </p:sp>
-    </p:spTree>
-    <p:extLst>
-      <p:ext uri="{BB962C8B-B14F-4D97-AF65-F5344CB8AC3E}">
-        <p14:creationId xmlns:p14="http://schemas.microsoft.com/office/powerpoint/2010/main" val="921602223"/>
-      </p:ext>
-    </p:extLst>
-  </p:cSld>
-  <p:clrMapOvr>
-    <a:masterClrMapping/>
-  </p:clrMapOvr>
-</p:sld>
-</file>
-
-<file path=ppt/slides/slide6.xml><?xml version="1.0" encoding="utf-8"?>
-<p:sld xmlns:a="http://schemas.openxmlformats.org/drawingml/2006/main" xmlns:r="http://schemas.openxmlformats.org/officeDocument/2006/relationships" xmlns:p="http://schemas.openxmlformats.org/presentationml/2006/main">
-  <p:cSld>
-    <p:spTree>
-      <p:nvGrpSpPr>
-        <p:cNvPr id="1" name="">
-          <a:extLst>
-            <a:ext uri="{FF2B5EF4-FFF2-40B4-BE49-F238E27FC236}">
-              <a16:creationId xmlns:a16="http://schemas.microsoft.com/office/drawing/2014/main" id="{36F13790-1F39-945B-B21E-5F54F0E0BBAF}"/>
-            </a:ext>
-          </a:extLst>
-        </p:cNvPr>
-        <p:cNvGrpSpPr/>
-        <p:nvPr/>
-      </p:nvGrpSpPr>
-      <p:grpSpPr>
-        <a:xfrm>
-          <a:off x="0" y="0"/>
-          <a:ext cx="0" cy="0"/>
-          <a:chOff x="0" y="0"/>
-          <a:chExt cx="0" cy="0"/>
-        </a:xfrm>
-      </p:grpSpPr>
-      <p:sp>
-        <p:nvSpPr>
-          <p:cNvPr id="2" name="Title 1">
-            <a:extLst>
-              <a:ext uri="{FF2B5EF4-FFF2-40B4-BE49-F238E27FC236}">
-                <a16:creationId xmlns:a16="http://schemas.microsoft.com/office/drawing/2014/main" id="{838D582C-D2D7-2F0B-F250-0F2ABDF18DB6}"/>
-              </a:ext>
-            </a:extLst>
-          </p:cNvPr>
-          <p:cNvSpPr>
-            <a:spLocks noGrp="1"/>
-          </p:cNvSpPr>
-          <p:nvPr>
-            <p:ph type="title"/>
-          </p:nvPr>
-        </p:nvSpPr>
-        <p:spPr/>
-        <p:txBody>
-          <a:bodyPr/>
-          <a:lstStyle/>
-          <a:p>
-            <a:r>
-              <a:rPr lang="en-DE" dirty="0"/>
-              <a:t>Specify System</a:t>
-            </a:r>
-          </a:p>
-        </p:txBody>
-      </p:sp>
-      <p:sp>
-        <p:nvSpPr>
-          <p:cNvPr id="3" name="Content Placeholder 2">
-            <a:extLst>
-              <a:ext uri="{FF2B5EF4-FFF2-40B4-BE49-F238E27FC236}">
-                <a16:creationId xmlns:a16="http://schemas.microsoft.com/office/drawing/2014/main" id="{7FFA2099-54EB-D319-8EE4-2B99B7AB0B7A}"/>
-              </a:ext>
-            </a:extLst>
-          </p:cNvPr>
-          <p:cNvSpPr>
-            <a:spLocks noGrp="1"/>
-          </p:cNvSpPr>
-          <p:nvPr>
-            <p:ph idx="1"/>
-          </p:nvPr>
-        </p:nvSpPr>
-        <p:spPr/>
-        <p:txBody>
-          <a:bodyPr/>
-          <a:lstStyle/>
-          <a:p>
-            <a:r>
-              <a:rPr lang="en-DE" dirty="0"/>
-              <a:t>ML Constituent: The AI controller shall generalize the different controll states</a:t>
-            </a:r>
-          </a:p>
-        </p:txBody>
-      </p:sp>
-    </p:spTree>
-    <p:extLst>
-      <p:ext uri="{BB962C8B-B14F-4D97-AF65-F5344CB8AC3E}">
-        <p14:creationId xmlns:p14="http://schemas.microsoft.com/office/powerpoint/2010/main" val="474936354"/>
-      </p:ext>
-    </p:extLst>
-  </p:cSld>
-  <p:clrMapOvr>
-    <a:masterClrMapping/>
-  </p:clrMapOvr>
-</p:sld>
-</file>
-
-<file path=ppt/slides/slide7.xml><?xml version="1.0" encoding="utf-8"?>
-<p:sld xmlns:a="http://schemas.openxmlformats.org/drawingml/2006/main" xmlns:r="http://schemas.openxmlformats.org/officeDocument/2006/relationships" xmlns:p="http://schemas.openxmlformats.org/presentationml/2006/main">
-  <p:cSld>
-    <p:spTree>
-      <p:nvGrpSpPr>
-        <p:cNvPr id="1" name="">
-          <a:extLst>
-            <a:ext uri="{FF2B5EF4-FFF2-40B4-BE49-F238E27FC236}">
-              <a16:creationId xmlns:a16="http://schemas.microsoft.com/office/drawing/2014/main" id="{E4D4F798-3265-E6AA-3E87-FC541AF57B85}"/>
-            </a:ext>
-          </a:extLst>
-        </p:cNvPr>
-        <p:cNvGrpSpPr/>
-        <p:nvPr/>
-      </p:nvGrpSpPr>
-      <p:grpSpPr>
-        <a:xfrm>
-          <a:off x="0" y="0"/>
-          <a:ext cx="0" cy="0"/>
-          <a:chOff x="0" y="0"/>
-          <a:chExt cx="0" cy="0"/>
-        </a:xfrm>
-      </p:grpSpPr>
-      <p:sp>
-        <p:nvSpPr>
-          <p:cNvPr id="2" name="Title 1">
-            <a:extLst>
-              <a:ext uri="{FF2B5EF4-FFF2-40B4-BE49-F238E27FC236}">
-                <a16:creationId xmlns:a16="http://schemas.microsoft.com/office/drawing/2014/main" id="{DE334235-C78E-218D-1AD4-94FCD460E28D}"/>
-              </a:ext>
-            </a:extLst>
-          </p:cNvPr>
-          <p:cNvSpPr>
-            <a:spLocks noGrp="1"/>
-          </p:cNvSpPr>
-          <p:nvPr>
-            <p:ph type="title"/>
-          </p:nvPr>
-        </p:nvSpPr>
-        <p:spPr/>
-        <p:txBody>
-          <a:bodyPr/>
-          <a:lstStyle/>
-          <a:p>
-            <a:r>
-              <a:rPr lang="en-DE" dirty="0"/>
-              <a:t>Specify System</a:t>
-            </a:r>
-          </a:p>
-        </p:txBody>
-      </p:sp>
-      <p:sp>
-        <p:nvSpPr>
-          <p:cNvPr id="3" name="Content Placeholder 2">
-            <a:extLst>
-              <a:ext uri="{FF2B5EF4-FFF2-40B4-BE49-F238E27FC236}">
-                <a16:creationId xmlns:a16="http://schemas.microsoft.com/office/drawing/2014/main" id="{425FE65A-088E-02D2-AE6A-6E6FE65F1580}"/>
-              </a:ext>
-            </a:extLst>
-          </p:cNvPr>
-          <p:cNvSpPr>
-            <a:spLocks noGrp="1"/>
-          </p:cNvSpPr>
-          <p:nvPr>
-            <p:ph idx="1"/>
-          </p:nvPr>
-        </p:nvSpPr>
-        <p:spPr/>
-        <p:txBody>
-          <a:bodyPr/>
-          <a:lstStyle/>
-          <a:p>
-            <a:r>
-              <a:rPr lang="en-DE" dirty="0"/>
-              <a:t>OD: </a:t>
-            </a:r>
-            <a:r>
-              <a:rPr lang="en-GB" dirty="0"/>
-              <a:t>The operational domain is </a:t>
-            </a:r>
-            <a:r>
-              <a:rPr lang="en-GB" b="1" dirty="0"/>
-              <a:t>real-time, closed-loop flight control of a jet aircraft, during all phases of normal flight, under both nominal and multiple severe failure/disturbance scenarios, at a 100 Hz rate, using only control surface commands—validated in high-fidelity simulation, and intended for experimental research aircraft.</a:t>
-            </a:r>
-          </a:p>
-        </p:txBody>
-      </p:sp>
-    </p:spTree>
-    <p:extLst>
-      <p:ext uri="{BB962C8B-B14F-4D97-AF65-F5344CB8AC3E}">
-        <p14:creationId xmlns:p14="http://schemas.microsoft.com/office/powerpoint/2010/main" val="3285643825"/>
-      </p:ext>
-    </p:extLst>
-  </p:cSld>
-  <p:clrMapOvr>
-    <a:masterClrMapping/>
-  </p:clrMapOvr>
-</p:sld>
-</file>
-
-<file path=ppt/slides/slide8.xml><?xml version="1.0" encoding="utf-8"?>
+<file path=ppt/slides/slide10.xml><?xml version="1.0" encoding="utf-8"?>
 <p:sld xmlns:a="http://schemas.openxmlformats.org/drawingml/2006/main" xmlns:r="http://schemas.openxmlformats.org/officeDocument/2006/relationships" xmlns:p="http://schemas.openxmlformats.org/presentationml/2006/main">
   <p:cSld>
     <p:spTree>
@@ -4649,7 +4050,7 @@
 </p:sld>
 </file>
 
-<file path=ppt/slides/slide9.xml><?xml version="1.0" encoding="utf-8"?>
+<file path=ppt/slides/slide11.xml><?xml version="1.0" encoding="utf-8"?>
 <p:sld xmlns:a="http://schemas.openxmlformats.org/drawingml/2006/main" xmlns:r="http://schemas.openxmlformats.org/officeDocument/2006/relationships" xmlns:p="http://schemas.openxmlformats.org/presentationml/2006/main">
   <p:cSld>
     <p:spTree>
@@ -4723,6 +4124,1066 @@
     <p:extLst>
       <p:ext uri="{BB962C8B-B14F-4D97-AF65-F5344CB8AC3E}">
         <p14:creationId xmlns:p14="http://schemas.microsoft.com/office/powerpoint/2010/main" val="3385256987"/>
+      </p:ext>
+    </p:extLst>
+  </p:cSld>
+  <p:clrMapOvr>
+    <a:masterClrMapping/>
+  </p:clrMapOvr>
+</p:sld>
+</file>
+
+<file path=ppt/slides/slide12.xml><?xml version="1.0" encoding="utf-8"?>
+<p:sld xmlns:a="http://schemas.openxmlformats.org/drawingml/2006/main" xmlns:r="http://schemas.openxmlformats.org/officeDocument/2006/relationships" xmlns:p="http://schemas.openxmlformats.org/presentationml/2006/main">
+  <p:cSld>
+    <p:spTree>
+      <p:nvGrpSpPr>
+        <p:cNvPr id="1" name=""/>
+        <p:cNvGrpSpPr/>
+        <p:nvPr/>
+      </p:nvGrpSpPr>
+      <p:grpSpPr>
+        <a:xfrm>
+          <a:off x="0" y="0"/>
+          <a:ext cx="0" cy="0"/>
+          <a:chOff x="0" y="0"/>
+          <a:chExt cx="0" cy="0"/>
+        </a:xfrm>
+      </p:grpSpPr>
+      <p:sp>
+        <p:nvSpPr>
+          <p:cNvPr id="2" name="Title 1">
+            <a:extLst>
+              <a:ext uri="{FF2B5EF4-FFF2-40B4-BE49-F238E27FC236}">
+                <a16:creationId xmlns:a16="http://schemas.microsoft.com/office/drawing/2014/main" id="{F436629D-8EC8-D953-C687-888D0781E208}"/>
+              </a:ext>
+            </a:extLst>
+          </p:cNvPr>
+          <p:cNvSpPr>
+            <a:spLocks noGrp="1"/>
+          </p:cNvSpPr>
+          <p:nvPr>
+            <p:ph type="title"/>
+          </p:nvPr>
+        </p:nvSpPr>
+        <p:spPr/>
+        <p:txBody>
+          <a:bodyPr/>
+          <a:lstStyle/>
+          <a:p>
+            <a:r>
+              <a:rPr lang="en-DE" dirty="0"/>
+              <a:t>Requirements</a:t>
+            </a:r>
+          </a:p>
+        </p:txBody>
+      </p:sp>
+      <p:sp>
+        <p:nvSpPr>
+          <p:cNvPr id="3" name="Content Placeholder 2">
+            <a:extLst>
+              <a:ext uri="{FF2B5EF4-FFF2-40B4-BE49-F238E27FC236}">
+                <a16:creationId xmlns:a16="http://schemas.microsoft.com/office/drawing/2014/main" id="{C1160A32-5B41-D485-E8B1-6D3AB715032C}"/>
+              </a:ext>
+            </a:extLst>
+          </p:cNvPr>
+          <p:cNvSpPr>
+            <a:spLocks noGrp="1"/>
+          </p:cNvSpPr>
+          <p:nvPr>
+            <p:ph idx="1"/>
+          </p:nvPr>
+        </p:nvSpPr>
+        <p:spPr/>
+        <p:txBody>
+          <a:bodyPr/>
+          <a:lstStyle/>
+          <a:p>
+            <a:r>
+              <a:rPr lang="en-DE" dirty="0"/>
+              <a:t>Functional Requirements:</a:t>
+            </a:r>
+          </a:p>
+          <a:p>
+            <a:endParaRPr lang="en-DE" dirty="0"/>
+          </a:p>
+          <a:p>
+            <a:endParaRPr lang="en-DE" dirty="0"/>
+          </a:p>
+          <a:p>
+            <a:pPr marL="0" indent="0">
+              <a:buNone/>
+            </a:pPr>
+            <a:endParaRPr lang="en-DE" dirty="0"/>
+          </a:p>
+          <a:p>
+            <a:r>
+              <a:rPr lang="en-DE" dirty="0"/>
+              <a:t>N</a:t>
+            </a:r>
+            <a:r>
+              <a:rPr lang="en-GB" dirty="0"/>
+              <a:t>o</a:t>
+            </a:r>
+            <a:r>
+              <a:rPr lang="en-DE" dirty="0"/>
+              <a:t>n- Functional Requirements:</a:t>
+            </a:r>
+          </a:p>
+        </p:txBody>
+      </p:sp>
+    </p:spTree>
+    <p:extLst>
+      <p:ext uri="{BB962C8B-B14F-4D97-AF65-F5344CB8AC3E}">
+        <p14:creationId xmlns:p14="http://schemas.microsoft.com/office/powerpoint/2010/main" val="449500475"/>
+      </p:ext>
+    </p:extLst>
+  </p:cSld>
+  <p:clrMapOvr>
+    <a:masterClrMapping/>
+  </p:clrMapOvr>
+</p:sld>
+</file>
+
+<file path=ppt/slides/slide2.xml><?xml version="1.0" encoding="utf-8"?>
+<p:sld xmlns:a="http://schemas.openxmlformats.org/drawingml/2006/main" xmlns:r="http://schemas.openxmlformats.org/officeDocument/2006/relationships" xmlns:p="http://schemas.openxmlformats.org/presentationml/2006/main">
+  <p:cSld>
+    <p:spTree>
+      <p:nvGrpSpPr>
+        <p:cNvPr id="1" name=""/>
+        <p:cNvGrpSpPr/>
+        <p:nvPr/>
+      </p:nvGrpSpPr>
+      <p:grpSpPr>
+        <a:xfrm>
+          <a:off x="0" y="0"/>
+          <a:ext cx="0" cy="0"/>
+          <a:chOff x="0" y="0"/>
+          <a:chExt cx="0" cy="0"/>
+        </a:xfrm>
+      </p:grpSpPr>
+      <p:sp>
+        <p:nvSpPr>
+          <p:cNvPr id="2" name="Title 1">
+            <a:extLst>
+              <a:ext uri="{FF2B5EF4-FFF2-40B4-BE49-F238E27FC236}">
+                <a16:creationId xmlns:a16="http://schemas.microsoft.com/office/drawing/2014/main" id="{1B456A31-35E5-32B3-4B49-AA671ECB1193}"/>
+              </a:ext>
+            </a:extLst>
+          </p:cNvPr>
+          <p:cNvSpPr>
+            <a:spLocks noGrp="1"/>
+          </p:cNvSpPr>
+          <p:nvPr>
+            <p:ph type="title"/>
+          </p:nvPr>
+        </p:nvSpPr>
+        <p:spPr/>
+        <p:txBody>
+          <a:bodyPr/>
+          <a:lstStyle/>
+          <a:p>
+            <a:r>
+              <a:rPr lang="en-DE" dirty="0"/>
+              <a:t>Documentation</a:t>
+            </a:r>
+          </a:p>
+        </p:txBody>
+      </p:sp>
+      <p:sp>
+        <p:nvSpPr>
+          <p:cNvPr id="3" name="Content Placeholder 2">
+            <a:extLst>
+              <a:ext uri="{FF2B5EF4-FFF2-40B4-BE49-F238E27FC236}">
+                <a16:creationId xmlns:a16="http://schemas.microsoft.com/office/drawing/2014/main" id="{D3BA9E24-2CAB-F49D-99A5-87D0C2C0D9B3}"/>
+              </a:ext>
+            </a:extLst>
+          </p:cNvPr>
+          <p:cNvSpPr>
+            <a:spLocks noGrp="1"/>
+          </p:cNvSpPr>
+          <p:nvPr>
+            <p:ph idx="1"/>
+          </p:nvPr>
+        </p:nvSpPr>
+        <p:spPr/>
+        <p:txBody>
+          <a:bodyPr/>
+          <a:lstStyle/>
+          <a:p>
+            <a:endParaRPr lang="en-DE"/>
+          </a:p>
+        </p:txBody>
+      </p:sp>
+    </p:spTree>
+    <p:extLst>
+      <p:ext uri="{BB962C8B-B14F-4D97-AF65-F5344CB8AC3E}">
+        <p14:creationId xmlns:p14="http://schemas.microsoft.com/office/powerpoint/2010/main" val="3456268618"/>
+      </p:ext>
+    </p:extLst>
+  </p:cSld>
+  <p:clrMapOvr>
+    <a:masterClrMapping/>
+  </p:clrMapOvr>
+</p:sld>
+</file>
+
+<file path=ppt/slides/slide3.xml><?xml version="1.0" encoding="utf-8"?>
+<p:sld xmlns:a="http://schemas.openxmlformats.org/drawingml/2006/main" xmlns:r="http://schemas.openxmlformats.org/officeDocument/2006/relationships" xmlns:p="http://schemas.openxmlformats.org/presentationml/2006/main">
+  <p:cSld>
+    <p:spTree>
+      <p:nvGrpSpPr>
+        <p:cNvPr id="1" name=""/>
+        <p:cNvGrpSpPr/>
+        <p:nvPr/>
+      </p:nvGrpSpPr>
+      <p:grpSpPr>
+        <a:xfrm>
+          <a:off x="0" y="0"/>
+          <a:ext cx="0" cy="0"/>
+          <a:chOff x="0" y="0"/>
+          <a:chExt cx="0" cy="0"/>
+        </a:xfrm>
+      </p:grpSpPr>
+      <p:sp>
+        <p:nvSpPr>
+          <p:cNvPr id="2" name="Title 1">
+            <a:extLst>
+              <a:ext uri="{FF2B5EF4-FFF2-40B4-BE49-F238E27FC236}">
+                <a16:creationId xmlns:a16="http://schemas.microsoft.com/office/drawing/2014/main" id="{D12D5D62-FF58-40D6-D258-9941181C13A9}"/>
+              </a:ext>
+            </a:extLst>
+          </p:cNvPr>
+          <p:cNvSpPr>
+            <a:spLocks noGrp="1"/>
+          </p:cNvSpPr>
+          <p:nvPr>
+            <p:ph type="title"/>
+          </p:nvPr>
+        </p:nvSpPr>
+        <p:spPr/>
+        <p:txBody>
+          <a:bodyPr/>
+          <a:lstStyle/>
+          <a:p>
+            <a:r>
+              <a:rPr lang="en-DE" dirty="0"/>
+              <a:t>Elicitation</a:t>
+            </a:r>
+          </a:p>
+        </p:txBody>
+      </p:sp>
+      <p:sp>
+        <p:nvSpPr>
+          <p:cNvPr id="3" name="Content Placeholder 2">
+            <a:extLst>
+              <a:ext uri="{FF2B5EF4-FFF2-40B4-BE49-F238E27FC236}">
+                <a16:creationId xmlns:a16="http://schemas.microsoft.com/office/drawing/2014/main" id="{9CE43708-7545-3820-3387-E0ABDCF88F8B}"/>
+              </a:ext>
+            </a:extLst>
+          </p:cNvPr>
+          <p:cNvSpPr>
+            <a:spLocks noGrp="1"/>
+          </p:cNvSpPr>
+          <p:nvPr>
+            <p:ph idx="1"/>
+          </p:nvPr>
+        </p:nvSpPr>
+        <p:spPr/>
+        <p:txBody>
+          <a:bodyPr/>
+          <a:lstStyle/>
+          <a:p>
+            <a:r>
+              <a:rPr lang="en-GB" b="1" dirty="0"/>
+              <a:t>REQ1:</a:t>
+            </a:r>
+            <a:r>
+              <a:rPr lang="en-GB" dirty="0"/>
+              <a:t> The system shall provide fault-tolerant flight control by maintaining aircraft stability and command execution in the presence of multiple unexpected failure types, including actuator jams, reduced control effectiveness, structural failures, aerodynamic changes, and sensor noise.</a:t>
+            </a:r>
+            <a:endParaRPr lang="en-DE" dirty="0"/>
+          </a:p>
+        </p:txBody>
+      </p:sp>
+    </p:spTree>
+    <p:extLst>
+      <p:ext uri="{BB962C8B-B14F-4D97-AF65-F5344CB8AC3E}">
+        <p14:creationId xmlns:p14="http://schemas.microsoft.com/office/powerpoint/2010/main" val="180116877"/>
+      </p:ext>
+    </p:extLst>
+  </p:cSld>
+  <p:clrMapOvr>
+    <a:masterClrMapping/>
+  </p:clrMapOvr>
+</p:sld>
+</file>
+
+<file path=ppt/slides/slide4.xml><?xml version="1.0" encoding="utf-8"?>
+<p:sld xmlns:a="http://schemas.openxmlformats.org/drawingml/2006/main" xmlns:r="http://schemas.openxmlformats.org/officeDocument/2006/relationships" xmlns:p="http://schemas.openxmlformats.org/presentationml/2006/main">
+  <p:cSld>
+    <p:spTree>
+      <p:nvGrpSpPr>
+        <p:cNvPr id="1" name=""/>
+        <p:cNvGrpSpPr/>
+        <p:nvPr/>
+      </p:nvGrpSpPr>
+      <p:grpSpPr>
+        <a:xfrm>
+          <a:off x="0" y="0"/>
+          <a:ext cx="0" cy="0"/>
+          <a:chOff x="0" y="0"/>
+          <a:chExt cx="0" cy="0"/>
+        </a:xfrm>
+      </p:grpSpPr>
+      <p:sp>
+        <p:nvSpPr>
+          <p:cNvPr id="2" name="Title 1">
+            <a:extLst>
+              <a:ext uri="{FF2B5EF4-FFF2-40B4-BE49-F238E27FC236}">
+                <a16:creationId xmlns:a16="http://schemas.microsoft.com/office/drawing/2014/main" id="{AEB22556-B033-08D6-0716-5C99C570B10D}"/>
+              </a:ext>
+            </a:extLst>
+          </p:cNvPr>
+          <p:cNvSpPr>
+            <a:spLocks noGrp="1"/>
+          </p:cNvSpPr>
+          <p:nvPr>
+            <p:ph type="title"/>
+          </p:nvPr>
+        </p:nvSpPr>
+        <p:spPr/>
+        <p:txBody>
+          <a:bodyPr/>
+          <a:lstStyle/>
+          <a:p>
+            <a:r>
+              <a:rPr lang="en-DE" dirty="0"/>
+              <a:t>Specify System</a:t>
+            </a:r>
+          </a:p>
+        </p:txBody>
+      </p:sp>
+      <p:sp>
+        <p:nvSpPr>
+          <p:cNvPr id="3" name="Content Placeholder 2">
+            <a:extLst>
+              <a:ext uri="{FF2B5EF4-FFF2-40B4-BE49-F238E27FC236}">
+                <a16:creationId xmlns:a16="http://schemas.microsoft.com/office/drawing/2014/main" id="{BC6C2332-EAB7-BF91-E8D4-39E102586D62}"/>
+              </a:ext>
+            </a:extLst>
+          </p:cNvPr>
+          <p:cNvSpPr>
+            <a:spLocks noGrp="1"/>
+          </p:cNvSpPr>
+          <p:nvPr>
+            <p:ph idx="1"/>
+          </p:nvPr>
+        </p:nvSpPr>
+        <p:spPr/>
+        <p:txBody>
+          <a:bodyPr>
+            <a:normAutofit/>
+          </a:bodyPr>
+          <a:lstStyle/>
+          <a:p>
+            <a:r>
+              <a:rPr lang="en-GB" sz="1600" b="1" dirty="0"/>
+              <a:t>REQ2:</a:t>
+            </a:r>
+            <a:r>
+              <a:rPr lang="en-GB" sz="1600" dirty="0"/>
+              <a:t> The system shall utilize a model-free, Deep Reinforcement Learning-based (Soft Actor-Critic) control architecture for both attitude and altitude control.</a:t>
+            </a:r>
+          </a:p>
+          <a:p>
+            <a:r>
+              <a:rPr lang="en-GB" sz="1600" b="1" dirty="0"/>
+              <a:t>REQ3:</a:t>
+            </a:r>
+            <a:r>
+              <a:rPr lang="en-GB" sz="1600" dirty="0"/>
+              <a:t> The system shall implement a cascaded controller structure, where an inner-loop controller manages attitude (pitch, roll, sideslip) and an outer-loop controller manages altitude tracking.</a:t>
+            </a:r>
+          </a:p>
+          <a:p>
+            <a:r>
+              <a:rPr lang="en-GB" sz="1600" b="1" dirty="0"/>
+              <a:t>REQ4:</a:t>
+            </a:r>
+            <a:r>
+              <a:rPr lang="en-GB" sz="1600" dirty="0"/>
+              <a:t> The system shall deliver robust flight performance under varying initial flight conditions, reference signal shapes, biased sensor noise, and atmospheric disturbances.</a:t>
+            </a:r>
+          </a:p>
+          <a:p>
+            <a:r>
+              <a:rPr lang="en-GB" sz="1600" b="1" dirty="0"/>
+              <a:t>REQ5:</a:t>
+            </a:r>
+            <a:r>
+              <a:rPr lang="en-GB" sz="1600" dirty="0"/>
+              <a:t> The system shall operate at a refresh rate of at least 100 Hz, generating smooth incremental control commands to the aircraft’s elevator, aileron, and rudder.</a:t>
+            </a:r>
+          </a:p>
+          <a:p>
+            <a:r>
+              <a:rPr lang="en-GB" sz="1600" b="1" dirty="0"/>
+              <a:t>REQ6:</a:t>
+            </a:r>
+            <a:r>
+              <a:rPr lang="en-GB" sz="1600" dirty="0"/>
+              <a:t> The system shall interface with existing aircraft navigation and auto-throttle systems, commanding only control surfaces while leaving airspeed control to external systems.</a:t>
+            </a:r>
+          </a:p>
+          <a:p>
+            <a:r>
+              <a:rPr lang="en-GB" sz="1600" b="1" dirty="0"/>
+              <a:t>REQ7:</a:t>
+            </a:r>
+            <a:r>
+              <a:rPr lang="en-GB" sz="1600" dirty="0"/>
+              <a:t> The system shall be trained offline on nominal aircraft dynamics and demonstrate robust, adaptive response to failures during online operation without the need for parameter retuning or retraining.</a:t>
+            </a:r>
+          </a:p>
+          <a:p>
+            <a:r>
+              <a:rPr lang="en-GB" sz="1600" b="1" dirty="0"/>
+              <a:t>REQ8:</a:t>
+            </a:r>
+            <a:r>
+              <a:rPr lang="en-GB" sz="1600" dirty="0"/>
+              <a:t> The system shall generalize its control policy to untrained scenarios, adapting to unmodeled disturbances and maintaining performance without explicit reconfiguration.</a:t>
+            </a:r>
+          </a:p>
+          <a:p>
+            <a:endParaRPr lang="en-DE" sz="1600" dirty="0"/>
+          </a:p>
+        </p:txBody>
+      </p:sp>
+    </p:spTree>
+    <p:extLst>
+      <p:ext uri="{BB962C8B-B14F-4D97-AF65-F5344CB8AC3E}">
+        <p14:creationId xmlns:p14="http://schemas.microsoft.com/office/powerpoint/2010/main" val="2867327620"/>
+      </p:ext>
+    </p:extLst>
+  </p:cSld>
+  <p:clrMapOvr>
+    <a:masterClrMapping/>
+  </p:clrMapOvr>
+</p:sld>
+</file>
+
+<file path=ppt/slides/slide5.xml><?xml version="1.0" encoding="utf-8"?>
+<p:sld xmlns:a="http://schemas.openxmlformats.org/drawingml/2006/main" xmlns:r="http://schemas.openxmlformats.org/officeDocument/2006/relationships" xmlns:p="http://schemas.openxmlformats.org/presentationml/2006/main">
+  <p:cSld>
+    <p:spTree>
+      <p:nvGrpSpPr>
+        <p:cNvPr id="1" name=""/>
+        <p:cNvGrpSpPr/>
+        <p:nvPr/>
+      </p:nvGrpSpPr>
+      <p:grpSpPr>
+        <a:xfrm>
+          <a:off x="0" y="0"/>
+          <a:ext cx="0" cy="0"/>
+          <a:chOff x="0" y="0"/>
+          <a:chExt cx="0" cy="0"/>
+        </a:xfrm>
+      </p:grpSpPr>
+      <p:sp>
+        <p:nvSpPr>
+          <p:cNvPr id="2" name="Title 1">
+            <a:extLst>
+              <a:ext uri="{FF2B5EF4-FFF2-40B4-BE49-F238E27FC236}">
+                <a16:creationId xmlns:a16="http://schemas.microsoft.com/office/drawing/2014/main" id="{05BC657A-7B2F-00FF-0362-D6EC5E46E443}"/>
+              </a:ext>
+            </a:extLst>
+          </p:cNvPr>
+          <p:cNvSpPr>
+            <a:spLocks noGrp="1"/>
+          </p:cNvSpPr>
+          <p:nvPr>
+            <p:ph type="title"/>
+          </p:nvPr>
+        </p:nvSpPr>
+        <p:spPr/>
+        <p:txBody>
+          <a:bodyPr/>
+          <a:lstStyle/>
+          <a:p>
+            <a:r>
+              <a:rPr lang="en-DE" dirty="0"/>
+              <a:t>Specify System</a:t>
+            </a:r>
+          </a:p>
+        </p:txBody>
+      </p:sp>
+      <p:sp>
+        <p:nvSpPr>
+          <p:cNvPr id="3" name="Content Placeholder 2">
+            <a:extLst>
+              <a:ext uri="{FF2B5EF4-FFF2-40B4-BE49-F238E27FC236}">
+                <a16:creationId xmlns:a16="http://schemas.microsoft.com/office/drawing/2014/main" id="{9BF99268-9670-7103-39DB-43191691D41F}"/>
+              </a:ext>
+            </a:extLst>
+          </p:cNvPr>
+          <p:cNvSpPr>
+            <a:spLocks noGrp="1"/>
+          </p:cNvSpPr>
+          <p:nvPr>
+            <p:ph idx="1"/>
+          </p:nvPr>
+        </p:nvSpPr>
+        <p:spPr/>
+        <p:txBody>
+          <a:bodyPr/>
+          <a:lstStyle/>
+          <a:p>
+            <a:r>
+              <a:rPr lang="en-DE" dirty="0"/>
+              <a:t>Intent: In order to increase reliability of the Control System and help reduce the workload of the Flight Crew in high stress situations resulting from various failure modes, a fault tolerant flight system shall be integrated.</a:t>
+            </a:r>
+          </a:p>
+        </p:txBody>
+      </p:sp>
+    </p:spTree>
+    <p:extLst>
+      <p:ext uri="{BB962C8B-B14F-4D97-AF65-F5344CB8AC3E}">
+        <p14:creationId xmlns:p14="http://schemas.microsoft.com/office/powerpoint/2010/main" val="921602223"/>
+      </p:ext>
+    </p:extLst>
+  </p:cSld>
+  <p:clrMapOvr>
+    <a:masterClrMapping/>
+  </p:clrMapOvr>
+</p:sld>
+</file>
+
+<file path=ppt/slides/slide6.xml><?xml version="1.0" encoding="utf-8"?>
+<p:sld xmlns:a="http://schemas.openxmlformats.org/drawingml/2006/main" xmlns:r="http://schemas.openxmlformats.org/officeDocument/2006/relationships" xmlns:p="http://schemas.openxmlformats.org/presentationml/2006/main">
+  <p:cSld>
+    <p:spTree>
+      <p:nvGrpSpPr>
+        <p:cNvPr id="1" name="">
+          <a:extLst>
+            <a:ext uri="{FF2B5EF4-FFF2-40B4-BE49-F238E27FC236}">
+              <a16:creationId xmlns:a16="http://schemas.microsoft.com/office/drawing/2014/main" id="{374215E2-1385-880A-2DE0-6E01438AE763}"/>
+            </a:ext>
+          </a:extLst>
+        </p:cNvPr>
+        <p:cNvGrpSpPr/>
+        <p:nvPr/>
+      </p:nvGrpSpPr>
+      <p:grpSpPr>
+        <a:xfrm>
+          <a:off x="0" y="0"/>
+          <a:ext cx="0" cy="0"/>
+          <a:chOff x="0" y="0"/>
+          <a:chExt cx="0" cy="0"/>
+        </a:xfrm>
+      </p:grpSpPr>
+      <p:sp>
+        <p:nvSpPr>
+          <p:cNvPr id="2" name="Title 1">
+            <a:extLst>
+              <a:ext uri="{FF2B5EF4-FFF2-40B4-BE49-F238E27FC236}">
+                <a16:creationId xmlns:a16="http://schemas.microsoft.com/office/drawing/2014/main" id="{288DAAE9-22DF-A531-D8D9-BA5904371D49}"/>
+              </a:ext>
+            </a:extLst>
+          </p:cNvPr>
+          <p:cNvSpPr>
+            <a:spLocks noGrp="1"/>
+          </p:cNvSpPr>
+          <p:nvPr>
+            <p:ph type="title"/>
+          </p:nvPr>
+        </p:nvSpPr>
+        <p:spPr/>
+        <p:txBody>
+          <a:bodyPr/>
+          <a:lstStyle/>
+          <a:p>
+            <a:r>
+              <a:rPr lang="en-DE" dirty="0"/>
+              <a:t>Specify System</a:t>
+            </a:r>
+          </a:p>
+        </p:txBody>
+      </p:sp>
+      <p:sp>
+        <p:nvSpPr>
+          <p:cNvPr id="3" name="Content Placeholder 2">
+            <a:extLst>
+              <a:ext uri="{FF2B5EF4-FFF2-40B4-BE49-F238E27FC236}">
+                <a16:creationId xmlns:a16="http://schemas.microsoft.com/office/drawing/2014/main" id="{6EFE9D78-A5E5-8F0A-31A8-7F9754C55495}"/>
+              </a:ext>
+            </a:extLst>
+          </p:cNvPr>
+          <p:cNvSpPr>
+            <a:spLocks noGrp="1"/>
+          </p:cNvSpPr>
+          <p:nvPr>
+            <p:ph idx="1"/>
+          </p:nvPr>
+        </p:nvSpPr>
+        <p:spPr/>
+        <p:txBody>
+          <a:bodyPr/>
+          <a:lstStyle/>
+          <a:p>
+            <a:r>
+              <a:rPr lang="en-DE" dirty="0"/>
+              <a:t>Users:</a:t>
+            </a:r>
+          </a:p>
+          <a:p>
+            <a:pPr lvl="1"/>
+            <a:r>
+              <a:rPr lang="en-DE" dirty="0"/>
+              <a:t>On board flight control computer/autopilot: </a:t>
+            </a:r>
+          </a:p>
+          <a:p>
+            <a:pPr lvl="2"/>
+            <a:r>
+              <a:rPr lang="en-DE" dirty="0"/>
+              <a:t>executes algorithm</a:t>
+            </a:r>
+          </a:p>
+          <a:p>
+            <a:pPr lvl="1"/>
+            <a:r>
+              <a:rPr lang="en-GB" dirty="0"/>
+              <a:t>F</a:t>
+            </a:r>
+            <a:r>
+              <a:rPr lang="en-DE" dirty="0"/>
+              <a:t>light crew:</a:t>
+            </a:r>
+          </a:p>
+          <a:p>
+            <a:pPr lvl="2"/>
+            <a:r>
+              <a:rPr lang="en-GB" dirty="0"/>
+              <a:t>R</a:t>
+            </a:r>
+            <a:r>
+              <a:rPr lang="en-DE" dirty="0"/>
+              <a:t>eceives stable aircraft and can interact with cockpit control</a:t>
+            </a:r>
+          </a:p>
+          <a:p>
+            <a:pPr lvl="1"/>
+            <a:r>
+              <a:rPr lang="en-GB" dirty="0"/>
+              <a:t>M</a:t>
+            </a:r>
+            <a:r>
+              <a:rPr lang="en-DE" dirty="0"/>
+              <a:t>aintenance and health management engineers:</a:t>
+            </a:r>
+          </a:p>
+          <a:p>
+            <a:pPr lvl="2"/>
+            <a:r>
+              <a:rPr lang="en-GB" dirty="0"/>
+              <a:t>A</a:t>
+            </a:r>
+            <a:r>
+              <a:rPr lang="en-DE" dirty="0"/>
+              <a:t>nalyse logs</a:t>
+            </a:r>
+          </a:p>
+          <a:p>
+            <a:pPr lvl="1"/>
+            <a:endParaRPr lang="en-DE" dirty="0"/>
+          </a:p>
+          <a:p>
+            <a:pPr marL="0" indent="0">
+              <a:buNone/>
+            </a:pPr>
+            <a:endParaRPr lang="en-DE" dirty="0"/>
+          </a:p>
+          <a:p>
+            <a:endParaRPr lang="en-DE" dirty="0"/>
+          </a:p>
+        </p:txBody>
+      </p:sp>
+    </p:spTree>
+    <p:extLst>
+      <p:ext uri="{BB962C8B-B14F-4D97-AF65-F5344CB8AC3E}">
+        <p14:creationId xmlns:p14="http://schemas.microsoft.com/office/powerpoint/2010/main" val="193631360"/>
+      </p:ext>
+    </p:extLst>
+  </p:cSld>
+  <p:clrMapOvr>
+    <a:masterClrMapping/>
+  </p:clrMapOvr>
+</p:sld>
+</file>
+
+<file path=ppt/slides/slide7.xml><?xml version="1.0" encoding="utf-8"?>
+<p:sld xmlns:a="http://schemas.openxmlformats.org/drawingml/2006/main" xmlns:r="http://schemas.openxmlformats.org/officeDocument/2006/relationships" xmlns:p="http://schemas.openxmlformats.org/presentationml/2006/main">
+  <p:cSld>
+    <p:spTree>
+      <p:nvGrpSpPr>
+        <p:cNvPr id="1" name="">
+          <a:extLst>
+            <a:ext uri="{FF2B5EF4-FFF2-40B4-BE49-F238E27FC236}">
+              <a16:creationId xmlns:a16="http://schemas.microsoft.com/office/drawing/2014/main" id="{0893F7B2-11DC-647C-4F74-2F05E26B8F87}"/>
+            </a:ext>
+          </a:extLst>
+        </p:cNvPr>
+        <p:cNvGrpSpPr/>
+        <p:nvPr/>
+      </p:nvGrpSpPr>
+      <p:grpSpPr>
+        <a:xfrm>
+          <a:off x="0" y="0"/>
+          <a:ext cx="0" cy="0"/>
+          <a:chOff x="0" y="0"/>
+          <a:chExt cx="0" cy="0"/>
+        </a:xfrm>
+      </p:grpSpPr>
+      <p:sp>
+        <p:nvSpPr>
+          <p:cNvPr id="2" name="Title 1">
+            <a:extLst>
+              <a:ext uri="{FF2B5EF4-FFF2-40B4-BE49-F238E27FC236}">
+                <a16:creationId xmlns:a16="http://schemas.microsoft.com/office/drawing/2014/main" id="{9DD3E4AD-F549-52B8-DA7F-F358CBE16135}"/>
+              </a:ext>
+            </a:extLst>
+          </p:cNvPr>
+          <p:cNvSpPr>
+            <a:spLocks noGrp="1"/>
+          </p:cNvSpPr>
+          <p:nvPr>
+            <p:ph type="title"/>
+          </p:nvPr>
+        </p:nvSpPr>
+        <p:spPr/>
+        <p:txBody>
+          <a:bodyPr/>
+          <a:lstStyle/>
+          <a:p>
+            <a:r>
+              <a:rPr lang="en-DE" dirty="0"/>
+              <a:t>Specify System</a:t>
+            </a:r>
+          </a:p>
+        </p:txBody>
+      </p:sp>
+      <p:sp>
+        <p:nvSpPr>
+          <p:cNvPr id="3" name="Content Placeholder 2">
+            <a:extLst>
+              <a:ext uri="{FF2B5EF4-FFF2-40B4-BE49-F238E27FC236}">
+                <a16:creationId xmlns:a16="http://schemas.microsoft.com/office/drawing/2014/main" id="{70EF2658-AAAB-B71D-A242-E49D5C4BA2A0}"/>
+              </a:ext>
+            </a:extLst>
+          </p:cNvPr>
+          <p:cNvSpPr>
+            <a:spLocks noGrp="1"/>
+          </p:cNvSpPr>
+          <p:nvPr>
+            <p:ph idx="1"/>
+          </p:nvPr>
+        </p:nvSpPr>
+        <p:spPr/>
+        <p:txBody>
+          <a:bodyPr/>
+          <a:lstStyle/>
+          <a:p>
+            <a:pPr lvl="1"/>
+            <a:r>
+              <a:rPr lang="en-DE" dirty="0"/>
+              <a:t>Inputs</a:t>
+            </a:r>
+          </a:p>
+          <a:p>
+            <a:pPr lvl="2"/>
+            <a:r>
+              <a:rPr lang="en-DE" dirty="0"/>
+              <a:t>Aircraft state vector: </a:t>
+            </a:r>
+          </a:p>
+          <a:p>
+            <a:pPr lvl="3"/>
+            <a:r>
+              <a:rPr lang="en-GB" dirty="0" err="1"/>
+              <a:t>p,q,r,V</a:t>
+            </a:r>
+            <a:r>
+              <a:rPr lang="en-GB" dirty="0"/>
+              <a:t>, alpha, beta, theta, phi, chi, h</a:t>
+            </a:r>
+          </a:p>
+          <a:p>
+            <a:pPr lvl="2"/>
+            <a:r>
+              <a:rPr lang="en-GB" dirty="0"/>
+              <a:t>Control surface positions: elevator, rudder, aileron</a:t>
+            </a:r>
+          </a:p>
+          <a:p>
+            <a:pPr lvl="2"/>
+            <a:r>
+              <a:rPr lang="en-GB" dirty="0"/>
+              <a:t>Guidance reference: h, theta, phi, beta</a:t>
+            </a:r>
+          </a:p>
+          <a:p>
+            <a:pPr lvl="2"/>
+            <a:r>
+              <a:rPr lang="en-GB" dirty="0"/>
+              <a:t>Context data: Fault flags etc.</a:t>
+            </a:r>
+          </a:p>
+          <a:p>
+            <a:pPr lvl="1"/>
+            <a:r>
+              <a:rPr lang="en-GB" dirty="0"/>
+              <a:t>Outputs</a:t>
+            </a:r>
+          </a:p>
+          <a:p>
+            <a:pPr lvl="2"/>
+            <a:r>
+              <a:rPr lang="en-GB" dirty="0"/>
+              <a:t>Inner loop attitude controller: delta(elevator, </a:t>
+            </a:r>
+            <a:r>
+              <a:rPr lang="en-GB" dirty="0" err="1"/>
+              <a:t>rudder,aileron</a:t>
+            </a:r>
+            <a:r>
+              <a:rPr lang="en-GB" dirty="0"/>
+              <a:t>)</a:t>
+            </a:r>
+          </a:p>
+          <a:p>
+            <a:pPr lvl="2"/>
+            <a:r>
+              <a:rPr lang="en-GB" dirty="0"/>
+              <a:t>Outer loop altitude controller: delta theta</a:t>
+            </a:r>
+          </a:p>
+          <a:p>
+            <a:pPr lvl="2"/>
+            <a:r>
+              <a:rPr lang="en-GB" dirty="0"/>
+              <a:t>Supervisory/ status channel: </a:t>
+            </a:r>
+            <a:endParaRPr lang="en-DE" dirty="0"/>
+          </a:p>
+          <a:p>
+            <a:pPr marL="0" indent="0">
+              <a:buNone/>
+            </a:pPr>
+            <a:endParaRPr lang="en-DE" dirty="0"/>
+          </a:p>
+          <a:p>
+            <a:endParaRPr lang="en-DE" dirty="0"/>
+          </a:p>
+        </p:txBody>
+      </p:sp>
+    </p:spTree>
+    <p:extLst>
+      <p:ext uri="{BB962C8B-B14F-4D97-AF65-F5344CB8AC3E}">
+        <p14:creationId xmlns:p14="http://schemas.microsoft.com/office/powerpoint/2010/main" val="172774000"/>
+      </p:ext>
+    </p:extLst>
+  </p:cSld>
+  <p:clrMapOvr>
+    <a:masterClrMapping/>
+  </p:clrMapOvr>
+</p:sld>
+</file>
+
+<file path=ppt/slides/slide8.xml><?xml version="1.0" encoding="utf-8"?>
+<p:sld xmlns:a="http://schemas.openxmlformats.org/drawingml/2006/main" xmlns:r="http://schemas.openxmlformats.org/officeDocument/2006/relationships" xmlns:p="http://schemas.openxmlformats.org/presentationml/2006/main">
+  <p:cSld>
+    <p:spTree>
+      <p:nvGrpSpPr>
+        <p:cNvPr id="1" name="">
+          <a:extLst>
+            <a:ext uri="{FF2B5EF4-FFF2-40B4-BE49-F238E27FC236}">
+              <a16:creationId xmlns:a16="http://schemas.microsoft.com/office/drawing/2014/main" id="{36F13790-1F39-945B-B21E-5F54F0E0BBAF}"/>
+            </a:ext>
+          </a:extLst>
+        </p:cNvPr>
+        <p:cNvGrpSpPr/>
+        <p:nvPr/>
+      </p:nvGrpSpPr>
+      <p:grpSpPr>
+        <a:xfrm>
+          <a:off x="0" y="0"/>
+          <a:ext cx="0" cy="0"/>
+          <a:chOff x="0" y="0"/>
+          <a:chExt cx="0" cy="0"/>
+        </a:xfrm>
+      </p:grpSpPr>
+      <p:sp>
+        <p:nvSpPr>
+          <p:cNvPr id="2" name="Title 1">
+            <a:extLst>
+              <a:ext uri="{FF2B5EF4-FFF2-40B4-BE49-F238E27FC236}">
+                <a16:creationId xmlns:a16="http://schemas.microsoft.com/office/drawing/2014/main" id="{838D582C-D2D7-2F0B-F250-0F2ABDF18DB6}"/>
+              </a:ext>
+            </a:extLst>
+          </p:cNvPr>
+          <p:cNvSpPr>
+            <a:spLocks noGrp="1"/>
+          </p:cNvSpPr>
+          <p:nvPr>
+            <p:ph type="title"/>
+          </p:nvPr>
+        </p:nvSpPr>
+        <p:spPr/>
+        <p:txBody>
+          <a:bodyPr/>
+          <a:lstStyle/>
+          <a:p>
+            <a:r>
+              <a:rPr lang="en-DE" dirty="0"/>
+              <a:t>Specify System</a:t>
+            </a:r>
+          </a:p>
+        </p:txBody>
+      </p:sp>
+      <p:sp>
+        <p:nvSpPr>
+          <p:cNvPr id="3" name="Content Placeholder 2">
+            <a:extLst>
+              <a:ext uri="{FF2B5EF4-FFF2-40B4-BE49-F238E27FC236}">
+                <a16:creationId xmlns:a16="http://schemas.microsoft.com/office/drawing/2014/main" id="{7FFA2099-54EB-D319-8EE4-2B99B7AB0B7A}"/>
+              </a:ext>
+            </a:extLst>
+          </p:cNvPr>
+          <p:cNvSpPr>
+            <a:spLocks noGrp="1"/>
+          </p:cNvSpPr>
+          <p:nvPr>
+            <p:ph idx="1"/>
+          </p:nvPr>
+        </p:nvSpPr>
+        <p:spPr/>
+        <p:txBody>
+          <a:bodyPr/>
+          <a:lstStyle/>
+          <a:p>
+            <a:r>
+              <a:rPr lang="en-DE" dirty="0"/>
+              <a:t>ML Constituent: The AI controller shall generalize the different controll states</a:t>
+            </a:r>
+          </a:p>
+        </p:txBody>
+      </p:sp>
+    </p:spTree>
+    <p:extLst>
+      <p:ext uri="{BB962C8B-B14F-4D97-AF65-F5344CB8AC3E}">
+        <p14:creationId xmlns:p14="http://schemas.microsoft.com/office/powerpoint/2010/main" val="474936354"/>
+      </p:ext>
+    </p:extLst>
+  </p:cSld>
+  <p:clrMapOvr>
+    <a:masterClrMapping/>
+  </p:clrMapOvr>
+</p:sld>
+</file>
+
+<file path=ppt/slides/slide9.xml><?xml version="1.0" encoding="utf-8"?>
+<p:sld xmlns:a="http://schemas.openxmlformats.org/drawingml/2006/main" xmlns:r="http://schemas.openxmlformats.org/officeDocument/2006/relationships" xmlns:p="http://schemas.openxmlformats.org/presentationml/2006/main">
+  <p:cSld>
+    <p:spTree>
+      <p:nvGrpSpPr>
+        <p:cNvPr id="1" name="">
+          <a:extLst>
+            <a:ext uri="{FF2B5EF4-FFF2-40B4-BE49-F238E27FC236}">
+              <a16:creationId xmlns:a16="http://schemas.microsoft.com/office/drawing/2014/main" id="{E4D4F798-3265-E6AA-3E87-FC541AF57B85}"/>
+            </a:ext>
+          </a:extLst>
+        </p:cNvPr>
+        <p:cNvGrpSpPr/>
+        <p:nvPr/>
+      </p:nvGrpSpPr>
+      <p:grpSpPr>
+        <a:xfrm>
+          <a:off x="0" y="0"/>
+          <a:ext cx="0" cy="0"/>
+          <a:chOff x="0" y="0"/>
+          <a:chExt cx="0" cy="0"/>
+        </a:xfrm>
+      </p:grpSpPr>
+      <p:sp>
+        <p:nvSpPr>
+          <p:cNvPr id="2" name="Title 1">
+            <a:extLst>
+              <a:ext uri="{FF2B5EF4-FFF2-40B4-BE49-F238E27FC236}">
+                <a16:creationId xmlns:a16="http://schemas.microsoft.com/office/drawing/2014/main" id="{DE334235-C78E-218D-1AD4-94FCD460E28D}"/>
+              </a:ext>
+            </a:extLst>
+          </p:cNvPr>
+          <p:cNvSpPr>
+            <a:spLocks noGrp="1"/>
+          </p:cNvSpPr>
+          <p:nvPr>
+            <p:ph type="title"/>
+          </p:nvPr>
+        </p:nvSpPr>
+        <p:spPr/>
+        <p:txBody>
+          <a:bodyPr/>
+          <a:lstStyle/>
+          <a:p>
+            <a:r>
+              <a:rPr lang="en-DE" dirty="0"/>
+              <a:t>Specify System</a:t>
+            </a:r>
+          </a:p>
+        </p:txBody>
+      </p:sp>
+      <p:sp>
+        <p:nvSpPr>
+          <p:cNvPr id="3" name="Content Placeholder 2">
+            <a:extLst>
+              <a:ext uri="{FF2B5EF4-FFF2-40B4-BE49-F238E27FC236}">
+                <a16:creationId xmlns:a16="http://schemas.microsoft.com/office/drawing/2014/main" id="{425FE65A-088E-02D2-AE6A-6E6FE65F1580}"/>
+              </a:ext>
+            </a:extLst>
+          </p:cNvPr>
+          <p:cNvSpPr>
+            <a:spLocks noGrp="1"/>
+          </p:cNvSpPr>
+          <p:nvPr>
+            <p:ph idx="1"/>
+          </p:nvPr>
+        </p:nvSpPr>
+        <p:spPr/>
+        <p:txBody>
+          <a:bodyPr/>
+          <a:lstStyle/>
+          <a:p>
+            <a:r>
+              <a:rPr lang="en-DE" dirty="0"/>
+              <a:t>OD: </a:t>
+            </a:r>
+            <a:r>
+              <a:rPr lang="en-GB" dirty="0"/>
+              <a:t>The operational domain is </a:t>
+            </a:r>
+            <a:r>
+              <a:rPr lang="en-GB" b="1" dirty="0"/>
+              <a:t>real-time, closed-loop flight control of a jet aircraft, during all phases of normal flight, under both nominal and multiple severe failure/disturbance scenarios, at a 100 Hz rate, using only control surface commands—validated in high-fidelity simulation, and intended for experimental research aircraft.</a:t>
+            </a:r>
+          </a:p>
+        </p:txBody>
+      </p:sp>
+    </p:spTree>
+    <p:extLst>
+      <p:ext uri="{BB962C8B-B14F-4D97-AF65-F5344CB8AC3E}">
+        <p14:creationId xmlns:p14="http://schemas.microsoft.com/office/powerpoint/2010/main" val="3285643825"/>
       </p:ext>
     </p:extLst>
   </p:cSld>

--- a/AIASPres.pptx
+++ b/AIASPres.pptx
@@ -6,17 +6,15 @@
   </p:sldMasterIdLst>
   <p:sldIdLst>
     <p:sldId id="256" r:id="rId2"/>
-    <p:sldId id="260" r:id="rId3"/>
+    <p:sldId id="258" r:id="rId3"/>
     <p:sldId id="257" r:id="rId4"/>
     <p:sldId id="263" r:id="rId5"/>
-    <p:sldId id="258" r:id="rId6"/>
-    <p:sldId id="266" r:id="rId7"/>
-    <p:sldId id="267" r:id="rId8"/>
+    <p:sldId id="266" r:id="rId6"/>
+    <p:sldId id="267" r:id="rId7"/>
+    <p:sldId id="268" r:id="rId8"/>
     <p:sldId id="261" r:id="rId9"/>
     <p:sldId id="262" r:id="rId10"/>
     <p:sldId id="264" r:id="rId11"/>
-    <p:sldId id="259" r:id="rId12"/>
-    <p:sldId id="265" r:id="rId13"/>
   </p:sldIdLst>
   <p:sldSz cx="12192000" cy="6858000"/>
   <p:notesSz cx="6858000" cy="9144000"/>
@@ -4050,201 +4048,6 @@
 </p:sld>
 </file>
 
-<file path=ppt/slides/slide11.xml><?xml version="1.0" encoding="utf-8"?>
-<p:sld xmlns:a="http://schemas.openxmlformats.org/drawingml/2006/main" xmlns:r="http://schemas.openxmlformats.org/officeDocument/2006/relationships" xmlns:p="http://schemas.openxmlformats.org/presentationml/2006/main">
-  <p:cSld>
-    <p:spTree>
-      <p:nvGrpSpPr>
-        <p:cNvPr id="1" name=""/>
-        <p:cNvGrpSpPr/>
-        <p:nvPr/>
-      </p:nvGrpSpPr>
-      <p:grpSpPr>
-        <a:xfrm>
-          <a:off x="0" y="0"/>
-          <a:ext cx="0" cy="0"/>
-          <a:chOff x="0" y="0"/>
-          <a:chExt cx="0" cy="0"/>
-        </a:xfrm>
-      </p:grpSpPr>
-      <p:sp>
-        <p:nvSpPr>
-          <p:cNvPr id="2" name="Title 1">
-            <a:extLst>
-              <a:ext uri="{FF2B5EF4-FFF2-40B4-BE49-F238E27FC236}">
-                <a16:creationId xmlns:a16="http://schemas.microsoft.com/office/drawing/2014/main" id="{BF49B0CC-4DDF-0EEB-CA54-AB73E24B8CC2}"/>
-              </a:ext>
-            </a:extLst>
-          </p:cNvPr>
-          <p:cNvSpPr>
-            <a:spLocks noGrp="1"/>
-          </p:cNvSpPr>
-          <p:nvPr>
-            <p:ph type="title"/>
-          </p:nvPr>
-        </p:nvSpPr>
-        <p:spPr/>
-        <p:txBody>
-          <a:bodyPr/>
-          <a:lstStyle/>
-          <a:p>
-            <a:r>
-              <a:rPr lang="en-DE" dirty="0"/>
-              <a:t>OD &amp; ODD</a:t>
-            </a:r>
-          </a:p>
-        </p:txBody>
-      </p:sp>
-      <p:sp>
-        <p:nvSpPr>
-          <p:cNvPr id="3" name="Content Placeholder 2">
-            <a:extLst>
-              <a:ext uri="{FF2B5EF4-FFF2-40B4-BE49-F238E27FC236}">
-                <a16:creationId xmlns:a16="http://schemas.microsoft.com/office/drawing/2014/main" id="{BD3D5F7C-EFE7-53F6-0D22-C4A09884A5AA}"/>
-              </a:ext>
-            </a:extLst>
-          </p:cNvPr>
-          <p:cNvSpPr>
-            <a:spLocks noGrp="1"/>
-          </p:cNvSpPr>
-          <p:nvPr>
-            <p:ph idx="1"/>
-          </p:nvPr>
-        </p:nvSpPr>
-        <p:spPr/>
-        <p:txBody>
-          <a:bodyPr/>
-          <a:lstStyle/>
-          <a:p>
-            <a:endParaRPr lang="en-DE"/>
-          </a:p>
-        </p:txBody>
-      </p:sp>
-    </p:spTree>
-    <p:extLst>
-      <p:ext uri="{BB962C8B-B14F-4D97-AF65-F5344CB8AC3E}">
-        <p14:creationId xmlns:p14="http://schemas.microsoft.com/office/powerpoint/2010/main" val="3385256987"/>
-      </p:ext>
-    </p:extLst>
-  </p:cSld>
-  <p:clrMapOvr>
-    <a:masterClrMapping/>
-  </p:clrMapOvr>
-</p:sld>
-</file>
-
-<file path=ppt/slides/slide12.xml><?xml version="1.0" encoding="utf-8"?>
-<p:sld xmlns:a="http://schemas.openxmlformats.org/drawingml/2006/main" xmlns:r="http://schemas.openxmlformats.org/officeDocument/2006/relationships" xmlns:p="http://schemas.openxmlformats.org/presentationml/2006/main">
-  <p:cSld>
-    <p:spTree>
-      <p:nvGrpSpPr>
-        <p:cNvPr id="1" name=""/>
-        <p:cNvGrpSpPr/>
-        <p:nvPr/>
-      </p:nvGrpSpPr>
-      <p:grpSpPr>
-        <a:xfrm>
-          <a:off x="0" y="0"/>
-          <a:ext cx="0" cy="0"/>
-          <a:chOff x="0" y="0"/>
-          <a:chExt cx="0" cy="0"/>
-        </a:xfrm>
-      </p:grpSpPr>
-      <p:sp>
-        <p:nvSpPr>
-          <p:cNvPr id="2" name="Title 1">
-            <a:extLst>
-              <a:ext uri="{FF2B5EF4-FFF2-40B4-BE49-F238E27FC236}">
-                <a16:creationId xmlns:a16="http://schemas.microsoft.com/office/drawing/2014/main" id="{F436629D-8EC8-D953-C687-888D0781E208}"/>
-              </a:ext>
-            </a:extLst>
-          </p:cNvPr>
-          <p:cNvSpPr>
-            <a:spLocks noGrp="1"/>
-          </p:cNvSpPr>
-          <p:nvPr>
-            <p:ph type="title"/>
-          </p:nvPr>
-        </p:nvSpPr>
-        <p:spPr/>
-        <p:txBody>
-          <a:bodyPr/>
-          <a:lstStyle/>
-          <a:p>
-            <a:r>
-              <a:rPr lang="en-DE" dirty="0"/>
-              <a:t>Requirements</a:t>
-            </a:r>
-          </a:p>
-        </p:txBody>
-      </p:sp>
-      <p:sp>
-        <p:nvSpPr>
-          <p:cNvPr id="3" name="Content Placeholder 2">
-            <a:extLst>
-              <a:ext uri="{FF2B5EF4-FFF2-40B4-BE49-F238E27FC236}">
-                <a16:creationId xmlns:a16="http://schemas.microsoft.com/office/drawing/2014/main" id="{C1160A32-5B41-D485-E8B1-6D3AB715032C}"/>
-              </a:ext>
-            </a:extLst>
-          </p:cNvPr>
-          <p:cNvSpPr>
-            <a:spLocks noGrp="1"/>
-          </p:cNvSpPr>
-          <p:nvPr>
-            <p:ph idx="1"/>
-          </p:nvPr>
-        </p:nvSpPr>
-        <p:spPr/>
-        <p:txBody>
-          <a:bodyPr/>
-          <a:lstStyle/>
-          <a:p>
-            <a:r>
-              <a:rPr lang="en-DE" dirty="0"/>
-              <a:t>Functional Requirements:</a:t>
-            </a:r>
-          </a:p>
-          <a:p>
-            <a:endParaRPr lang="en-DE" dirty="0"/>
-          </a:p>
-          <a:p>
-            <a:endParaRPr lang="en-DE" dirty="0"/>
-          </a:p>
-          <a:p>
-            <a:pPr marL="0" indent="0">
-              <a:buNone/>
-            </a:pPr>
-            <a:endParaRPr lang="en-DE" dirty="0"/>
-          </a:p>
-          <a:p>
-            <a:r>
-              <a:rPr lang="en-DE" dirty="0"/>
-              <a:t>N</a:t>
-            </a:r>
-            <a:r>
-              <a:rPr lang="en-GB" dirty="0"/>
-              <a:t>o</a:t>
-            </a:r>
-            <a:r>
-              <a:rPr lang="en-DE" dirty="0"/>
-              <a:t>n- Functional Requirements:</a:t>
-            </a:r>
-          </a:p>
-        </p:txBody>
-      </p:sp>
-    </p:spTree>
-    <p:extLst>
-      <p:ext uri="{BB962C8B-B14F-4D97-AF65-F5344CB8AC3E}">
-        <p14:creationId xmlns:p14="http://schemas.microsoft.com/office/powerpoint/2010/main" val="449500475"/>
-      </p:ext>
-    </p:extLst>
-  </p:cSld>
-  <p:clrMapOvr>
-    <a:masterClrMapping/>
-  </p:clrMapOvr>
-</p:sld>
-</file>
-
 <file path=ppt/slides/slide2.xml><?xml version="1.0" encoding="utf-8"?>
 <p:sld xmlns:a="http://schemas.openxmlformats.org/drawingml/2006/main" xmlns:r="http://schemas.openxmlformats.org/officeDocument/2006/relationships" xmlns:p="http://schemas.openxmlformats.org/presentationml/2006/main">
   <p:cSld>
@@ -4267,7 +4070,7 @@
           <p:cNvPr id="2" name="Title 1">
             <a:extLst>
               <a:ext uri="{FF2B5EF4-FFF2-40B4-BE49-F238E27FC236}">
-                <a16:creationId xmlns:a16="http://schemas.microsoft.com/office/drawing/2014/main" id="{1B456A31-35E5-32B3-4B49-AA671ECB1193}"/>
+                <a16:creationId xmlns:a16="http://schemas.microsoft.com/office/drawing/2014/main" id="{05BC657A-7B2F-00FF-0362-D6EC5E46E443}"/>
               </a:ext>
             </a:extLst>
           </p:cNvPr>
@@ -4285,7 +4088,7 @@
           <a:p>
             <a:r>
               <a:rPr lang="en-DE" dirty="0"/>
-              <a:t>Documentation</a:t>
+              <a:t>Specify System</a:t>
             </a:r>
           </a:p>
         </p:txBody>
@@ -4295,7 +4098,7 @@
           <p:cNvPr id="3" name="Content Placeholder 2">
             <a:extLst>
               <a:ext uri="{FF2B5EF4-FFF2-40B4-BE49-F238E27FC236}">
-                <a16:creationId xmlns:a16="http://schemas.microsoft.com/office/drawing/2014/main" id="{D3BA9E24-2CAB-F49D-99A5-87D0C2C0D9B3}"/>
+                <a16:creationId xmlns:a16="http://schemas.microsoft.com/office/drawing/2014/main" id="{9BF99268-9670-7103-39DB-43191691D41F}"/>
               </a:ext>
             </a:extLst>
           </p:cNvPr>
@@ -4311,14 +4114,17 @@
           <a:bodyPr/>
           <a:lstStyle/>
           <a:p>
-            <a:endParaRPr lang="en-DE"/>
+            <a:r>
+              <a:rPr lang="en-DE" dirty="0"/>
+              <a:t>Intent: In order to increase reliability of the Control System and help reduce the workload of the Flight Crew in high stress situations resulting from various failure modes, a fault tolerant flight system shall be integrated.</a:t>
+            </a:r>
           </a:p>
         </p:txBody>
       </p:sp>
     </p:spTree>
     <p:extLst>
       <p:ext uri="{BB962C8B-B14F-4D97-AF65-F5344CB8AC3E}">
-        <p14:creationId xmlns:p14="http://schemas.microsoft.com/office/powerpoint/2010/main" val="3456268618"/>
+        <p14:creationId xmlns:p14="http://schemas.microsoft.com/office/powerpoint/2010/main" val="921602223"/>
       </p:ext>
     </p:extLst>
   </p:cSld>
@@ -4368,7 +4174,7 @@
           <a:p>
             <a:r>
               <a:rPr lang="en-DE" dirty="0"/>
-              <a:t>Elicitation</a:t>
+              <a:t>Specify System</a:t>
             </a:r>
           </a:p>
         </p:txBody>
@@ -4579,92 +4385,6 @@
   <p:cSld>
     <p:spTree>
       <p:nvGrpSpPr>
-        <p:cNvPr id="1" name=""/>
-        <p:cNvGrpSpPr/>
-        <p:nvPr/>
-      </p:nvGrpSpPr>
-      <p:grpSpPr>
-        <a:xfrm>
-          <a:off x="0" y="0"/>
-          <a:ext cx="0" cy="0"/>
-          <a:chOff x="0" y="0"/>
-          <a:chExt cx="0" cy="0"/>
-        </a:xfrm>
-      </p:grpSpPr>
-      <p:sp>
-        <p:nvSpPr>
-          <p:cNvPr id="2" name="Title 1">
-            <a:extLst>
-              <a:ext uri="{FF2B5EF4-FFF2-40B4-BE49-F238E27FC236}">
-                <a16:creationId xmlns:a16="http://schemas.microsoft.com/office/drawing/2014/main" id="{05BC657A-7B2F-00FF-0362-D6EC5E46E443}"/>
-              </a:ext>
-            </a:extLst>
-          </p:cNvPr>
-          <p:cNvSpPr>
-            <a:spLocks noGrp="1"/>
-          </p:cNvSpPr>
-          <p:nvPr>
-            <p:ph type="title"/>
-          </p:nvPr>
-        </p:nvSpPr>
-        <p:spPr/>
-        <p:txBody>
-          <a:bodyPr/>
-          <a:lstStyle/>
-          <a:p>
-            <a:r>
-              <a:rPr lang="en-DE" dirty="0"/>
-              <a:t>Specify System</a:t>
-            </a:r>
-          </a:p>
-        </p:txBody>
-      </p:sp>
-      <p:sp>
-        <p:nvSpPr>
-          <p:cNvPr id="3" name="Content Placeholder 2">
-            <a:extLst>
-              <a:ext uri="{FF2B5EF4-FFF2-40B4-BE49-F238E27FC236}">
-                <a16:creationId xmlns:a16="http://schemas.microsoft.com/office/drawing/2014/main" id="{9BF99268-9670-7103-39DB-43191691D41F}"/>
-              </a:ext>
-            </a:extLst>
-          </p:cNvPr>
-          <p:cNvSpPr>
-            <a:spLocks noGrp="1"/>
-          </p:cNvSpPr>
-          <p:nvPr>
-            <p:ph idx="1"/>
-          </p:nvPr>
-        </p:nvSpPr>
-        <p:spPr/>
-        <p:txBody>
-          <a:bodyPr/>
-          <a:lstStyle/>
-          <a:p>
-            <a:r>
-              <a:rPr lang="en-DE" dirty="0"/>
-              <a:t>Intent: In order to increase reliability of the Control System and help reduce the workload of the Flight Crew in high stress situations resulting from various failure modes, a fault tolerant flight system shall be integrated.</a:t>
-            </a:r>
-          </a:p>
-        </p:txBody>
-      </p:sp>
-    </p:spTree>
-    <p:extLst>
-      <p:ext uri="{BB962C8B-B14F-4D97-AF65-F5344CB8AC3E}">
-        <p14:creationId xmlns:p14="http://schemas.microsoft.com/office/powerpoint/2010/main" val="921602223"/>
-      </p:ext>
-    </p:extLst>
-  </p:cSld>
-  <p:clrMapOvr>
-    <a:masterClrMapping/>
-  </p:clrMapOvr>
-</p:sld>
-</file>
-
-<file path=ppt/slides/slide6.xml><?xml version="1.0" encoding="utf-8"?>
-<p:sld xmlns:a="http://schemas.openxmlformats.org/drawingml/2006/main" xmlns:r="http://schemas.openxmlformats.org/officeDocument/2006/relationships" xmlns:p="http://schemas.openxmlformats.org/presentationml/2006/main">
-  <p:cSld>
-    <p:spTree>
-      <p:nvGrpSpPr>
         <p:cNvPr id="1" name="">
           <a:extLst>
             <a:ext uri="{FF2B5EF4-FFF2-40B4-BE49-F238E27FC236}">
@@ -4823,7 +4543,7 @@
 </p:sld>
 </file>
 
-<file path=ppt/slides/slide7.xml><?xml version="1.0" encoding="utf-8"?>
+<file path=ppt/slides/slide6.xml><?xml version="1.0" encoding="utf-8"?>
 <p:sld xmlns:a="http://schemas.openxmlformats.org/drawingml/2006/main" xmlns:r="http://schemas.openxmlformats.org/officeDocument/2006/relationships" xmlns:p="http://schemas.openxmlformats.org/presentationml/2006/main">
   <p:cSld>
     <p:spTree>
@@ -4992,6 +4712,136 @@
     <p:extLst>
       <p:ext uri="{BB962C8B-B14F-4D97-AF65-F5344CB8AC3E}">
         <p14:creationId xmlns:p14="http://schemas.microsoft.com/office/powerpoint/2010/main" val="172774000"/>
+      </p:ext>
+    </p:extLst>
+  </p:cSld>
+  <p:clrMapOvr>
+    <a:masterClrMapping/>
+  </p:clrMapOvr>
+</p:sld>
+</file>
+
+<file path=ppt/slides/slide7.xml><?xml version="1.0" encoding="utf-8"?>
+<p:sld xmlns:a="http://schemas.openxmlformats.org/drawingml/2006/main" xmlns:r="http://schemas.openxmlformats.org/officeDocument/2006/relationships" xmlns:p="http://schemas.openxmlformats.org/presentationml/2006/main">
+  <p:cSld>
+    <p:spTree>
+      <p:nvGrpSpPr>
+        <p:cNvPr id="1" name="">
+          <a:extLst>
+            <a:ext uri="{FF2B5EF4-FFF2-40B4-BE49-F238E27FC236}">
+              <a16:creationId xmlns:a16="http://schemas.microsoft.com/office/drawing/2014/main" id="{F2B77489-BC1A-FEE2-CBC0-C5E6D5096479}"/>
+            </a:ext>
+          </a:extLst>
+        </p:cNvPr>
+        <p:cNvGrpSpPr/>
+        <p:nvPr/>
+      </p:nvGrpSpPr>
+      <p:grpSpPr>
+        <a:xfrm>
+          <a:off x="0" y="0"/>
+          <a:ext cx="0" cy="0"/>
+          <a:chOff x="0" y="0"/>
+          <a:chExt cx="0" cy="0"/>
+        </a:xfrm>
+      </p:grpSpPr>
+      <p:sp>
+        <p:nvSpPr>
+          <p:cNvPr id="2" name="Title 1">
+            <a:extLst>
+              <a:ext uri="{FF2B5EF4-FFF2-40B4-BE49-F238E27FC236}">
+                <a16:creationId xmlns:a16="http://schemas.microsoft.com/office/drawing/2014/main" id="{45528F2F-83A2-7ED1-856D-57B95DC0E5A3}"/>
+              </a:ext>
+            </a:extLst>
+          </p:cNvPr>
+          <p:cNvSpPr>
+            <a:spLocks noGrp="1"/>
+          </p:cNvSpPr>
+          <p:nvPr>
+            <p:ph type="title"/>
+          </p:nvPr>
+        </p:nvSpPr>
+        <p:spPr/>
+        <p:txBody>
+          <a:bodyPr/>
+          <a:lstStyle/>
+          <a:p>
+            <a:r>
+              <a:rPr lang="en-DE" dirty="0"/>
+              <a:t>Specify System</a:t>
+            </a:r>
+          </a:p>
+        </p:txBody>
+      </p:sp>
+      <p:sp>
+        <p:nvSpPr>
+          <p:cNvPr id="3" name="Content Placeholder 2">
+            <a:extLst>
+              <a:ext uri="{FF2B5EF4-FFF2-40B4-BE49-F238E27FC236}">
+                <a16:creationId xmlns:a16="http://schemas.microsoft.com/office/drawing/2014/main" id="{D868DA5D-01BF-5EDB-91E3-2EC272E9BC11}"/>
+              </a:ext>
+            </a:extLst>
+          </p:cNvPr>
+          <p:cNvSpPr>
+            <a:spLocks noGrp="1"/>
+          </p:cNvSpPr>
+          <p:nvPr>
+            <p:ph idx="1"/>
+          </p:nvPr>
+        </p:nvSpPr>
+        <p:spPr/>
+        <p:txBody>
+          <a:bodyPr>
+            <a:normAutofit/>
+          </a:bodyPr>
+          <a:lstStyle/>
+          <a:p>
+            <a:r>
+              <a:rPr lang="en-GB" dirty="0"/>
+              <a:t>ML Constituents</a:t>
+            </a:r>
+          </a:p>
+          <a:p>
+            <a:pPr marL="0" indent="0">
+              <a:buNone/>
+            </a:pPr>
+            <a:endParaRPr lang="en-GB" dirty="0"/>
+          </a:p>
+        </p:txBody>
+      </p:sp>
+      <p:pic>
+        <p:nvPicPr>
+          <p:cNvPr id="4" name="Picture 3">
+            <a:extLst>
+              <a:ext uri="{FF2B5EF4-FFF2-40B4-BE49-F238E27FC236}">
+                <a16:creationId xmlns:a16="http://schemas.microsoft.com/office/drawing/2014/main" id="{D8307595-D263-0137-BF9F-01C351D8F8E5}"/>
+              </a:ext>
+            </a:extLst>
+          </p:cNvPr>
+          <p:cNvPicPr>
+            <a:picLocks noChangeAspect="1"/>
+          </p:cNvPicPr>
+          <p:nvPr/>
+        </p:nvPicPr>
+        <p:blipFill>
+          <a:blip r:embed="rId2"/>
+          <a:stretch>
+            <a:fillRect/>
+          </a:stretch>
+        </p:blipFill>
+        <p:spPr>
+          <a:xfrm>
+            <a:off x="1153715" y="2395051"/>
+            <a:ext cx="9884569" cy="3212485"/>
+          </a:xfrm>
+          <a:prstGeom prst="rect">
+            <a:avLst/>
+          </a:prstGeom>
+        </p:spPr>
+      </p:pic>
+    </p:spTree>
+    <p:extLst>
+      <p:ext uri="{BB962C8B-B14F-4D97-AF65-F5344CB8AC3E}">
+        <p14:creationId xmlns:p14="http://schemas.microsoft.com/office/powerpoint/2010/main" val="58488706"/>
       </p:ext>
     </p:extLst>
   </p:cSld>
@@ -5070,13 +4920,46 @@
         </p:nvSpPr>
         <p:spPr/>
         <p:txBody>
-          <a:bodyPr/>
-          <a:lstStyle/>
-          <a:p>
-            <a:r>
-              <a:rPr lang="en-DE" dirty="0"/>
-              <a:t>ML Constituent: The AI controller shall generalize the different controll states</a:t>
-            </a:r>
+          <a:bodyPr>
+            <a:normAutofit/>
+          </a:bodyPr>
+          <a:lstStyle/>
+          <a:p>
+            <a:r>
+              <a:rPr lang="en-GB" dirty="0"/>
+              <a:t>ML Constituents</a:t>
+            </a:r>
+          </a:p>
+          <a:p>
+            <a:r>
+              <a:rPr lang="en-GB" dirty="0"/>
+              <a:t>Algorithm: Soft Actor-Critic (SAC)</a:t>
+            </a:r>
+          </a:p>
+          <a:p>
+            <a:r>
+              <a:rPr lang="en-GB" dirty="0"/>
+              <a:t>Policy: Multivariate Gaussian with tanh squashing for bounded control</a:t>
+            </a:r>
+          </a:p>
+          <a:p>
+            <a:r>
+              <a:rPr lang="en-GB" dirty="0"/>
+              <a:t>Training: Offline on non-failed dynamics using high-fidelity simulation data</a:t>
+            </a:r>
+          </a:p>
+          <a:p>
+            <a:r>
+              <a:rPr lang="en-GB" dirty="0"/>
+              <a:t>Inputs: Weighted error vectors, angular rates, current control input</a:t>
+            </a:r>
+          </a:p>
+          <a:p>
+            <a:r>
+              <a:rPr lang="en-GB" dirty="0"/>
+              <a:t>Outputs: Control surface deflection increments or pitch angle reference</a:t>
+            </a:r>
+            <a:endParaRPr lang="en-DE" dirty="0"/>
           </a:p>
         </p:txBody>
       </p:sp>

--- a/AIASPres.pptx
+++ b/AIASPres.pptx
@@ -4650,14 +4650,15 @@
             <a:pPr lvl="2"/>
             <a:r>
               <a:rPr lang="en-GB" dirty="0"/>
-              <a:t>Guidance reference: h, theta, phi, beta</a:t>
-            </a:r>
-          </a:p>
-          <a:p>
-            <a:pPr lvl="2"/>
+              <a:t>Guidance reference</a:t>
+            </a:r>
+            <a:r>
+              <a:rPr lang="en-GB"/>
+              <a:t>: h, </a:t>
+            </a:r>
             <a:r>
               <a:rPr lang="en-GB" dirty="0"/>
-              <a:t>Context data: Fault flags etc.</a:t>
+              <a:t>phi, beta</a:t>
             </a:r>
           </a:p>
           <a:p>
@@ -4688,19 +4689,6 @@
               <a:rPr lang="en-GB" dirty="0"/>
               <a:t>Outer loop altitude controller: delta theta</a:t>
             </a:r>
-          </a:p>
-          <a:p>
-            <a:pPr lvl="2"/>
-            <a:r>
-              <a:rPr lang="en-GB" dirty="0"/>
-              <a:t>Supervisory/ status channel: </a:t>
-            </a:r>
-            <a:endParaRPr lang="en-DE" dirty="0"/>
-          </a:p>
-          <a:p>
-            <a:pPr marL="0" indent="0">
-              <a:buNone/>
-            </a:pPr>
             <a:endParaRPr lang="en-DE" dirty="0"/>
           </a:p>
           <a:p>

--- a/AIASPres.pptx
+++ b/AIASPres.pptx
@@ -10,9 +10,9 @@
     <p:sldId id="257" r:id="rId4"/>
     <p:sldId id="263" r:id="rId5"/>
     <p:sldId id="266" r:id="rId6"/>
-    <p:sldId id="267" r:id="rId7"/>
-    <p:sldId id="268" r:id="rId8"/>
-    <p:sldId id="261" r:id="rId9"/>
+    <p:sldId id="268" r:id="rId7"/>
+    <p:sldId id="261" r:id="rId8"/>
+    <p:sldId id="267" r:id="rId9"/>
     <p:sldId id="262" r:id="rId10"/>
     <p:sldId id="264" r:id="rId11"/>
   </p:sldIdLst>
@@ -3437,7 +3437,7 @@
           <a:p>
             <a:r>
               <a:rPr lang="en-DE" dirty="0"/>
-              <a:t>Specify System</a:t>
+              <a:t>ODD</a:t>
             </a:r>
           </a:p>
         </p:txBody>
@@ -4295,7 +4295,7 @@
           <a:p>
             <a:r>
               <a:rPr lang="en-GB" sz="1600" b="1" dirty="0"/>
-              <a:t>REQ2:</a:t>
+              <a:t>REQ1.1:</a:t>
             </a:r>
             <a:r>
               <a:rPr lang="en-GB" sz="1600" dirty="0"/>
@@ -4305,7 +4305,7 @@
           <a:p>
             <a:r>
               <a:rPr lang="en-GB" sz="1600" b="1" dirty="0"/>
-              <a:t>REQ3:</a:t>
+              <a:t>REQ1.2:</a:t>
             </a:r>
             <a:r>
               <a:rPr lang="en-GB" sz="1600" dirty="0"/>
@@ -4315,7 +4315,7 @@
           <a:p>
             <a:r>
               <a:rPr lang="en-GB" sz="1600" b="1" dirty="0"/>
-              <a:t>REQ4:</a:t>
+              <a:t>REQ1.3:</a:t>
             </a:r>
             <a:r>
               <a:rPr lang="en-GB" sz="1600" dirty="0"/>
@@ -4325,7 +4325,7 @@
           <a:p>
             <a:r>
               <a:rPr lang="en-GB" sz="1600" b="1" dirty="0"/>
-              <a:t>REQ5:</a:t>
+              <a:t>REQ1.4:</a:t>
             </a:r>
             <a:r>
               <a:rPr lang="en-GB" sz="1600" dirty="0"/>
@@ -4335,7 +4335,7 @@
           <a:p>
             <a:r>
               <a:rPr lang="en-GB" sz="1600" b="1" dirty="0"/>
-              <a:t>REQ6:</a:t>
+              <a:t>REQ1.5:</a:t>
             </a:r>
             <a:r>
               <a:rPr lang="en-GB" sz="1600" dirty="0"/>
@@ -4345,7 +4345,7 @@
           <a:p>
             <a:r>
               <a:rPr lang="en-GB" sz="1600" b="1" dirty="0"/>
-              <a:t>REQ7:</a:t>
+              <a:t>REQ1.6:</a:t>
             </a:r>
             <a:r>
               <a:rPr lang="en-GB" sz="1600" dirty="0"/>
@@ -4355,7 +4355,7 @@
           <a:p>
             <a:r>
               <a:rPr lang="en-GB" sz="1600" b="1" dirty="0"/>
-              <a:t>REQ8:</a:t>
+              <a:t>REQ1.7:</a:t>
             </a:r>
             <a:r>
               <a:rPr lang="en-GB" sz="1600" dirty="0"/>
@@ -4551,172 +4551,6 @@
         <p:cNvPr id="1" name="">
           <a:extLst>
             <a:ext uri="{FF2B5EF4-FFF2-40B4-BE49-F238E27FC236}">
-              <a16:creationId xmlns:a16="http://schemas.microsoft.com/office/drawing/2014/main" id="{0893F7B2-11DC-647C-4F74-2F05E26B8F87}"/>
-            </a:ext>
-          </a:extLst>
-        </p:cNvPr>
-        <p:cNvGrpSpPr/>
-        <p:nvPr/>
-      </p:nvGrpSpPr>
-      <p:grpSpPr>
-        <a:xfrm>
-          <a:off x="0" y="0"/>
-          <a:ext cx="0" cy="0"/>
-          <a:chOff x="0" y="0"/>
-          <a:chExt cx="0" cy="0"/>
-        </a:xfrm>
-      </p:grpSpPr>
-      <p:sp>
-        <p:nvSpPr>
-          <p:cNvPr id="2" name="Title 1">
-            <a:extLst>
-              <a:ext uri="{FF2B5EF4-FFF2-40B4-BE49-F238E27FC236}">
-                <a16:creationId xmlns:a16="http://schemas.microsoft.com/office/drawing/2014/main" id="{9DD3E4AD-F549-52B8-DA7F-F358CBE16135}"/>
-              </a:ext>
-            </a:extLst>
-          </p:cNvPr>
-          <p:cNvSpPr>
-            <a:spLocks noGrp="1"/>
-          </p:cNvSpPr>
-          <p:nvPr>
-            <p:ph type="title"/>
-          </p:nvPr>
-        </p:nvSpPr>
-        <p:spPr/>
-        <p:txBody>
-          <a:bodyPr/>
-          <a:lstStyle/>
-          <a:p>
-            <a:r>
-              <a:rPr lang="en-DE" dirty="0"/>
-              <a:t>Specify System</a:t>
-            </a:r>
-          </a:p>
-        </p:txBody>
-      </p:sp>
-      <p:sp>
-        <p:nvSpPr>
-          <p:cNvPr id="3" name="Content Placeholder 2">
-            <a:extLst>
-              <a:ext uri="{FF2B5EF4-FFF2-40B4-BE49-F238E27FC236}">
-                <a16:creationId xmlns:a16="http://schemas.microsoft.com/office/drawing/2014/main" id="{70EF2658-AAAB-B71D-A242-E49D5C4BA2A0}"/>
-              </a:ext>
-            </a:extLst>
-          </p:cNvPr>
-          <p:cNvSpPr>
-            <a:spLocks noGrp="1"/>
-          </p:cNvSpPr>
-          <p:nvPr>
-            <p:ph idx="1"/>
-          </p:nvPr>
-        </p:nvSpPr>
-        <p:spPr/>
-        <p:txBody>
-          <a:bodyPr/>
-          <a:lstStyle/>
-          <a:p>
-            <a:pPr lvl="1"/>
-            <a:r>
-              <a:rPr lang="en-DE" dirty="0"/>
-              <a:t>Inputs</a:t>
-            </a:r>
-          </a:p>
-          <a:p>
-            <a:pPr lvl="2"/>
-            <a:r>
-              <a:rPr lang="en-DE" dirty="0"/>
-              <a:t>Aircraft state vector: </a:t>
-            </a:r>
-          </a:p>
-          <a:p>
-            <a:pPr lvl="3"/>
-            <a:r>
-              <a:rPr lang="en-GB" dirty="0" err="1"/>
-              <a:t>p,q,r,V</a:t>
-            </a:r>
-            <a:r>
-              <a:rPr lang="en-GB" dirty="0"/>
-              <a:t>, alpha, beta, theta, phi, chi, h</a:t>
-            </a:r>
-          </a:p>
-          <a:p>
-            <a:pPr lvl="2"/>
-            <a:r>
-              <a:rPr lang="en-GB" dirty="0"/>
-              <a:t>Control surface positions: elevator, rudder, aileron</a:t>
-            </a:r>
-          </a:p>
-          <a:p>
-            <a:pPr lvl="2"/>
-            <a:r>
-              <a:rPr lang="en-GB" dirty="0"/>
-              <a:t>Guidance reference</a:t>
-            </a:r>
-            <a:r>
-              <a:rPr lang="en-GB"/>
-              <a:t>: h, </a:t>
-            </a:r>
-            <a:r>
-              <a:rPr lang="en-GB" dirty="0"/>
-              <a:t>phi, beta</a:t>
-            </a:r>
-          </a:p>
-          <a:p>
-            <a:pPr lvl="1"/>
-            <a:r>
-              <a:rPr lang="en-GB" dirty="0"/>
-              <a:t>Outputs</a:t>
-            </a:r>
-          </a:p>
-          <a:p>
-            <a:pPr lvl="2"/>
-            <a:r>
-              <a:rPr lang="en-GB" dirty="0"/>
-              <a:t>Inner loop attitude controller: delta(elevator, </a:t>
-            </a:r>
-            <a:r>
-              <a:rPr lang="en-GB" dirty="0" err="1"/>
-              <a:t>rudder,aileron</a:t>
-            </a:r>
-            <a:r>
-              <a:rPr lang="en-GB" dirty="0"/>
-              <a:t>)</a:t>
-            </a:r>
-          </a:p>
-          <a:p>
-            <a:pPr lvl="2"/>
-            <a:r>
-              <a:rPr lang="en-GB" dirty="0"/>
-              <a:t>Outer loop altitude controller: delta theta</a:t>
-            </a:r>
-            <a:endParaRPr lang="en-DE" dirty="0"/>
-          </a:p>
-          <a:p>
-            <a:endParaRPr lang="en-DE" dirty="0"/>
-          </a:p>
-        </p:txBody>
-      </p:sp>
-    </p:spTree>
-    <p:extLst>
-      <p:ext uri="{BB962C8B-B14F-4D97-AF65-F5344CB8AC3E}">
-        <p14:creationId xmlns:p14="http://schemas.microsoft.com/office/powerpoint/2010/main" val="172774000"/>
-      </p:ext>
-    </p:extLst>
-  </p:cSld>
-  <p:clrMapOvr>
-    <a:masterClrMapping/>
-  </p:clrMapOvr>
-</p:sld>
-</file>
-
-<file path=ppt/slides/slide7.xml><?xml version="1.0" encoding="utf-8"?>
-<p:sld xmlns:a="http://schemas.openxmlformats.org/drawingml/2006/main" xmlns:r="http://schemas.openxmlformats.org/officeDocument/2006/relationships" xmlns:p="http://schemas.openxmlformats.org/presentationml/2006/main">
-  <p:cSld>
-    <p:spTree>
-      <p:nvGrpSpPr>
-        <p:cNvPr id="1" name="">
-          <a:extLst>
-            <a:ext uri="{FF2B5EF4-FFF2-40B4-BE49-F238E27FC236}">
               <a16:creationId xmlns:a16="http://schemas.microsoft.com/office/drawing/2014/main" id="{F2B77489-BC1A-FEE2-CBC0-C5E6D5096479}"/>
             </a:ext>
           </a:extLst>
@@ -4839,7 +4673,7 @@
 </p:sld>
 </file>
 
-<file path=ppt/slides/slide8.xml><?xml version="1.0" encoding="utf-8"?>
+<file path=ppt/slides/slide7.xml><?xml version="1.0" encoding="utf-8"?>
 <p:sld xmlns:a="http://schemas.openxmlformats.org/drawingml/2006/main" xmlns:r="http://schemas.openxmlformats.org/officeDocument/2006/relationships" xmlns:p="http://schemas.openxmlformats.org/presentationml/2006/main">
   <p:cSld>
     <p:spTree>
@@ -4915,12 +4749,6 @@
           <a:p>
             <a:r>
               <a:rPr lang="en-GB" dirty="0"/>
-              <a:t>ML Constituents</a:t>
-            </a:r>
-          </a:p>
-          <a:p>
-            <a:r>
-              <a:rPr lang="en-GB" dirty="0"/>
               <a:t>Algorithm: Soft Actor-Critic (SAC)</a:t>
             </a:r>
           </a:p>
@@ -4935,19 +4763,6 @@
               <a:rPr lang="en-GB" dirty="0"/>
               <a:t>Training: Offline on non-failed dynamics using high-fidelity simulation data</a:t>
             </a:r>
-          </a:p>
-          <a:p>
-            <a:r>
-              <a:rPr lang="en-GB" dirty="0"/>
-              <a:t>Inputs: Weighted error vectors, angular rates, current control input</a:t>
-            </a:r>
-          </a:p>
-          <a:p>
-            <a:r>
-              <a:rPr lang="en-GB" dirty="0"/>
-              <a:t>Outputs: Control surface deflection increments or pitch angle reference</a:t>
-            </a:r>
-            <a:endParaRPr lang="en-DE" dirty="0"/>
           </a:p>
         </p:txBody>
       </p:sp>
@@ -4955,6 +4770,164 @@
     <p:extLst>
       <p:ext uri="{BB962C8B-B14F-4D97-AF65-F5344CB8AC3E}">
         <p14:creationId xmlns:p14="http://schemas.microsoft.com/office/powerpoint/2010/main" val="474936354"/>
+      </p:ext>
+    </p:extLst>
+  </p:cSld>
+  <p:clrMapOvr>
+    <a:masterClrMapping/>
+  </p:clrMapOvr>
+</p:sld>
+</file>
+
+<file path=ppt/slides/slide8.xml><?xml version="1.0" encoding="utf-8"?>
+<p:sld xmlns:a="http://schemas.openxmlformats.org/drawingml/2006/main" xmlns:r="http://schemas.openxmlformats.org/officeDocument/2006/relationships" xmlns:p="http://schemas.openxmlformats.org/presentationml/2006/main">
+  <p:cSld>
+    <p:spTree>
+      <p:nvGrpSpPr>
+        <p:cNvPr id="1" name="">
+          <a:extLst>
+            <a:ext uri="{FF2B5EF4-FFF2-40B4-BE49-F238E27FC236}">
+              <a16:creationId xmlns:a16="http://schemas.microsoft.com/office/drawing/2014/main" id="{0893F7B2-11DC-647C-4F74-2F05E26B8F87}"/>
+            </a:ext>
+          </a:extLst>
+        </p:cNvPr>
+        <p:cNvGrpSpPr/>
+        <p:nvPr/>
+      </p:nvGrpSpPr>
+      <p:grpSpPr>
+        <a:xfrm>
+          <a:off x="0" y="0"/>
+          <a:ext cx="0" cy="0"/>
+          <a:chOff x="0" y="0"/>
+          <a:chExt cx="0" cy="0"/>
+        </a:xfrm>
+      </p:grpSpPr>
+      <p:sp>
+        <p:nvSpPr>
+          <p:cNvPr id="2" name="Title 1">
+            <a:extLst>
+              <a:ext uri="{FF2B5EF4-FFF2-40B4-BE49-F238E27FC236}">
+                <a16:creationId xmlns:a16="http://schemas.microsoft.com/office/drawing/2014/main" id="{9DD3E4AD-F549-52B8-DA7F-F358CBE16135}"/>
+              </a:ext>
+            </a:extLst>
+          </p:cNvPr>
+          <p:cNvSpPr>
+            <a:spLocks noGrp="1"/>
+          </p:cNvSpPr>
+          <p:nvPr>
+            <p:ph type="title"/>
+          </p:nvPr>
+        </p:nvSpPr>
+        <p:spPr/>
+        <p:txBody>
+          <a:bodyPr/>
+          <a:lstStyle/>
+          <a:p>
+            <a:r>
+              <a:rPr lang="en-DE" dirty="0"/>
+              <a:t>Specify System</a:t>
+            </a:r>
+          </a:p>
+        </p:txBody>
+      </p:sp>
+      <p:sp>
+        <p:nvSpPr>
+          <p:cNvPr id="3" name="Content Placeholder 2">
+            <a:extLst>
+              <a:ext uri="{FF2B5EF4-FFF2-40B4-BE49-F238E27FC236}">
+                <a16:creationId xmlns:a16="http://schemas.microsoft.com/office/drawing/2014/main" id="{70EF2658-AAAB-B71D-A242-E49D5C4BA2A0}"/>
+              </a:ext>
+            </a:extLst>
+          </p:cNvPr>
+          <p:cNvSpPr>
+            <a:spLocks noGrp="1"/>
+          </p:cNvSpPr>
+          <p:nvPr>
+            <p:ph idx="1"/>
+          </p:nvPr>
+        </p:nvSpPr>
+        <p:spPr/>
+        <p:txBody>
+          <a:bodyPr/>
+          <a:lstStyle/>
+          <a:p>
+            <a:pPr lvl="1"/>
+            <a:r>
+              <a:rPr lang="en-DE" dirty="0"/>
+              <a:t>Inputs</a:t>
+            </a:r>
+          </a:p>
+          <a:p>
+            <a:pPr lvl="2"/>
+            <a:r>
+              <a:rPr lang="en-DE" dirty="0"/>
+              <a:t>Aircraft state vector: </a:t>
+            </a:r>
+          </a:p>
+          <a:p>
+            <a:pPr lvl="3"/>
+            <a:r>
+              <a:rPr lang="en-GB" dirty="0" err="1"/>
+              <a:t>p,q,r,V</a:t>
+            </a:r>
+            <a:r>
+              <a:rPr lang="en-GB" dirty="0"/>
+              <a:t>, alpha, beta, theta, phi, chi, h</a:t>
+            </a:r>
+          </a:p>
+          <a:p>
+            <a:pPr lvl="2"/>
+            <a:r>
+              <a:rPr lang="en-GB" dirty="0"/>
+              <a:t>Control surface positions: elevator, rudder, aileron</a:t>
+            </a:r>
+          </a:p>
+          <a:p>
+            <a:pPr lvl="2"/>
+            <a:r>
+              <a:rPr lang="en-GB" dirty="0"/>
+              <a:t>Guidance reference: h, phi, beta</a:t>
+            </a:r>
+          </a:p>
+          <a:p>
+            <a:pPr lvl="1"/>
+            <a:r>
+              <a:rPr lang="en-GB" dirty="0"/>
+              <a:t>Outputs</a:t>
+            </a:r>
+          </a:p>
+          <a:p>
+            <a:pPr lvl="2"/>
+            <a:r>
+              <a:rPr lang="en-GB" dirty="0"/>
+              <a:t>Inner loop attitude controller: delta(elevator, </a:t>
+            </a:r>
+            <a:r>
+              <a:rPr lang="en-GB" dirty="0" err="1"/>
+              <a:t>rudder,aileron</a:t>
+            </a:r>
+            <a:r>
+              <a:rPr lang="en-GB" dirty="0"/>
+              <a:t>)</a:t>
+            </a:r>
+          </a:p>
+          <a:p>
+            <a:pPr lvl="2"/>
+            <a:r>
+              <a:rPr lang="en-GB" dirty="0"/>
+              <a:t>Outer loop altitude controller: delta theta</a:t>
+            </a:r>
+            <a:endParaRPr lang="en-DE" dirty="0"/>
+          </a:p>
+          <a:p>
+            <a:endParaRPr lang="en-DE" dirty="0"/>
+          </a:p>
+        </p:txBody>
+      </p:sp>
+    </p:spTree>
+    <p:extLst>
+      <p:ext uri="{BB962C8B-B14F-4D97-AF65-F5344CB8AC3E}">
+        <p14:creationId xmlns:p14="http://schemas.microsoft.com/office/powerpoint/2010/main" val="172774000"/>
       </p:ext>
     </p:extLst>
   </p:cSld>
@@ -5009,9 +4982,10 @@
           <a:lstStyle/>
           <a:p>
             <a:r>
-              <a:rPr lang="en-DE" dirty="0"/>
-              <a:t>Specify System</a:t>
-            </a:r>
+              <a:rPr lang="en-DE"/>
+              <a:t>OD</a:t>
+            </a:r>
+            <a:endParaRPr lang="en-DE" dirty="0"/>
           </a:p>
         </p:txBody>
       </p:sp>
@@ -5036,10 +5010,6 @@
           <a:bodyPr/>
           <a:lstStyle/>
           <a:p>
-            <a:r>
-              <a:rPr lang="en-DE" dirty="0"/>
-              <a:t>OD: </a:t>
-            </a:r>
             <a:r>
               <a:rPr lang="en-GB" dirty="0"/>
               <a:t>The operational domain is </a:t>

--- a/AIASPres.pptx
+++ b/AIASPres.pptx
@@ -7,14 +7,15 @@
   <p:sldIdLst>
     <p:sldId id="256" r:id="rId2"/>
     <p:sldId id="258" r:id="rId3"/>
-    <p:sldId id="257" r:id="rId4"/>
-    <p:sldId id="263" r:id="rId5"/>
-    <p:sldId id="266" r:id="rId6"/>
-    <p:sldId id="268" r:id="rId7"/>
-    <p:sldId id="261" r:id="rId8"/>
-    <p:sldId id="267" r:id="rId9"/>
-    <p:sldId id="262" r:id="rId10"/>
-    <p:sldId id="264" r:id="rId11"/>
+    <p:sldId id="266" r:id="rId4"/>
+    <p:sldId id="268" r:id="rId5"/>
+    <p:sldId id="261" r:id="rId6"/>
+    <p:sldId id="267" r:id="rId7"/>
+    <p:sldId id="257" r:id="rId8"/>
+    <p:sldId id="263" r:id="rId9"/>
+    <p:sldId id="269" r:id="rId10"/>
+    <p:sldId id="262" r:id="rId11"/>
+    <p:sldId id="264" r:id="rId12"/>
   </p:sldIdLst>
   <p:sldSz cx="12192000" cy="6858000"/>
   <p:notesSz cx="6858000" cy="9144000"/>
@@ -270,7 +271,7 @@
           <a:p>
             <a:fld id="{BEC0A12F-6A7D-8841-A5A4-6740CA763864}" type="datetimeFigureOut">
               <a:rPr lang="en-DE" smtClean="0"/>
-              <a:t>27.06.25</a:t>
+              <a:t>27/06/2025</a:t>
             </a:fld>
             <a:endParaRPr lang="en-DE"/>
           </a:p>
@@ -324,7 +325,7 @@
           <a:p>
             <a:fld id="{B304D30C-128B-5449-AD8B-09F07771E88F}" type="slidenum">
               <a:rPr lang="en-DE" smtClean="0"/>
-              <a:t>‹#›</a:t>
+              <a:t>‹Nr.›</a:t>
             </a:fld>
             <a:endParaRPr lang="en-DE"/>
           </a:p>
@@ -470,7 +471,7 @@
           <a:p>
             <a:fld id="{BEC0A12F-6A7D-8841-A5A4-6740CA763864}" type="datetimeFigureOut">
               <a:rPr lang="en-DE" smtClean="0"/>
-              <a:t>27.06.25</a:t>
+              <a:t>27/06/2025</a:t>
             </a:fld>
             <a:endParaRPr lang="en-DE"/>
           </a:p>
@@ -524,7 +525,7 @@
           <a:p>
             <a:fld id="{B304D30C-128B-5449-AD8B-09F07771E88F}" type="slidenum">
               <a:rPr lang="en-DE" smtClean="0"/>
-              <a:t>‹#›</a:t>
+              <a:t>‹Nr.›</a:t>
             </a:fld>
             <a:endParaRPr lang="en-DE"/>
           </a:p>
@@ -680,7 +681,7 @@
           <a:p>
             <a:fld id="{BEC0A12F-6A7D-8841-A5A4-6740CA763864}" type="datetimeFigureOut">
               <a:rPr lang="en-DE" smtClean="0"/>
-              <a:t>27.06.25</a:t>
+              <a:t>27/06/2025</a:t>
             </a:fld>
             <a:endParaRPr lang="en-DE"/>
           </a:p>
@@ -734,7 +735,7 @@
           <a:p>
             <a:fld id="{B304D30C-128B-5449-AD8B-09F07771E88F}" type="slidenum">
               <a:rPr lang="en-DE" smtClean="0"/>
-              <a:t>‹#›</a:t>
+              <a:t>‹Nr.›</a:t>
             </a:fld>
             <a:endParaRPr lang="en-DE"/>
           </a:p>
@@ -880,7 +881,7 @@
           <a:p>
             <a:fld id="{BEC0A12F-6A7D-8841-A5A4-6740CA763864}" type="datetimeFigureOut">
               <a:rPr lang="en-DE" smtClean="0"/>
-              <a:t>27.06.25</a:t>
+              <a:t>27/06/2025</a:t>
             </a:fld>
             <a:endParaRPr lang="en-DE"/>
           </a:p>
@@ -934,7 +935,7 @@
           <a:p>
             <a:fld id="{B304D30C-128B-5449-AD8B-09F07771E88F}" type="slidenum">
               <a:rPr lang="en-DE" smtClean="0"/>
-              <a:t>‹#›</a:t>
+              <a:t>‹Nr.›</a:t>
             </a:fld>
             <a:endParaRPr lang="en-DE"/>
           </a:p>
@@ -1156,7 +1157,7 @@
           <a:p>
             <a:fld id="{BEC0A12F-6A7D-8841-A5A4-6740CA763864}" type="datetimeFigureOut">
               <a:rPr lang="en-DE" smtClean="0"/>
-              <a:t>27.06.25</a:t>
+              <a:t>27/06/2025</a:t>
             </a:fld>
             <a:endParaRPr lang="en-DE"/>
           </a:p>
@@ -1210,7 +1211,7 @@
           <a:p>
             <a:fld id="{B304D30C-128B-5449-AD8B-09F07771E88F}" type="slidenum">
               <a:rPr lang="en-DE" smtClean="0"/>
-              <a:t>‹#›</a:t>
+              <a:t>‹Nr.›</a:t>
             </a:fld>
             <a:endParaRPr lang="en-DE"/>
           </a:p>
@@ -1424,7 +1425,7 @@
           <a:p>
             <a:fld id="{BEC0A12F-6A7D-8841-A5A4-6740CA763864}" type="datetimeFigureOut">
               <a:rPr lang="en-DE" smtClean="0"/>
-              <a:t>27.06.25</a:t>
+              <a:t>27/06/2025</a:t>
             </a:fld>
             <a:endParaRPr lang="en-DE"/>
           </a:p>
@@ -1478,7 +1479,7 @@
           <a:p>
             <a:fld id="{B304D30C-128B-5449-AD8B-09F07771E88F}" type="slidenum">
               <a:rPr lang="en-DE" smtClean="0"/>
-              <a:t>‹#›</a:t>
+              <a:t>‹Nr.›</a:t>
             </a:fld>
             <a:endParaRPr lang="en-DE"/>
           </a:p>
@@ -1839,7 +1840,7 @@
           <a:p>
             <a:fld id="{BEC0A12F-6A7D-8841-A5A4-6740CA763864}" type="datetimeFigureOut">
               <a:rPr lang="en-DE" smtClean="0"/>
-              <a:t>27.06.25</a:t>
+              <a:t>27/06/2025</a:t>
             </a:fld>
             <a:endParaRPr lang="en-DE"/>
           </a:p>
@@ -1893,7 +1894,7 @@
           <a:p>
             <a:fld id="{B304D30C-128B-5449-AD8B-09F07771E88F}" type="slidenum">
               <a:rPr lang="en-DE" smtClean="0"/>
-              <a:t>‹#›</a:t>
+              <a:t>‹Nr.›</a:t>
             </a:fld>
             <a:endParaRPr lang="en-DE"/>
           </a:p>
@@ -1981,7 +1982,7 @@
           <a:p>
             <a:fld id="{BEC0A12F-6A7D-8841-A5A4-6740CA763864}" type="datetimeFigureOut">
               <a:rPr lang="en-DE" smtClean="0"/>
-              <a:t>27.06.25</a:t>
+              <a:t>27/06/2025</a:t>
             </a:fld>
             <a:endParaRPr lang="en-DE"/>
           </a:p>
@@ -2035,7 +2036,7 @@
           <a:p>
             <a:fld id="{B304D30C-128B-5449-AD8B-09F07771E88F}" type="slidenum">
               <a:rPr lang="en-DE" smtClean="0"/>
-              <a:t>‹#›</a:t>
+              <a:t>‹Nr.›</a:t>
             </a:fld>
             <a:endParaRPr lang="en-DE"/>
           </a:p>
@@ -2094,7 +2095,7 @@
           <a:p>
             <a:fld id="{BEC0A12F-6A7D-8841-A5A4-6740CA763864}" type="datetimeFigureOut">
               <a:rPr lang="en-DE" smtClean="0"/>
-              <a:t>27.06.25</a:t>
+              <a:t>27/06/2025</a:t>
             </a:fld>
             <a:endParaRPr lang="en-DE"/>
           </a:p>
@@ -2148,7 +2149,7 @@
           <a:p>
             <a:fld id="{B304D30C-128B-5449-AD8B-09F07771E88F}" type="slidenum">
               <a:rPr lang="en-DE" smtClean="0"/>
-              <a:t>‹#›</a:t>
+              <a:t>‹Nr.›</a:t>
             </a:fld>
             <a:endParaRPr lang="en-DE"/>
           </a:p>
@@ -2407,7 +2408,7 @@
           <a:p>
             <a:fld id="{BEC0A12F-6A7D-8841-A5A4-6740CA763864}" type="datetimeFigureOut">
               <a:rPr lang="en-DE" smtClean="0"/>
-              <a:t>27.06.25</a:t>
+              <a:t>27/06/2025</a:t>
             </a:fld>
             <a:endParaRPr lang="en-DE"/>
           </a:p>
@@ -2461,7 +2462,7 @@
           <a:p>
             <a:fld id="{B304D30C-128B-5449-AD8B-09F07771E88F}" type="slidenum">
               <a:rPr lang="en-DE" smtClean="0"/>
-              <a:t>‹#›</a:t>
+              <a:t>‹Nr.›</a:t>
             </a:fld>
             <a:endParaRPr lang="en-DE"/>
           </a:p>
@@ -2696,7 +2697,7 @@
           <a:p>
             <a:fld id="{BEC0A12F-6A7D-8841-A5A4-6740CA763864}" type="datetimeFigureOut">
               <a:rPr lang="en-DE" smtClean="0"/>
-              <a:t>27.06.25</a:t>
+              <a:t>27/06/2025</a:t>
             </a:fld>
             <a:endParaRPr lang="en-DE"/>
           </a:p>
@@ -2750,7 +2751,7 @@
           <a:p>
             <a:fld id="{B304D30C-128B-5449-AD8B-09F07771E88F}" type="slidenum">
               <a:rPr lang="en-DE" smtClean="0"/>
-              <a:t>‹#›</a:t>
+              <a:t>‹Nr.›</a:t>
             </a:fld>
             <a:endParaRPr lang="en-DE"/>
           </a:p>
@@ -2939,7 +2940,7 @@
           <a:p>
             <a:fld id="{BEC0A12F-6A7D-8841-A5A4-6740CA763864}" type="datetimeFigureOut">
               <a:rPr lang="en-DE" smtClean="0"/>
-              <a:t>27.06.25</a:t>
+              <a:t>27/06/2025</a:t>
             </a:fld>
             <a:endParaRPr lang="en-DE"/>
           </a:p>
@@ -3029,7 +3030,7 @@
           <a:p>
             <a:fld id="{B304D30C-128B-5449-AD8B-09F07771E88F}" type="slidenum">
               <a:rPr lang="en-DE" smtClean="0"/>
-              <a:t>‹#›</a:t>
+              <a:t>‹Nr.›</a:t>
             </a:fld>
             <a:endParaRPr lang="en-DE"/>
           </a:p>
@@ -3402,6 +3403,145 @@
   <p:cSld>
     <p:spTree>
       <p:nvGrpSpPr>
+        <p:cNvPr id="1" name="">
+          <a:extLst>
+            <a:ext uri="{FF2B5EF4-FFF2-40B4-BE49-F238E27FC236}">
+              <a16:creationId xmlns:a16="http://schemas.microsoft.com/office/drawing/2014/main" id="{E4D4F798-3265-E6AA-3E87-FC541AF57B85}"/>
+            </a:ext>
+          </a:extLst>
+        </p:cNvPr>
+        <p:cNvGrpSpPr/>
+        <p:nvPr/>
+      </p:nvGrpSpPr>
+      <p:grpSpPr>
+        <a:xfrm>
+          <a:off x="0" y="0"/>
+          <a:ext cx="0" cy="0"/>
+          <a:chOff x="0" y="0"/>
+          <a:chExt cx="0" cy="0"/>
+        </a:xfrm>
+      </p:grpSpPr>
+      <p:sp>
+        <p:nvSpPr>
+          <p:cNvPr id="2" name="Title 1">
+            <a:extLst>
+              <a:ext uri="{FF2B5EF4-FFF2-40B4-BE49-F238E27FC236}">
+                <a16:creationId xmlns:a16="http://schemas.microsoft.com/office/drawing/2014/main" id="{DE334235-C78E-218D-1AD4-94FCD460E28D}"/>
+              </a:ext>
+            </a:extLst>
+          </p:cNvPr>
+          <p:cNvSpPr>
+            <a:spLocks noGrp="1"/>
+          </p:cNvSpPr>
+          <p:nvPr>
+            <p:ph type="title"/>
+          </p:nvPr>
+        </p:nvSpPr>
+        <p:spPr/>
+        <p:txBody>
+          <a:bodyPr/>
+          <a:lstStyle/>
+          <a:p>
+            <a:r>
+              <a:rPr lang="en-DE" dirty="0"/>
+              <a:t>O</a:t>
+            </a:r>
+            <a:r>
+              <a:rPr lang="en-GB" dirty="0" err="1"/>
+              <a:t>perational</a:t>
+            </a:r>
+            <a:r>
+              <a:rPr lang="en-GB" dirty="0"/>
+              <a:t> </a:t>
+            </a:r>
+            <a:r>
+              <a:rPr lang="en-DE" dirty="0"/>
+              <a:t>D</a:t>
+            </a:r>
+            <a:r>
+              <a:rPr lang="en-GB" dirty="0" err="1"/>
+              <a:t>omain</a:t>
+            </a:r>
+            <a:endParaRPr lang="en-DE" dirty="0"/>
+          </a:p>
+        </p:txBody>
+      </p:sp>
+      <p:sp>
+        <p:nvSpPr>
+          <p:cNvPr id="3" name="Content Placeholder 2">
+            <a:extLst>
+              <a:ext uri="{FF2B5EF4-FFF2-40B4-BE49-F238E27FC236}">
+                <a16:creationId xmlns:a16="http://schemas.microsoft.com/office/drawing/2014/main" id="{425FE65A-088E-02D2-AE6A-6E6FE65F1580}"/>
+              </a:ext>
+            </a:extLst>
+          </p:cNvPr>
+          <p:cNvSpPr>
+            <a:spLocks noGrp="1"/>
+          </p:cNvSpPr>
+          <p:nvPr>
+            <p:ph idx="1"/>
+          </p:nvPr>
+        </p:nvSpPr>
+        <p:spPr/>
+        <p:txBody>
+          <a:bodyPr/>
+          <a:lstStyle/>
+          <a:p>
+            <a:r>
+              <a:rPr lang="en-GB" dirty="0"/>
+              <a:t>real-time, closed-loop flight control of a jet aircraft</a:t>
+            </a:r>
+          </a:p>
+          <a:p>
+            <a:r>
+              <a:rPr lang="en-GB" dirty="0"/>
+              <a:t>all phases of normal flight</a:t>
+            </a:r>
+          </a:p>
+          <a:p>
+            <a:r>
+              <a:rPr lang="en-GB" dirty="0"/>
+              <a:t>under both nominal and multiple severe failure/disturbance scenarios</a:t>
+            </a:r>
+          </a:p>
+          <a:p>
+            <a:r>
+              <a:rPr lang="en-GB" dirty="0"/>
+              <a:t>using only control surface commands</a:t>
+            </a:r>
+          </a:p>
+          <a:p>
+            <a:r>
+              <a:rPr lang="en-GB" dirty="0"/>
+              <a:t>tested in high-fidelity simulation </a:t>
+            </a:r>
+          </a:p>
+          <a:p>
+            <a:r>
+              <a:rPr lang="en-GB" dirty="0"/>
+              <a:t>intended for experimental research aircraft</a:t>
+            </a:r>
+          </a:p>
+        </p:txBody>
+      </p:sp>
+    </p:spTree>
+    <p:extLst>
+      <p:ext uri="{BB962C8B-B14F-4D97-AF65-F5344CB8AC3E}">
+        <p14:creationId xmlns:p14="http://schemas.microsoft.com/office/powerpoint/2010/main" val="3285643825"/>
+      </p:ext>
+    </p:extLst>
+  </p:cSld>
+  <p:clrMapOvr>
+    <a:masterClrMapping/>
+  </p:clrMapOvr>
+</p:sld>
+</file>
+
+<file path=ppt/slides/slide11.xml><?xml version="1.0" encoding="utf-8"?>
+<p:sld xmlns:a="http://schemas.openxmlformats.org/drawingml/2006/main" xmlns:r="http://schemas.openxmlformats.org/officeDocument/2006/relationships" xmlns:p="http://schemas.openxmlformats.org/presentationml/2006/main">
+  <p:cSld>
+    <p:spTree>
+      <p:nvGrpSpPr>
         <p:cNvPr id="1" name=""/>
         <p:cNvGrpSpPr/>
         <p:nvPr/>
@@ -3437,8 +3577,17 @@
           <a:p>
             <a:r>
               <a:rPr lang="en-DE" dirty="0"/>
-              <a:t>ODD</a:t>
-            </a:r>
+              <a:t>O</a:t>
+            </a:r>
+            <a:r>
+              <a:rPr lang="en-GB" dirty="0" err="1"/>
+              <a:t>perational</a:t>
+            </a:r>
+            <a:r>
+              <a:rPr lang="en-GB" dirty="0"/>
+              <a:t> Design Domain</a:t>
+            </a:r>
+            <a:endParaRPr lang="en-DE" dirty="0"/>
           </a:p>
         </p:txBody>
       </p:sp>
@@ -3456,25 +3605,30 @@
           </p:cNvGraphicFramePr>
           <p:nvPr>
             <p:ph idx="1"/>
+            <p:extLst>
+              <p:ext uri="{D42A27DB-BD31-4B8C-83A1-F6EECF244321}">
+                <p14:modId xmlns:p14="http://schemas.microsoft.com/office/powerpoint/2010/main" val="1219815952"/>
+              </p:ext>
+            </p:extLst>
           </p:nvPr>
         </p:nvGraphicFramePr>
         <p:xfrm>
           <a:off x="1190080" y="1803794"/>
-          <a:ext cx="9811840" cy="4395000"/>
+          <a:ext cx="9811840" cy="3815880"/>
         </p:xfrm>
         <a:graphic>
           <a:graphicData uri="http://schemas.openxmlformats.org/drawingml/2006/table">
             <a:tbl>
               <a:tblPr/>
               <a:tblGrid>
-                <a:gridCol w="4905920">
+                <a:gridCol w="2436258">
                   <a:extLst>
                     <a:ext uri="{9D8B030D-6E8A-4147-A177-3AD203B41FA5}">
                       <a16:colId xmlns:a16="http://schemas.microsoft.com/office/drawing/2014/main" val="1003003153"/>
                     </a:ext>
                   </a:extLst>
                 </a:gridCol>
-                <a:gridCol w="4905920">
+                <a:gridCol w="7375582">
                   <a:extLst>
                     <a:ext uri="{9D8B030D-6E8A-4147-A177-3AD203B41FA5}">
                       <a16:colId xmlns:a16="http://schemas.microsoft.com/office/drawing/2014/main" val="3570064956"/>
@@ -3482,14 +3636,14 @@
                   </a:extLst>
                 </a:gridCol>
               </a:tblGrid>
-              <a:tr h="341281">
+              <a:tr h="360000">
                 <a:tc>
                   <a:txBody>
                     <a:bodyPr/>
                     <a:lstStyle/>
                     <a:p>
                       <a:r>
-                        <a:rPr lang="en-GB" sz="1700"/>
+                        <a:rPr lang="en-GB" sz="2000"/>
                         <a:t>Domain Aspect</a:t>
                       </a:r>
                     </a:p>
@@ -3516,7 +3670,7 @@
                     <a:lstStyle/>
                     <a:p>
                       <a:r>
-                        <a:rPr lang="en-GB" sz="1700"/>
+                        <a:rPr lang="en-GB" sz="2000" dirty="0"/>
                         <a:t>Scope/Limitations</a:t>
                       </a:r>
                     </a:p>
@@ -3543,14 +3697,14 @@
                   </a:ext>
                 </a:extLst>
               </a:tr>
-              <a:tr h="597242">
+              <a:tr h="360000">
                 <a:tc>
                   <a:txBody>
                     <a:bodyPr/>
                     <a:lstStyle/>
                     <a:p>
                       <a:r>
-                        <a:rPr lang="en-GB" sz="1700"/>
+                        <a:rPr lang="en-GB" sz="2000"/>
                         <a:t>Aircraft</a:t>
                       </a:r>
                     </a:p>
@@ -3577,7 +3731,7 @@
                     <a:lstStyle/>
                     <a:p>
                       <a:r>
-                        <a:rPr lang="en-GB" sz="1700"/>
+                        <a:rPr lang="en-GB" sz="2000"/>
                         <a:t>CS-25 jet, Cessna Citation 500/PH-LAB, clean configuration</a:t>
                       </a:r>
                     </a:p>
@@ -3604,14 +3758,14 @@
                   </a:ext>
                 </a:extLst>
               </a:tr>
-              <a:tr h="597242">
+              <a:tr h="360000">
                 <a:tc>
                   <a:txBody>
                     <a:bodyPr/>
                     <a:lstStyle/>
                     <a:p>
                       <a:r>
-                        <a:rPr lang="en-GB" sz="1700"/>
+                        <a:rPr lang="en-GB" sz="2000"/>
                         <a:t>Flight Envelope</a:t>
                       </a:r>
                     </a:p>
@@ -3638,9 +3792,14 @@
                     <a:lstStyle/>
                     <a:p>
                       <a:r>
-                        <a:rPr lang="en-GB" sz="1700"/>
-                        <a:t>2,000–5,000 m altitude; 90–140 m/s speed; typical maneuvers</a:t>
+                        <a:rPr lang="en-GB" sz="2000" dirty="0"/>
+                        <a:t>2,000–5,000 m altitude; 90–140 m/s speed; typical </a:t>
                       </a:r>
+                      <a:r>
+                        <a:rPr lang="en-GB" sz="2000" dirty="0" err="1"/>
+                        <a:t>maneuvers</a:t>
+                      </a:r>
+                      <a:endParaRPr lang="en-GB" sz="2000" dirty="0"/>
                     </a:p>
                   </a:txBody>
                   <a:tcPr marL="85320" marR="85320" marT="42660" marB="42660" anchor="ctr">
@@ -3665,14 +3824,14 @@
                   </a:ext>
                 </a:extLst>
               </a:tr>
-              <a:tr h="597242">
+              <a:tr h="360000">
                 <a:tc>
                   <a:txBody>
                     <a:bodyPr/>
                     <a:lstStyle/>
                     <a:p>
                       <a:r>
-                        <a:rPr lang="en-GB" sz="1700"/>
+                        <a:rPr lang="en-GB" sz="2000"/>
                         <a:t>Failures</a:t>
                       </a:r>
                     </a:p>
@@ -3699,7 +3858,7 @@
                     <a:lstStyle/>
                     <a:p>
                       <a:r>
-                        <a:rPr lang="en-GB" sz="1700"/>
+                        <a:rPr lang="en-GB" sz="2000"/>
                         <a:t>Single surface jam, reduced effectiveness, icing, c.g. shift</a:t>
                       </a:r>
                     </a:p>
@@ -3726,14 +3885,14 @@
                   </a:ext>
                 </a:extLst>
               </a:tr>
-              <a:tr h="597242">
+              <a:tr h="360000">
                 <a:tc>
                   <a:txBody>
                     <a:bodyPr/>
                     <a:lstStyle/>
                     <a:p>
                       <a:r>
-                        <a:rPr lang="en-GB" sz="1700"/>
+                        <a:rPr lang="en-GB" sz="2000" dirty="0"/>
                         <a:t>Disturbances</a:t>
                       </a:r>
                     </a:p>
@@ -3760,7 +3919,7 @@
                     <a:lstStyle/>
                     <a:p>
                       <a:r>
-                        <a:rPr lang="en-GB" sz="1700"/>
+                        <a:rPr lang="en-GB" sz="2000" dirty="0"/>
                         <a:t>Sensor noise/bias, discrete gusts (not severe/extreme weather)</a:t>
                       </a:r>
                     </a:p>
@@ -3787,14 +3946,14 @@
                   </a:ext>
                 </a:extLst>
               </a:tr>
-              <a:tr h="341281">
+              <a:tr h="360000">
                 <a:tc>
                   <a:txBody>
                     <a:bodyPr/>
                     <a:lstStyle/>
                     <a:p>
                       <a:r>
-                        <a:rPr lang="en-GB" sz="1700"/>
+                        <a:rPr lang="en-GB" sz="2000"/>
                         <a:t>Control Surfaces</a:t>
                       </a:r>
                     </a:p>
@@ -3821,7 +3980,7 @@
                     <a:lstStyle/>
                     <a:p>
                       <a:r>
-                        <a:rPr lang="en-GB" sz="1700"/>
+                        <a:rPr lang="en-GB" sz="2000" dirty="0"/>
                         <a:t>Elevator, aileron, rudder (no throttle control)</a:t>
                       </a:r>
                     </a:p>
@@ -3848,14 +4007,14 @@
                   </a:ext>
                 </a:extLst>
               </a:tr>
-              <a:tr h="341281">
+              <a:tr h="360000">
                 <a:tc>
                   <a:txBody>
                     <a:bodyPr/>
                     <a:lstStyle/>
                     <a:p>
                       <a:r>
-                        <a:rPr lang="en-GB" sz="1700"/>
+                        <a:rPr lang="en-GB" sz="2000"/>
                         <a:t>Sensor Assumptions</a:t>
                       </a:r>
                     </a:p>
@@ -3882,7 +4041,7 @@
                     <a:lstStyle/>
                     <a:p>
                       <a:r>
-                        <a:rPr lang="en-GB" sz="1700"/>
+                        <a:rPr lang="en-GB" sz="2000"/>
                         <a:t>Realistic noise/bias, no total sensor loss</a:t>
                       </a:r>
                     </a:p>
@@ -3909,14 +4068,14 @@
                   </a:ext>
                 </a:extLst>
               </a:tr>
-              <a:tr h="341281">
+              <a:tr h="360000">
                 <a:tc>
                   <a:txBody>
                     <a:bodyPr/>
                     <a:lstStyle/>
                     <a:p>
                       <a:r>
-                        <a:rPr lang="en-GB" sz="1700"/>
+                        <a:rPr lang="en-GB" sz="2000"/>
                         <a:t>Update Rate</a:t>
                       </a:r>
                     </a:p>
@@ -3943,7 +4102,7 @@
                     <a:lstStyle/>
                     <a:p>
                       <a:r>
-                        <a:rPr lang="en-GB" sz="1700"/>
+                        <a:rPr lang="en-GB" sz="2000"/>
                         <a:t>100 Hz real-time</a:t>
                       </a:r>
                     </a:p>
@@ -3970,14 +4129,14 @@
                   </a:ext>
                 </a:extLst>
               </a:tr>
-              <a:tr h="597242">
+              <a:tr h="360000">
                 <a:tc>
                   <a:txBody>
                     <a:bodyPr/>
                     <a:lstStyle/>
                     <a:p>
                       <a:r>
-                        <a:rPr lang="en-GB" sz="1700"/>
+                        <a:rPr lang="en-GB" sz="2000"/>
                         <a:t>Excluded</a:t>
                       </a:r>
                     </a:p>
@@ -4004,7 +4163,7 @@
                     <a:lstStyle/>
                     <a:p>
                       <a:r>
-                        <a:rPr lang="en-GB" sz="1700" dirty="0"/>
+                        <a:rPr lang="en-GB" sz="2000" dirty="0"/>
                         <a:t>Severe failures, post-stall, engine-out, extreme environments</a:t>
                       </a:r>
                     </a:p>
@@ -4087,37 +4246,70 @@
           <a:lstStyle/>
           <a:p>
             <a:r>
+              <a:rPr lang="en-GB" dirty="0"/>
+              <a:t>Intent</a:t>
+            </a:r>
+            <a:endParaRPr lang="en-DE" dirty="0"/>
+          </a:p>
+        </p:txBody>
+      </p:sp>
+      <p:sp>
+        <p:nvSpPr>
+          <p:cNvPr id="3" name="Content Placeholder 2">
+            <a:extLst>
+              <a:ext uri="{FF2B5EF4-FFF2-40B4-BE49-F238E27FC236}">
+                <a16:creationId xmlns:a16="http://schemas.microsoft.com/office/drawing/2014/main" id="{9BF99268-9670-7103-39DB-43191691D41F}"/>
+              </a:ext>
+            </a:extLst>
+          </p:cNvPr>
+          <p:cNvSpPr>
+            <a:spLocks noGrp="1"/>
+          </p:cNvSpPr>
+          <p:nvPr>
+            <p:ph idx="1"/>
+          </p:nvPr>
+        </p:nvSpPr>
+        <p:spPr/>
+        <p:txBody>
+          <a:bodyPr/>
+          <a:lstStyle/>
+          <a:p>
+            <a:pPr marL="0" indent="0">
+              <a:buNone/>
+            </a:pPr>
+            <a:r>
+              <a:rPr lang="en-GB" dirty="0"/>
+              <a:t>A</a:t>
+            </a:r>
+            <a:r>
               <a:rPr lang="en-DE" dirty="0"/>
-              <a:t>Specify System</a:t>
-            </a:r>
-          </a:p>
-        </p:txBody>
-      </p:sp>
-      <p:sp>
-        <p:nvSpPr>
-          <p:cNvPr id="3" name="Content Placeholder 2">
-            <a:extLst>
-              <a:ext uri="{FF2B5EF4-FFF2-40B4-BE49-F238E27FC236}">
-                <a16:creationId xmlns:a16="http://schemas.microsoft.com/office/drawing/2014/main" id="{9BF99268-9670-7103-39DB-43191691D41F}"/>
-              </a:ext>
-            </a:extLst>
-          </p:cNvPr>
-          <p:cNvSpPr>
-            <a:spLocks noGrp="1"/>
-          </p:cNvSpPr>
-          <p:nvPr>
-            <p:ph idx="1"/>
-          </p:nvPr>
-        </p:nvSpPr>
-        <p:spPr/>
-        <p:txBody>
-          <a:bodyPr/>
-          <a:lstStyle/>
-          <a:p>
+              <a:t> fault tolerant flight</a:t>
+            </a:r>
+            <a:r>
+              <a:rPr lang="en-GB" dirty="0"/>
+              <a:t> control</a:t>
+            </a:r>
             <a:r>
               <a:rPr lang="en-DE" dirty="0"/>
-              <a:t>Intent: In order to increase reliability of the Control System and help reduce the workload of the Flight Crew in high stress situations resulting from various failure modes, a fault tolerant flight system shall be integrated.</a:t>
-            </a:r>
+              <a:t> system shall be integrated</a:t>
+            </a:r>
+            <a:r>
+              <a:rPr lang="en-GB" dirty="0"/>
+              <a:t> </a:t>
+            </a:r>
+            <a:r>
+              <a:rPr lang="en-GB" dirty="0" err="1"/>
+              <a:t>i</a:t>
+            </a:r>
+            <a:r>
+              <a:rPr lang="en-DE" dirty="0"/>
+              <a:t>n order to increase reliability of the Control System and help reduce the workload of the Flight Crew in high stress situations resulting from various failure modes</a:t>
+            </a:r>
+            <a:r>
+              <a:rPr lang="en-GB" dirty="0"/>
+              <a:t>.</a:t>
+            </a:r>
+            <a:endParaRPr lang="en-DE" dirty="0"/>
           </a:p>
         </p:txBody>
       </p:sp>
@@ -4135,252 +4327,6 @@
 </file>
 
 <file path=ppt/slides/slide3.xml><?xml version="1.0" encoding="utf-8"?>
-<p:sld xmlns:a="http://schemas.openxmlformats.org/drawingml/2006/main" xmlns:r="http://schemas.openxmlformats.org/officeDocument/2006/relationships" xmlns:p="http://schemas.openxmlformats.org/presentationml/2006/main">
-  <p:cSld>
-    <p:spTree>
-      <p:nvGrpSpPr>
-        <p:cNvPr id="1" name=""/>
-        <p:cNvGrpSpPr/>
-        <p:nvPr/>
-      </p:nvGrpSpPr>
-      <p:grpSpPr>
-        <a:xfrm>
-          <a:off x="0" y="0"/>
-          <a:ext cx="0" cy="0"/>
-          <a:chOff x="0" y="0"/>
-          <a:chExt cx="0" cy="0"/>
-        </a:xfrm>
-      </p:grpSpPr>
-      <p:sp>
-        <p:nvSpPr>
-          <p:cNvPr id="2" name="Title 1">
-            <a:extLst>
-              <a:ext uri="{FF2B5EF4-FFF2-40B4-BE49-F238E27FC236}">
-                <a16:creationId xmlns:a16="http://schemas.microsoft.com/office/drawing/2014/main" id="{D12D5D62-FF58-40D6-D258-9941181C13A9}"/>
-              </a:ext>
-            </a:extLst>
-          </p:cNvPr>
-          <p:cNvSpPr>
-            <a:spLocks noGrp="1"/>
-          </p:cNvSpPr>
-          <p:nvPr>
-            <p:ph type="title"/>
-          </p:nvPr>
-        </p:nvSpPr>
-        <p:spPr/>
-        <p:txBody>
-          <a:bodyPr/>
-          <a:lstStyle/>
-          <a:p>
-            <a:r>
-              <a:rPr lang="en-DE" dirty="0"/>
-              <a:t>Specify System</a:t>
-            </a:r>
-          </a:p>
-        </p:txBody>
-      </p:sp>
-      <p:sp>
-        <p:nvSpPr>
-          <p:cNvPr id="3" name="Content Placeholder 2">
-            <a:extLst>
-              <a:ext uri="{FF2B5EF4-FFF2-40B4-BE49-F238E27FC236}">
-                <a16:creationId xmlns:a16="http://schemas.microsoft.com/office/drawing/2014/main" id="{9CE43708-7545-3820-3387-E0ABDCF88F8B}"/>
-              </a:ext>
-            </a:extLst>
-          </p:cNvPr>
-          <p:cNvSpPr>
-            <a:spLocks noGrp="1"/>
-          </p:cNvSpPr>
-          <p:nvPr>
-            <p:ph idx="1"/>
-          </p:nvPr>
-        </p:nvSpPr>
-        <p:spPr/>
-        <p:txBody>
-          <a:bodyPr/>
-          <a:lstStyle/>
-          <a:p>
-            <a:r>
-              <a:rPr lang="en-GB" b="1" dirty="0"/>
-              <a:t>REQ1:</a:t>
-            </a:r>
-            <a:r>
-              <a:rPr lang="en-GB" dirty="0"/>
-              <a:t> The system shall provide fault-tolerant flight control by maintaining aircraft stability and command execution in the presence of multiple unexpected failure types, including actuator jams, reduced control effectiveness, structural failures, aerodynamic changes, and sensor noise.</a:t>
-            </a:r>
-            <a:endParaRPr lang="en-DE" dirty="0"/>
-          </a:p>
-        </p:txBody>
-      </p:sp>
-    </p:spTree>
-    <p:extLst>
-      <p:ext uri="{BB962C8B-B14F-4D97-AF65-F5344CB8AC3E}">
-        <p14:creationId xmlns:p14="http://schemas.microsoft.com/office/powerpoint/2010/main" val="180116877"/>
-      </p:ext>
-    </p:extLst>
-  </p:cSld>
-  <p:clrMapOvr>
-    <a:masterClrMapping/>
-  </p:clrMapOvr>
-</p:sld>
-</file>
-
-<file path=ppt/slides/slide4.xml><?xml version="1.0" encoding="utf-8"?>
-<p:sld xmlns:a="http://schemas.openxmlformats.org/drawingml/2006/main" xmlns:r="http://schemas.openxmlformats.org/officeDocument/2006/relationships" xmlns:p="http://schemas.openxmlformats.org/presentationml/2006/main">
-  <p:cSld>
-    <p:spTree>
-      <p:nvGrpSpPr>
-        <p:cNvPr id="1" name=""/>
-        <p:cNvGrpSpPr/>
-        <p:nvPr/>
-      </p:nvGrpSpPr>
-      <p:grpSpPr>
-        <a:xfrm>
-          <a:off x="0" y="0"/>
-          <a:ext cx="0" cy="0"/>
-          <a:chOff x="0" y="0"/>
-          <a:chExt cx="0" cy="0"/>
-        </a:xfrm>
-      </p:grpSpPr>
-      <p:sp>
-        <p:nvSpPr>
-          <p:cNvPr id="2" name="Title 1">
-            <a:extLst>
-              <a:ext uri="{FF2B5EF4-FFF2-40B4-BE49-F238E27FC236}">
-                <a16:creationId xmlns:a16="http://schemas.microsoft.com/office/drawing/2014/main" id="{AEB22556-B033-08D6-0716-5C99C570B10D}"/>
-              </a:ext>
-            </a:extLst>
-          </p:cNvPr>
-          <p:cNvSpPr>
-            <a:spLocks noGrp="1"/>
-          </p:cNvSpPr>
-          <p:nvPr>
-            <p:ph type="title"/>
-          </p:nvPr>
-        </p:nvSpPr>
-        <p:spPr/>
-        <p:txBody>
-          <a:bodyPr/>
-          <a:lstStyle/>
-          <a:p>
-            <a:r>
-              <a:rPr lang="en-DE" dirty="0"/>
-              <a:t>Specify System</a:t>
-            </a:r>
-          </a:p>
-        </p:txBody>
-      </p:sp>
-      <p:sp>
-        <p:nvSpPr>
-          <p:cNvPr id="3" name="Content Placeholder 2">
-            <a:extLst>
-              <a:ext uri="{FF2B5EF4-FFF2-40B4-BE49-F238E27FC236}">
-                <a16:creationId xmlns:a16="http://schemas.microsoft.com/office/drawing/2014/main" id="{BC6C2332-EAB7-BF91-E8D4-39E102586D62}"/>
-              </a:ext>
-            </a:extLst>
-          </p:cNvPr>
-          <p:cNvSpPr>
-            <a:spLocks noGrp="1"/>
-          </p:cNvSpPr>
-          <p:nvPr>
-            <p:ph idx="1"/>
-          </p:nvPr>
-        </p:nvSpPr>
-        <p:spPr/>
-        <p:txBody>
-          <a:bodyPr>
-            <a:normAutofit/>
-          </a:bodyPr>
-          <a:lstStyle/>
-          <a:p>
-            <a:r>
-              <a:rPr lang="en-GB" sz="1600" b="1" dirty="0"/>
-              <a:t>REQ1.1:</a:t>
-            </a:r>
-            <a:r>
-              <a:rPr lang="en-GB" sz="1600" dirty="0"/>
-              <a:t> The system shall utilize a model-free, Deep Reinforcement Learning-based (Soft Actor-Critic) control architecture for both attitude and altitude control.</a:t>
-            </a:r>
-          </a:p>
-          <a:p>
-            <a:r>
-              <a:rPr lang="en-GB" sz="1600" b="1" dirty="0"/>
-              <a:t>REQ1.2:</a:t>
-            </a:r>
-            <a:r>
-              <a:rPr lang="en-GB" sz="1600" dirty="0"/>
-              <a:t> The system shall implement a cascaded controller structure, where an inner-loop controller manages attitude (pitch, roll, sideslip) and an outer-loop controller manages altitude tracking.</a:t>
-            </a:r>
-          </a:p>
-          <a:p>
-            <a:r>
-              <a:rPr lang="en-GB" sz="1600" b="1" dirty="0"/>
-              <a:t>REQ1.3:</a:t>
-            </a:r>
-            <a:r>
-              <a:rPr lang="en-GB" sz="1600" dirty="0"/>
-              <a:t> The system shall deliver robust flight performance under varying initial flight conditions, reference signal shapes, biased sensor noise, and atmospheric disturbances.</a:t>
-            </a:r>
-          </a:p>
-          <a:p>
-            <a:r>
-              <a:rPr lang="en-GB" sz="1600" b="1" dirty="0"/>
-              <a:t>REQ1.4:</a:t>
-            </a:r>
-            <a:r>
-              <a:rPr lang="en-GB" sz="1600" dirty="0"/>
-              <a:t> The system shall operate at a refresh rate of at least 100 Hz, generating smooth incremental control commands to the aircraft’s elevator, aileron, and rudder.</a:t>
-            </a:r>
-          </a:p>
-          <a:p>
-            <a:r>
-              <a:rPr lang="en-GB" sz="1600" b="1" dirty="0"/>
-              <a:t>REQ1.5:</a:t>
-            </a:r>
-            <a:r>
-              <a:rPr lang="en-GB" sz="1600" dirty="0"/>
-              <a:t> The system shall interface with existing aircraft navigation and auto-throttle systems, commanding only control surfaces while leaving airspeed control to external systems.</a:t>
-            </a:r>
-          </a:p>
-          <a:p>
-            <a:r>
-              <a:rPr lang="en-GB" sz="1600" b="1" dirty="0"/>
-              <a:t>REQ1.6:</a:t>
-            </a:r>
-            <a:r>
-              <a:rPr lang="en-GB" sz="1600" dirty="0"/>
-              <a:t> The system shall be trained offline on nominal aircraft dynamics and demonstrate robust, adaptive response to failures during online operation without the need for parameter retuning or retraining.</a:t>
-            </a:r>
-          </a:p>
-          <a:p>
-            <a:r>
-              <a:rPr lang="en-GB" sz="1600" b="1" dirty="0"/>
-              <a:t>REQ1.7:</a:t>
-            </a:r>
-            <a:r>
-              <a:rPr lang="en-GB" sz="1600" dirty="0"/>
-              <a:t> The system shall generalize its control policy to untrained scenarios, adapting to unmodeled disturbances and maintaining performance without explicit reconfiguration.</a:t>
-            </a:r>
-          </a:p>
-          <a:p>
-            <a:endParaRPr lang="en-DE" sz="1600" dirty="0"/>
-          </a:p>
-        </p:txBody>
-      </p:sp>
-    </p:spTree>
-    <p:extLst>
-      <p:ext uri="{BB962C8B-B14F-4D97-AF65-F5344CB8AC3E}">
-        <p14:creationId xmlns:p14="http://schemas.microsoft.com/office/powerpoint/2010/main" val="2867327620"/>
-      </p:ext>
-    </p:extLst>
-  </p:cSld>
-  <p:clrMapOvr>
-    <a:masterClrMapping/>
-  </p:clrMapOvr>
-</p:sld>
-</file>
-
-<file path=ppt/slides/slide5.xml><?xml version="1.0" encoding="utf-8"?>
 <p:sld xmlns:a="http://schemas.openxmlformats.org/drawingml/2006/main" xmlns:r="http://schemas.openxmlformats.org/officeDocument/2006/relationships" xmlns:p="http://schemas.openxmlformats.org/presentationml/2006/main">
   <p:cSld>
     <p:spTree>
@@ -4425,9 +4371,10 @@
           <a:lstStyle/>
           <a:p>
             <a:r>
-              <a:rPr lang="en-DE" dirty="0"/>
-              <a:t>Specify System</a:t>
-            </a:r>
+              <a:rPr lang="en-GB" dirty="0"/>
+              <a:t>Users</a:t>
+            </a:r>
+            <a:endParaRPr lang="en-DE" dirty="0"/>
           </a:p>
         </p:txBody>
       </p:sp>
@@ -4451,12 +4398,6 @@
         <p:txBody>
           <a:bodyPr/>
           <a:lstStyle/>
-          <a:p>
-            <a:r>
-              <a:rPr lang="en-DE" dirty="0"/>
-              <a:t>Users:</a:t>
-            </a:r>
-          </a:p>
           <a:p>
             <a:pPr lvl="1"/>
             <a:r>
@@ -4467,7 +4408,7 @@
           <a:p>
             <a:pPr lvl="2"/>
             <a:r>
-              <a:rPr lang="en-DE" dirty="0"/>
+              <a:rPr lang="en-DE" sz="2400" dirty="0"/>
               <a:t>executes algorithm</a:t>
             </a:r>
           </a:p>
@@ -4485,11 +4426,11 @@
           <a:p>
             <a:pPr lvl="2"/>
             <a:r>
-              <a:rPr lang="en-GB" dirty="0"/>
+              <a:rPr lang="en-GB" sz="2400" dirty="0"/>
               <a:t>R</a:t>
             </a:r>
             <a:r>
-              <a:rPr lang="en-DE" dirty="0"/>
+              <a:rPr lang="en-DE" sz="2400" dirty="0"/>
               <a:t>eceives stable aircraft and can interact with cockpit control</a:t>
             </a:r>
           </a:p>
@@ -4507,11 +4448,11 @@
           <a:p>
             <a:pPr lvl="2"/>
             <a:r>
-              <a:rPr lang="en-GB" dirty="0"/>
+              <a:rPr lang="en-GB" sz="2400" dirty="0"/>
               <a:t>A</a:t>
             </a:r>
             <a:r>
-              <a:rPr lang="en-DE" dirty="0"/>
+              <a:rPr lang="en-DE" sz="2400" dirty="0"/>
               <a:t>nalyse logs</a:t>
             </a:r>
           </a:p>
@@ -4543,7 +4484,7 @@
 </p:sld>
 </file>
 
-<file path=ppt/slides/slide6.xml><?xml version="1.0" encoding="utf-8"?>
+<file path=ppt/slides/slide4.xml><?xml version="1.0" encoding="utf-8"?>
 <p:sld xmlns:a="http://schemas.openxmlformats.org/drawingml/2006/main" xmlns:r="http://schemas.openxmlformats.org/officeDocument/2006/relationships" xmlns:p="http://schemas.openxmlformats.org/presentationml/2006/main">
   <p:cSld>
     <p:spTree>
@@ -4588,8 +4529,8 @@
           <a:lstStyle/>
           <a:p>
             <a:r>
-              <a:rPr lang="en-DE" dirty="0"/>
-              <a:t>Specify System</a:t>
+              <a:rPr lang="en-GB" dirty="0"/>
+              <a:t>ML Constituents</a:t>
             </a:r>
           </a:p>
         </p:txBody>
@@ -4616,12 +4557,6 @@
             <a:normAutofit/>
           </a:bodyPr>
           <a:lstStyle/>
-          <a:p>
-            <a:r>
-              <a:rPr lang="en-GB" dirty="0"/>
-              <a:t>ML Constituents</a:t>
-            </a:r>
-          </a:p>
           <a:p>
             <a:pPr marL="0" indent="0">
               <a:buNone/>
@@ -4673,7 +4608,7 @@
 </p:sld>
 </file>
 
-<file path=ppt/slides/slide7.xml><?xml version="1.0" encoding="utf-8"?>
+<file path=ppt/slides/slide5.xml><?xml version="1.0" encoding="utf-8"?>
 <p:sld xmlns:a="http://schemas.openxmlformats.org/drawingml/2006/main" xmlns:r="http://schemas.openxmlformats.org/officeDocument/2006/relationships" xmlns:p="http://schemas.openxmlformats.org/presentationml/2006/main">
   <p:cSld>
     <p:spTree>
@@ -4718,8 +4653,8 @@
           <a:lstStyle/>
           <a:p>
             <a:r>
-              <a:rPr lang="en-DE" dirty="0"/>
-              <a:t>Specify System</a:t>
+              <a:rPr lang="en-GB" dirty="0"/>
+              <a:t>ML Constituents</a:t>
             </a:r>
           </a:p>
         </p:txBody>
@@ -4779,7 +4714,7 @@
 </p:sld>
 </file>
 
-<file path=ppt/slides/slide8.xml><?xml version="1.0" encoding="utf-8"?>
+<file path=ppt/slides/slide6.xml><?xml version="1.0" encoding="utf-8"?>
 <p:sld xmlns:a="http://schemas.openxmlformats.org/drawingml/2006/main" xmlns:r="http://schemas.openxmlformats.org/officeDocument/2006/relationships" xmlns:p="http://schemas.openxmlformats.org/presentationml/2006/main">
   <p:cSld>
     <p:spTree>
@@ -4824,9 +4759,10 @@
           <a:lstStyle/>
           <a:p>
             <a:r>
-              <a:rPr lang="en-DE" dirty="0"/>
-              <a:t>Specify System</a:t>
-            </a:r>
+              <a:rPr lang="en-GB" dirty="0"/>
+              <a:t>ML Constituents</a:t>
+            </a:r>
+            <a:endParaRPr lang="en-DE" dirty="0"/>
           </a:p>
         </p:txBody>
       </p:sp>
@@ -4900,15 +4836,7 @@
             <a:pPr lvl="2"/>
             <a:r>
               <a:rPr lang="en-GB" dirty="0"/>
-              <a:t>Inner loop attitude controller: delta(elevator, </a:t>
-            </a:r>
-            <a:r>
-              <a:rPr lang="en-GB" dirty="0" err="1"/>
-              <a:t>rudder,aileron</a:t>
-            </a:r>
-            <a:r>
-              <a:rPr lang="en-GB" dirty="0"/>
-              <a:t>)</a:t>
+              <a:t>Inner loop attitude controller: delta(elevator, rudder, aileron)</a:t>
             </a:r>
           </a:p>
           <a:p>
@@ -4916,6 +4844,13 @@
             <a:r>
               <a:rPr lang="en-GB" dirty="0"/>
               <a:t>Outer loop altitude controller: delta theta</a:t>
+            </a:r>
+          </a:p>
+          <a:p>
+            <a:pPr lvl="2"/>
+            <a:r>
+              <a:rPr lang="en-GB" dirty="0"/>
+              <a:t>Reliability estimate? (not included in the paper)</a:t>
             </a:r>
             <a:endParaRPr lang="en-DE" dirty="0"/>
           </a:p>
@@ -4928,6 +4863,217 @@
     <p:extLst>
       <p:ext uri="{BB962C8B-B14F-4D97-AF65-F5344CB8AC3E}">
         <p14:creationId xmlns:p14="http://schemas.microsoft.com/office/powerpoint/2010/main" val="172774000"/>
+      </p:ext>
+    </p:extLst>
+  </p:cSld>
+  <p:clrMapOvr>
+    <a:masterClrMapping/>
+  </p:clrMapOvr>
+</p:sld>
+</file>
+
+<file path=ppt/slides/slide7.xml><?xml version="1.0" encoding="utf-8"?>
+<p:sld xmlns:a="http://schemas.openxmlformats.org/drawingml/2006/main" xmlns:r="http://schemas.openxmlformats.org/officeDocument/2006/relationships" xmlns:p="http://schemas.openxmlformats.org/presentationml/2006/main">
+  <p:cSld>
+    <p:spTree>
+      <p:nvGrpSpPr>
+        <p:cNvPr id="1" name=""/>
+        <p:cNvGrpSpPr/>
+        <p:nvPr/>
+      </p:nvGrpSpPr>
+      <p:grpSpPr>
+        <a:xfrm>
+          <a:off x="0" y="0"/>
+          <a:ext cx="0" cy="0"/>
+          <a:chOff x="0" y="0"/>
+          <a:chExt cx="0" cy="0"/>
+        </a:xfrm>
+      </p:grpSpPr>
+      <p:sp>
+        <p:nvSpPr>
+          <p:cNvPr id="2" name="Title 1">
+            <a:extLst>
+              <a:ext uri="{FF2B5EF4-FFF2-40B4-BE49-F238E27FC236}">
+                <a16:creationId xmlns:a16="http://schemas.microsoft.com/office/drawing/2014/main" id="{D12D5D62-FF58-40D6-D258-9941181C13A9}"/>
+              </a:ext>
+            </a:extLst>
+          </p:cNvPr>
+          <p:cNvSpPr>
+            <a:spLocks noGrp="1"/>
+          </p:cNvSpPr>
+          <p:nvPr>
+            <p:ph type="title"/>
+          </p:nvPr>
+        </p:nvSpPr>
+        <p:spPr/>
+        <p:txBody>
+          <a:bodyPr/>
+          <a:lstStyle/>
+          <a:p>
+            <a:r>
+              <a:rPr lang="en-GB" dirty="0"/>
+              <a:t>Requirements</a:t>
+            </a:r>
+            <a:endParaRPr lang="en-DE" dirty="0"/>
+          </a:p>
+        </p:txBody>
+      </p:sp>
+      <p:sp>
+        <p:nvSpPr>
+          <p:cNvPr id="3" name="Content Placeholder 2">
+            <a:extLst>
+              <a:ext uri="{FF2B5EF4-FFF2-40B4-BE49-F238E27FC236}">
+                <a16:creationId xmlns:a16="http://schemas.microsoft.com/office/drawing/2014/main" id="{9CE43708-7545-3820-3387-E0ABDCF88F8B}"/>
+              </a:ext>
+            </a:extLst>
+          </p:cNvPr>
+          <p:cNvSpPr>
+            <a:spLocks noGrp="1"/>
+          </p:cNvSpPr>
+          <p:nvPr>
+            <p:ph idx="1"/>
+          </p:nvPr>
+        </p:nvSpPr>
+        <p:spPr/>
+        <p:txBody>
+          <a:bodyPr/>
+          <a:lstStyle/>
+          <a:p>
+            <a:r>
+              <a:rPr lang="en-GB" b="1" dirty="0"/>
+              <a:t>REQ1:</a:t>
+            </a:r>
+            <a:r>
+              <a:rPr lang="en-GB" dirty="0"/>
+              <a:t> The system shall provide fault-tolerant flight control by maintaining aircraft stability and command execution in the presence of multiple unexpected failure types, including actuator jams, reduced control effectiveness, structural failures, aerodynamic changes, and sensor noise.</a:t>
+            </a:r>
+            <a:endParaRPr lang="en-DE" dirty="0"/>
+          </a:p>
+        </p:txBody>
+      </p:sp>
+    </p:spTree>
+    <p:extLst>
+      <p:ext uri="{BB962C8B-B14F-4D97-AF65-F5344CB8AC3E}">
+        <p14:creationId xmlns:p14="http://schemas.microsoft.com/office/powerpoint/2010/main" val="180116877"/>
+      </p:ext>
+    </p:extLst>
+  </p:cSld>
+  <p:clrMapOvr>
+    <a:masterClrMapping/>
+  </p:clrMapOvr>
+</p:sld>
+</file>
+
+<file path=ppt/slides/slide8.xml><?xml version="1.0" encoding="utf-8"?>
+<p:sld xmlns:a="http://schemas.openxmlformats.org/drawingml/2006/main" xmlns:r="http://schemas.openxmlformats.org/officeDocument/2006/relationships" xmlns:p="http://schemas.openxmlformats.org/presentationml/2006/main">
+  <p:cSld>
+    <p:spTree>
+      <p:nvGrpSpPr>
+        <p:cNvPr id="1" name=""/>
+        <p:cNvGrpSpPr/>
+        <p:nvPr/>
+      </p:nvGrpSpPr>
+      <p:grpSpPr>
+        <a:xfrm>
+          <a:off x="0" y="0"/>
+          <a:ext cx="0" cy="0"/>
+          <a:chOff x="0" y="0"/>
+          <a:chExt cx="0" cy="0"/>
+        </a:xfrm>
+      </p:grpSpPr>
+      <p:sp>
+        <p:nvSpPr>
+          <p:cNvPr id="2" name="Title 1">
+            <a:extLst>
+              <a:ext uri="{FF2B5EF4-FFF2-40B4-BE49-F238E27FC236}">
+                <a16:creationId xmlns:a16="http://schemas.microsoft.com/office/drawing/2014/main" id="{AEB22556-B033-08D6-0716-5C99C570B10D}"/>
+              </a:ext>
+            </a:extLst>
+          </p:cNvPr>
+          <p:cNvSpPr>
+            <a:spLocks noGrp="1"/>
+          </p:cNvSpPr>
+          <p:nvPr>
+            <p:ph type="title"/>
+          </p:nvPr>
+        </p:nvSpPr>
+        <p:spPr/>
+        <p:txBody>
+          <a:bodyPr/>
+          <a:lstStyle/>
+          <a:p>
+            <a:r>
+              <a:rPr lang="en-GB" dirty="0"/>
+              <a:t>Requirements</a:t>
+            </a:r>
+            <a:endParaRPr lang="en-DE" dirty="0"/>
+          </a:p>
+        </p:txBody>
+      </p:sp>
+      <p:sp>
+        <p:nvSpPr>
+          <p:cNvPr id="3" name="Content Placeholder 2">
+            <a:extLst>
+              <a:ext uri="{FF2B5EF4-FFF2-40B4-BE49-F238E27FC236}">
+                <a16:creationId xmlns:a16="http://schemas.microsoft.com/office/drawing/2014/main" id="{BC6C2332-EAB7-BF91-E8D4-39E102586D62}"/>
+              </a:ext>
+            </a:extLst>
+          </p:cNvPr>
+          <p:cNvSpPr>
+            <a:spLocks noGrp="1"/>
+          </p:cNvSpPr>
+          <p:nvPr>
+            <p:ph idx="1"/>
+          </p:nvPr>
+        </p:nvSpPr>
+        <p:spPr/>
+        <p:txBody>
+          <a:bodyPr>
+            <a:normAutofit/>
+          </a:bodyPr>
+          <a:lstStyle/>
+          <a:p>
+            <a:r>
+              <a:rPr lang="en-GB" sz="2000" b="1" dirty="0"/>
+              <a:t>REQ1.1:</a:t>
+            </a:r>
+            <a:r>
+              <a:rPr lang="en-GB" sz="2000" dirty="0"/>
+              <a:t> The system shall utilize a model-free, Deep Reinforcement Learning-based (Soft Actor-Critic) control architecture for both attitude and altitude control.</a:t>
+            </a:r>
+          </a:p>
+          <a:p>
+            <a:r>
+              <a:rPr lang="en-GB" sz="2000" b="1" dirty="0"/>
+              <a:t>REQ1.2:</a:t>
+            </a:r>
+            <a:r>
+              <a:rPr lang="en-GB" sz="2000" dirty="0"/>
+              <a:t> The system shall implement a cascaded controller structure, where an inner-loop controller manages attitude (pitch, roll, sideslip) and an outer-loop controller manages altitude tracking.</a:t>
+            </a:r>
+          </a:p>
+          <a:p>
+            <a:r>
+              <a:rPr lang="en-GB" sz="2000" b="1" dirty="0"/>
+              <a:t>REQ1.3:</a:t>
+            </a:r>
+            <a:r>
+              <a:rPr lang="en-GB" sz="2000" dirty="0"/>
+              <a:t> The system shall deliver robust flight performance under varying initial flight conditions, reference signal shapes, biased sensor noise, and atmospheric disturbances.</a:t>
+            </a:r>
+          </a:p>
+          <a:p>
+            <a:pPr marL="0" indent="0">
+              <a:buNone/>
+            </a:pPr>
+            <a:endParaRPr lang="en-DE" sz="2000" dirty="0"/>
+          </a:p>
+        </p:txBody>
+      </p:sp>
+    </p:spTree>
+    <p:extLst>
+      <p:ext uri="{BB962C8B-B14F-4D97-AF65-F5344CB8AC3E}">
+        <p14:creationId xmlns:p14="http://schemas.microsoft.com/office/powerpoint/2010/main" val="2867327620"/>
       </p:ext>
     </p:extLst>
   </p:cSld>
@@ -4945,7 +5091,7 @@
         <p:cNvPr id="1" name="">
           <a:extLst>
             <a:ext uri="{FF2B5EF4-FFF2-40B4-BE49-F238E27FC236}">
-              <a16:creationId xmlns:a16="http://schemas.microsoft.com/office/drawing/2014/main" id="{E4D4F798-3265-E6AA-3E87-FC541AF57B85}"/>
+              <a16:creationId xmlns:a16="http://schemas.microsoft.com/office/drawing/2014/main" id="{20A4CC16-AC59-FAFF-21F7-AB8A2C682D4B}"/>
             </a:ext>
           </a:extLst>
         </p:cNvPr>
@@ -4965,7 +5111,7 @@
           <p:cNvPr id="2" name="Title 1">
             <a:extLst>
               <a:ext uri="{FF2B5EF4-FFF2-40B4-BE49-F238E27FC236}">
-                <a16:creationId xmlns:a16="http://schemas.microsoft.com/office/drawing/2014/main" id="{DE334235-C78E-218D-1AD4-94FCD460E28D}"/>
+                <a16:creationId xmlns:a16="http://schemas.microsoft.com/office/drawing/2014/main" id="{D7CEE17A-DA19-63E7-4E24-26E8BF421C02}"/>
               </a:ext>
             </a:extLst>
           </p:cNvPr>
@@ -4982,8 +5128,8 @@
           <a:lstStyle/>
           <a:p>
             <a:r>
-              <a:rPr lang="en-DE"/>
-              <a:t>OD</a:t>
+              <a:rPr lang="en-GB" dirty="0"/>
+              <a:t>Requirements</a:t>
             </a:r>
             <a:endParaRPr lang="en-DE" dirty="0"/>
           </a:p>
@@ -4994,7 +5140,7 @@
           <p:cNvPr id="3" name="Content Placeholder 2">
             <a:extLst>
               <a:ext uri="{FF2B5EF4-FFF2-40B4-BE49-F238E27FC236}">
-                <a16:creationId xmlns:a16="http://schemas.microsoft.com/office/drawing/2014/main" id="{425FE65A-088E-02D2-AE6A-6E6FE65F1580}"/>
+                <a16:creationId xmlns:a16="http://schemas.microsoft.com/office/drawing/2014/main" id="{62FD0678-9E67-0A22-DA75-3FC5D47149CD}"/>
               </a:ext>
             </a:extLst>
           </p:cNvPr>
@@ -5007,24 +5153,59 @@
         </p:nvSpPr>
         <p:spPr/>
         <p:txBody>
-          <a:bodyPr/>
-          <a:lstStyle/>
-          <a:p>
-            <a:r>
-              <a:rPr lang="en-GB" dirty="0"/>
-              <a:t>The operational domain is </a:t>
-            </a:r>
-            <a:r>
-              <a:rPr lang="en-GB" b="1" dirty="0"/>
-              <a:t>real-time, closed-loop flight control of a jet aircraft, during all phases of normal flight, under both nominal and multiple severe failure/disturbance scenarios, at a 100 Hz rate, using only control surface commands—validated in high-fidelity simulation, and intended for experimental research aircraft.</a:t>
-            </a:r>
+          <a:bodyPr>
+            <a:normAutofit/>
+          </a:bodyPr>
+          <a:lstStyle/>
+          <a:p>
+            <a:r>
+              <a:rPr lang="en-GB" sz="2000" b="1" dirty="0"/>
+              <a:t>REQ1.4:</a:t>
+            </a:r>
+            <a:r>
+              <a:rPr lang="en-GB" sz="2000" dirty="0"/>
+              <a:t> The system shall operate at a sufficiently high rate, generating smooth incremental control commands to the aircraft’s elevator, aileron, and rudder.</a:t>
+            </a:r>
+          </a:p>
+          <a:p>
+            <a:r>
+              <a:rPr lang="en-GB" sz="2000" b="1" dirty="0"/>
+              <a:t>REQ1.5:</a:t>
+            </a:r>
+            <a:r>
+              <a:rPr lang="en-GB" sz="2000" dirty="0"/>
+              <a:t> The system shall interface with existing aircraft navigation and auto-throttle systems, commanding only control surfaces while leaving airspeed control to external systems.</a:t>
+            </a:r>
+          </a:p>
+          <a:p>
+            <a:r>
+              <a:rPr lang="en-GB" sz="2000" b="1" dirty="0"/>
+              <a:t>REQ1.6:</a:t>
+            </a:r>
+            <a:r>
+              <a:rPr lang="en-GB" sz="2000" dirty="0"/>
+              <a:t> The system shall be trained offline on nominal aircraft dynamics and demonstrate robust, adaptive response to failures during online operation without the need for parameter retuning or retraining.</a:t>
+            </a:r>
+          </a:p>
+          <a:p>
+            <a:r>
+              <a:rPr lang="en-GB" sz="2000" b="1" dirty="0"/>
+              <a:t>REQ1.7:</a:t>
+            </a:r>
+            <a:r>
+              <a:rPr lang="en-GB" sz="2000" dirty="0"/>
+              <a:t> The system shall generalize its control policy to untrained scenarios, adapting to unmodeled disturbances and maintaining performance without explicit reconfiguration.</a:t>
+            </a:r>
+          </a:p>
+          <a:p>
+            <a:endParaRPr lang="en-DE" sz="2000" dirty="0"/>
           </a:p>
         </p:txBody>
       </p:sp>
     </p:spTree>
     <p:extLst>
       <p:ext uri="{BB962C8B-B14F-4D97-AF65-F5344CB8AC3E}">
-        <p14:creationId xmlns:p14="http://schemas.microsoft.com/office/powerpoint/2010/main" val="3285643825"/>
+        <p14:creationId xmlns:p14="http://schemas.microsoft.com/office/powerpoint/2010/main" val="176262846"/>
       </p:ext>
     </p:extLst>
   </p:cSld>

--- a/AIASPres.pptx
+++ b/AIASPres.pptx
@@ -1,9 +1,15 @@
 
 <file path=ppt/presentation.xml><?xml version="1.0" encoding="utf-8"?>
-<p:presentation xmlns:a="http://schemas.openxmlformats.org/drawingml/2006/main" xmlns:r="http://schemas.openxmlformats.org/officeDocument/2006/relationships" xmlns:p="http://schemas.openxmlformats.org/presentationml/2006/main" saveSubsetFonts="1" autoCompressPictures="0">
+<p:presentation xmlns:a="http://schemas.openxmlformats.org/drawingml/2006/main" xmlns:r="http://schemas.openxmlformats.org/officeDocument/2006/relationships" xmlns:p="http://schemas.openxmlformats.org/presentationml/2006/main" showSpecialPlsOnTitleSld="0" saveSubsetFonts="1" autoCompressPictures="0">
   <p:sldMasterIdLst>
     <p:sldMasterId id="2147483648" r:id="rId1"/>
   </p:sldMasterIdLst>
+  <p:notesMasterIdLst>
+    <p:notesMasterId r:id="rId23"/>
+  </p:notesMasterIdLst>
+  <p:handoutMasterIdLst>
+    <p:handoutMasterId r:id="rId24"/>
+  </p:handoutMasterIdLst>
   <p:sldIdLst>
     <p:sldId id="256" r:id="rId2"/>
     <p:sldId id="258" r:id="rId3"/>
@@ -16,6 +22,16 @@
     <p:sldId id="269" r:id="rId10"/>
     <p:sldId id="262" r:id="rId11"/>
     <p:sldId id="264" r:id="rId12"/>
+    <p:sldId id="278" r:id="rId13"/>
+    <p:sldId id="281" r:id="rId14"/>
+    <p:sldId id="282" r:id="rId15"/>
+    <p:sldId id="274" r:id="rId16"/>
+    <p:sldId id="277" r:id="rId17"/>
+    <p:sldId id="271" r:id="rId18"/>
+    <p:sldId id="275" r:id="rId19"/>
+    <p:sldId id="280" r:id="rId20"/>
+    <p:sldId id="279" r:id="rId21"/>
+    <p:sldId id="270" r:id="rId22"/>
   </p:sldIdLst>
   <p:sldSz cx="12192000" cy="6858000"/>
   <p:notesSz cx="6858000" cy="9144000"/>
@@ -122,6 +138,547 @@
 </p:presentation>
 </file>
 
+<file path=ppt/handoutMasters/handoutMaster1.xml><?xml version="1.0" encoding="utf-8"?>
+<p:handoutMaster xmlns:a="http://schemas.openxmlformats.org/drawingml/2006/main" xmlns:r="http://schemas.openxmlformats.org/officeDocument/2006/relationships" xmlns:p="http://schemas.openxmlformats.org/presentationml/2006/main">
+  <p:cSld>
+    <p:bg>
+      <p:bgRef idx="1001">
+        <a:schemeClr val="bg1"/>
+      </p:bgRef>
+    </p:bg>
+    <p:spTree>
+      <p:nvGrpSpPr>
+        <p:cNvPr id="1" name=""/>
+        <p:cNvGrpSpPr/>
+        <p:nvPr/>
+      </p:nvGrpSpPr>
+      <p:grpSpPr>
+        <a:xfrm>
+          <a:off x="0" y="0"/>
+          <a:ext cx="0" cy="0"/>
+          <a:chOff x="0" y="0"/>
+          <a:chExt cx="0" cy="0"/>
+        </a:xfrm>
+      </p:grpSpPr>
+      <p:sp>
+        <p:nvSpPr>
+          <p:cNvPr id="2" name="Header Placeholder 1">
+            <a:extLst>
+              <a:ext uri="{FF2B5EF4-FFF2-40B4-BE49-F238E27FC236}">
+                <a16:creationId xmlns:a16="http://schemas.microsoft.com/office/drawing/2014/main" id="{7A2F394E-72D6-7D0F-8EB5-204864F5B57E}"/>
+              </a:ext>
+            </a:extLst>
+          </p:cNvPr>
+          <p:cNvSpPr>
+            <a:spLocks noGrp="1"/>
+          </p:cNvSpPr>
+          <p:nvPr>
+            <p:ph type="hdr" sz="quarter"/>
+          </p:nvPr>
+        </p:nvSpPr>
+        <p:spPr>
+          <a:xfrm>
+            <a:off x="0" y="0"/>
+            <a:ext cx="2971800" cy="458788"/>
+          </a:xfrm>
+          <a:prstGeom prst="rect">
+            <a:avLst/>
+          </a:prstGeom>
+        </p:spPr>
+        <p:txBody>
+          <a:bodyPr vert="horz" lIns="91440" tIns="45720" rIns="91440" bIns="45720" rtlCol="0"/>
+          <a:lstStyle>
+            <a:lvl1pPr algn="l">
+              <a:defRPr sz="1200"/>
+            </a:lvl1pPr>
+          </a:lstStyle>
+          <a:p>
+            <a:endParaRPr lang="en-DE"/>
+          </a:p>
+        </p:txBody>
+      </p:sp>
+      <p:sp>
+        <p:nvSpPr>
+          <p:cNvPr id="3" name="Date Placeholder 2">
+            <a:extLst>
+              <a:ext uri="{FF2B5EF4-FFF2-40B4-BE49-F238E27FC236}">
+                <a16:creationId xmlns:a16="http://schemas.microsoft.com/office/drawing/2014/main" id="{B6E2582F-D71A-3D2B-E8F4-DCE5A4BB0907}"/>
+              </a:ext>
+            </a:extLst>
+          </p:cNvPr>
+          <p:cNvSpPr>
+            <a:spLocks noGrp="1"/>
+          </p:cNvSpPr>
+          <p:nvPr>
+            <p:ph type="dt" sz="quarter" idx="1"/>
+          </p:nvPr>
+        </p:nvSpPr>
+        <p:spPr>
+          <a:xfrm>
+            <a:off x="3884613" y="0"/>
+            <a:ext cx="2971800" cy="458788"/>
+          </a:xfrm>
+          <a:prstGeom prst="rect">
+            <a:avLst/>
+          </a:prstGeom>
+        </p:spPr>
+        <p:txBody>
+          <a:bodyPr vert="horz" lIns="91440" tIns="45720" rIns="91440" bIns="45720" rtlCol="0"/>
+          <a:lstStyle>
+            <a:lvl1pPr algn="r">
+              <a:defRPr sz="1200"/>
+            </a:lvl1pPr>
+          </a:lstStyle>
+          <a:p>
+            <a:fld id="{A939018D-A317-C04D-B99E-48A66FACBC92}" type="datetimeFigureOut">
+              <a:rPr lang="en-DE" smtClean="0"/>
+              <a:t>03.07.25</a:t>
+            </a:fld>
+            <a:endParaRPr lang="en-DE"/>
+          </a:p>
+        </p:txBody>
+      </p:sp>
+      <p:sp>
+        <p:nvSpPr>
+          <p:cNvPr id="4" name="Footer Placeholder 3">
+            <a:extLst>
+              <a:ext uri="{FF2B5EF4-FFF2-40B4-BE49-F238E27FC236}">
+                <a16:creationId xmlns:a16="http://schemas.microsoft.com/office/drawing/2014/main" id="{72E38986-CEB3-8E98-EFA6-B2830BB6CB3F}"/>
+              </a:ext>
+            </a:extLst>
+          </p:cNvPr>
+          <p:cNvSpPr>
+            <a:spLocks noGrp="1"/>
+          </p:cNvSpPr>
+          <p:nvPr>
+            <p:ph type="ftr" sz="quarter" idx="2"/>
+          </p:nvPr>
+        </p:nvSpPr>
+        <p:spPr>
+          <a:xfrm>
+            <a:off x="0" y="8685213"/>
+            <a:ext cx="2971800" cy="458787"/>
+          </a:xfrm>
+          <a:prstGeom prst="rect">
+            <a:avLst/>
+          </a:prstGeom>
+        </p:spPr>
+        <p:txBody>
+          <a:bodyPr vert="horz" lIns="91440" tIns="45720" rIns="91440" bIns="45720" rtlCol="0" anchor="b"/>
+          <a:lstStyle>
+            <a:lvl1pPr algn="l">
+              <a:defRPr sz="1200"/>
+            </a:lvl1pPr>
+          </a:lstStyle>
+          <a:p>
+            <a:endParaRPr lang="en-DE"/>
+          </a:p>
+        </p:txBody>
+      </p:sp>
+      <p:sp>
+        <p:nvSpPr>
+          <p:cNvPr id="5" name="Slide Number Placeholder 4">
+            <a:extLst>
+              <a:ext uri="{FF2B5EF4-FFF2-40B4-BE49-F238E27FC236}">
+                <a16:creationId xmlns:a16="http://schemas.microsoft.com/office/drawing/2014/main" id="{F46564A8-4E41-5DE1-3D15-910A8920152A}"/>
+              </a:ext>
+            </a:extLst>
+          </p:cNvPr>
+          <p:cNvSpPr>
+            <a:spLocks noGrp="1"/>
+          </p:cNvSpPr>
+          <p:nvPr>
+            <p:ph type="sldNum" sz="quarter" idx="3"/>
+          </p:nvPr>
+        </p:nvSpPr>
+        <p:spPr>
+          <a:xfrm>
+            <a:off x="3884613" y="8685213"/>
+            <a:ext cx="2971800" cy="458787"/>
+          </a:xfrm>
+          <a:prstGeom prst="rect">
+            <a:avLst/>
+          </a:prstGeom>
+        </p:spPr>
+        <p:txBody>
+          <a:bodyPr vert="horz" lIns="91440" tIns="45720" rIns="91440" bIns="45720" rtlCol="0" anchor="b"/>
+          <a:lstStyle>
+            <a:lvl1pPr algn="r">
+              <a:defRPr sz="1200"/>
+            </a:lvl1pPr>
+          </a:lstStyle>
+          <a:p>
+            <a:fld id="{6A53C920-9E93-B84A-B55E-01B8DDC9AA10}" type="slidenum">
+              <a:rPr lang="en-DE" smtClean="0"/>
+              <a:t>‹#›</a:t>
+            </a:fld>
+            <a:endParaRPr lang="en-DE"/>
+          </a:p>
+        </p:txBody>
+      </p:sp>
+    </p:spTree>
+    <p:extLst>
+      <p:ext uri="{BB962C8B-B14F-4D97-AF65-F5344CB8AC3E}">
+        <p14:creationId xmlns:p14="http://schemas.microsoft.com/office/powerpoint/2010/main" val="1796739024"/>
+      </p:ext>
+    </p:extLst>
+  </p:cSld>
+  <p:clrMap bg1="lt1" tx1="dk1" bg2="lt2" tx2="dk2" accent1="accent1" accent2="accent2" accent3="accent3" accent4="accent4" accent5="accent5" accent6="accent6" hlink="hlink" folHlink="folHlink"/>
+  <p:hf hdr="0" dt="0"/>
+</p:handoutMaster>
+</file>
+
+<file path=ppt/notesMasters/notesMaster1.xml><?xml version="1.0" encoding="utf-8"?>
+<p:notesMaster xmlns:a="http://schemas.openxmlformats.org/drawingml/2006/main" xmlns:r="http://schemas.openxmlformats.org/officeDocument/2006/relationships" xmlns:p="http://schemas.openxmlformats.org/presentationml/2006/main">
+  <p:cSld>
+    <p:bg>
+      <p:bgRef idx="1001">
+        <a:schemeClr val="bg1"/>
+      </p:bgRef>
+    </p:bg>
+    <p:spTree>
+      <p:nvGrpSpPr>
+        <p:cNvPr id="1" name=""/>
+        <p:cNvGrpSpPr/>
+        <p:nvPr/>
+      </p:nvGrpSpPr>
+      <p:grpSpPr>
+        <a:xfrm>
+          <a:off x="0" y="0"/>
+          <a:ext cx="0" cy="0"/>
+          <a:chOff x="0" y="0"/>
+          <a:chExt cx="0" cy="0"/>
+        </a:xfrm>
+      </p:grpSpPr>
+      <p:sp>
+        <p:nvSpPr>
+          <p:cNvPr id="2" name="Header Placeholder 1"/>
+          <p:cNvSpPr>
+            <a:spLocks noGrp="1"/>
+          </p:cNvSpPr>
+          <p:nvPr>
+            <p:ph type="hdr" sz="quarter"/>
+          </p:nvPr>
+        </p:nvSpPr>
+        <p:spPr>
+          <a:xfrm>
+            <a:off x="0" y="0"/>
+            <a:ext cx="2971800" cy="458788"/>
+          </a:xfrm>
+          <a:prstGeom prst="rect">
+            <a:avLst/>
+          </a:prstGeom>
+        </p:spPr>
+        <p:txBody>
+          <a:bodyPr vert="horz" lIns="91440" tIns="45720" rIns="91440" bIns="45720" rtlCol="0"/>
+          <a:lstStyle>
+            <a:lvl1pPr algn="l">
+              <a:defRPr sz="1200"/>
+            </a:lvl1pPr>
+          </a:lstStyle>
+          <a:p>
+            <a:endParaRPr lang="en-DE"/>
+          </a:p>
+        </p:txBody>
+      </p:sp>
+      <p:sp>
+        <p:nvSpPr>
+          <p:cNvPr id="3" name="Date Placeholder 2"/>
+          <p:cNvSpPr>
+            <a:spLocks noGrp="1"/>
+          </p:cNvSpPr>
+          <p:nvPr>
+            <p:ph type="dt" idx="1"/>
+          </p:nvPr>
+        </p:nvSpPr>
+        <p:spPr>
+          <a:xfrm>
+            <a:off x="3884613" y="0"/>
+            <a:ext cx="2971800" cy="458788"/>
+          </a:xfrm>
+          <a:prstGeom prst="rect">
+            <a:avLst/>
+          </a:prstGeom>
+        </p:spPr>
+        <p:txBody>
+          <a:bodyPr vert="horz" lIns="91440" tIns="45720" rIns="91440" bIns="45720" rtlCol="0"/>
+          <a:lstStyle>
+            <a:lvl1pPr algn="r">
+              <a:defRPr sz="1200"/>
+            </a:lvl1pPr>
+          </a:lstStyle>
+          <a:p>
+            <a:fld id="{AC7E14E6-C7FD-8B49-A90C-B75C5C97C32B}" type="datetimeFigureOut">
+              <a:rPr lang="en-DE" smtClean="0"/>
+              <a:t>03.07.25</a:t>
+            </a:fld>
+            <a:endParaRPr lang="en-DE"/>
+          </a:p>
+        </p:txBody>
+      </p:sp>
+      <p:sp>
+        <p:nvSpPr>
+          <p:cNvPr id="4" name="Slide Image Placeholder 3"/>
+          <p:cNvSpPr>
+            <a:spLocks noGrp="1" noRot="1" noChangeAspect="1"/>
+          </p:cNvSpPr>
+          <p:nvPr>
+            <p:ph type="sldImg" idx="2"/>
+          </p:nvPr>
+        </p:nvSpPr>
+        <p:spPr>
+          <a:xfrm>
+            <a:off x="685800" y="1143000"/>
+            <a:ext cx="5486400" cy="3086100"/>
+          </a:xfrm>
+          <a:prstGeom prst="rect">
+            <a:avLst/>
+          </a:prstGeom>
+          <a:noFill/>
+          <a:ln w="12700">
+            <a:solidFill>
+              <a:prstClr val="black"/>
+            </a:solidFill>
+          </a:ln>
+        </p:spPr>
+        <p:txBody>
+          <a:bodyPr vert="horz" lIns="91440" tIns="45720" rIns="91440" bIns="45720" rtlCol="0" anchor="ctr"/>
+          <a:lstStyle/>
+          <a:p>
+            <a:endParaRPr lang="en-DE"/>
+          </a:p>
+        </p:txBody>
+      </p:sp>
+      <p:sp>
+        <p:nvSpPr>
+          <p:cNvPr id="5" name="Notes Placeholder 4"/>
+          <p:cNvSpPr>
+            <a:spLocks noGrp="1"/>
+          </p:cNvSpPr>
+          <p:nvPr>
+            <p:ph type="body" sz="quarter" idx="3"/>
+          </p:nvPr>
+        </p:nvSpPr>
+        <p:spPr>
+          <a:xfrm>
+            <a:off x="685800" y="4400550"/>
+            <a:ext cx="5486400" cy="3600450"/>
+          </a:xfrm>
+          <a:prstGeom prst="rect">
+            <a:avLst/>
+          </a:prstGeom>
+        </p:spPr>
+        <p:txBody>
+          <a:bodyPr vert="horz" lIns="91440" tIns="45720" rIns="91440" bIns="45720" rtlCol="0"/>
+          <a:lstStyle/>
+          <a:p>
+            <a:pPr lvl="0"/>
+            <a:r>
+              <a:rPr lang="en-GB"/>
+              <a:t>Click to edit Master text styles</a:t>
+            </a:r>
+          </a:p>
+          <a:p>
+            <a:pPr lvl="1"/>
+            <a:r>
+              <a:rPr lang="en-GB"/>
+              <a:t>Second level</a:t>
+            </a:r>
+          </a:p>
+          <a:p>
+            <a:pPr lvl="2"/>
+            <a:r>
+              <a:rPr lang="en-GB"/>
+              <a:t>Third level</a:t>
+            </a:r>
+          </a:p>
+          <a:p>
+            <a:pPr lvl="3"/>
+            <a:r>
+              <a:rPr lang="en-GB"/>
+              <a:t>Fourth level</a:t>
+            </a:r>
+          </a:p>
+          <a:p>
+            <a:pPr lvl="4"/>
+            <a:r>
+              <a:rPr lang="en-GB"/>
+              <a:t>Fifth level</a:t>
+            </a:r>
+            <a:endParaRPr lang="en-DE"/>
+          </a:p>
+        </p:txBody>
+      </p:sp>
+      <p:sp>
+        <p:nvSpPr>
+          <p:cNvPr id="6" name="Footer Placeholder 5"/>
+          <p:cNvSpPr>
+            <a:spLocks noGrp="1"/>
+          </p:cNvSpPr>
+          <p:nvPr>
+            <p:ph type="ftr" sz="quarter" idx="4"/>
+          </p:nvPr>
+        </p:nvSpPr>
+        <p:spPr>
+          <a:xfrm>
+            <a:off x="0" y="8685213"/>
+            <a:ext cx="2971800" cy="458787"/>
+          </a:xfrm>
+          <a:prstGeom prst="rect">
+            <a:avLst/>
+          </a:prstGeom>
+        </p:spPr>
+        <p:txBody>
+          <a:bodyPr vert="horz" lIns="91440" tIns="45720" rIns="91440" bIns="45720" rtlCol="0" anchor="b"/>
+          <a:lstStyle>
+            <a:lvl1pPr algn="l">
+              <a:defRPr sz="1200"/>
+            </a:lvl1pPr>
+          </a:lstStyle>
+          <a:p>
+            <a:endParaRPr lang="en-DE"/>
+          </a:p>
+        </p:txBody>
+      </p:sp>
+      <p:sp>
+        <p:nvSpPr>
+          <p:cNvPr id="7" name="Slide Number Placeholder 6"/>
+          <p:cNvSpPr>
+            <a:spLocks noGrp="1"/>
+          </p:cNvSpPr>
+          <p:nvPr>
+            <p:ph type="sldNum" sz="quarter" idx="5"/>
+          </p:nvPr>
+        </p:nvSpPr>
+        <p:spPr>
+          <a:xfrm>
+            <a:off x="3884613" y="8685213"/>
+            <a:ext cx="2971800" cy="458787"/>
+          </a:xfrm>
+          <a:prstGeom prst="rect">
+            <a:avLst/>
+          </a:prstGeom>
+        </p:spPr>
+        <p:txBody>
+          <a:bodyPr vert="horz" lIns="91440" tIns="45720" rIns="91440" bIns="45720" rtlCol="0" anchor="b"/>
+          <a:lstStyle>
+            <a:lvl1pPr algn="r">
+              <a:defRPr sz="1200"/>
+            </a:lvl1pPr>
+          </a:lstStyle>
+          <a:p>
+            <a:fld id="{5350EACA-5388-5440-B860-9D763C00107F}" type="slidenum">
+              <a:rPr lang="en-DE" smtClean="0"/>
+              <a:t>‹#›</a:t>
+            </a:fld>
+            <a:endParaRPr lang="en-DE"/>
+          </a:p>
+        </p:txBody>
+      </p:sp>
+    </p:spTree>
+    <p:extLst>
+      <p:ext uri="{BB962C8B-B14F-4D97-AF65-F5344CB8AC3E}">
+        <p14:creationId xmlns:p14="http://schemas.microsoft.com/office/powerpoint/2010/main" val="1776940107"/>
+      </p:ext>
+    </p:extLst>
+  </p:cSld>
+  <p:clrMap bg1="lt1" tx1="dk1" bg2="lt2" tx2="dk2" accent1="accent1" accent2="accent2" accent3="accent3" accent4="accent4" accent5="accent5" accent6="accent6" hlink="hlink" folHlink="folHlink"/>
+  <p:hf hdr="0" dt="0"/>
+  <p:notesStyle>
+    <a:lvl1pPr marL="0" algn="l" defTabSz="914400" rtl="0" eaLnBrk="1" latinLnBrk="0" hangingPunct="1">
+      <a:defRPr sz="1200" kern="1200">
+        <a:solidFill>
+          <a:schemeClr val="tx1"/>
+        </a:solidFill>
+        <a:latin typeface="+mn-lt"/>
+        <a:ea typeface="+mn-ea"/>
+        <a:cs typeface="+mn-cs"/>
+      </a:defRPr>
+    </a:lvl1pPr>
+    <a:lvl2pPr marL="457200" algn="l" defTabSz="914400" rtl="0" eaLnBrk="1" latinLnBrk="0" hangingPunct="1">
+      <a:defRPr sz="1200" kern="1200">
+        <a:solidFill>
+          <a:schemeClr val="tx1"/>
+        </a:solidFill>
+        <a:latin typeface="+mn-lt"/>
+        <a:ea typeface="+mn-ea"/>
+        <a:cs typeface="+mn-cs"/>
+      </a:defRPr>
+    </a:lvl2pPr>
+    <a:lvl3pPr marL="914400" algn="l" defTabSz="914400" rtl="0" eaLnBrk="1" latinLnBrk="0" hangingPunct="1">
+      <a:defRPr sz="1200" kern="1200">
+        <a:solidFill>
+          <a:schemeClr val="tx1"/>
+        </a:solidFill>
+        <a:latin typeface="+mn-lt"/>
+        <a:ea typeface="+mn-ea"/>
+        <a:cs typeface="+mn-cs"/>
+      </a:defRPr>
+    </a:lvl3pPr>
+    <a:lvl4pPr marL="1371600" algn="l" defTabSz="914400" rtl="0" eaLnBrk="1" latinLnBrk="0" hangingPunct="1">
+      <a:defRPr sz="1200" kern="1200">
+        <a:solidFill>
+          <a:schemeClr val="tx1"/>
+        </a:solidFill>
+        <a:latin typeface="+mn-lt"/>
+        <a:ea typeface="+mn-ea"/>
+        <a:cs typeface="+mn-cs"/>
+      </a:defRPr>
+    </a:lvl4pPr>
+    <a:lvl5pPr marL="1828800" algn="l" defTabSz="914400" rtl="0" eaLnBrk="1" latinLnBrk="0" hangingPunct="1">
+      <a:defRPr sz="1200" kern="1200">
+        <a:solidFill>
+          <a:schemeClr val="tx1"/>
+        </a:solidFill>
+        <a:latin typeface="+mn-lt"/>
+        <a:ea typeface="+mn-ea"/>
+        <a:cs typeface="+mn-cs"/>
+      </a:defRPr>
+    </a:lvl5pPr>
+    <a:lvl6pPr marL="2286000" algn="l" defTabSz="914400" rtl="0" eaLnBrk="1" latinLnBrk="0" hangingPunct="1">
+      <a:defRPr sz="1200" kern="1200">
+        <a:solidFill>
+          <a:schemeClr val="tx1"/>
+        </a:solidFill>
+        <a:latin typeface="+mn-lt"/>
+        <a:ea typeface="+mn-ea"/>
+        <a:cs typeface="+mn-cs"/>
+      </a:defRPr>
+    </a:lvl6pPr>
+    <a:lvl7pPr marL="2743200" algn="l" defTabSz="914400" rtl="0" eaLnBrk="1" latinLnBrk="0" hangingPunct="1">
+      <a:defRPr sz="1200" kern="1200">
+        <a:solidFill>
+          <a:schemeClr val="tx1"/>
+        </a:solidFill>
+        <a:latin typeface="+mn-lt"/>
+        <a:ea typeface="+mn-ea"/>
+        <a:cs typeface="+mn-cs"/>
+      </a:defRPr>
+    </a:lvl7pPr>
+    <a:lvl8pPr marL="3200400" algn="l" defTabSz="914400" rtl="0" eaLnBrk="1" latinLnBrk="0" hangingPunct="1">
+      <a:defRPr sz="1200" kern="1200">
+        <a:solidFill>
+          <a:schemeClr val="tx1"/>
+        </a:solidFill>
+        <a:latin typeface="+mn-lt"/>
+        <a:ea typeface="+mn-ea"/>
+        <a:cs typeface="+mn-cs"/>
+      </a:defRPr>
+    </a:lvl8pPr>
+    <a:lvl9pPr marL="3657600" algn="l" defTabSz="914400" rtl="0" eaLnBrk="1" latinLnBrk="0" hangingPunct="1">
+      <a:defRPr sz="1200" kern="1200">
+        <a:solidFill>
+          <a:schemeClr val="tx1"/>
+        </a:solidFill>
+        <a:latin typeface="+mn-lt"/>
+        <a:ea typeface="+mn-ea"/>
+        <a:cs typeface="+mn-cs"/>
+      </a:defRPr>
+    </a:lvl9pPr>
+  </p:notesStyle>
+</p:notesMaster>
+</file>
+
 <file path=ppt/slideLayouts/slideLayout1.xml><?xml version="1.0" encoding="utf-8"?>
 <p:sldLayout xmlns:a="http://schemas.openxmlformats.org/drawingml/2006/main" xmlns:r="http://schemas.openxmlformats.org/officeDocument/2006/relationships" xmlns:p="http://schemas.openxmlformats.org/presentationml/2006/main" type="title" preserve="1">
   <p:cSld name="Title Slide">
@@ -269,9 +826,9 @@
           <a:bodyPr/>
           <a:lstStyle/>
           <a:p>
-            <a:fld id="{BEC0A12F-6A7D-8841-A5A4-6740CA763864}" type="datetimeFigureOut">
-              <a:rPr lang="en-DE" smtClean="0"/>
-              <a:t>27/06/2025</a:t>
+            <a:fld id="{6A1E63F1-93EF-1D4C-BA80-9F3EE571779D}" type="datetime1">
+              <a:rPr lang="de-DE" smtClean="0"/>
+              <a:t>03.07.25</a:t>
             </a:fld>
             <a:endParaRPr lang="en-DE"/>
           </a:p>
@@ -325,7 +882,7 @@
           <a:p>
             <a:fld id="{B304D30C-128B-5449-AD8B-09F07771E88F}" type="slidenum">
               <a:rPr lang="en-DE" smtClean="0"/>
-              <a:t>‹Nr.›</a:t>
+              <a:t>‹#›</a:t>
             </a:fld>
             <a:endParaRPr lang="en-DE"/>
           </a:p>
@@ -469,9 +1026,9 @@
           <a:bodyPr/>
           <a:lstStyle/>
           <a:p>
-            <a:fld id="{BEC0A12F-6A7D-8841-A5A4-6740CA763864}" type="datetimeFigureOut">
-              <a:rPr lang="en-DE" smtClean="0"/>
-              <a:t>27/06/2025</a:t>
+            <a:fld id="{C7B69A63-EEBF-544D-A247-B09D9DDC343C}" type="datetime1">
+              <a:rPr lang="de-DE" smtClean="0"/>
+              <a:t>03.07.25</a:t>
             </a:fld>
             <a:endParaRPr lang="en-DE"/>
           </a:p>
@@ -525,7 +1082,7 @@
           <a:p>
             <a:fld id="{B304D30C-128B-5449-AD8B-09F07771E88F}" type="slidenum">
               <a:rPr lang="en-DE" smtClean="0"/>
-              <a:t>‹Nr.›</a:t>
+              <a:t>‹#›</a:t>
             </a:fld>
             <a:endParaRPr lang="en-DE"/>
           </a:p>
@@ -679,9 +1236,9 @@
           <a:bodyPr/>
           <a:lstStyle/>
           <a:p>
-            <a:fld id="{BEC0A12F-6A7D-8841-A5A4-6740CA763864}" type="datetimeFigureOut">
-              <a:rPr lang="en-DE" smtClean="0"/>
-              <a:t>27/06/2025</a:t>
+            <a:fld id="{C82F8C64-388C-334A-AE52-80ADC9242FD6}" type="datetime1">
+              <a:rPr lang="de-DE" smtClean="0"/>
+              <a:t>03.07.25</a:t>
             </a:fld>
             <a:endParaRPr lang="en-DE"/>
           </a:p>
@@ -735,7 +1292,7 @@
           <a:p>
             <a:fld id="{B304D30C-128B-5449-AD8B-09F07771E88F}" type="slidenum">
               <a:rPr lang="en-DE" smtClean="0"/>
-              <a:t>‹Nr.›</a:t>
+              <a:t>‹#›</a:t>
             </a:fld>
             <a:endParaRPr lang="en-DE"/>
           </a:p>
@@ -879,9 +1436,9 @@
           <a:bodyPr/>
           <a:lstStyle/>
           <a:p>
-            <a:fld id="{BEC0A12F-6A7D-8841-A5A4-6740CA763864}" type="datetimeFigureOut">
-              <a:rPr lang="en-DE" smtClean="0"/>
-              <a:t>27/06/2025</a:t>
+            <a:fld id="{DA06A27E-C183-734E-B0D5-3186C980F094}" type="datetime1">
+              <a:rPr lang="de-DE" smtClean="0"/>
+              <a:t>03.07.25</a:t>
             </a:fld>
             <a:endParaRPr lang="en-DE"/>
           </a:p>
@@ -935,7 +1492,7 @@
           <a:p>
             <a:fld id="{B304D30C-128B-5449-AD8B-09F07771E88F}" type="slidenum">
               <a:rPr lang="en-DE" smtClean="0"/>
-              <a:t>‹Nr.›</a:t>
+              <a:t>‹#›</a:t>
             </a:fld>
             <a:endParaRPr lang="en-DE"/>
           </a:p>
@@ -1155,9 +1712,9 @@
           <a:bodyPr/>
           <a:lstStyle/>
           <a:p>
-            <a:fld id="{BEC0A12F-6A7D-8841-A5A4-6740CA763864}" type="datetimeFigureOut">
-              <a:rPr lang="en-DE" smtClean="0"/>
-              <a:t>27/06/2025</a:t>
+            <a:fld id="{02783D50-2615-6E4E-B60B-F9C704903F56}" type="datetime1">
+              <a:rPr lang="de-DE" smtClean="0"/>
+              <a:t>03.07.25</a:t>
             </a:fld>
             <a:endParaRPr lang="en-DE"/>
           </a:p>
@@ -1211,7 +1768,7 @@
           <a:p>
             <a:fld id="{B304D30C-128B-5449-AD8B-09F07771E88F}" type="slidenum">
               <a:rPr lang="en-DE" smtClean="0"/>
-              <a:t>‹Nr.›</a:t>
+              <a:t>‹#›</a:t>
             </a:fld>
             <a:endParaRPr lang="en-DE"/>
           </a:p>
@@ -1423,9 +1980,9 @@
           <a:bodyPr/>
           <a:lstStyle/>
           <a:p>
-            <a:fld id="{BEC0A12F-6A7D-8841-A5A4-6740CA763864}" type="datetimeFigureOut">
-              <a:rPr lang="en-DE" smtClean="0"/>
-              <a:t>27/06/2025</a:t>
+            <a:fld id="{9F33C7B8-C40B-4145-BAE3-02EE296DB8E7}" type="datetime1">
+              <a:rPr lang="de-DE" smtClean="0"/>
+              <a:t>03.07.25</a:t>
             </a:fld>
             <a:endParaRPr lang="en-DE"/>
           </a:p>
@@ -1479,7 +2036,7 @@
           <a:p>
             <a:fld id="{B304D30C-128B-5449-AD8B-09F07771E88F}" type="slidenum">
               <a:rPr lang="en-DE" smtClean="0"/>
-              <a:t>‹Nr.›</a:t>
+              <a:t>‹#›</a:t>
             </a:fld>
             <a:endParaRPr lang="en-DE"/>
           </a:p>
@@ -1838,9 +2395,9 @@
           <a:bodyPr/>
           <a:lstStyle/>
           <a:p>
-            <a:fld id="{BEC0A12F-6A7D-8841-A5A4-6740CA763864}" type="datetimeFigureOut">
-              <a:rPr lang="en-DE" smtClean="0"/>
-              <a:t>27/06/2025</a:t>
+            <a:fld id="{7BD3B36C-5640-1744-B1A8-327346FCB165}" type="datetime1">
+              <a:rPr lang="de-DE" smtClean="0"/>
+              <a:t>03.07.25</a:t>
             </a:fld>
             <a:endParaRPr lang="en-DE"/>
           </a:p>
@@ -1894,7 +2451,7 @@
           <a:p>
             <a:fld id="{B304D30C-128B-5449-AD8B-09F07771E88F}" type="slidenum">
               <a:rPr lang="en-DE" smtClean="0"/>
-              <a:t>‹Nr.›</a:t>
+              <a:t>‹#›</a:t>
             </a:fld>
             <a:endParaRPr lang="en-DE"/>
           </a:p>
@@ -1980,9 +2537,9 @@
           <a:bodyPr/>
           <a:lstStyle/>
           <a:p>
-            <a:fld id="{BEC0A12F-6A7D-8841-A5A4-6740CA763864}" type="datetimeFigureOut">
-              <a:rPr lang="en-DE" smtClean="0"/>
-              <a:t>27/06/2025</a:t>
+            <a:fld id="{BB1F278C-B7E0-BD4B-BD9D-55BB70E2CC05}" type="datetime1">
+              <a:rPr lang="de-DE" smtClean="0"/>
+              <a:t>03.07.25</a:t>
             </a:fld>
             <a:endParaRPr lang="en-DE"/>
           </a:p>
@@ -2036,7 +2593,7 @@
           <a:p>
             <a:fld id="{B304D30C-128B-5449-AD8B-09F07771E88F}" type="slidenum">
               <a:rPr lang="en-DE" smtClean="0"/>
-              <a:t>‹Nr.›</a:t>
+              <a:t>‹#›</a:t>
             </a:fld>
             <a:endParaRPr lang="en-DE"/>
           </a:p>
@@ -2093,9 +2650,9 @@
           <a:bodyPr/>
           <a:lstStyle/>
           <a:p>
-            <a:fld id="{BEC0A12F-6A7D-8841-A5A4-6740CA763864}" type="datetimeFigureOut">
-              <a:rPr lang="en-DE" smtClean="0"/>
-              <a:t>27/06/2025</a:t>
+            <a:fld id="{84927301-0BFD-4B4E-B482-54E9D1986662}" type="datetime1">
+              <a:rPr lang="de-DE" smtClean="0"/>
+              <a:t>03.07.25</a:t>
             </a:fld>
             <a:endParaRPr lang="en-DE"/>
           </a:p>
@@ -2149,7 +2706,7 @@
           <a:p>
             <a:fld id="{B304D30C-128B-5449-AD8B-09F07771E88F}" type="slidenum">
               <a:rPr lang="en-DE" smtClean="0"/>
-              <a:t>‹Nr.›</a:t>
+              <a:t>‹#›</a:t>
             </a:fld>
             <a:endParaRPr lang="en-DE"/>
           </a:p>
@@ -2406,9 +2963,9 @@
           <a:bodyPr/>
           <a:lstStyle/>
           <a:p>
-            <a:fld id="{BEC0A12F-6A7D-8841-A5A4-6740CA763864}" type="datetimeFigureOut">
-              <a:rPr lang="en-DE" smtClean="0"/>
-              <a:t>27/06/2025</a:t>
+            <a:fld id="{DBFD9E6A-B0A7-AC48-83BE-553508071EB2}" type="datetime1">
+              <a:rPr lang="de-DE" smtClean="0"/>
+              <a:t>03.07.25</a:t>
             </a:fld>
             <a:endParaRPr lang="en-DE"/>
           </a:p>
@@ -2462,7 +3019,7 @@
           <a:p>
             <a:fld id="{B304D30C-128B-5449-AD8B-09F07771E88F}" type="slidenum">
               <a:rPr lang="en-DE" smtClean="0"/>
-              <a:t>‹Nr.›</a:t>
+              <a:t>‹#›</a:t>
             </a:fld>
             <a:endParaRPr lang="en-DE"/>
           </a:p>
@@ -2695,9 +3252,9 @@
           <a:bodyPr/>
           <a:lstStyle/>
           <a:p>
-            <a:fld id="{BEC0A12F-6A7D-8841-A5A4-6740CA763864}" type="datetimeFigureOut">
-              <a:rPr lang="en-DE" smtClean="0"/>
-              <a:t>27/06/2025</a:t>
+            <a:fld id="{B69AFFC8-BD8E-4D41-866D-EE2FD1CD1A97}" type="datetime1">
+              <a:rPr lang="de-DE" smtClean="0"/>
+              <a:t>03.07.25</a:t>
             </a:fld>
             <a:endParaRPr lang="en-DE"/>
           </a:p>
@@ -2751,7 +3308,7 @@
           <a:p>
             <a:fld id="{B304D30C-128B-5449-AD8B-09F07771E88F}" type="slidenum">
               <a:rPr lang="en-DE" smtClean="0"/>
-              <a:t>‹Nr.›</a:t>
+              <a:t>‹#›</a:t>
             </a:fld>
             <a:endParaRPr lang="en-DE"/>
           </a:p>
@@ -2938,9 +3495,9 @@
             </a:lvl1pPr>
           </a:lstStyle>
           <a:p>
-            <a:fld id="{BEC0A12F-6A7D-8841-A5A4-6740CA763864}" type="datetimeFigureOut">
-              <a:rPr lang="en-DE" smtClean="0"/>
-              <a:t>27/06/2025</a:t>
+            <a:fld id="{BA203B1D-0B29-724F-B9C5-A9F5F63C7BF4}" type="datetime1">
+              <a:rPr lang="de-DE" smtClean="0"/>
+              <a:t>03.07.25</a:t>
             </a:fld>
             <a:endParaRPr lang="en-DE"/>
           </a:p>
@@ -3030,7 +3587,7 @@
           <a:p>
             <a:fld id="{B304D30C-128B-5449-AD8B-09F07771E88F}" type="slidenum">
               <a:rPr lang="en-DE" smtClean="0"/>
-              <a:t>‹Nr.›</a:t>
+              <a:t>‹#›</a:t>
             </a:fld>
             <a:endParaRPr lang="en-DE"/>
           </a:p>
@@ -3057,6 +3614,7 @@
     <p:sldLayoutId id="2147483658" r:id="rId10"/>
     <p:sldLayoutId id="2147483659" r:id="rId11"/>
   </p:sldLayoutIdLst>
+  <p:hf hdr="0" ftr="0" dt="0"/>
   <p:txStyles>
     <p:titleStyle>
       <a:lvl1pPr algn="l" defTabSz="914400" rtl="0" eaLnBrk="1" latinLnBrk="0" hangingPunct="1">
@@ -3524,6 +4082,35 @@
           </a:p>
         </p:txBody>
       </p:sp>
+      <p:sp>
+        <p:nvSpPr>
+          <p:cNvPr id="4" name="Slide Number Placeholder 3">
+            <a:extLst>
+              <a:ext uri="{FF2B5EF4-FFF2-40B4-BE49-F238E27FC236}">
+                <a16:creationId xmlns:a16="http://schemas.microsoft.com/office/drawing/2014/main" id="{BB04EDCF-0CC6-695A-7B11-9D2B14637DAD}"/>
+              </a:ext>
+            </a:extLst>
+          </p:cNvPr>
+          <p:cNvSpPr>
+            <a:spLocks noGrp="1"/>
+          </p:cNvSpPr>
+          <p:nvPr>
+            <p:ph type="sldNum" sz="quarter" idx="12"/>
+          </p:nvPr>
+        </p:nvSpPr>
+        <p:spPr/>
+        <p:txBody>
+          <a:bodyPr/>
+          <a:lstStyle/>
+          <a:p>
+            <a:fld id="{B304D30C-128B-5449-AD8B-09F07771E88F}" type="slidenum">
+              <a:rPr lang="en-DE" smtClean="0"/>
+              <a:t>10</a:t>
+            </a:fld>
+            <a:endParaRPr lang="en-DE"/>
+          </a:p>
+        </p:txBody>
+      </p:sp>
     </p:spTree>
     <p:extLst>
       <p:ext uri="{BB962C8B-B14F-4D97-AF65-F5344CB8AC3E}">
@@ -4194,10 +4781,2964 @@
           </a:graphicData>
         </a:graphic>
       </p:graphicFrame>
+      <p:sp>
+        <p:nvSpPr>
+          <p:cNvPr id="3" name="Slide Number Placeholder 2">
+            <a:extLst>
+              <a:ext uri="{FF2B5EF4-FFF2-40B4-BE49-F238E27FC236}">
+                <a16:creationId xmlns:a16="http://schemas.microsoft.com/office/drawing/2014/main" id="{B9A46734-C67E-9AA2-3375-F6E0C7202EAB}"/>
+              </a:ext>
+            </a:extLst>
+          </p:cNvPr>
+          <p:cNvSpPr>
+            <a:spLocks noGrp="1"/>
+          </p:cNvSpPr>
+          <p:nvPr>
+            <p:ph type="sldNum" sz="quarter" idx="12"/>
+          </p:nvPr>
+        </p:nvSpPr>
+        <p:spPr/>
+        <p:txBody>
+          <a:bodyPr/>
+          <a:lstStyle/>
+          <a:p>
+            <a:fld id="{B304D30C-128B-5449-AD8B-09F07771E88F}" type="slidenum">
+              <a:rPr lang="en-DE" smtClean="0"/>
+              <a:t>11</a:t>
+            </a:fld>
+            <a:endParaRPr lang="en-DE"/>
+          </a:p>
+        </p:txBody>
+      </p:sp>
     </p:spTree>
     <p:extLst>
       <p:ext uri="{BB962C8B-B14F-4D97-AF65-F5344CB8AC3E}">
         <p14:creationId xmlns:p14="http://schemas.microsoft.com/office/powerpoint/2010/main" val="1072500056"/>
+      </p:ext>
+    </p:extLst>
+  </p:cSld>
+  <p:clrMapOvr>
+    <a:masterClrMapping/>
+  </p:clrMapOvr>
+</p:sld>
+</file>
+
+<file path=ppt/slides/slide12.xml><?xml version="1.0" encoding="utf-8"?>
+<p:sld xmlns:a="http://schemas.openxmlformats.org/drawingml/2006/main" xmlns:r="http://schemas.openxmlformats.org/officeDocument/2006/relationships" xmlns:p="http://schemas.openxmlformats.org/presentationml/2006/main">
+  <p:cSld>
+    <p:spTree>
+      <p:nvGrpSpPr>
+        <p:cNvPr id="1" name="">
+          <a:extLst>
+            <a:ext uri="{FF2B5EF4-FFF2-40B4-BE49-F238E27FC236}">
+              <a16:creationId xmlns:a16="http://schemas.microsoft.com/office/drawing/2014/main" id="{6F8B5475-0839-D5AC-A2A5-D27BA8C7A039}"/>
+            </a:ext>
+          </a:extLst>
+        </p:cNvPr>
+        <p:cNvGrpSpPr/>
+        <p:nvPr/>
+      </p:nvGrpSpPr>
+      <p:grpSpPr>
+        <a:xfrm>
+          <a:off x="0" y="0"/>
+          <a:ext cx="0" cy="0"/>
+          <a:chOff x="0" y="0"/>
+          <a:chExt cx="0" cy="0"/>
+        </a:xfrm>
+      </p:grpSpPr>
+      <p:sp>
+        <p:nvSpPr>
+          <p:cNvPr id="2" name="Title 1">
+            <a:extLst>
+              <a:ext uri="{FF2B5EF4-FFF2-40B4-BE49-F238E27FC236}">
+                <a16:creationId xmlns:a16="http://schemas.microsoft.com/office/drawing/2014/main" id="{DF2F75F2-A581-3CF1-5ED2-0929306C20B4}"/>
+              </a:ext>
+            </a:extLst>
+          </p:cNvPr>
+          <p:cNvSpPr>
+            <a:spLocks noGrp="1"/>
+          </p:cNvSpPr>
+          <p:nvPr>
+            <p:ph type="title"/>
+          </p:nvPr>
+        </p:nvSpPr>
+        <p:spPr/>
+        <p:txBody>
+          <a:bodyPr/>
+          <a:lstStyle/>
+          <a:p>
+            <a:r>
+              <a:rPr lang="de-DE" dirty="0"/>
+              <a:t>EASA AI Levels</a:t>
+            </a:r>
+            <a:endParaRPr lang="en-DE" dirty="0"/>
+          </a:p>
+        </p:txBody>
+      </p:sp>
+      <p:sp>
+        <p:nvSpPr>
+          <p:cNvPr id="10" name="Slide Number Placeholder 9">
+            <a:extLst>
+              <a:ext uri="{FF2B5EF4-FFF2-40B4-BE49-F238E27FC236}">
+                <a16:creationId xmlns:a16="http://schemas.microsoft.com/office/drawing/2014/main" id="{786E64F7-C2E4-F208-7BF3-AE3425DE408E}"/>
+              </a:ext>
+            </a:extLst>
+          </p:cNvPr>
+          <p:cNvSpPr>
+            <a:spLocks noGrp="1"/>
+          </p:cNvSpPr>
+          <p:nvPr>
+            <p:ph type="sldNum" sz="quarter" idx="12"/>
+          </p:nvPr>
+        </p:nvSpPr>
+        <p:spPr/>
+        <p:txBody>
+          <a:bodyPr/>
+          <a:lstStyle/>
+          <a:p>
+            <a:fld id="{B304D30C-128B-5449-AD8B-09F07771E88F}" type="slidenum">
+              <a:rPr lang="en-DE" smtClean="0"/>
+              <a:t>12</a:t>
+            </a:fld>
+            <a:endParaRPr lang="en-DE"/>
+          </a:p>
+        </p:txBody>
+      </p:sp>
+    </p:spTree>
+    <p:extLst>
+      <p:ext uri="{BB962C8B-B14F-4D97-AF65-F5344CB8AC3E}">
+        <p14:creationId xmlns:p14="http://schemas.microsoft.com/office/powerpoint/2010/main" val="703721573"/>
+      </p:ext>
+    </p:extLst>
+  </p:cSld>
+  <p:clrMapOvr>
+    <a:masterClrMapping/>
+  </p:clrMapOvr>
+</p:sld>
+</file>
+
+<file path=ppt/slides/slide13.xml><?xml version="1.0" encoding="utf-8"?>
+<p:sld xmlns:a="http://schemas.openxmlformats.org/drawingml/2006/main" xmlns:r="http://schemas.openxmlformats.org/officeDocument/2006/relationships" xmlns:p="http://schemas.openxmlformats.org/presentationml/2006/main">
+  <p:cSld>
+    <p:spTree>
+      <p:nvGrpSpPr>
+        <p:cNvPr id="1" name="">
+          <a:extLst>
+            <a:ext uri="{FF2B5EF4-FFF2-40B4-BE49-F238E27FC236}">
+              <a16:creationId xmlns:a16="http://schemas.microsoft.com/office/drawing/2014/main" id="{3113C3DD-2133-6A93-6508-C090DD4B173B}"/>
+            </a:ext>
+          </a:extLst>
+        </p:cNvPr>
+        <p:cNvGrpSpPr/>
+        <p:nvPr/>
+      </p:nvGrpSpPr>
+      <p:grpSpPr>
+        <a:xfrm>
+          <a:off x="0" y="0"/>
+          <a:ext cx="0" cy="0"/>
+          <a:chOff x="0" y="0"/>
+          <a:chExt cx="0" cy="0"/>
+        </a:xfrm>
+      </p:grpSpPr>
+      <p:sp>
+        <p:nvSpPr>
+          <p:cNvPr id="2" name="Title 1">
+            <a:extLst>
+              <a:ext uri="{FF2B5EF4-FFF2-40B4-BE49-F238E27FC236}">
+                <a16:creationId xmlns:a16="http://schemas.microsoft.com/office/drawing/2014/main" id="{D94A1B24-0157-BD7A-15A7-D22EA0E41D42}"/>
+              </a:ext>
+            </a:extLst>
+          </p:cNvPr>
+          <p:cNvSpPr>
+            <a:spLocks noGrp="1"/>
+          </p:cNvSpPr>
+          <p:nvPr>
+            <p:ph type="title"/>
+          </p:nvPr>
+        </p:nvSpPr>
+        <p:spPr/>
+        <p:txBody>
+          <a:bodyPr/>
+          <a:lstStyle/>
+          <a:p>
+            <a:r>
+              <a:rPr lang="de-DE" dirty="0"/>
+              <a:t>EASA AI Levels</a:t>
+            </a:r>
+            <a:endParaRPr lang="en-DE" dirty="0"/>
+          </a:p>
+        </p:txBody>
+      </p:sp>
+      <p:sp>
+        <p:nvSpPr>
+          <p:cNvPr id="10" name="Slide Number Placeholder 9">
+            <a:extLst>
+              <a:ext uri="{FF2B5EF4-FFF2-40B4-BE49-F238E27FC236}">
+                <a16:creationId xmlns:a16="http://schemas.microsoft.com/office/drawing/2014/main" id="{1AF7C427-6CEF-0D92-FB59-7C009C9343D2}"/>
+              </a:ext>
+            </a:extLst>
+          </p:cNvPr>
+          <p:cNvSpPr>
+            <a:spLocks noGrp="1"/>
+          </p:cNvSpPr>
+          <p:nvPr>
+            <p:ph type="sldNum" sz="quarter" idx="12"/>
+          </p:nvPr>
+        </p:nvSpPr>
+        <p:spPr/>
+        <p:txBody>
+          <a:bodyPr/>
+          <a:lstStyle/>
+          <a:p>
+            <a:fld id="{B304D30C-128B-5449-AD8B-09F07771E88F}" type="slidenum">
+              <a:rPr lang="en-DE" smtClean="0"/>
+              <a:t>13</a:t>
+            </a:fld>
+            <a:endParaRPr lang="en-DE"/>
+          </a:p>
+        </p:txBody>
+      </p:sp>
+    </p:spTree>
+    <p:extLst>
+      <p:ext uri="{BB962C8B-B14F-4D97-AF65-F5344CB8AC3E}">
+        <p14:creationId xmlns:p14="http://schemas.microsoft.com/office/powerpoint/2010/main" val="292070366"/>
+      </p:ext>
+    </p:extLst>
+  </p:cSld>
+  <p:clrMapOvr>
+    <a:masterClrMapping/>
+  </p:clrMapOvr>
+</p:sld>
+</file>
+
+<file path=ppt/slides/slide14.xml><?xml version="1.0" encoding="utf-8"?>
+<p:sld xmlns:a="http://schemas.openxmlformats.org/drawingml/2006/main" xmlns:r="http://schemas.openxmlformats.org/officeDocument/2006/relationships" xmlns:p="http://schemas.openxmlformats.org/presentationml/2006/main">
+  <p:cSld>
+    <p:spTree>
+      <p:nvGrpSpPr>
+        <p:cNvPr id="1" name="">
+          <a:extLst>
+            <a:ext uri="{FF2B5EF4-FFF2-40B4-BE49-F238E27FC236}">
+              <a16:creationId xmlns:a16="http://schemas.microsoft.com/office/drawing/2014/main" id="{A39F926C-9418-9B1E-87C5-9D815F5D9222}"/>
+            </a:ext>
+          </a:extLst>
+        </p:cNvPr>
+        <p:cNvGrpSpPr/>
+        <p:nvPr/>
+      </p:nvGrpSpPr>
+      <p:grpSpPr>
+        <a:xfrm>
+          <a:off x="0" y="0"/>
+          <a:ext cx="0" cy="0"/>
+          <a:chOff x="0" y="0"/>
+          <a:chExt cx="0" cy="0"/>
+        </a:xfrm>
+      </p:grpSpPr>
+      <p:sp>
+        <p:nvSpPr>
+          <p:cNvPr id="2" name="Title 1">
+            <a:extLst>
+              <a:ext uri="{FF2B5EF4-FFF2-40B4-BE49-F238E27FC236}">
+                <a16:creationId xmlns:a16="http://schemas.microsoft.com/office/drawing/2014/main" id="{A8FCE949-8A62-CDAC-9EC2-CF00F67BCFD2}"/>
+              </a:ext>
+            </a:extLst>
+          </p:cNvPr>
+          <p:cNvSpPr>
+            <a:spLocks noGrp="1"/>
+          </p:cNvSpPr>
+          <p:nvPr>
+            <p:ph type="title"/>
+          </p:nvPr>
+        </p:nvSpPr>
+        <p:spPr/>
+        <p:txBody>
+          <a:bodyPr/>
+          <a:lstStyle/>
+          <a:p>
+            <a:r>
+              <a:rPr lang="de-DE" dirty="0"/>
+              <a:t>EASA AI Levels</a:t>
+            </a:r>
+            <a:endParaRPr lang="en-DE" dirty="0"/>
+          </a:p>
+        </p:txBody>
+      </p:sp>
+      <p:sp>
+        <p:nvSpPr>
+          <p:cNvPr id="3" name="Slide Number Placeholder 2">
+            <a:extLst>
+              <a:ext uri="{FF2B5EF4-FFF2-40B4-BE49-F238E27FC236}">
+                <a16:creationId xmlns:a16="http://schemas.microsoft.com/office/drawing/2014/main" id="{E6A1F4F8-0C88-D7DC-7F88-A3A243FC033B}"/>
+              </a:ext>
+            </a:extLst>
+          </p:cNvPr>
+          <p:cNvSpPr>
+            <a:spLocks noGrp="1"/>
+          </p:cNvSpPr>
+          <p:nvPr>
+            <p:ph type="sldNum" sz="quarter" idx="12"/>
+          </p:nvPr>
+        </p:nvSpPr>
+        <p:spPr/>
+        <p:txBody>
+          <a:bodyPr/>
+          <a:lstStyle/>
+          <a:p>
+            <a:fld id="{B304D30C-128B-5449-AD8B-09F07771E88F}" type="slidenum">
+              <a:rPr lang="en-DE" smtClean="0"/>
+              <a:t>14</a:t>
+            </a:fld>
+            <a:endParaRPr lang="en-DE"/>
+          </a:p>
+        </p:txBody>
+      </p:sp>
+      <p:graphicFrame>
+        <p:nvGraphicFramePr>
+          <p:cNvPr id="4" name="Content Placeholder 3">
+            <a:extLst>
+              <a:ext uri="{FF2B5EF4-FFF2-40B4-BE49-F238E27FC236}">
+                <a16:creationId xmlns:a16="http://schemas.microsoft.com/office/drawing/2014/main" id="{F186AB3B-F542-1300-A6E5-CF7E66A1A353}"/>
+              </a:ext>
+            </a:extLst>
+          </p:cNvPr>
+          <p:cNvGraphicFramePr>
+            <a:graphicFrameLocks noGrp="1"/>
+          </p:cNvGraphicFramePr>
+          <p:nvPr>
+            <p:ph idx="1"/>
+            <p:extLst>
+              <p:ext uri="{D42A27DB-BD31-4B8C-83A1-F6EECF244321}">
+                <p14:modId xmlns:p14="http://schemas.microsoft.com/office/powerpoint/2010/main" val="705826559"/>
+              </p:ext>
+            </p:extLst>
+          </p:nvPr>
+        </p:nvGraphicFramePr>
+        <p:xfrm>
+          <a:off x="838200" y="1690688"/>
+          <a:ext cx="10515600" cy="4409806"/>
+        </p:xfrm>
+        <a:graphic>
+          <a:graphicData uri="http://schemas.openxmlformats.org/drawingml/2006/table">
+            <a:tbl>
+              <a:tblPr firstRow="1" bandRow="1">
+                <a:tableStyleId>{5C22544A-7EE6-4342-B048-85BDC9FD1C3A}</a:tableStyleId>
+              </a:tblPr>
+              <a:tblGrid>
+                <a:gridCol w="5257800">
+                  <a:extLst>
+                    <a:ext uri="{9D8B030D-6E8A-4147-A177-3AD203B41FA5}">
+                      <a16:colId xmlns:a16="http://schemas.microsoft.com/office/drawing/2014/main" val="2558460373"/>
+                    </a:ext>
+                  </a:extLst>
+                </a:gridCol>
+                <a:gridCol w="5257800">
+                  <a:extLst>
+                    <a:ext uri="{9D8B030D-6E8A-4147-A177-3AD203B41FA5}">
+                      <a16:colId xmlns:a16="http://schemas.microsoft.com/office/drawing/2014/main" val="3368442779"/>
+                    </a:ext>
+                  </a:extLst>
+                </a:gridCol>
+              </a:tblGrid>
+              <a:tr h="1042318">
+                <a:tc gridSpan="2">
+                  <a:txBody>
+                    <a:bodyPr/>
+                    <a:lstStyle/>
+                    <a:p>
+                      <a:r>
+                        <a:rPr lang="en-GB" sz="1800" b="1" kern="1200" dirty="0">
+                          <a:solidFill>
+                            <a:schemeClr val="lt1"/>
+                          </a:solidFill>
+                          <a:effectLst/>
+                          <a:latin typeface="+mn-lt"/>
+                          <a:ea typeface="+mn-ea"/>
+                          <a:cs typeface="+mn-cs"/>
+                        </a:rPr>
+                        <a:t>Level 3A Supervised Automation</a:t>
+                      </a:r>
+                    </a:p>
+                    <a:p>
+                      <a:endParaRPr lang="en-DE" dirty="0"/>
+                    </a:p>
+                  </a:txBody>
+                  <a:tcPr/>
+                </a:tc>
+                <a:tc hMerge="1">
+                  <a:txBody>
+                    <a:bodyPr/>
+                    <a:lstStyle/>
+                    <a:p>
+                      <a:endParaRPr lang="en-DE" dirty="0"/>
+                    </a:p>
+                  </a:txBody>
+                  <a:tcPr/>
+                </a:tc>
+                <a:extLst>
+                  <a:ext uri="{0D108BD9-81ED-4DB2-BD59-A6C34878D82A}">
+                    <a16:rowId xmlns:a16="http://schemas.microsoft.com/office/drawing/2014/main" val="1060518884"/>
+                  </a:ext>
+                </a:extLst>
+              </a:tr>
+              <a:tr h="1042318">
+                <a:tc>
+                  <a:txBody>
+                    <a:bodyPr/>
+                    <a:lstStyle/>
+                    <a:p>
+                      <a:r>
+                        <a:rPr lang="en-GB" sz="1800" kern="1200" dirty="0">
+                          <a:solidFill>
+                            <a:schemeClr val="dk1"/>
+                          </a:solidFill>
+                          <a:effectLst/>
+                          <a:latin typeface="+mn-lt"/>
+                          <a:ea typeface="+mn-ea"/>
+                          <a:cs typeface="+mn-cs"/>
+                        </a:rPr>
+                        <a:t>Human oversight ensures safety.</a:t>
+                      </a:r>
+                    </a:p>
+                    <a:p>
+                      <a:endParaRPr lang="en-DE" dirty="0"/>
+                    </a:p>
+                  </a:txBody>
+                  <a:tcPr/>
+                </a:tc>
+                <a:tc>
+                  <a:txBody>
+                    <a:bodyPr/>
+                    <a:lstStyle/>
+                    <a:p>
+                      <a:r>
+                        <a:rPr lang="en-DE" dirty="0"/>
+                        <a:t>Pilot has to monitor system, system will alert in case of deviation from classical controller</a:t>
+                      </a:r>
+                    </a:p>
+                  </a:txBody>
+                  <a:tcPr/>
+                </a:tc>
+                <a:extLst>
+                  <a:ext uri="{0D108BD9-81ED-4DB2-BD59-A6C34878D82A}">
+                    <a16:rowId xmlns:a16="http://schemas.microsoft.com/office/drawing/2014/main" val="1378951959"/>
+                  </a:ext>
+                </a:extLst>
+              </a:tr>
+              <a:tr h="1282852">
+                <a:tc>
+                  <a:txBody>
+                    <a:bodyPr/>
+                    <a:lstStyle/>
+                    <a:p>
+                      <a:pPr algn="l"/>
+                      <a:r>
+                        <a:rPr lang="en-GB" sz="1800" kern="1200" dirty="0">
+                          <a:solidFill>
+                            <a:schemeClr val="dk1"/>
+                          </a:solidFill>
+                          <a:effectLst/>
+                          <a:latin typeface="+mn-lt"/>
+                          <a:ea typeface="+mn-ea"/>
+                          <a:cs typeface="+mn-cs"/>
+                        </a:rPr>
+                        <a:t>Significant shift to AI autonomy with user overrides.</a:t>
+                      </a:r>
+                    </a:p>
+                    <a:p>
+                      <a:endParaRPr lang="en-DE" dirty="0"/>
+                    </a:p>
+                  </a:txBody>
+                  <a:tcPr/>
+                </a:tc>
+                <a:tc>
+                  <a:txBody>
+                    <a:bodyPr/>
+                    <a:lstStyle/>
+                    <a:p>
+                      <a:r>
+                        <a:rPr lang="en-DE" dirty="0"/>
+                        <a:t>SAC can fly autonomously in predefined scenarios</a:t>
+                      </a:r>
+                    </a:p>
+                  </a:txBody>
+                  <a:tcPr/>
+                </a:tc>
+                <a:extLst>
+                  <a:ext uri="{0D108BD9-81ED-4DB2-BD59-A6C34878D82A}">
+                    <a16:rowId xmlns:a16="http://schemas.microsoft.com/office/drawing/2014/main" val="475331706"/>
+                  </a:ext>
+                </a:extLst>
+              </a:tr>
+              <a:tr h="1042318">
+                <a:tc>
+                  <a:txBody>
+                    <a:bodyPr/>
+                    <a:lstStyle/>
+                    <a:p>
+                      <a:r>
+                        <a:rPr lang="en-GB" sz="1800" kern="1200" dirty="0">
+                          <a:solidFill>
+                            <a:schemeClr val="dk1"/>
+                          </a:solidFill>
+                          <a:effectLst/>
+                          <a:latin typeface="+mn-lt"/>
+                          <a:ea typeface="+mn-ea"/>
+                          <a:cs typeface="+mn-cs"/>
+                        </a:rPr>
+                        <a:t>High need for </a:t>
+                      </a:r>
+                      <a:r>
+                        <a:rPr lang="en-GB" sz="1800" kern="1200">
+                          <a:solidFill>
+                            <a:schemeClr val="dk1"/>
+                          </a:solidFill>
+                          <a:effectLst/>
+                          <a:latin typeface="+mn-lt"/>
+                          <a:ea typeface="+mn-ea"/>
+                          <a:cs typeface="+mn-cs"/>
+                        </a:rPr>
+                        <a:t>explainability for user </a:t>
+                      </a:r>
+                      <a:r>
+                        <a:rPr lang="en-GB" sz="1800" kern="1200" dirty="0">
+                          <a:solidFill>
+                            <a:schemeClr val="dk1"/>
+                          </a:solidFill>
+                          <a:effectLst/>
+                          <a:latin typeface="+mn-lt"/>
+                          <a:ea typeface="+mn-ea"/>
+                          <a:cs typeface="+mn-cs"/>
+                        </a:rPr>
+                        <a:t>overrides.</a:t>
+                      </a:r>
+                    </a:p>
+                    <a:p>
+                      <a:endParaRPr lang="en-DE" dirty="0"/>
+                    </a:p>
+                  </a:txBody>
+                  <a:tcPr/>
+                </a:tc>
+                <a:tc>
+                  <a:txBody>
+                    <a:bodyPr/>
+                    <a:lstStyle/>
+                    <a:p>
+                      <a:r>
+                        <a:rPr lang="en-DE" dirty="0"/>
+                        <a:t>System outputs must deviate significantly from classical controller for alert -&gt; Pilot Override</a:t>
+                      </a:r>
+                    </a:p>
+                  </a:txBody>
+                  <a:tcPr/>
+                </a:tc>
+                <a:extLst>
+                  <a:ext uri="{0D108BD9-81ED-4DB2-BD59-A6C34878D82A}">
+                    <a16:rowId xmlns:a16="http://schemas.microsoft.com/office/drawing/2014/main" val="1048487355"/>
+                  </a:ext>
+                </a:extLst>
+              </a:tr>
+            </a:tbl>
+          </a:graphicData>
+        </a:graphic>
+      </p:graphicFrame>
+    </p:spTree>
+    <p:extLst>
+      <p:ext uri="{BB962C8B-B14F-4D97-AF65-F5344CB8AC3E}">
+        <p14:creationId xmlns:p14="http://schemas.microsoft.com/office/powerpoint/2010/main" val="4275118363"/>
+      </p:ext>
+    </p:extLst>
+  </p:cSld>
+  <p:clrMapOvr>
+    <a:masterClrMapping/>
+  </p:clrMapOvr>
+</p:sld>
+</file>
+
+<file path=ppt/slides/slide15.xml><?xml version="1.0" encoding="utf-8"?>
+<p:sld xmlns:a="http://schemas.openxmlformats.org/drawingml/2006/main" xmlns:r="http://schemas.openxmlformats.org/officeDocument/2006/relationships" xmlns:p="http://schemas.openxmlformats.org/presentationml/2006/main">
+  <p:cSld>
+    <p:spTree>
+      <p:nvGrpSpPr>
+        <p:cNvPr id="1" name="">
+          <a:extLst>
+            <a:ext uri="{FF2B5EF4-FFF2-40B4-BE49-F238E27FC236}">
+              <a16:creationId xmlns:a16="http://schemas.microsoft.com/office/drawing/2014/main" id="{B505AECE-23E8-F228-A5E5-EB15C2AF19DF}"/>
+            </a:ext>
+          </a:extLst>
+        </p:cNvPr>
+        <p:cNvGrpSpPr/>
+        <p:nvPr/>
+      </p:nvGrpSpPr>
+      <p:grpSpPr>
+        <a:xfrm>
+          <a:off x="0" y="0"/>
+          <a:ext cx="0" cy="0"/>
+          <a:chOff x="0" y="0"/>
+          <a:chExt cx="0" cy="0"/>
+        </a:xfrm>
+      </p:grpSpPr>
+      <p:sp>
+        <p:nvSpPr>
+          <p:cNvPr id="2" name="Title 1">
+            <a:extLst>
+              <a:ext uri="{FF2B5EF4-FFF2-40B4-BE49-F238E27FC236}">
+                <a16:creationId xmlns:a16="http://schemas.microsoft.com/office/drawing/2014/main" id="{AC9CC66A-8860-C1AC-8195-C8687B887AED}"/>
+              </a:ext>
+            </a:extLst>
+          </p:cNvPr>
+          <p:cNvSpPr>
+            <a:spLocks noGrp="1"/>
+          </p:cNvSpPr>
+          <p:nvPr>
+            <p:ph type="title"/>
+          </p:nvPr>
+        </p:nvSpPr>
+        <p:spPr/>
+        <p:txBody>
+          <a:bodyPr/>
+          <a:lstStyle/>
+          <a:p>
+            <a:r>
+              <a:rPr lang="de-DE" dirty="0" err="1"/>
+              <a:t>Functional</a:t>
+            </a:r>
+            <a:r>
+              <a:rPr lang="de-DE" dirty="0"/>
+              <a:t> Hazard Assessment</a:t>
+            </a:r>
+            <a:endParaRPr lang="en-DE" dirty="0"/>
+          </a:p>
+        </p:txBody>
+      </p:sp>
+      <p:sp>
+        <p:nvSpPr>
+          <p:cNvPr id="3" name="Slide Number Placeholder 2">
+            <a:extLst>
+              <a:ext uri="{FF2B5EF4-FFF2-40B4-BE49-F238E27FC236}">
+                <a16:creationId xmlns:a16="http://schemas.microsoft.com/office/drawing/2014/main" id="{E7A678EA-FF2A-3974-0555-A33BE3EE397B}"/>
+              </a:ext>
+            </a:extLst>
+          </p:cNvPr>
+          <p:cNvSpPr>
+            <a:spLocks noGrp="1"/>
+          </p:cNvSpPr>
+          <p:nvPr>
+            <p:ph type="sldNum" sz="quarter" idx="12"/>
+          </p:nvPr>
+        </p:nvSpPr>
+        <p:spPr/>
+        <p:txBody>
+          <a:bodyPr/>
+          <a:lstStyle/>
+          <a:p>
+            <a:fld id="{B304D30C-128B-5449-AD8B-09F07771E88F}" type="slidenum">
+              <a:rPr lang="en-DE" smtClean="0"/>
+              <a:t>15</a:t>
+            </a:fld>
+            <a:endParaRPr lang="en-DE"/>
+          </a:p>
+        </p:txBody>
+      </p:sp>
+      <p:graphicFrame>
+        <p:nvGraphicFramePr>
+          <p:cNvPr id="10" name="Content Placeholder 9">
+            <a:extLst>
+              <a:ext uri="{FF2B5EF4-FFF2-40B4-BE49-F238E27FC236}">
+                <a16:creationId xmlns:a16="http://schemas.microsoft.com/office/drawing/2014/main" id="{ABFC1FCC-32DE-103D-794C-010E3F6A7ED3}"/>
+              </a:ext>
+            </a:extLst>
+          </p:cNvPr>
+          <p:cNvGraphicFramePr>
+            <a:graphicFrameLocks noGrp="1"/>
+          </p:cNvGraphicFramePr>
+          <p:nvPr>
+            <p:ph idx="1"/>
+            <p:extLst>
+              <p:ext uri="{D42A27DB-BD31-4B8C-83A1-F6EECF244321}">
+                <p14:modId xmlns:p14="http://schemas.microsoft.com/office/powerpoint/2010/main" val="3319598457"/>
+              </p:ext>
+            </p:extLst>
+          </p:nvPr>
+        </p:nvGraphicFramePr>
+        <p:xfrm>
+          <a:off x="441306" y="1690688"/>
+          <a:ext cx="11075832" cy="4340582"/>
+        </p:xfrm>
+        <a:graphic>
+          <a:graphicData uri="http://schemas.openxmlformats.org/drawingml/2006/table">
+            <a:tbl>
+              <a:tblPr/>
+              <a:tblGrid>
+                <a:gridCol w="2768958">
+                  <a:extLst>
+                    <a:ext uri="{9D8B030D-6E8A-4147-A177-3AD203B41FA5}">
+                      <a16:colId xmlns:a16="http://schemas.microsoft.com/office/drawing/2014/main" val="2550614472"/>
+                    </a:ext>
+                  </a:extLst>
+                </a:gridCol>
+                <a:gridCol w="2768958">
+                  <a:extLst>
+                    <a:ext uri="{9D8B030D-6E8A-4147-A177-3AD203B41FA5}">
+                      <a16:colId xmlns:a16="http://schemas.microsoft.com/office/drawing/2014/main" val="3652472109"/>
+                    </a:ext>
+                  </a:extLst>
+                </a:gridCol>
+                <a:gridCol w="2768958">
+                  <a:extLst>
+                    <a:ext uri="{9D8B030D-6E8A-4147-A177-3AD203B41FA5}">
+                      <a16:colId xmlns:a16="http://schemas.microsoft.com/office/drawing/2014/main" val="2715499835"/>
+                    </a:ext>
+                  </a:extLst>
+                </a:gridCol>
+                <a:gridCol w="2768958">
+                  <a:extLst>
+                    <a:ext uri="{9D8B030D-6E8A-4147-A177-3AD203B41FA5}">
+                      <a16:colId xmlns:a16="http://schemas.microsoft.com/office/drawing/2014/main" val="3837899192"/>
+                    </a:ext>
+                  </a:extLst>
+                </a:gridCol>
+              </a:tblGrid>
+              <a:tr h="230970">
+                <a:tc>
+                  <a:txBody>
+                    <a:bodyPr/>
+                    <a:lstStyle/>
+                    <a:p>
+                      <a:r>
+                        <a:rPr lang="en-GB" sz="1400" dirty="0"/>
+                        <a:t>Function</a:t>
+                      </a:r>
+                    </a:p>
+                  </a:txBody>
+                  <a:tcPr marL="31305" marR="31305" marT="15652" marB="15652" anchor="ctr">
+                    <a:lnL>
+                      <a:noFill/>
+                    </a:lnL>
+                    <a:lnR>
+                      <a:noFill/>
+                    </a:lnR>
+                    <a:lnT>
+                      <a:noFill/>
+                    </a:lnT>
+                    <a:lnB>
+                      <a:noFill/>
+                    </a:lnB>
+                    <a:solidFill>
+                      <a:schemeClr val="bg2">
+                        <a:lumMod val="90000"/>
+                      </a:schemeClr>
+                    </a:solidFill>
+                  </a:tcPr>
+                </a:tc>
+                <a:tc>
+                  <a:txBody>
+                    <a:bodyPr/>
+                    <a:lstStyle/>
+                    <a:p>
+                      <a:r>
+                        <a:rPr lang="en-GB" sz="1400" dirty="0"/>
+                        <a:t>Failure Condition</a:t>
+                      </a:r>
+                    </a:p>
+                  </a:txBody>
+                  <a:tcPr marL="31305" marR="31305" marT="15652" marB="15652" anchor="ctr">
+                    <a:lnL>
+                      <a:noFill/>
+                    </a:lnL>
+                    <a:lnR>
+                      <a:noFill/>
+                    </a:lnR>
+                    <a:lnT>
+                      <a:noFill/>
+                    </a:lnT>
+                    <a:lnB>
+                      <a:noFill/>
+                    </a:lnB>
+                    <a:solidFill>
+                      <a:schemeClr val="bg2">
+                        <a:lumMod val="90000"/>
+                      </a:schemeClr>
+                    </a:solidFill>
+                  </a:tcPr>
+                </a:tc>
+                <a:tc>
+                  <a:txBody>
+                    <a:bodyPr/>
+                    <a:lstStyle/>
+                    <a:p>
+                      <a:r>
+                        <a:rPr lang="en-GB" sz="1400" dirty="0"/>
+                        <a:t>Failure Effect</a:t>
+                      </a:r>
+                    </a:p>
+                  </a:txBody>
+                  <a:tcPr marL="31305" marR="31305" marT="15652" marB="15652" anchor="ctr">
+                    <a:lnL>
+                      <a:noFill/>
+                    </a:lnL>
+                    <a:lnR>
+                      <a:noFill/>
+                    </a:lnR>
+                    <a:lnT>
+                      <a:noFill/>
+                    </a:lnT>
+                    <a:lnB>
+                      <a:noFill/>
+                    </a:lnB>
+                    <a:solidFill>
+                      <a:schemeClr val="bg2">
+                        <a:lumMod val="90000"/>
+                      </a:schemeClr>
+                    </a:solidFill>
+                  </a:tcPr>
+                </a:tc>
+                <a:tc>
+                  <a:txBody>
+                    <a:bodyPr/>
+                    <a:lstStyle/>
+                    <a:p>
+                      <a:r>
+                        <a:rPr lang="en-GB" sz="1400" dirty="0"/>
+                        <a:t>Severity</a:t>
+                      </a:r>
+                    </a:p>
+                  </a:txBody>
+                  <a:tcPr marL="31305" marR="31305" marT="15652" marB="15652" anchor="ctr">
+                    <a:lnL>
+                      <a:noFill/>
+                    </a:lnL>
+                    <a:lnR>
+                      <a:noFill/>
+                    </a:lnR>
+                    <a:lnT>
+                      <a:noFill/>
+                    </a:lnT>
+                    <a:lnB>
+                      <a:noFill/>
+                    </a:lnB>
+                    <a:solidFill>
+                      <a:schemeClr val="bg2">
+                        <a:lumMod val="90000"/>
+                      </a:schemeClr>
+                    </a:solidFill>
+                  </a:tcPr>
+                </a:tc>
+                <a:extLst>
+                  <a:ext uri="{0D108BD9-81ED-4DB2-BD59-A6C34878D82A}">
+                    <a16:rowId xmlns:a16="http://schemas.microsoft.com/office/drawing/2014/main" val="843777992"/>
+                  </a:ext>
+                </a:extLst>
+              </a:tr>
+              <a:tr h="910203">
+                <a:tc>
+                  <a:txBody>
+                    <a:bodyPr/>
+                    <a:lstStyle/>
+                    <a:p>
+                      <a:r>
+                        <a:rPr lang="en-GB" sz="1200" b="1" dirty="0"/>
+                        <a:t>Maintain Cruise Altitude</a:t>
+                      </a:r>
+                      <a:endParaRPr lang="en-GB" sz="1200" dirty="0"/>
+                    </a:p>
+                  </a:txBody>
+                  <a:tcPr marL="31305" marR="31305" marT="15652" marB="15652" anchor="ctr">
+                    <a:lnL>
+                      <a:noFill/>
+                    </a:lnL>
+                    <a:lnR>
+                      <a:noFill/>
+                    </a:lnR>
+                    <a:lnT>
+                      <a:noFill/>
+                    </a:lnT>
+                    <a:lnB>
+                      <a:noFill/>
+                    </a:lnB>
+                    <a:noFill/>
+                  </a:tcPr>
+                </a:tc>
+                <a:tc>
+                  <a:txBody>
+                    <a:bodyPr/>
+                    <a:lstStyle/>
+                    <a:p>
+                      <a:r>
+                        <a:rPr lang="en-GB" sz="1200" dirty="0"/>
+                        <a:t>Loss of Function</a:t>
+                      </a:r>
+                    </a:p>
+                  </a:txBody>
+                  <a:tcPr marL="31305" marR="31305" marT="15652" marB="15652" anchor="ctr">
+                    <a:lnL>
+                      <a:noFill/>
+                    </a:lnL>
+                    <a:lnR>
+                      <a:noFill/>
+                    </a:lnR>
+                    <a:lnT>
+                      <a:noFill/>
+                    </a:lnT>
+                    <a:lnB>
+                      <a:noFill/>
+                    </a:lnB>
+                    <a:noFill/>
+                  </a:tcPr>
+                </a:tc>
+                <a:tc>
+                  <a:txBody>
+                    <a:bodyPr/>
+                    <a:lstStyle/>
+                    <a:p>
+                      <a:r>
+                        <a:rPr lang="en-GB" sz="1200" dirty="0"/>
+                        <a:t>Aircraft drifts from assigned altitude; potential loss of separation or controlled flight into terrain</a:t>
+                      </a:r>
+                    </a:p>
+                  </a:txBody>
+                  <a:tcPr marL="31305" marR="31305" marT="15652" marB="15652" anchor="ctr">
+                    <a:lnL>
+                      <a:noFill/>
+                    </a:lnL>
+                    <a:lnR>
+                      <a:noFill/>
+                    </a:lnR>
+                    <a:lnT>
+                      <a:noFill/>
+                    </a:lnT>
+                    <a:lnB>
+                      <a:noFill/>
+                    </a:lnB>
+                    <a:noFill/>
+                  </a:tcPr>
+                </a:tc>
+                <a:tc>
+                  <a:txBody>
+                    <a:bodyPr/>
+                    <a:lstStyle/>
+                    <a:p>
+                      <a:r>
+                        <a:rPr lang="en-GB" sz="1200" dirty="0"/>
+                        <a:t>Catastrophic</a:t>
+                      </a:r>
+                    </a:p>
+                  </a:txBody>
+                  <a:tcPr marL="31305" marR="31305" marT="15652" marB="15652" anchor="ctr">
+                    <a:lnL>
+                      <a:noFill/>
+                    </a:lnL>
+                    <a:lnR>
+                      <a:noFill/>
+                    </a:lnR>
+                    <a:lnT>
+                      <a:noFill/>
+                    </a:lnT>
+                    <a:lnB>
+                      <a:noFill/>
+                    </a:lnB>
+                    <a:noFill/>
+                  </a:tcPr>
+                </a:tc>
+                <a:extLst>
+                  <a:ext uri="{0D108BD9-81ED-4DB2-BD59-A6C34878D82A}">
+                    <a16:rowId xmlns:a16="http://schemas.microsoft.com/office/drawing/2014/main" val="4215929046"/>
+                  </a:ext>
+                </a:extLst>
+              </a:tr>
+              <a:tr h="568877">
+                <a:tc>
+                  <a:txBody>
+                    <a:bodyPr/>
+                    <a:lstStyle/>
+                    <a:p>
+                      <a:endParaRPr lang="en-DE" sz="1200"/>
+                    </a:p>
+                  </a:txBody>
+                  <a:tcPr marL="31305" marR="31305" marT="15652" marB="15652" anchor="ctr">
+                    <a:lnL>
+                      <a:noFill/>
+                    </a:lnL>
+                    <a:lnR>
+                      <a:noFill/>
+                    </a:lnR>
+                    <a:lnT>
+                      <a:noFill/>
+                    </a:lnT>
+                    <a:lnB>
+                      <a:noFill/>
+                    </a:lnB>
+                    <a:noFill/>
+                  </a:tcPr>
+                </a:tc>
+                <a:tc>
+                  <a:txBody>
+                    <a:bodyPr/>
+                    <a:lstStyle/>
+                    <a:p>
+                      <a:r>
+                        <a:rPr lang="en-GB" sz="1200" dirty="0" err="1"/>
+                        <a:t>Unannunciated</a:t>
+                      </a:r>
+                      <a:r>
+                        <a:rPr lang="en-GB" sz="1200" dirty="0"/>
+                        <a:t> Loss</a:t>
+                      </a:r>
+                    </a:p>
+                  </a:txBody>
+                  <a:tcPr marL="31305" marR="31305" marT="15652" marB="15652" anchor="ctr">
+                    <a:lnL>
+                      <a:noFill/>
+                    </a:lnL>
+                    <a:lnR>
+                      <a:noFill/>
+                    </a:lnR>
+                    <a:lnT>
+                      <a:noFill/>
+                    </a:lnT>
+                    <a:lnB>
+                      <a:noFill/>
+                    </a:lnB>
+                    <a:noFill/>
+                  </a:tcPr>
+                </a:tc>
+                <a:tc>
+                  <a:txBody>
+                    <a:bodyPr/>
+                    <a:lstStyle/>
+                    <a:p>
+                      <a:r>
+                        <a:rPr lang="en-GB" sz="1200"/>
+                        <a:t>Crew unaware altitude hold has failed; delayed recovery action</a:t>
+                      </a:r>
+                    </a:p>
+                  </a:txBody>
+                  <a:tcPr marL="31305" marR="31305" marT="15652" marB="15652" anchor="ctr">
+                    <a:lnL>
+                      <a:noFill/>
+                    </a:lnL>
+                    <a:lnR>
+                      <a:noFill/>
+                    </a:lnR>
+                    <a:lnT>
+                      <a:noFill/>
+                    </a:lnT>
+                    <a:lnB>
+                      <a:noFill/>
+                    </a:lnB>
+                    <a:noFill/>
+                  </a:tcPr>
+                </a:tc>
+                <a:tc>
+                  <a:txBody>
+                    <a:bodyPr/>
+                    <a:lstStyle/>
+                    <a:p>
+                      <a:r>
+                        <a:rPr lang="en-GB" sz="1200"/>
+                        <a:t>Hazardous</a:t>
+                      </a:r>
+                    </a:p>
+                  </a:txBody>
+                  <a:tcPr marL="31305" marR="31305" marT="15652" marB="15652" anchor="ctr">
+                    <a:lnL>
+                      <a:noFill/>
+                    </a:lnL>
+                    <a:lnR>
+                      <a:noFill/>
+                    </a:lnR>
+                    <a:lnT>
+                      <a:noFill/>
+                    </a:lnT>
+                    <a:lnB>
+                      <a:noFill/>
+                    </a:lnB>
+                    <a:noFill/>
+                  </a:tcPr>
+                </a:tc>
+                <a:extLst>
+                  <a:ext uri="{0D108BD9-81ED-4DB2-BD59-A6C34878D82A}">
+                    <a16:rowId xmlns:a16="http://schemas.microsoft.com/office/drawing/2014/main" val="2867444570"/>
+                  </a:ext>
+                </a:extLst>
+              </a:tr>
+              <a:tr h="568877">
+                <a:tc>
+                  <a:txBody>
+                    <a:bodyPr/>
+                    <a:lstStyle/>
+                    <a:p>
+                      <a:endParaRPr lang="en-DE" sz="1200"/>
+                    </a:p>
+                  </a:txBody>
+                  <a:tcPr marL="31305" marR="31305" marT="15652" marB="15652" anchor="ctr">
+                    <a:lnL>
+                      <a:noFill/>
+                    </a:lnL>
+                    <a:lnR>
+                      <a:noFill/>
+                    </a:lnR>
+                    <a:lnT>
+                      <a:noFill/>
+                    </a:lnT>
+                    <a:lnB>
+                      <a:noFill/>
+                    </a:lnB>
+                    <a:noFill/>
+                  </a:tcPr>
+                </a:tc>
+                <a:tc>
+                  <a:txBody>
+                    <a:bodyPr/>
+                    <a:lstStyle/>
+                    <a:p>
+                      <a:r>
+                        <a:rPr lang="en-GB" sz="1200"/>
+                        <a:t>Erroneous Output (over/undershoot)</a:t>
+                      </a:r>
+                    </a:p>
+                  </a:txBody>
+                  <a:tcPr marL="31305" marR="31305" marT="15652" marB="15652" anchor="ctr">
+                    <a:lnL>
+                      <a:noFill/>
+                    </a:lnL>
+                    <a:lnR>
+                      <a:noFill/>
+                    </a:lnR>
+                    <a:lnT>
+                      <a:noFill/>
+                    </a:lnT>
+                    <a:lnB>
+                      <a:noFill/>
+                    </a:lnB>
+                    <a:noFill/>
+                  </a:tcPr>
+                </a:tc>
+                <a:tc>
+                  <a:txBody>
+                    <a:bodyPr/>
+                    <a:lstStyle/>
+                    <a:p>
+                      <a:r>
+                        <a:rPr lang="en-GB" sz="1200"/>
+                        <a:t>Oscillatory altitude deviations, increased pilot workload</a:t>
+                      </a:r>
+                    </a:p>
+                  </a:txBody>
+                  <a:tcPr marL="31305" marR="31305" marT="15652" marB="15652" anchor="ctr">
+                    <a:lnL>
+                      <a:noFill/>
+                    </a:lnL>
+                    <a:lnR>
+                      <a:noFill/>
+                    </a:lnR>
+                    <a:lnT>
+                      <a:noFill/>
+                    </a:lnT>
+                    <a:lnB>
+                      <a:noFill/>
+                    </a:lnB>
+                    <a:noFill/>
+                  </a:tcPr>
+                </a:tc>
+                <a:tc>
+                  <a:txBody>
+                    <a:bodyPr/>
+                    <a:lstStyle/>
+                    <a:p>
+                      <a:r>
+                        <a:rPr lang="en-GB" sz="1200"/>
+                        <a:t>Major</a:t>
+                      </a:r>
+                    </a:p>
+                  </a:txBody>
+                  <a:tcPr marL="31305" marR="31305" marT="15652" marB="15652" anchor="ctr">
+                    <a:lnL>
+                      <a:noFill/>
+                    </a:lnL>
+                    <a:lnR>
+                      <a:noFill/>
+                    </a:lnR>
+                    <a:lnT>
+                      <a:noFill/>
+                    </a:lnT>
+                    <a:lnB>
+                      <a:noFill/>
+                    </a:lnB>
+                    <a:noFill/>
+                  </a:tcPr>
+                </a:tc>
+                <a:extLst>
+                  <a:ext uri="{0D108BD9-81ED-4DB2-BD59-A6C34878D82A}">
+                    <a16:rowId xmlns:a16="http://schemas.microsoft.com/office/drawing/2014/main" val="3919697028"/>
+                  </a:ext>
+                </a:extLst>
+              </a:tr>
+              <a:tr h="568877">
+                <a:tc>
+                  <a:txBody>
+                    <a:bodyPr/>
+                    <a:lstStyle/>
+                    <a:p>
+                      <a:r>
+                        <a:rPr lang="en-GB" sz="1200" b="1"/>
+                        <a:t>Maintain Cruise Speed</a:t>
+                      </a:r>
+                      <a:endParaRPr lang="en-GB" sz="1200"/>
+                    </a:p>
+                  </a:txBody>
+                  <a:tcPr marL="31305" marR="31305" marT="15652" marB="15652" anchor="ctr">
+                    <a:lnL>
+                      <a:noFill/>
+                    </a:lnL>
+                    <a:lnR>
+                      <a:noFill/>
+                    </a:lnR>
+                    <a:lnT>
+                      <a:noFill/>
+                    </a:lnT>
+                    <a:lnB>
+                      <a:noFill/>
+                    </a:lnB>
+                    <a:noFill/>
+                  </a:tcPr>
+                </a:tc>
+                <a:tc>
+                  <a:txBody>
+                    <a:bodyPr/>
+                    <a:lstStyle/>
+                    <a:p>
+                      <a:r>
+                        <a:rPr lang="en-GB" sz="1200"/>
+                        <a:t>Loss of Function</a:t>
+                      </a:r>
+                    </a:p>
+                  </a:txBody>
+                  <a:tcPr marL="31305" marR="31305" marT="15652" marB="15652" anchor="ctr">
+                    <a:lnL>
+                      <a:noFill/>
+                    </a:lnL>
+                    <a:lnR>
+                      <a:noFill/>
+                    </a:lnR>
+                    <a:lnT>
+                      <a:noFill/>
+                    </a:lnT>
+                    <a:lnB>
+                      <a:noFill/>
+                    </a:lnB>
+                    <a:noFill/>
+                  </a:tcPr>
+                </a:tc>
+                <a:tc>
+                  <a:txBody>
+                    <a:bodyPr/>
+                    <a:lstStyle/>
+                    <a:p>
+                      <a:r>
+                        <a:rPr lang="en-GB" sz="1200"/>
+                        <a:t>Airspeed decays or overspeeds; risk of stall or structural overstress</a:t>
+                      </a:r>
+                    </a:p>
+                  </a:txBody>
+                  <a:tcPr marL="31305" marR="31305" marT="15652" marB="15652" anchor="ctr">
+                    <a:lnL>
+                      <a:noFill/>
+                    </a:lnL>
+                    <a:lnR>
+                      <a:noFill/>
+                    </a:lnR>
+                    <a:lnT>
+                      <a:noFill/>
+                    </a:lnT>
+                    <a:lnB>
+                      <a:noFill/>
+                    </a:lnB>
+                    <a:noFill/>
+                  </a:tcPr>
+                </a:tc>
+                <a:tc>
+                  <a:txBody>
+                    <a:bodyPr/>
+                    <a:lstStyle/>
+                    <a:p>
+                      <a:r>
+                        <a:rPr lang="en-GB" sz="1200"/>
+                        <a:t>Catastrophic</a:t>
+                      </a:r>
+                    </a:p>
+                  </a:txBody>
+                  <a:tcPr marL="31305" marR="31305" marT="15652" marB="15652" anchor="ctr">
+                    <a:lnL>
+                      <a:noFill/>
+                    </a:lnL>
+                    <a:lnR>
+                      <a:noFill/>
+                    </a:lnR>
+                    <a:lnT>
+                      <a:noFill/>
+                    </a:lnT>
+                    <a:lnB>
+                      <a:noFill/>
+                    </a:lnB>
+                    <a:noFill/>
+                  </a:tcPr>
+                </a:tc>
+                <a:extLst>
+                  <a:ext uri="{0D108BD9-81ED-4DB2-BD59-A6C34878D82A}">
+                    <a16:rowId xmlns:a16="http://schemas.microsoft.com/office/drawing/2014/main" val="2355052602"/>
+                  </a:ext>
+                </a:extLst>
+              </a:tr>
+              <a:tr h="739542">
+                <a:tc>
+                  <a:txBody>
+                    <a:bodyPr/>
+                    <a:lstStyle/>
+                    <a:p>
+                      <a:endParaRPr lang="en-DE" sz="1200"/>
+                    </a:p>
+                  </a:txBody>
+                  <a:tcPr marL="31305" marR="31305" marT="15652" marB="15652" anchor="ctr">
+                    <a:lnL>
+                      <a:noFill/>
+                    </a:lnL>
+                    <a:lnR>
+                      <a:noFill/>
+                    </a:lnR>
+                    <a:lnT>
+                      <a:noFill/>
+                    </a:lnT>
+                    <a:lnB>
+                      <a:noFill/>
+                    </a:lnB>
+                    <a:noFill/>
+                  </a:tcPr>
+                </a:tc>
+                <a:tc>
+                  <a:txBody>
+                    <a:bodyPr/>
+                    <a:lstStyle/>
+                    <a:p>
+                      <a:r>
+                        <a:rPr lang="en-GB" sz="1200" dirty="0" err="1"/>
+                        <a:t>Unannunciated</a:t>
+                      </a:r>
+                      <a:r>
+                        <a:rPr lang="en-GB" sz="1200" dirty="0"/>
+                        <a:t> Loss</a:t>
+                      </a:r>
+                    </a:p>
+                  </a:txBody>
+                  <a:tcPr marL="31305" marR="31305" marT="15652" marB="15652" anchor="ctr">
+                    <a:lnL>
+                      <a:noFill/>
+                    </a:lnL>
+                    <a:lnR>
+                      <a:noFill/>
+                    </a:lnR>
+                    <a:lnT>
+                      <a:noFill/>
+                    </a:lnT>
+                    <a:lnB>
+                      <a:noFill/>
+                    </a:lnB>
+                    <a:noFill/>
+                  </a:tcPr>
+                </a:tc>
+                <a:tc>
+                  <a:txBody>
+                    <a:bodyPr/>
+                    <a:lstStyle/>
+                    <a:p>
+                      <a:r>
+                        <a:rPr lang="en-GB" sz="1200" dirty="0"/>
+                        <a:t>Crew unaware of airspeed control failure; delayed throttle intervention</a:t>
+                      </a:r>
+                    </a:p>
+                  </a:txBody>
+                  <a:tcPr marL="31305" marR="31305" marT="15652" marB="15652" anchor="ctr">
+                    <a:lnL>
+                      <a:noFill/>
+                    </a:lnL>
+                    <a:lnR>
+                      <a:noFill/>
+                    </a:lnR>
+                    <a:lnT>
+                      <a:noFill/>
+                    </a:lnT>
+                    <a:lnB>
+                      <a:noFill/>
+                    </a:lnB>
+                    <a:noFill/>
+                  </a:tcPr>
+                </a:tc>
+                <a:tc>
+                  <a:txBody>
+                    <a:bodyPr/>
+                    <a:lstStyle/>
+                    <a:p>
+                      <a:r>
+                        <a:rPr lang="en-GB" sz="1200"/>
+                        <a:t>Hazardous</a:t>
+                      </a:r>
+                    </a:p>
+                  </a:txBody>
+                  <a:tcPr marL="31305" marR="31305" marT="15652" marB="15652" anchor="ctr">
+                    <a:lnL>
+                      <a:noFill/>
+                    </a:lnL>
+                    <a:lnR>
+                      <a:noFill/>
+                    </a:lnR>
+                    <a:lnT>
+                      <a:noFill/>
+                    </a:lnT>
+                    <a:lnB>
+                      <a:noFill/>
+                    </a:lnB>
+                    <a:noFill/>
+                  </a:tcPr>
+                </a:tc>
+                <a:extLst>
+                  <a:ext uri="{0D108BD9-81ED-4DB2-BD59-A6C34878D82A}">
+                    <a16:rowId xmlns:a16="http://schemas.microsoft.com/office/drawing/2014/main" val="4071350997"/>
+                  </a:ext>
+                </a:extLst>
+              </a:tr>
+              <a:tr h="739542">
+                <a:tc>
+                  <a:txBody>
+                    <a:bodyPr/>
+                    <a:lstStyle/>
+                    <a:p>
+                      <a:endParaRPr lang="en-DE" sz="1200"/>
+                    </a:p>
+                  </a:txBody>
+                  <a:tcPr marL="31305" marR="31305" marT="15652" marB="15652" anchor="ctr">
+                    <a:lnL>
+                      <a:noFill/>
+                    </a:lnL>
+                    <a:lnR>
+                      <a:noFill/>
+                    </a:lnR>
+                    <a:lnT>
+                      <a:noFill/>
+                    </a:lnT>
+                    <a:lnB>
+                      <a:noFill/>
+                    </a:lnB>
+                    <a:noFill/>
+                  </a:tcPr>
+                </a:tc>
+                <a:tc>
+                  <a:txBody>
+                    <a:bodyPr/>
+                    <a:lstStyle/>
+                    <a:p>
+                      <a:r>
+                        <a:rPr lang="en-GB" sz="1200" dirty="0"/>
+                        <a:t>Erroneous Output (throttle oscillation)</a:t>
+                      </a:r>
+                    </a:p>
+                  </a:txBody>
+                  <a:tcPr marL="31305" marR="31305" marT="15652" marB="15652" anchor="ctr">
+                    <a:lnL>
+                      <a:noFill/>
+                    </a:lnL>
+                    <a:lnR>
+                      <a:noFill/>
+                    </a:lnR>
+                    <a:lnT>
+                      <a:noFill/>
+                    </a:lnT>
+                    <a:lnB>
+                      <a:noFill/>
+                    </a:lnB>
+                    <a:noFill/>
+                  </a:tcPr>
+                </a:tc>
+                <a:tc>
+                  <a:txBody>
+                    <a:bodyPr/>
+                    <a:lstStyle/>
+                    <a:p>
+                      <a:r>
+                        <a:rPr lang="en-GB" sz="1200"/>
+                        <a:t>Speed hunting, increased pilot workload, passenger discomfort</a:t>
+                      </a:r>
+                    </a:p>
+                  </a:txBody>
+                  <a:tcPr marL="31305" marR="31305" marT="15652" marB="15652" anchor="ctr">
+                    <a:lnL>
+                      <a:noFill/>
+                    </a:lnL>
+                    <a:lnR>
+                      <a:noFill/>
+                    </a:lnR>
+                    <a:lnT>
+                      <a:noFill/>
+                    </a:lnT>
+                    <a:lnB>
+                      <a:noFill/>
+                    </a:lnB>
+                    <a:noFill/>
+                  </a:tcPr>
+                </a:tc>
+                <a:tc>
+                  <a:txBody>
+                    <a:bodyPr/>
+                    <a:lstStyle/>
+                    <a:p>
+                      <a:r>
+                        <a:rPr lang="en-GB" sz="1200" dirty="0"/>
+                        <a:t>Major</a:t>
+                      </a:r>
+                    </a:p>
+                  </a:txBody>
+                  <a:tcPr marL="31305" marR="31305" marT="15652" marB="15652" anchor="ctr">
+                    <a:lnL>
+                      <a:noFill/>
+                    </a:lnL>
+                    <a:lnR>
+                      <a:noFill/>
+                    </a:lnR>
+                    <a:lnT>
+                      <a:noFill/>
+                    </a:lnT>
+                    <a:lnB>
+                      <a:noFill/>
+                    </a:lnB>
+                    <a:noFill/>
+                  </a:tcPr>
+                </a:tc>
+                <a:extLst>
+                  <a:ext uri="{0D108BD9-81ED-4DB2-BD59-A6C34878D82A}">
+                    <a16:rowId xmlns:a16="http://schemas.microsoft.com/office/drawing/2014/main" val="2357205851"/>
+                  </a:ext>
+                </a:extLst>
+              </a:tr>
+            </a:tbl>
+          </a:graphicData>
+        </a:graphic>
+      </p:graphicFrame>
+    </p:spTree>
+    <p:extLst>
+      <p:ext uri="{BB962C8B-B14F-4D97-AF65-F5344CB8AC3E}">
+        <p14:creationId xmlns:p14="http://schemas.microsoft.com/office/powerpoint/2010/main" val="245157357"/>
+      </p:ext>
+    </p:extLst>
+  </p:cSld>
+  <p:clrMapOvr>
+    <a:masterClrMapping/>
+  </p:clrMapOvr>
+</p:sld>
+</file>
+
+<file path=ppt/slides/slide16.xml><?xml version="1.0" encoding="utf-8"?>
+<p:sld xmlns:a="http://schemas.openxmlformats.org/drawingml/2006/main" xmlns:r="http://schemas.openxmlformats.org/officeDocument/2006/relationships" xmlns:p="http://schemas.openxmlformats.org/presentationml/2006/main">
+  <p:cSld>
+    <p:spTree>
+      <p:nvGrpSpPr>
+        <p:cNvPr id="1" name="">
+          <a:extLst>
+            <a:ext uri="{FF2B5EF4-FFF2-40B4-BE49-F238E27FC236}">
+              <a16:creationId xmlns:a16="http://schemas.microsoft.com/office/drawing/2014/main" id="{62300021-5C60-F807-3D77-83267ADCED51}"/>
+            </a:ext>
+          </a:extLst>
+        </p:cNvPr>
+        <p:cNvGrpSpPr/>
+        <p:nvPr/>
+      </p:nvGrpSpPr>
+      <p:grpSpPr>
+        <a:xfrm>
+          <a:off x="0" y="0"/>
+          <a:ext cx="0" cy="0"/>
+          <a:chOff x="0" y="0"/>
+          <a:chExt cx="0" cy="0"/>
+        </a:xfrm>
+      </p:grpSpPr>
+      <p:sp>
+        <p:nvSpPr>
+          <p:cNvPr id="2" name="Title 1">
+            <a:extLst>
+              <a:ext uri="{FF2B5EF4-FFF2-40B4-BE49-F238E27FC236}">
+                <a16:creationId xmlns:a16="http://schemas.microsoft.com/office/drawing/2014/main" id="{E8D67762-DC1F-2BB4-4236-3704C6CDDC4C}"/>
+              </a:ext>
+            </a:extLst>
+          </p:cNvPr>
+          <p:cNvSpPr>
+            <a:spLocks noGrp="1"/>
+          </p:cNvSpPr>
+          <p:nvPr>
+            <p:ph type="title"/>
+          </p:nvPr>
+        </p:nvSpPr>
+        <p:spPr/>
+        <p:txBody>
+          <a:bodyPr/>
+          <a:lstStyle/>
+          <a:p>
+            <a:r>
+              <a:rPr lang="de-DE" dirty="0" err="1"/>
+              <a:t>Functional</a:t>
+            </a:r>
+            <a:r>
+              <a:rPr lang="de-DE" dirty="0"/>
+              <a:t> Hazard Assessment</a:t>
+            </a:r>
+            <a:endParaRPr lang="en-DE" dirty="0"/>
+          </a:p>
+        </p:txBody>
+      </p:sp>
+      <p:sp>
+        <p:nvSpPr>
+          <p:cNvPr id="3" name="Slide Number Placeholder 2">
+            <a:extLst>
+              <a:ext uri="{FF2B5EF4-FFF2-40B4-BE49-F238E27FC236}">
+                <a16:creationId xmlns:a16="http://schemas.microsoft.com/office/drawing/2014/main" id="{DC995895-190D-9155-7309-E10E74F035D5}"/>
+              </a:ext>
+            </a:extLst>
+          </p:cNvPr>
+          <p:cNvSpPr>
+            <a:spLocks noGrp="1"/>
+          </p:cNvSpPr>
+          <p:nvPr>
+            <p:ph type="sldNum" sz="quarter" idx="12"/>
+          </p:nvPr>
+        </p:nvSpPr>
+        <p:spPr/>
+        <p:txBody>
+          <a:bodyPr/>
+          <a:lstStyle/>
+          <a:p>
+            <a:fld id="{B304D30C-128B-5449-AD8B-09F07771E88F}" type="slidenum">
+              <a:rPr lang="en-DE" smtClean="0"/>
+              <a:t>16</a:t>
+            </a:fld>
+            <a:endParaRPr lang="en-DE"/>
+          </a:p>
+        </p:txBody>
+      </p:sp>
+      <p:graphicFrame>
+        <p:nvGraphicFramePr>
+          <p:cNvPr id="6" name="Content Placeholder 5">
+            <a:extLst>
+              <a:ext uri="{FF2B5EF4-FFF2-40B4-BE49-F238E27FC236}">
+                <a16:creationId xmlns:a16="http://schemas.microsoft.com/office/drawing/2014/main" id="{547E3357-8BD8-F10D-FEAE-4942480B6E57}"/>
+              </a:ext>
+            </a:extLst>
+          </p:cNvPr>
+          <p:cNvGraphicFramePr>
+            <a:graphicFrameLocks noGrp="1"/>
+          </p:cNvGraphicFramePr>
+          <p:nvPr>
+            <p:ph idx="1"/>
+            <p:extLst>
+              <p:ext uri="{D42A27DB-BD31-4B8C-83A1-F6EECF244321}">
+                <p14:modId xmlns:p14="http://schemas.microsoft.com/office/powerpoint/2010/main" val="3985763867"/>
+              </p:ext>
+            </p:extLst>
+          </p:nvPr>
+        </p:nvGraphicFramePr>
+        <p:xfrm>
+          <a:off x="180304" y="1891665"/>
+          <a:ext cx="11500836" cy="4353491"/>
+        </p:xfrm>
+        <a:graphic>
+          <a:graphicData uri="http://schemas.openxmlformats.org/drawingml/2006/table">
+            <a:tbl>
+              <a:tblPr/>
+              <a:tblGrid>
+                <a:gridCol w="2875209">
+                  <a:extLst>
+                    <a:ext uri="{9D8B030D-6E8A-4147-A177-3AD203B41FA5}">
+                      <a16:colId xmlns:a16="http://schemas.microsoft.com/office/drawing/2014/main" val="3546182547"/>
+                    </a:ext>
+                  </a:extLst>
+                </a:gridCol>
+                <a:gridCol w="2875209">
+                  <a:extLst>
+                    <a:ext uri="{9D8B030D-6E8A-4147-A177-3AD203B41FA5}">
+                      <a16:colId xmlns:a16="http://schemas.microsoft.com/office/drawing/2014/main" val="3450273686"/>
+                    </a:ext>
+                  </a:extLst>
+                </a:gridCol>
+                <a:gridCol w="2875209">
+                  <a:extLst>
+                    <a:ext uri="{9D8B030D-6E8A-4147-A177-3AD203B41FA5}">
+                      <a16:colId xmlns:a16="http://schemas.microsoft.com/office/drawing/2014/main" val="1953087648"/>
+                    </a:ext>
+                  </a:extLst>
+                </a:gridCol>
+                <a:gridCol w="2875209">
+                  <a:extLst>
+                    <a:ext uri="{9D8B030D-6E8A-4147-A177-3AD203B41FA5}">
+                      <a16:colId xmlns:a16="http://schemas.microsoft.com/office/drawing/2014/main" val="476421427"/>
+                    </a:ext>
+                  </a:extLst>
+                </a:gridCol>
+              </a:tblGrid>
+              <a:tr h="334289">
+                <a:tc>
+                  <a:txBody>
+                    <a:bodyPr/>
+                    <a:lstStyle/>
+                    <a:p>
+                      <a:r>
+                        <a:rPr lang="en-GB" sz="1200" dirty="0"/>
+                        <a:t>Function</a:t>
+                      </a:r>
+                    </a:p>
+                  </a:txBody>
+                  <a:tcPr marL="31305" marR="31305" marT="15652" marB="15652" anchor="ctr">
+                    <a:lnL>
+                      <a:noFill/>
+                    </a:lnL>
+                    <a:lnR>
+                      <a:noFill/>
+                    </a:lnR>
+                    <a:lnT>
+                      <a:noFill/>
+                    </a:lnT>
+                    <a:lnB>
+                      <a:noFill/>
+                    </a:lnB>
+                    <a:solidFill>
+                      <a:schemeClr val="bg2">
+                        <a:lumMod val="90000"/>
+                      </a:schemeClr>
+                    </a:solidFill>
+                  </a:tcPr>
+                </a:tc>
+                <a:tc>
+                  <a:txBody>
+                    <a:bodyPr/>
+                    <a:lstStyle/>
+                    <a:p>
+                      <a:r>
+                        <a:rPr lang="en-GB" sz="1200" dirty="0"/>
+                        <a:t>Failure Condition</a:t>
+                      </a:r>
+                    </a:p>
+                  </a:txBody>
+                  <a:tcPr marL="31305" marR="31305" marT="15652" marB="15652" anchor="ctr">
+                    <a:lnL>
+                      <a:noFill/>
+                    </a:lnL>
+                    <a:lnR>
+                      <a:noFill/>
+                    </a:lnR>
+                    <a:lnT>
+                      <a:noFill/>
+                    </a:lnT>
+                    <a:lnB>
+                      <a:noFill/>
+                    </a:lnB>
+                    <a:solidFill>
+                      <a:schemeClr val="bg2">
+                        <a:lumMod val="90000"/>
+                      </a:schemeClr>
+                    </a:solidFill>
+                  </a:tcPr>
+                </a:tc>
+                <a:tc>
+                  <a:txBody>
+                    <a:bodyPr/>
+                    <a:lstStyle/>
+                    <a:p>
+                      <a:r>
+                        <a:rPr lang="en-GB" sz="1200" dirty="0"/>
+                        <a:t>Failure Effect</a:t>
+                      </a:r>
+                    </a:p>
+                  </a:txBody>
+                  <a:tcPr marL="31305" marR="31305" marT="15652" marB="15652" anchor="ctr">
+                    <a:lnL>
+                      <a:noFill/>
+                    </a:lnL>
+                    <a:lnR>
+                      <a:noFill/>
+                    </a:lnR>
+                    <a:lnT>
+                      <a:noFill/>
+                    </a:lnT>
+                    <a:lnB>
+                      <a:noFill/>
+                    </a:lnB>
+                    <a:solidFill>
+                      <a:schemeClr val="bg2">
+                        <a:lumMod val="90000"/>
+                      </a:schemeClr>
+                    </a:solidFill>
+                  </a:tcPr>
+                </a:tc>
+                <a:tc>
+                  <a:txBody>
+                    <a:bodyPr/>
+                    <a:lstStyle/>
+                    <a:p>
+                      <a:r>
+                        <a:rPr lang="en-GB" sz="1200" dirty="0"/>
+                        <a:t>Severity</a:t>
+                      </a:r>
+                    </a:p>
+                  </a:txBody>
+                  <a:tcPr marL="31305" marR="31305" marT="15652" marB="15652" anchor="ctr">
+                    <a:lnL>
+                      <a:noFill/>
+                    </a:lnL>
+                    <a:lnR>
+                      <a:noFill/>
+                    </a:lnR>
+                    <a:lnT>
+                      <a:noFill/>
+                    </a:lnT>
+                    <a:lnB>
+                      <a:noFill/>
+                    </a:lnB>
+                    <a:solidFill>
+                      <a:schemeClr val="bg2">
+                        <a:lumMod val="90000"/>
+                      </a:schemeClr>
+                    </a:solidFill>
+                  </a:tcPr>
+                </a:tc>
+                <a:extLst>
+                  <a:ext uri="{0D108BD9-81ED-4DB2-BD59-A6C34878D82A}">
+                    <a16:rowId xmlns:a16="http://schemas.microsoft.com/office/drawing/2014/main" val="1751098977"/>
+                  </a:ext>
+                </a:extLst>
+              </a:tr>
+              <a:tr h="619721">
+                <a:tc>
+                  <a:txBody>
+                    <a:bodyPr/>
+                    <a:lstStyle/>
+                    <a:p>
+                      <a:r>
+                        <a:rPr lang="en-GB" sz="1200" b="1"/>
+                        <a:t>Maintain Cruise Heading</a:t>
+                      </a:r>
+                      <a:endParaRPr lang="en-GB" sz="1200"/>
+                    </a:p>
+                  </a:txBody>
+                  <a:tcPr marL="31305" marR="31305" marT="15652" marB="15652" anchor="ctr">
+                    <a:lnL>
+                      <a:noFill/>
+                    </a:lnL>
+                    <a:lnR>
+                      <a:noFill/>
+                    </a:lnR>
+                    <a:lnT>
+                      <a:noFill/>
+                    </a:lnT>
+                    <a:lnB>
+                      <a:noFill/>
+                    </a:lnB>
+                    <a:noFill/>
+                  </a:tcPr>
+                </a:tc>
+                <a:tc>
+                  <a:txBody>
+                    <a:bodyPr/>
+                    <a:lstStyle/>
+                    <a:p>
+                      <a:r>
+                        <a:rPr lang="en-GB" sz="1200" dirty="0"/>
+                        <a:t>Loss of Function</a:t>
+                      </a:r>
+                    </a:p>
+                  </a:txBody>
+                  <a:tcPr marL="31305" marR="31305" marT="15652" marB="15652" anchor="ctr">
+                    <a:lnL>
+                      <a:noFill/>
+                    </a:lnL>
+                    <a:lnR>
+                      <a:noFill/>
+                    </a:lnR>
+                    <a:lnT>
+                      <a:noFill/>
+                    </a:lnT>
+                    <a:lnB>
+                      <a:noFill/>
+                    </a:lnB>
+                    <a:noFill/>
+                  </a:tcPr>
+                </a:tc>
+                <a:tc>
+                  <a:txBody>
+                    <a:bodyPr/>
+                    <a:lstStyle/>
+                    <a:p>
+                      <a:r>
+                        <a:rPr lang="en-GB" sz="1200"/>
+                        <a:t>Aircraft drifts off course; potential separation loss</a:t>
+                      </a:r>
+                    </a:p>
+                  </a:txBody>
+                  <a:tcPr marL="31305" marR="31305" marT="15652" marB="15652" anchor="ctr">
+                    <a:lnL>
+                      <a:noFill/>
+                    </a:lnL>
+                    <a:lnR>
+                      <a:noFill/>
+                    </a:lnR>
+                    <a:lnT>
+                      <a:noFill/>
+                    </a:lnT>
+                    <a:lnB>
+                      <a:noFill/>
+                    </a:lnB>
+                    <a:noFill/>
+                  </a:tcPr>
+                </a:tc>
+                <a:tc>
+                  <a:txBody>
+                    <a:bodyPr/>
+                    <a:lstStyle/>
+                    <a:p>
+                      <a:r>
+                        <a:rPr lang="en-GB" sz="1200" dirty="0"/>
+                        <a:t>Hazardous</a:t>
+                      </a:r>
+                    </a:p>
+                  </a:txBody>
+                  <a:tcPr marL="31305" marR="31305" marT="15652" marB="15652" anchor="ctr">
+                    <a:lnL>
+                      <a:noFill/>
+                    </a:lnL>
+                    <a:lnR>
+                      <a:noFill/>
+                    </a:lnR>
+                    <a:lnT>
+                      <a:noFill/>
+                    </a:lnT>
+                    <a:lnB>
+                      <a:noFill/>
+                    </a:lnB>
+                    <a:noFill/>
+                  </a:tcPr>
+                </a:tc>
+                <a:extLst>
+                  <a:ext uri="{0D108BD9-81ED-4DB2-BD59-A6C34878D82A}">
+                    <a16:rowId xmlns:a16="http://schemas.microsoft.com/office/drawing/2014/main" val="16621418"/>
+                  </a:ext>
+                </a:extLst>
+              </a:tr>
+              <a:tr h="619721">
+                <a:tc>
+                  <a:txBody>
+                    <a:bodyPr/>
+                    <a:lstStyle/>
+                    <a:p>
+                      <a:endParaRPr lang="en-DE" sz="1200"/>
+                    </a:p>
+                  </a:txBody>
+                  <a:tcPr marL="31305" marR="31305" marT="15652" marB="15652" anchor="ctr">
+                    <a:lnL>
+                      <a:noFill/>
+                    </a:lnL>
+                    <a:lnR>
+                      <a:noFill/>
+                    </a:lnR>
+                    <a:lnT>
+                      <a:noFill/>
+                    </a:lnT>
+                    <a:lnB>
+                      <a:noFill/>
+                    </a:lnB>
+                    <a:noFill/>
+                  </a:tcPr>
+                </a:tc>
+                <a:tc>
+                  <a:txBody>
+                    <a:bodyPr/>
+                    <a:lstStyle/>
+                    <a:p>
+                      <a:r>
+                        <a:rPr lang="en-GB" sz="1200"/>
+                        <a:t>Unannunciated Loss</a:t>
+                      </a:r>
+                    </a:p>
+                  </a:txBody>
+                  <a:tcPr marL="31305" marR="31305" marT="15652" marB="15652" anchor="ctr">
+                    <a:lnL>
+                      <a:noFill/>
+                    </a:lnL>
+                    <a:lnR>
+                      <a:noFill/>
+                    </a:lnR>
+                    <a:lnT>
+                      <a:noFill/>
+                    </a:lnT>
+                    <a:lnB>
+                      <a:noFill/>
+                    </a:lnB>
+                    <a:noFill/>
+                  </a:tcPr>
+                </a:tc>
+                <a:tc>
+                  <a:txBody>
+                    <a:bodyPr/>
+                    <a:lstStyle/>
+                    <a:p>
+                      <a:r>
+                        <a:rPr lang="en-GB" sz="1200"/>
+                        <a:t>Undetected heading drift; increased ATC workload</a:t>
+                      </a:r>
+                    </a:p>
+                  </a:txBody>
+                  <a:tcPr marL="31305" marR="31305" marT="15652" marB="15652" anchor="ctr">
+                    <a:lnL>
+                      <a:noFill/>
+                    </a:lnL>
+                    <a:lnR>
+                      <a:noFill/>
+                    </a:lnR>
+                    <a:lnT>
+                      <a:noFill/>
+                    </a:lnT>
+                    <a:lnB>
+                      <a:noFill/>
+                    </a:lnB>
+                    <a:noFill/>
+                  </a:tcPr>
+                </a:tc>
+                <a:tc>
+                  <a:txBody>
+                    <a:bodyPr/>
+                    <a:lstStyle/>
+                    <a:p>
+                      <a:r>
+                        <a:rPr lang="en-GB" sz="1200"/>
+                        <a:t>Major</a:t>
+                      </a:r>
+                    </a:p>
+                  </a:txBody>
+                  <a:tcPr marL="31305" marR="31305" marT="15652" marB="15652" anchor="ctr">
+                    <a:lnL>
+                      <a:noFill/>
+                    </a:lnL>
+                    <a:lnR>
+                      <a:noFill/>
+                    </a:lnR>
+                    <a:lnT>
+                      <a:noFill/>
+                    </a:lnT>
+                    <a:lnB>
+                      <a:noFill/>
+                    </a:lnB>
+                    <a:noFill/>
+                  </a:tcPr>
+                </a:tc>
+                <a:extLst>
+                  <a:ext uri="{0D108BD9-81ED-4DB2-BD59-A6C34878D82A}">
+                    <a16:rowId xmlns:a16="http://schemas.microsoft.com/office/drawing/2014/main" val="591850643"/>
+                  </a:ext>
+                </a:extLst>
+              </a:tr>
+              <a:tr h="619721">
+                <a:tc>
+                  <a:txBody>
+                    <a:bodyPr/>
+                    <a:lstStyle/>
+                    <a:p>
+                      <a:endParaRPr lang="en-DE" sz="1200"/>
+                    </a:p>
+                  </a:txBody>
+                  <a:tcPr marL="31305" marR="31305" marT="15652" marB="15652" anchor="ctr">
+                    <a:lnL>
+                      <a:noFill/>
+                    </a:lnL>
+                    <a:lnR>
+                      <a:noFill/>
+                    </a:lnR>
+                    <a:lnT>
+                      <a:noFill/>
+                    </a:lnT>
+                    <a:lnB>
+                      <a:noFill/>
+                    </a:lnB>
+                    <a:noFill/>
+                  </a:tcPr>
+                </a:tc>
+                <a:tc>
+                  <a:txBody>
+                    <a:bodyPr/>
+                    <a:lstStyle/>
+                    <a:p>
+                      <a:r>
+                        <a:rPr lang="en-GB" sz="1200"/>
+                        <a:t>Erroneous Output (zig‐zag)</a:t>
+                      </a:r>
+                    </a:p>
+                  </a:txBody>
+                  <a:tcPr marL="31305" marR="31305" marT="15652" marB="15652" anchor="ctr">
+                    <a:lnL>
+                      <a:noFill/>
+                    </a:lnL>
+                    <a:lnR>
+                      <a:noFill/>
+                    </a:lnR>
+                    <a:lnT>
+                      <a:noFill/>
+                    </a:lnT>
+                    <a:lnB>
+                      <a:noFill/>
+                    </a:lnB>
+                    <a:noFill/>
+                  </a:tcPr>
+                </a:tc>
+                <a:tc>
+                  <a:txBody>
+                    <a:bodyPr/>
+                    <a:lstStyle/>
+                    <a:p>
+                      <a:r>
+                        <a:rPr lang="en-GB" sz="1200"/>
+                        <a:t>Oscillatory heading deviations; increased crew workload</a:t>
+                      </a:r>
+                    </a:p>
+                  </a:txBody>
+                  <a:tcPr marL="31305" marR="31305" marT="15652" marB="15652" anchor="ctr">
+                    <a:lnL>
+                      <a:noFill/>
+                    </a:lnL>
+                    <a:lnR>
+                      <a:noFill/>
+                    </a:lnR>
+                    <a:lnT>
+                      <a:noFill/>
+                    </a:lnT>
+                    <a:lnB>
+                      <a:noFill/>
+                    </a:lnB>
+                    <a:noFill/>
+                  </a:tcPr>
+                </a:tc>
+                <a:tc>
+                  <a:txBody>
+                    <a:bodyPr/>
+                    <a:lstStyle/>
+                    <a:p>
+                      <a:r>
+                        <a:rPr lang="en-GB" sz="1200"/>
+                        <a:t>Minor</a:t>
+                      </a:r>
+                    </a:p>
+                  </a:txBody>
+                  <a:tcPr marL="31305" marR="31305" marT="15652" marB="15652" anchor="ctr">
+                    <a:lnL>
+                      <a:noFill/>
+                    </a:lnL>
+                    <a:lnR>
+                      <a:noFill/>
+                    </a:lnR>
+                    <a:lnT>
+                      <a:noFill/>
+                    </a:lnT>
+                    <a:lnB>
+                      <a:noFill/>
+                    </a:lnB>
+                    <a:noFill/>
+                  </a:tcPr>
+                </a:tc>
+                <a:extLst>
+                  <a:ext uri="{0D108BD9-81ED-4DB2-BD59-A6C34878D82A}">
+                    <a16:rowId xmlns:a16="http://schemas.microsoft.com/office/drawing/2014/main" val="2535416607"/>
+                  </a:ext>
+                </a:extLst>
+              </a:tr>
+              <a:tr h="905152">
+                <a:tc>
+                  <a:txBody>
+                    <a:bodyPr/>
+                    <a:lstStyle/>
+                    <a:p>
+                      <a:r>
+                        <a:rPr lang="en-GB" sz="1200" b="1"/>
+                        <a:t>Hallucination Detection &amp; Classical‐Controller Override</a:t>
+                      </a:r>
+                      <a:endParaRPr lang="en-GB" sz="1200"/>
+                    </a:p>
+                  </a:txBody>
+                  <a:tcPr marL="31305" marR="31305" marT="15652" marB="15652" anchor="ctr">
+                    <a:lnL>
+                      <a:noFill/>
+                    </a:lnL>
+                    <a:lnR>
+                      <a:noFill/>
+                    </a:lnR>
+                    <a:lnT>
+                      <a:noFill/>
+                    </a:lnT>
+                    <a:lnB>
+                      <a:noFill/>
+                    </a:lnB>
+                    <a:noFill/>
+                  </a:tcPr>
+                </a:tc>
+                <a:tc>
+                  <a:txBody>
+                    <a:bodyPr/>
+                    <a:lstStyle/>
+                    <a:p>
+                      <a:r>
+                        <a:rPr lang="en-GB" sz="1200"/>
+                        <a:t>Failure to Detect ML Hallucination</a:t>
+                      </a:r>
+                    </a:p>
+                  </a:txBody>
+                  <a:tcPr marL="31305" marR="31305" marT="15652" marB="15652" anchor="ctr">
+                    <a:lnL>
+                      <a:noFill/>
+                    </a:lnL>
+                    <a:lnR>
+                      <a:noFill/>
+                    </a:lnR>
+                    <a:lnT>
+                      <a:noFill/>
+                    </a:lnT>
+                    <a:lnB>
+                      <a:noFill/>
+                    </a:lnB>
+                    <a:noFill/>
+                  </a:tcPr>
+                </a:tc>
+                <a:tc>
+                  <a:txBody>
+                    <a:bodyPr/>
+                    <a:lstStyle/>
+                    <a:p>
+                      <a:r>
+                        <a:rPr lang="en-GB" sz="1200"/>
+                        <a:t>Erroneous ML commands executed unchecked; could lead into unsafe flight regime</a:t>
+                      </a:r>
+                    </a:p>
+                  </a:txBody>
+                  <a:tcPr marL="31305" marR="31305" marT="15652" marB="15652" anchor="ctr">
+                    <a:lnL>
+                      <a:noFill/>
+                    </a:lnL>
+                    <a:lnR>
+                      <a:noFill/>
+                    </a:lnR>
+                    <a:lnT>
+                      <a:noFill/>
+                    </a:lnT>
+                    <a:lnB>
+                      <a:noFill/>
+                    </a:lnB>
+                    <a:noFill/>
+                  </a:tcPr>
+                </a:tc>
+                <a:tc>
+                  <a:txBody>
+                    <a:bodyPr/>
+                    <a:lstStyle/>
+                    <a:p>
+                      <a:r>
+                        <a:rPr lang="en-GB" sz="1200"/>
+                        <a:t>Catastrophic</a:t>
+                      </a:r>
+                    </a:p>
+                  </a:txBody>
+                  <a:tcPr marL="31305" marR="31305" marT="15652" marB="15652" anchor="ctr">
+                    <a:lnL>
+                      <a:noFill/>
+                    </a:lnL>
+                    <a:lnR>
+                      <a:noFill/>
+                    </a:lnR>
+                    <a:lnT>
+                      <a:noFill/>
+                    </a:lnT>
+                    <a:lnB>
+                      <a:noFill/>
+                    </a:lnB>
+                    <a:noFill/>
+                  </a:tcPr>
+                </a:tc>
+                <a:extLst>
+                  <a:ext uri="{0D108BD9-81ED-4DB2-BD59-A6C34878D82A}">
+                    <a16:rowId xmlns:a16="http://schemas.microsoft.com/office/drawing/2014/main" val="1586116310"/>
+                  </a:ext>
+                </a:extLst>
+              </a:tr>
+              <a:tr h="635166">
+                <a:tc>
+                  <a:txBody>
+                    <a:bodyPr/>
+                    <a:lstStyle/>
+                    <a:p>
+                      <a:endParaRPr lang="en-DE" sz="1200"/>
+                    </a:p>
+                  </a:txBody>
+                  <a:tcPr marL="31305" marR="31305" marT="15652" marB="15652" anchor="ctr">
+                    <a:lnL>
+                      <a:noFill/>
+                    </a:lnL>
+                    <a:lnR>
+                      <a:noFill/>
+                    </a:lnR>
+                    <a:lnT>
+                      <a:noFill/>
+                    </a:lnT>
+                    <a:lnB>
+                      <a:noFill/>
+                    </a:lnB>
+                    <a:noFill/>
+                  </a:tcPr>
+                </a:tc>
+                <a:tc>
+                  <a:txBody>
+                    <a:bodyPr/>
+                    <a:lstStyle/>
+                    <a:p>
+                      <a:r>
+                        <a:rPr lang="en-GB" sz="1200"/>
+                        <a:t>False Positive Override</a:t>
+                      </a:r>
+                    </a:p>
+                  </a:txBody>
+                  <a:tcPr marL="31305" marR="31305" marT="15652" marB="15652" anchor="ctr">
+                    <a:lnL>
+                      <a:noFill/>
+                    </a:lnL>
+                    <a:lnR>
+                      <a:noFill/>
+                    </a:lnR>
+                    <a:lnT>
+                      <a:noFill/>
+                    </a:lnT>
+                    <a:lnB>
+                      <a:noFill/>
+                    </a:lnB>
+                    <a:noFill/>
+                  </a:tcPr>
+                </a:tc>
+                <a:tc>
+                  <a:txBody>
+                    <a:bodyPr/>
+                    <a:lstStyle/>
+                    <a:p>
+                      <a:r>
+                        <a:rPr lang="en-GB" sz="1200"/>
+                        <a:t>Unnecessary switch to classical controller; degraded performance but safe</a:t>
+                      </a:r>
+                    </a:p>
+                  </a:txBody>
+                  <a:tcPr marL="31305" marR="31305" marT="15652" marB="15652" anchor="ctr">
+                    <a:lnL>
+                      <a:noFill/>
+                    </a:lnL>
+                    <a:lnR>
+                      <a:noFill/>
+                    </a:lnR>
+                    <a:lnT>
+                      <a:noFill/>
+                    </a:lnT>
+                    <a:lnB>
+                      <a:noFill/>
+                    </a:lnB>
+                    <a:noFill/>
+                  </a:tcPr>
+                </a:tc>
+                <a:tc>
+                  <a:txBody>
+                    <a:bodyPr/>
+                    <a:lstStyle/>
+                    <a:p>
+                      <a:r>
+                        <a:rPr lang="en-GB" sz="1200"/>
+                        <a:t>Major</a:t>
+                      </a:r>
+                    </a:p>
+                  </a:txBody>
+                  <a:tcPr marL="31305" marR="31305" marT="15652" marB="15652" anchor="ctr">
+                    <a:lnL>
+                      <a:noFill/>
+                    </a:lnL>
+                    <a:lnR>
+                      <a:noFill/>
+                    </a:lnR>
+                    <a:lnT>
+                      <a:noFill/>
+                    </a:lnT>
+                    <a:lnB>
+                      <a:noFill/>
+                    </a:lnB>
+                    <a:noFill/>
+                  </a:tcPr>
+                </a:tc>
+                <a:extLst>
+                  <a:ext uri="{0D108BD9-81ED-4DB2-BD59-A6C34878D82A}">
+                    <a16:rowId xmlns:a16="http://schemas.microsoft.com/office/drawing/2014/main" val="3394091437"/>
+                  </a:ext>
+                </a:extLst>
+              </a:tr>
+              <a:tr h="619721">
+                <a:tc>
+                  <a:txBody>
+                    <a:bodyPr/>
+                    <a:lstStyle/>
+                    <a:p>
+                      <a:endParaRPr lang="en-DE" sz="1200" dirty="0"/>
+                    </a:p>
+                  </a:txBody>
+                  <a:tcPr marL="31305" marR="31305" marT="15652" marB="15652" anchor="ctr">
+                    <a:lnL>
+                      <a:noFill/>
+                    </a:lnL>
+                    <a:lnR>
+                      <a:noFill/>
+                    </a:lnR>
+                    <a:lnT>
+                      <a:noFill/>
+                    </a:lnT>
+                    <a:lnB>
+                      <a:noFill/>
+                    </a:lnB>
+                    <a:noFill/>
+                  </a:tcPr>
+                </a:tc>
+                <a:tc>
+                  <a:txBody>
+                    <a:bodyPr/>
+                    <a:lstStyle/>
+                    <a:p>
+                      <a:r>
+                        <a:rPr lang="en-GB" sz="1200"/>
+                        <a:t>False Negative (Missed Detection)</a:t>
+                      </a:r>
+                    </a:p>
+                  </a:txBody>
+                  <a:tcPr marL="31305" marR="31305" marT="15652" marB="15652" anchor="ctr">
+                    <a:lnL>
+                      <a:noFill/>
+                    </a:lnL>
+                    <a:lnR>
+                      <a:noFill/>
+                    </a:lnR>
+                    <a:lnT>
+                      <a:noFill/>
+                    </a:lnT>
+                    <a:lnB>
+                      <a:noFill/>
+                    </a:lnB>
+                    <a:noFill/>
+                  </a:tcPr>
+                </a:tc>
+                <a:tc>
+                  <a:txBody>
+                    <a:bodyPr/>
+                    <a:lstStyle/>
+                    <a:p>
+                      <a:r>
+                        <a:rPr lang="en-GB" sz="1200"/>
+                        <a:t>ML hallucination unmitigated; unsafe command applied</a:t>
+                      </a:r>
+                    </a:p>
+                  </a:txBody>
+                  <a:tcPr marL="31305" marR="31305" marT="15652" marB="15652" anchor="ctr">
+                    <a:lnL>
+                      <a:noFill/>
+                    </a:lnL>
+                    <a:lnR>
+                      <a:noFill/>
+                    </a:lnR>
+                    <a:lnT>
+                      <a:noFill/>
+                    </a:lnT>
+                    <a:lnB>
+                      <a:noFill/>
+                    </a:lnB>
+                    <a:noFill/>
+                  </a:tcPr>
+                </a:tc>
+                <a:tc>
+                  <a:txBody>
+                    <a:bodyPr/>
+                    <a:lstStyle/>
+                    <a:p>
+                      <a:r>
+                        <a:rPr lang="en-GB" sz="1200" dirty="0"/>
+                        <a:t>Catastrophic</a:t>
+                      </a:r>
+                    </a:p>
+                  </a:txBody>
+                  <a:tcPr marL="31305" marR="31305" marT="15652" marB="15652" anchor="ctr">
+                    <a:lnL>
+                      <a:noFill/>
+                    </a:lnL>
+                    <a:lnR>
+                      <a:noFill/>
+                    </a:lnR>
+                    <a:lnT>
+                      <a:noFill/>
+                    </a:lnT>
+                    <a:lnB>
+                      <a:noFill/>
+                    </a:lnB>
+                    <a:noFill/>
+                  </a:tcPr>
+                </a:tc>
+                <a:extLst>
+                  <a:ext uri="{0D108BD9-81ED-4DB2-BD59-A6C34878D82A}">
+                    <a16:rowId xmlns:a16="http://schemas.microsoft.com/office/drawing/2014/main" val="4174833316"/>
+                  </a:ext>
+                </a:extLst>
+              </a:tr>
+            </a:tbl>
+          </a:graphicData>
+        </a:graphic>
+      </p:graphicFrame>
+    </p:spTree>
+    <p:extLst>
+      <p:ext uri="{BB962C8B-B14F-4D97-AF65-F5344CB8AC3E}">
+        <p14:creationId xmlns:p14="http://schemas.microsoft.com/office/powerpoint/2010/main" val="3742020634"/>
+      </p:ext>
+    </p:extLst>
+  </p:cSld>
+  <p:clrMapOvr>
+    <a:masterClrMapping/>
+  </p:clrMapOvr>
+</p:sld>
+</file>
+
+<file path=ppt/slides/slide17.xml><?xml version="1.0" encoding="utf-8"?>
+<p:sld xmlns:a="http://schemas.openxmlformats.org/drawingml/2006/main" xmlns:r="http://schemas.openxmlformats.org/officeDocument/2006/relationships" xmlns:p="http://schemas.openxmlformats.org/presentationml/2006/main">
+  <p:cSld>
+    <p:spTree>
+      <p:nvGrpSpPr>
+        <p:cNvPr id="1" name="">
+          <a:extLst>
+            <a:ext uri="{FF2B5EF4-FFF2-40B4-BE49-F238E27FC236}">
+              <a16:creationId xmlns:a16="http://schemas.microsoft.com/office/drawing/2014/main" id="{A16CF9F3-5EF9-28CB-C11B-3B5BF09C5FBC}"/>
+            </a:ext>
+          </a:extLst>
+        </p:cNvPr>
+        <p:cNvGrpSpPr/>
+        <p:nvPr/>
+      </p:nvGrpSpPr>
+      <p:grpSpPr>
+        <a:xfrm>
+          <a:off x="0" y="0"/>
+          <a:ext cx="0" cy="0"/>
+          <a:chOff x="0" y="0"/>
+          <a:chExt cx="0" cy="0"/>
+        </a:xfrm>
+      </p:grpSpPr>
+      <p:sp>
+        <p:nvSpPr>
+          <p:cNvPr id="2" name="Title 1">
+            <a:extLst>
+              <a:ext uri="{FF2B5EF4-FFF2-40B4-BE49-F238E27FC236}">
+                <a16:creationId xmlns:a16="http://schemas.microsoft.com/office/drawing/2014/main" id="{FB46B7BC-13EC-EACC-1CFE-8D6FAA379AC4}"/>
+              </a:ext>
+            </a:extLst>
+          </p:cNvPr>
+          <p:cNvSpPr>
+            <a:spLocks noGrp="1"/>
+          </p:cNvSpPr>
+          <p:nvPr>
+            <p:ph type="title"/>
+          </p:nvPr>
+        </p:nvSpPr>
+        <p:spPr/>
+        <p:txBody>
+          <a:bodyPr/>
+          <a:lstStyle/>
+          <a:p>
+            <a:r>
+              <a:rPr lang="de-DE" dirty="0"/>
+              <a:t>System Architecture</a:t>
+            </a:r>
+            <a:endParaRPr lang="en-DE" dirty="0"/>
+          </a:p>
+        </p:txBody>
+      </p:sp>
+      <p:sp>
+        <p:nvSpPr>
+          <p:cNvPr id="10" name="Slide Number Placeholder 9">
+            <a:extLst>
+              <a:ext uri="{FF2B5EF4-FFF2-40B4-BE49-F238E27FC236}">
+                <a16:creationId xmlns:a16="http://schemas.microsoft.com/office/drawing/2014/main" id="{FAFAD91A-7394-BEF2-447E-0870037B831B}"/>
+              </a:ext>
+            </a:extLst>
+          </p:cNvPr>
+          <p:cNvSpPr>
+            <a:spLocks noGrp="1"/>
+          </p:cNvSpPr>
+          <p:nvPr>
+            <p:ph type="sldNum" sz="quarter" idx="12"/>
+          </p:nvPr>
+        </p:nvSpPr>
+        <p:spPr/>
+        <p:txBody>
+          <a:bodyPr/>
+          <a:lstStyle/>
+          <a:p>
+            <a:fld id="{B304D30C-128B-5449-AD8B-09F07771E88F}" type="slidenum">
+              <a:rPr lang="en-DE" smtClean="0"/>
+              <a:t>17</a:t>
+            </a:fld>
+            <a:endParaRPr lang="en-DE"/>
+          </a:p>
+        </p:txBody>
+      </p:sp>
+      <p:pic>
+        <p:nvPicPr>
+          <p:cNvPr id="12" name="Graphic 11">
+            <a:extLst>
+              <a:ext uri="{FF2B5EF4-FFF2-40B4-BE49-F238E27FC236}">
+                <a16:creationId xmlns:a16="http://schemas.microsoft.com/office/drawing/2014/main" id="{A6568037-71AD-CD67-56A6-52A481D1FBEF}"/>
+              </a:ext>
+            </a:extLst>
+          </p:cNvPr>
+          <p:cNvPicPr>
+            <a:picLocks noChangeAspect="1"/>
+          </p:cNvPicPr>
+          <p:nvPr/>
+        </p:nvPicPr>
+        <p:blipFill>
+          <a:blip r:embed="rId2">
+            <a:extLst>
+              <a:ext uri="{96DAC541-7B7A-43D3-8B79-37D633B846F1}">
+                <asvg:svgBlip xmlns:asvg="http://schemas.microsoft.com/office/drawing/2016/SVG/main" r:embed="rId3"/>
+              </a:ext>
+            </a:extLst>
+          </a:blip>
+          <a:stretch>
+            <a:fillRect/>
+          </a:stretch>
+        </p:blipFill>
+        <p:spPr>
+          <a:xfrm>
+            <a:off x="2209800" y="2053205"/>
+            <a:ext cx="7772400" cy="3940628"/>
+          </a:xfrm>
+          <a:prstGeom prst="rect">
+            <a:avLst/>
+          </a:prstGeom>
+        </p:spPr>
+      </p:pic>
+    </p:spTree>
+    <p:extLst>
+      <p:ext uri="{BB962C8B-B14F-4D97-AF65-F5344CB8AC3E}">
+        <p14:creationId xmlns:p14="http://schemas.microsoft.com/office/powerpoint/2010/main" val="3189545690"/>
+      </p:ext>
+    </p:extLst>
+  </p:cSld>
+  <p:clrMapOvr>
+    <a:masterClrMapping/>
+  </p:clrMapOvr>
+</p:sld>
+</file>
+
+<file path=ppt/slides/slide18.xml><?xml version="1.0" encoding="utf-8"?>
+<p:sld xmlns:a="http://schemas.openxmlformats.org/drawingml/2006/main" xmlns:r="http://schemas.openxmlformats.org/officeDocument/2006/relationships" xmlns:p="http://schemas.openxmlformats.org/presentationml/2006/main">
+  <p:cSld>
+    <p:spTree>
+      <p:nvGrpSpPr>
+        <p:cNvPr id="1" name="">
+          <a:extLst>
+            <a:ext uri="{FF2B5EF4-FFF2-40B4-BE49-F238E27FC236}">
+              <a16:creationId xmlns:a16="http://schemas.microsoft.com/office/drawing/2014/main" id="{ED324D55-D6A4-A381-353B-59F00600C64C}"/>
+            </a:ext>
+          </a:extLst>
+        </p:cNvPr>
+        <p:cNvGrpSpPr/>
+        <p:nvPr/>
+      </p:nvGrpSpPr>
+      <p:grpSpPr>
+        <a:xfrm>
+          <a:off x="0" y="0"/>
+          <a:ext cx="0" cy="0"/>
+          <a:chOff x="0" y="0"/>
+          <a:chExt cx="0" cy="0"/>
+        </a:xfrm>
+      </p:grpSpPr>
+      <p:sp>
+        <p:nvSpPr>
+          <p:cNvPr id="2" name="Title 1">
+            <a:extLst>
+              <a:ext uri="{FF2B5EF4-FFF2-40B4-BE49-F238E27FC236}">
+                <a16:creationId xmlns:a16="http://schemas.microsoft.com/office/drawing/2014/main" id="{C8EEA955-0DA9-F2F7-1C2E-8ACD4964EB06}"/>
+              </a:ext>
+            </a:extLst>
+          </p:cNvPr>
+          <p:cNvSpPr>
+            <a:spLocks noGrp="1"/>
+          </p:cNvSpPr>
+          <p:nvPr>
+            <p:ph type="title"/>
+          </p:nvPr>
+        </p:nvSpPr>
+        <p:spPr/>
+        <p:txBody>
+          <a:bodyPr/>
+          <a:lstStyle/>
+          <a:p>
+            <a:r>
+              <a:rPr lang="de-DE" dirty="0" err="1"/>
+              <a:t>Safety</a:t>
+            </a:r>
+            <a:r>
+              <a:rPr lang="de-DE" dirty="0"/>
+              <a:t> Assessment</a:t>
+            </a:r>
+            <a:endParaRPr lang="en-DE" dirty="0"/>
+          </a:p>
+        </p:txBody>
+      </p:sp>
+      <p:sp>
+        <p:nvSpPr>
+          <p:cNvPr id="3" name="Slide Number Placeholder 2">
+            <a:extLst>
+              <a:ext uri="{FF2B5EF4-FFF2-40B4-BE49-F238E27FC236}">
+                <a16:creationId xmlns:a16="http://schemas.microsoft.com/office/drawing/2014/main" id="{8EBB8D0B-DE0D-7BCE-9648-C166C59A0338}"/>
+              </a:ext>
+            </a:extLst>
+          </p:cNvPr>
+          <p:cNvSpPr>
+            <a:spLocks noGrp="1"/>
+          </p:cNvSpPr>
+          <p:nvPr>
+            <p:ph type="sldNum" sz="quarter" idx="12"/>
+          </p:nvPr>
+        </p:nvSpPr>
+        <p:spPr/>
+        <p:txBody>
+          <a:bodyPr/>
+          <a:lstStyle/>
+          <a:p>
+            <a:fld id="{B304D30C-128B-5449-AD8B-09F07771E88F}" type="slidenum">
+              <a:rPr lang="en-DE" smtClean="0"/>
+              <a:t>18</a:t>
+            </a:fld>
+            <a:endParaRPr lang="en-DE"/>
+          </a:p>
+        </p:txBody>
+      </p:sp>
+      <p:sp>
+        <p:nvSpPr>
+          <p:cNvPr id="6" name="Content Placeholder 5">
+            <a:extLst>
+              <a:ext uri="{FF2B5EF4-FFF2-40B4-BE49-F238E27FC236}">
+                <a16:creationId xmlns:a16="http://schemas.microsoft.com/office/drawing/2014/main" id="{0590812F-2726-CA06-D9F2-5F75EA4DB45A}"/>
+              </a:ext>
+            </a:extLst>
+          </p:cNvPr>
+          <p:cNvSpPr>
+            <a:spLocks noGrp="1"/>
+          </p:cNvSpPr>
+          <p:nvPr>
+            <p:ph idx="1"/>
+          </p:nvPr>
+        </p:nvSpPr>
+        <p:spPr/>
+        <p:txBody>
+          <a:bodyPr/>
+          <a:lstStyle/>
+          <a:p>
+            <a:pPr marL="514350" indent="-514350">
+              <a:buFont typeface="+mj-lt"/>
+              <a:buAutoNum type="arabicPeriod"/>
+            </a:pPr>
+            <a:endParaRPr lang="en-DE" dirty="0"/>
+          </a:p>
+        </p:txBody>
+      </p:sp>
+    </p:spTree>
+    <p:extLst>
+      <p:ext uri="{BB962C8B-B14F-4D97-AF65-F5344CB8AC3E}">
+        <p14:creationId xmlns:p14="http://schemas.microsoft.com/office/powerpoint/2010/main" val="3318233572"/>
+      </p:ext>
+    </p:extLst>
+  </p:cSld>
+  <p:clrMapOvr>
+    <a:masterClrMapping/>
+  </p:clrMapOvr>
+</p:sld>
+</file>
+
+<file path=ppt/slides/slide19.xml><?xml version="1.0" encoding="utf-8"?>
+<p:sld xmlns:a="http://schemas.openxmlformats.org/drawingml/2006/main" xmlns:r="http://schemas.openxmlformats.org/officeDocument/2006/relationships" xmlns:p="http://schemas.openxmlformats.org/presentationml/2006/main">
+  <p:cSld>
+    <p:spTree>
+      <p:nvGrpSpPr>
+        <p:cNvPr id="1" name="">
+          <a:extLst>
+            <a:ext uri="{FF2B5EF4-FFF2-40B4-BE49-F238E27FC236}">
+              <a16:creationId xmlns:a16="http://schemas.microsoft.com/office/drawing/2014/main" id="{05294753-3627-E137-C3E3-EB064BF29E2E}"/>
+            </a:ext>
+          </a:extLst>
+        </p:cNvPr>
+        <p:cNvGrpSpPr/>
+        <p:nvPr/>
+      </p:nvGrpSpPr>
+      <p:grpSpPr>
+        <a:xfrm>
+          <a:off x="0" y="0"/>
+          <a:ext cx="0" cy="0"/>
+          <a:chOff x="0" y="0"/>
+          <a:chExt cx="0" cy="0"/>
+        </a:xfrm>
+      </p:grpSpPr>
+      <p:sp>
+        <p:nvSpPr>
+          <p:cNvPr id="2" name="Title 1">
+            <a:extLst>
+              <a:ext uri="{FF2B5EF4-FFF2-40B4-BE49-F238E27FC236}">
+                <a16:creationId xmlns:a16="http://schemas.microsoft.com/office/drawing/2014/main" id="{7D8D0A04-4C5C-1BA8-B2FF-4FEE6FF6FF94}"/>
+              </a:ext>
+            </a:extLst>
+          </p:cNvPr>
+          <p:cNvSpPr>
+            <a:spLocks noGrp="1"/>
+          </p:cNvSpPr>
+          <p:nvPr>
+            <p:ph type="title"/>
+          </p:nvPr>
+        </p:nvSpPr>
+        <p:spPr/>
+        <p:txBody>
+          <a:bodyPr/>
+          <a:lstStyle/>
+          <a:p>
+            <a:r>
+              <a:rPr lang="de-DE" dirty="0"/>
+              <a:t>Potential </a:t>
+            </a:r>
+            <a:r>
+              <a:rPr lang="de-DE" dirty="0" err="1"/>
+              <a:t>Hazardous</a:t>
+            </a:r>
+            <a:r>
+              <a:rPr lang="de-DE" dirty="0"/>
+              <a:t> Scenarios</a:t>
+            </a:r>
+            <a:endParaRPr lang="en-DE" dirty="0"/>
+          </a:p>
+        </p:txBody>
+      </p:sp>
+      <p:sp>
+        <p:nvSpPr>
+          <p:cNvPr id="3" name="Slide Number Placeholder 2">
+            <a:extLst>
+              <a:ext uri="{FF2B5EF4-FFF2-40B4-BE49-F238E27FC236}">
+                <a16:creationId xmlns:a16="http://schemas.microsoft.com/office/drawing/2014/main" id="{57226F23-FADE-B2F6-AA87-74E7969AA949}"/>
+              </a:ext>
+            </a:extLst>
+          </p:cNvPr>
+          <p:cNvSpPr>
+            <a:spLocks noGrp="1"/>
+          </p:cNvSpPr>
+          <p:nvPr>
+            <p:ph type="sldNum" sz="quarter" idx="12"/>
+          </p:nvPr>
+        </p:nvSpPr>
+        <p:spPr/>
+        <p:txBody>
+          <a:bodyPr/>
+          <a:lstStyle/>
+          <a:p>
+            <a:fld id="{B304D30C-128B-5449-AD8B-09F07771E88F}" type="slidenum">
+              <a:rPr lang="en-DE" smtClean="0"/>
+              <a:t>19</a:t>
+            </a:fld>
+            <a:endParaRPr lang="en-DE"/>
+          </a:p>
+        </p:txBody>
+      </p:sp>
+      <p:sp>
+        <p:nvSpPr>
+          <p:cNvPr id="6" name="Content Placeholder 5">
+            <a:extLst>
+              <a:ext uri="{FF2B5EF4-FFF2-40B4-BE49-F238E27FC236}">
+                <a16:creationId xmlns:a16="http://schemas.microsoft.com/office/drawing/2014/main" id="{A9A76335-86E5-0978-C9DC-B4A1D1340CF0}"/>
+              </a:ext>
+            </a:extLst>
+          </p:cNvPr>
+          <p:cNvSpPr>
+            <a:spLocks noGrp="1"/>
+          </p:cNvSpPr>
+          <p:nvPr>
+            <p:ph idx="1"/>
+          </p:nvPr>
+        </p:nvSpPr>
+        <p:spPr/>
+        <p:txBody>
+          <a:bodyPr/>
+          <a:lstStyle/>
+          <a:p>
+            <a:pPr marL="514350" indent="-514350">
+              <a:buFont typeface="+mj-lt"/>
+              <a:buAutoNum type="arabicPeriod"/>
+            </a:pPr>
+            <a:r>
+              <a:rPr lang="en-DE" dirty="0"/>
+              <a:t>Function fails to deactivate due to Hardware failure</a:t>
+            </a:r>
+          </a:p>
+          <a:p>
+            <a:pPr marL="514350" indent="-514350">
+              <a:buFont typeface="+mj-lt"/>
+              <a:buAutoNum type="arabicPeriod"/>
+            </a:pPr>
+            <a:r>
+              <a:rPr lang="en-DE" dirty="0"/>
+              <a:t>Soft Actor Critic (SAC) hallucinates and comparison system fails to detect</a:t>
+            </a:r>
+          </a:p>
+          <a:p>
+            <a:pPr marL="514350" indent="-514350">
+              <a:buFont typeface="+mj-lt"/>
+              <a:buAutoNum type="arabicPeriod"/>
+            </a:pPr>
+            <a:r>
+              <a:rPr lang="en-DE" dirty="0"/>
+              <a:t>Pilots fail to switch off SAC when deviation from classic control</a:t>
+            </a:r>
+          </a:p>
+          <a:p>
+            <a:pPr marL="514350" indent="-514350">
+              <a:buFont typeface="+mj-lt"/>
+              <a:buAutoNum type="arabicPeriod"/>
+            </a:pPr>
+            <a:r>
+              <a:rPr lang="en-DE" dirty="0"/>
+              <a:t>Deactivating SAC in a potentially unstable flight condition</a:t>
+            </a:r>
+          </a:p>
+          <a:p>
+            <a:pPr marL="514350" indent="-514350">
+              <a:buFont typeface="+mj-lt"/>
+              <a:buAutoNum type="arabicPeriod"/>
+            </a:pPr>
+            <a:r>
+              <a:rPr lang="en-GB" dirty="0"/>
+              <a:t>I</a:t>
+            </a:r>
+            <a:r>
+              <a:rPr lang="en-DE" dirty="0"/>
+              <a:t>n unstable flight condition SAC fails</a:t>
+            </a:r>
+          </a:p>
+          <a:p>
+            <a:pPr marL="514350" indent="-514350">
+              <a:buFont typeface="+mj-lt"/>
+              <a:buAutoNum type="arabicPeriod"/>
+            </a:pPr>
+            <a:endParaRPr lang="en-DE" dirty="0"/>
+          </a:p>
+        </p:txBody>
+      </p:sp>
+    </p:spTree>
+    <p:extLst>
+      <p:ext uri="{BB962C8B-B14F-4D97-AF65-F5344CB8AC3E}">
+        <p14:creationId xmlns:p14="http://schemas.microsoft.com/office/powerpoint/2010/main" val="1334350558"/>
       </p:ext>
     </p:extLst>
   </p:cSld>
@@ -4313,10 +7854,333 @@
           </a:p>
         </p:txBody>
       </p:sp>
+      <p:sp>
+        <p:nvSpPr>
+          <p:cNvPr id="4" name="Slide Number Placeholder 3">
+            <a:extLst>
+              <a:ext uri="{FF2B5EF4-FFF2-40B4-BE49-F238E27FC236}">
+                <a16:creationId xmlns:a16="http://schemas.microsoft.com/office/drawing/2014/main" id="{753FD723-F5F5-4820-09FA-AA237D7656CB}"/>
+              </a:ext>
+            </a:extLst>
+          </p:cNvPr>
+          <p:cNvSpPr>
+            <a:spLocks noGrp="1"/>
+          </p:cNvSpPr>
+          <p:nvPr>
+            <p:ph type="sldNum" sz="quarter" idx="12"/>
+          </p:nvPr>
+        </p:nvSpPr>
+        <p:spPr/>
+        <p:txBody>
+          <a:bodyPr/>
+          <a:lstStyle/>
+          <a:p>
+            <a:fld id="{B304D30C-128B-5449-AD8B-09F07771E88F}" type="slidenum">
+              <a:rPr lang="en-DE" smtClean="0"/>
+              <a:t>2</a:t>
+            </a:fld>
+            <a:endParaRPr lang="en-DE"/>
+          </a:p>
+        </p:txBody>
+      </p:sp>
     </p:spTree>
     <p:extLst>
       <p:ext uri="{BB962C8B-B14F-4D97-AF65-F5344CB8AC3E}">
         <p14:creationId xmlns:p14="http://schemas.microsoft.com/office/powerpoint/2010/main" val="921602223"/>
+      </p:ext>
+    </p:extLst>
+  </p:cSld>
+  <p:clrMapOvr>
+    <a:masterClrMapping/>
+  </p:clrMapOvr>
+</p:sld>
+</file>
+
+<file path=ppt/slides/slide20.xml><?xml version="1.0" encoding="utf-8"?>
+<p:sld xmlns:a="http://schemas.openxmlformats.org/drawingml/2006/main" xmlns:r="http://schemas.openxmlformats.org/officeDocument/2006/relationships" xmlns:p="http://schemas.openxmlformats.org/presentationml/2006/main">
+  <p:cSld>
+    <p:spTree>
+      <p:nvGrpSpPr>
+        <p:cNvPr id="1" name="">
+          <a:extLst>
+            <a:ext uri="{FF2B5EF4-FFF2-40B4-BE49-F238E27FC236}">
+              <a16:creationId xmlns:a16="http://schemas.microsoft.com/office/drawing/2014/main" id="{3B8C32B7-A80E-9391-C016-E091E025D81F}"/>
+            </a:ext>
+          </a:extLst>
+        </p:cNvPr>
+        <p:cNvGrpSpPr/>
+        <p:nvPr/>
+      </p:nvGrpSpPr>
+      <p:grpSpPr>
+        <a:xfrm>
+          <a:off x="0" y="0"/>
+          <a:ext cx="0" cy="0"/>
+          <a:chOff x="0" y="0"/>
+          <a:chExt cx="0" cy="0"/>
+        </a:xfrm>
+      </p:grpSpPr>
+      <p:sp>
+        <p:nvSpPr>
+          <p:cNvPr id="2" name="Title 1">
+            <a:extLst>
+              <a:ext uri="{FF2B5EF4-FFF2-40B4-BE49-F238E27FC236}">
+                <a16:creationId xmlns:a16="http://schemas.microsoft.com/office/drawing/2014/main" id="{4D385C97-ED7C-65DF-B8AD-BA85E5D37D68}"/>
+              </a:ext>
+            </a:extLst>
+          </p:cNvPr>
+          <p:cNvSpPr>
+            <a:spLocks noGrp="1"/>
+          </p:cNvSpPr>
+          <p:nvPr>
+            <p:ph type="title"/>
+          </p:nvPr>
+        </p:nvSpPr>
+        <p:spPr/>
+        <p:txBody>
+          <a:bodyPr/>
+          <a:lstStyle/>
+          <a:p>
+            <a:r>
+              <a:rPr lang="de-DE" dirty="0"/>
+              <a:t>Potential </a:t>
+            </a:r>
+            <a:r>
+              <a:rPr lang="de-DE" dirty="0" err="1"/>
+              <a:t>Hazardous</a:t>
+            </a:r>
+            <a:r>
+              <a:rPr lang="de-DE" dirty="0"/>
+              <a:t> Scenarios</a:t>
+            </a:r>
+            <a:endParaRPr lang="en-DE" dirty="0"/>
+          </a:p>
+        </p:txBody>
+      </p:sp>
+      <p:sp>
+        <p:nvSpPr>
+          <p:cNvPr id="3" name="Slide Number Placeholder 2">
+            <a:extLst>
+              <a:ext uri="{FF2B5EF4-FFF2-40B4-BE49-F238E27FC236}">
+                <a16:creationId xmlns:a16="http://schemas.microsoft.com/office/drawing/2014/main" id="{83A87A40-F0CF-ECB7-8891-2CFF15DE6B18}"/>
+              </a:ext>
+            </a:extLst>
+          </p:cNvPr>
+          <p:cNvSpPr>
+            <a:spLocks noGrp="1"/>
+          </p:cNvSpPr>
+          <p:nvPr>
+            <p:ph type="sldNum" sz="quarter" idx="12"/>
+          </p:nvPr>
+        </p:nvSpPr>
+        <p:spPr/>
+        <p:txBody>
+          <a:bodyPr/>
+          <a:lstStyle/>
+          <a:p>
+            <a:fld id="{B304D30C-128B-5449-AD8B-09F07771E88F}" type="slidenum">
+              <a:rPr lang="en-DE" smtClean="0"/>
+              <a:t>20</a:t>
+            </a:fld>
+            <a:endParaRPr lang="en-DE"/>
+          </a:p>
+        </p:txBody>
+      </p:sp>
+      <p:sp>
+        <p:nvSpPr>
+          <p:cNvPr id="6" name="Content Placeholder 5">
+            <a:extLst>
+              <a:ext uri="{FF2B5EF4-FFF2-40B4-BE49-F238E27FC236}">
+                <a16:creationId xmlns:a16="http://schemas.microsoft.com/office/drawing/2014/main" id="{4395921B-B53E-6B84-0EE2-577FFD7B225E}"/>
+              </a:ext>
+            </a:extLst>
+          </p:cNvPr>
+          <p:cNvSpPr>
+            <a:spLocks noGrp="1"/>
+          </p:cNvSpPr>
+          <p:nvPr>
+            <p:ph idx="1"/>
+          </p:nvPr>
+        </p:nvSpPr>
+        <p:spPr/>
+        <p:txBody>
+          <a:bodyPr/>
+          <a:lstStyle/>
+          <a:p>
+            <a:pPr marL="514350" indent="-514350">
+              <a:buFont typeface="+mj-lt"/>
+              <a:buAutoNum type="arabicPeriod"/>
+            </a:pPr>
+            <a:r>
+              <a:rPr lang="en-DE" dirty="0"/>
+              <a:t>Function fails to deactivate due to Hardware failure</a:t>
+            </a:r>
+          </a:p>
+          <a:p>
+            <a:pPr marL="514350" indent="-514350">
+              <a:buFont typeface="+mj-lt"/>
+              <a:buAutoNum type="arabicPeriod"/>
+            </a:pPr>
+            <a:r>
+              <a:rPr lang="en-DE" dirty="0"/>
+              <a:t>Soft Actor Critic (SAC) hallucinates and comparison system fails to detect</a:t>
+            </a:r>
+          </a:p>
+          <a:p>
+            <a:pPr marL="514350" indent="-514350">
+              <a:buFont typeface="+mj-lt"/>
+              <a:buAutoNum type="arabicPeriod"/>
+            </a:pPr>
+            <a:r>
+              <a:rPr lang="en-DE" dirty="0"/>
+              <a:t>Pilots fail to switch off SAC when deviation from classic control</a:t>
+            </a:r>
+          </a:p>
+          <a:p>
+            <a:pPr marL="514350" indent="-514350">
+              <a:buFont typeface="+mj-lt"/>
+              <a:buAutoNum type="arabicPeriod"/>
+            </a:pPr>
+            <a:r>
+              <a:rPr lang="en-DE" dirty="0"/>
+              <a:t>Deactivating SAC in a potentially unstable flight condition</a:t>
+            </a:r>
+          </a:p>
+          <a:p>
+            <a:pPr marL="514350" indent="-514350">
+              <a:buFont typeface="+mj-lt"/>
+              <a:buAutoNum type="arabicPeriod"/>
+            </a:pPr>
+            <a:r>
+              <a:rPr lang="en-GB" dirty="0"/>
+              <a:t>I</a:t>
+            </a:r>
+            <a:r>
+              <a:rPr lang="en-DE" dirty="0"/>
+              <a:t>n unstable flight condition SAC fails</a:t>
+            </a:r>
+          </a:p>
+          <a:p>
+            <a:pPr marL="514350" indent="-514350">
+              <a:buFont typeface="+mj-lt"/>
+              <a:buAutoNum type="arabicPeriod"/>
+            </a:pPr>
+            <a:endParaRPr lang="en-DE" dirty="0"/>
+          </a:p>
+        </p:txBody>
+      </p:sp>
+    </p:spTree>
+    <p:extLst>
+      <p:ext uri="{BB962C8B-B14F-4D97-AF65-F5344CB8AC3E}">
+        <p14:creationId xmlns:p14="http://schemas.microsoft.com/office/powerpoint/2010/main" val="1695921950"/>
+      </p:ext>
+    </p:extLst>
+  </p:cSld>
+  <p:clrMapOvr>
+    <a:masterClrMapping/>
+  </p:clrMapOvr>
+</p:sld>
+</file>
+
+<file path=ppt/slides/slide21.xml><?xml version="1.0" encoding="utf-8"?>
+<p:sld xmlns:a="http://schemas.openxmlformats.org/drawingml/2006/main" xmlns:r="http://schemas.openxmlformats.org/officeDocument/2006/relationships" xmlns:p="http://schemas.openxmlformats.org/presentationml/2006/main">
+  <p:cSld>
+    <p:spTree>
+      <p:nvGrpSpPr>
+        <p:cNvPr id="1" name=""/>
+        <p:cNvGrpSpPr/>
+        <p:nvPr/>
+      </p:nvGrpSpPr>
+      <p:grpSpPr>
+        <a:xfrm>
+          <a:off x="0" y="0"/>
+          <a:ext cx="0" cy="0"/>
+          <a:chOff x="0" y="0"/>
+          <a:chExt cx="0" cy="0"/>
+        </a:xfrm>
+      </p:grpSpPr>
+      <p:sp>
+        <p:nvSpPr>
+          <p:cNvPr id="2" name="Title 1">
+            <a:extLst>
+              <a:ext uri="{FF2B5EF4-FFF2-40B4-BE49-F238E27FC236}">
+                <a16:creationId xmlns:a16="http://schemas.microsoft.com/office/drawing/2014/main" id="{100C3249-147A-643B-A4DD-84A1807651CB}"/>
+              </a:ext>
+            </a:extLst>
+          </p:cNvPr>
+          <p:cNvSpPr>
+            <a:spLocks noGrp="1"/>
+          </p:cNvSpPr>
+          <p:nvPr>
+            <p:ph type="title"/>
+          </p:nvPr>
+        </p:nvSpPr>
+        <p:spPr/>
+        <p:txBody>
+          <a:bodyPr/>
+          <a:lstStyle/>
+          <a:p>
+            <a:endParaRPr lang="en-DE"/>
+          </a:p>
+        </p:txBody>
+      </p:sp>
+      <p:sp>
+        <p:nvSpPr>
+          <p:cNvPr id="3" name="Content Placeholder 2">
+            <a:extLst>
+              <a:ext uri="{FF2B5EF4-FFF2-40B4-BE49-F238E27FC236}">
+                <a16:creationId xmlns:a16="http://schemas.microsoft.com/office/drawing/2014/main" id="{DF503E86-3C1F-F022-32E3-9358EA34FF94}"/>
+              </a:ext>
+            </a:extLst>
+          </p:cNvPr>
+          <p:cNvSpPr>
+            <a:spLocks noGrp="1"/>
+          </p:cNvSpPr>
+          <p:nvPr>
+            <p:ph idx="1"/>
+          </p:nvPr>
+        </p:nvSpPr>
+        <p:spPr/>
+        <p:txBody>
+          <a:bodyPr/>
+          <a:lstStyle/>
+          <a:p>
+            <a:endParaRPr lang="en-DE"/>
+          </a:p>
+        </p:txBody>
+      </p:sp>
+      <p:sp>
+        <p:nvSpPr>
+          <p:cNvPr id="4" name="Slide Number Placeholder 3">
+            <a:extLst>
+              <a:ext uri="{FF2B5EF4-FFF2-40B4-BE49-F238E27FC236}">
+                <a16:creationId xmlns:a16="http://schemas.microsoft.com/office/drawing/2014/main" id="{9DCA8013-08BB-29F9-1848-C3D81F106FBC}"/>
+              </a:ext>
+            </a:extLst>
+          </p:cNvPr>
+          <p:cNvSpPr>
+            <a:spLocks noGrp="1"/>
+          </p:cNvSpPr>
+          <p:nvPr>
+            <p:ph type="sldNum" sz="quarter" idx="12"/>
+          </p:nvPr>
+        </p:nvSpPr>
+        <p:spPr/>
+        <p:txBody>
+          <a:bodyPr/>
+          <a:lstStyle/>
+          <a:p>
+            <a:fld id="{B304D30C-128B-5449-AD8B-09F07771E88F}" type="slidenum">
+              <a:rPr lang="en-DE" smtClean="0"/>
+              <a:t>21</a:t>
+            </a:fld>
+            <a:endParaRPr lang="en-DE"/>
+          </a:p>
+        </p:txBody>
+      </p:sp>
+    </p:spTree>
+    <p:extLst>
+      <p:ext uri="{BB962C8B-B14F-4D97-AF65-F5344CB8AC3E}">
+        <p14:creationId xmlns:p14="http://schemas.microsoft.com/office/powerpoint/2010/main" val="3276722622"/>
       </p:ext>
     </p:extLst>
   </p:cSld>
@@ -4468,6 +8332,35 @@
           </a:p>
           <a:p>
             <a:endParaRPr lang="en-DE" dirty="0"/>
+          </a:p>
+        </p:txBody>
+      </p:sp>
+      <p:sp>
+        <p:nvSpPr>
+          <p:cNvPr id="4" name="Slide Number Placeholder 3">
+            <a:extLst>
+              <a:ext uri="{FF2B5EF4-FFF2-40B4-BE49-F238E27FC236}">
+                <a16:creationId xmlns:a16="http://schemas.microsoft.com/office/drawing/2014/main" id="{13DDEE43-1E22-4AE0-4704-141B32773C10}"/>
+              </a:ext>
+            </a:extLst>
+          </p:cNvPr>
+          <p:cNvSpPr>
+            <a:spLocks noGrp="1"/>
+          </p:cNvSpPr>
+          <p:nvPr>
+            <p:ph type="sldNum" sz="quarter" idx="12"/>
+          </p:nvPr>
+        </p:nvSpPr>
+        <p:spPr/>
+        <p:txBody>
+          <a:bodyPr/>
+          <a:lstStyle/>
+          <a:p>
+            <a:fld id="{B304D30C-128B-5449-AD8B-09F07771E88F}" type="slidenum">
+              <a:rPr lang="en-DE" smtClean="0"/>
+              <a:t>3</a:t>
+            </a:fld>
+            <a:endParaRPr lang="en-DE"/>
           </a:p>
         </p:txBody>
       </p:sp>
@@ -4595,6 +8488,35 @@
           </a:prstGeom>
         </p:spPr>
       </p:pic>
+      <p:sp>
+        <p:nvSpPr>
+          <p:cNvPr id="5" name="Slide Number Placeholder 4">
+            <a:extLst>
+              <a:ext uri="{FF2B5EF4-FFF2-40B4-BE49-F238E27FC236}">
+                <a16:creationId xmlns:a16="http://schemas.microsoft.com/office/drawing/2014/main" id="{6EB04F95-4433-B05B-7A35-4979B00D3341}"/>
+              </a:ext>
+            </a:extLst>
+          </p:cNvPr>
+          <p:cNvSpPr>
+            <a:spLocks noGrp="1"/>
+          </p:cNvSpPr>
+          <p:nvPr>
+            <p:ph type="sldNum" sz="quarter" idx="12"/>
+          </p:nvPr>
+        </p:nvSpPr>
+        <p:spPr/>
+        <p:txBody>
+          <a:bodyPr/>
+          <a:lstStyle/>
+          <a:p>
+            <a:fld id="{B304D30C-128B-5449-AD8B-09F07771E88F}" type="slidenum">
+              <a:rPr lang="en-DE" smtClean="0"/>
+              <a:t>4</a:t>
+            </a:fld>
+            <a:endParaRPr lang="en-DE"/>
+          </a:p>
+        </p:txBody>
+      </p:sp>
     </p:spTree>
     <p:extLst>
       <p:ext uri="{BB962C8B-B14F-4D97-AF65-F5344CB8AC3E}">
@@ -4701,6 +8623,35 @@
           </a:p>
         </p:txBody>
       </p:sp>
+      <p:sp>
+        <p:nvSpPr>
+          <p:cNvPr id="4" name="Slide Number Placeholder 3">
+            <a:extLst>
+              <a:ext uri="{FF2B5EF4-FFF2-40B4-BE49-F238E27FC236}">
+                <a16:creationId xmlns:a16="http://schemas.microsoft.com/office/drawing/2014/main" id="{5E34E79C-8603-A4B2-8090-C1D8CFD4F7F7}"/>
+              </a:ext>
+            </a:extLst>
+          </p:cNvPr>
+          <p:cNvSpPr>
+            <a:spLocks noGrp="1"/>
+          </p:cNvSpPr>
+          <p:nvPr>
+            <p:ph type="sldNum" sz="quarter" idx="12"/>
+          </p:nvPr>
+        </p:nvSpPr>
+        <p:spPr/>
+        <p:txBody>
+          <a:bodyPr/>
+          <a:lstStyle/>
+          <a:p>
+            <a:fld id="{B304D30C-128B-5449-AD8B-09F07771E88F}" type="slidenum">
+              <a:rPr lang="en-DE" smtClean="0"/>
+              <a:t>5</a:t>
+            </a:fld>
+            <a:endParaRPr lang="en-DE"/>
+          </a:p>
+        </p:txBody>
+      </p:sp>
     </p:spTree>
     <p:extLst>
       <p:ext uri="{BB962C8B-B14F-4D97-AF65-F5344CB8AC3E}">
@@ -4859,6 +8810,35 @@
           </a:p>
         </p:txBody>
       </p:sp>
+      <p:sp>
+        <p:nvSpPr>
+          <p:cNvPr id="4" name="Slide Number Placeholder 3">
+            <a:extLst>
+              <a:ext uri="{FF2B5EF4-FFF2-40B4-BE49-F238E27FC236}">
+                <a16:creationId xmlns:a16="http://schemas.microsoft.com/office/drawing/2014/main" id="{E3DCA6A6-15D3-4835-1ABA-5F9F87D764B7}"/>
+              </a:ext>
+            </a:extLst>
+          </p:cNvPr>
+          <p:cNvSpPr>
+            <a:spLocks noGrp="1"/>
+          </p:cNvSpPr>
+          <p:nvPr>
+            <p:ph type="sldNum" sz="quarter" idx="12"/>
+          </p:nvPr>
+        </p:nvSpPr>
+        <p:spPr/>
+        <p:txBody>
+          <a:bodyPr/>
+          <a:lstStyle/>
+          <a:p>
+            <a:fld id="{B304D30C-128B-5449-AD8B-09F07771E88F}" type="slidenum">
+              <a:rPr lang="en-DE" smtClean="0"/>
+              <a:t>6</a:t>
+            </a:fld>
+            <a:endParaRPr lang="en-DE"/>
+          </a:p>
+        </p:txBody>
+      </p:sp>
     </p:spTree>
     <p:extLst>
       <p:ext uri="{BB962C8B-B14F-4D97-AF65-F5344CB8AC3E}">
@@ -4951,6 +8931,35 @@
           </a:p>
         </p:txBody>
       </p:sp>
+      <p:sp>
+        <p:nvSpPr>
+          <p:cNvPr id="4" name="Slide Number Placeholder 3">
+            <a:extLst>
+              <a:ext uri="{FF2B5EF4-FFF2-40B4-BE49-F238E27FC236}">
+                <a16:creationId xmlns:a16="http://schemas.microsoft.com/office/drawing/2014/main" id="{36E503DD-426D-50FF-0785-06E202A8DADD}"/>
+              </a:ext>
+            </a:extLst>
+          </p:cNvPr>
+          <p:cNvSpPr>
+            <a:spLocks noGrp="1"/>
+          </p:cNvSpPr>
+          <p:nvPr>
+            <p:ph type="sldNum" sz="quarter" idx="12"/>
+          </p:nvPr>
+        </p:nvSpPr>
+        <p:spPr/>
+        <p:txBody>
+          <a:bodyPr/>
+          <a:lstStyle/>
+          <a:p>
+            <a:fld id="{B304D30C-128B-5449-AD8B-09F07771E88F}" type="slidenum">
+              <a:rPr lang="en-DE" smtClean="0"/>
+              <a:t>7</a:t>
+            </a:fld>
+            <a:endParaRPr lang="en-DE"/>
+          </a:p>
+        </p:txBody>
+      </p:sp>
     </p:spTree>
     <p:extLst>
       <p:ext uri="{BB962C8B-B14F-4D97-AF65-F5344CB8AC3E}">
@@ -5067,6 +9076,35 @@
               <a:buNone/>
             </a:pPr>
             <a:endParaRPr lang="en-DE" sz="2000" dirty="0"/>
+          </a:p>
+        </p:txBody>
+      </p:sp>
+      <p:sp>
+        <p:nvSpPr>
+          <p:cNvPr id="4" name="Slide Number Placeholder 3">
+            <a:extLst>
+              <a:ext uri="{FF2B5EF4-FFF2-40B4-BE49-F238E27FC236}">
+                <a16:creationId xmlns:a16="http://schemas.microsoft.com/office/drawing/2014/main" id="{913678B2-5F15-E1AE-19FD-73140DA1F05A}"/>
+              </a:ext>
+            </a:extLst>
+          </p:cNvPr>
+          <p:cNvSpPr>
+            <a:spLocks noGrp="1"/>
+          </p:cNvSpPr>
+          <p:nvPr>
+            <p:ph type="sldNum" sz="quarter" idx="12"/>
+          </p:nvPr>
+        </p:nvSpPr>
+        <p:spPr/>
+        <p:txBody>
+          <a:bodyPr/>
+          <a:lstStyle/>
+          <a:p>
+            <a:fld id="{B304D30C-128B-5449-AD8B-09F07771E88F}" type="slidenum">
+              <a:rPr lang="en-DE" smtClean="0"/>
+              <a:t>8</a:t>
+            </a:fld>
+            <a:endParaRPr lang="en-DE"/>
           </a:p>
         </p:txBody>
       </p:sp>
@@ -5199,6 +9237,35 @@
           </a:p>
           <a:p>
             <a:endParaRPr lang="en-DE" sz="2000" dirty="0"/>
+          </a:p>
+        </p:txBody>
+      </p:sp>
+      <p:sp>
+        <p:nvSpPr>
+          <p:cNvPr id="4" name="Slide Number Placeholder 3">
+            <a:extLst>
+              <a:ext uri="{FF2B5EF4-FFF2-40B4-BE49-F238E27FC236}">
+                <a16:creationId xmlns:a16="http://schemas.microsoft.com/office/drawing/2014/main" id="{3E658877-0659-0740-46A9-12201977697D}"/>
+              </a:ext>
+            </a:extLst>
+          </p:cNvPr>
+          <p:cNvSpPr>
+            <a:spLocks noGrp="1"/>
+          </p:cNvSpPr>
+          <p:nvPr>
+            <p:ph type="sldNum" sz="quarter" idx="12"/>
+          </p:nvPr>
+        </p:nvSpPr>
+        <p:spPr/>
+        <p:txBody>
+          <a:bodyPr/>
+          <a:lstStyle/>
+          <a:p>
+            <a:fld id="{B304D30C-128B-5449-AD8B-09F07771E88F}" type="slidenum">
+              <a:rPr lang="en-DE" smtClean="0"/>
+              <a:t>9</a:t>
+            </a:fld>
+            <a:endParaRPr lang="en-DE"/>
           </a:p>
         </p:txBody>
       </p:sp>
@@ -5528,4 +9595,634 @@
     </a:ext>
   </a:extLst>
 </a:theme>
+</file>
+
+<file path=ppt/theme/theme2.xml><?xml version="1.0" encoding="utf-8"?>
+<a:theme xmlns:a="http://schemas.openxmlformats.org/drawingml/2006/main" name="Office Theme">
+  <a:themeElements>
+    <a:clrScheme name="Office">
+      <a:dk1>
+        <a:sysClr val="windowText" lastClr="000000"/>
+      </a:dk1>
+      <a:lt1>
+        <a:sysClr val="window" lastClr="FFFFFF"/>
+      </a:lt1>
+      <a:dk2>
+        <a:srgbClr val="0E2841"/>
+      </a:dk2>
+      <a:lt2>
+        <a:srgbClr val="E8E8E8"/>
+      </a:lt2>
+      <a:accent1>
+        <a:srgbClr val="156082"/>
+      </a:accent1>
+      <a:accent2>
+        <a:srgbClr val="E97132"/>
+      </a:accent2>
+      <a:accent3>
+        <a:srgbClr val="196B24"/>
+      </a:accent3>
+      <a:accent4>
+        <a:srgbClr val="0F9ED5"/>
+      </a:accent4>
+      <a:accent5>
+        <a:srgbClr val="A02B93"/>
+      </a:accent5>
+      <a:accent6>
+        <a:srgbClr val="4EA72E"/>
+      </a:accent6>
+      <a:hlink>
+        <a:srgbClr val="467886"/>
+      </a:hlink>
+      <a:folHlink>
+        <a:srgbClr val="96607D"/>
+      </a:folHlink>
+    </a:clrScheme>
+    <a:fontScheme name="Office">
+      <a:majorFont>
+        <a:latin typeface="Aptos Display" panose="02110004020202020204"/>
+        <a:ea typeface=""/>
+        <a:cs typeface=""/>
+        <a:font script="Jpan" typeface="游ゴシック Light"/>
+        <a:font script="Hang" typeface="맑은 고딕"/>
+        <a:font script="Hans" typeface="等线 Light"/>
+        <a:font script="Hant" typeface="新細明體"/>
+        <a:font script="Arab" typeface="Times New Roman"/>
+        <a:font script="Hebr" typeface="Times New Roman"/>
+        <a:font script="Thai" typeface="Angsana New"/>
+        <a:font script="Ethi" typeface="Nyala"/>
+        <a:font script="Beng" typeface="Vrinda"/>
+        <a:font script="Gujr" typeface="Shruti"/>
+        <a:font script="Khmr" typeface="MoolBoran"/>
+        <a:font script="Knda" typeface="Tunga"/>
+        <a:font script="Guru" typeface="Raavi"/>
+        <a:font script="Cans" typeface="Euphemia"/>
+        <a:font script="Cher" typeface="Plantagenet Cherokee"/>
+        <a:font script="Yiii" typeface="Microsoft Yi Baiti"/>
+        <a:font script="Tibt" typeface="Microsoft Himalaya"/>
+        <a:font script="Thaa" typeface="MV Boli"/>
+        <a:font script="Deva" typeface="Mangal"/>
+        <a:font script="Telu" typeface="Gautami"/>
+        <a:font script="Taml" typeface="Latha"/>
+        <a:font script="Syrc" typeface="Estrangelo Edessa"/>
+        <a:font script="Orya" typeface="Kalinga"/>
+        <a:font script="Mlym" typeface="Kartika"/>
+        <a:font script="Laoo" typeface="DokChampa"/>
+        <a:font script="Sinh" typeface="Iskoola Pota"/>
+        <a:font script="Mong" typeface="Mongolian Baiti"/>
+        <a:font script="Viet" typeface="Times New Roman"/>
+        <a:font script="Uigh" typeface="Microsoft Uighur"/>
+        <a:font script="Geor" typeface="Sylfaen"/>
+        <a:font script="Armn" typeface="Arial"/>
+        <a:font script="Bugi" typeface="Leelawadee UI"/>
+        <a:font script="Bopo" typeface="Microsoft JhengHei"/>
+        <a:font script="Java" typeface="Javanese Text"/>
+        <a:font script="Lisu" typeface="Segoe UI"/>
+        <a:font script="Mymr" typeface="Myanmar Text"/>
+        <a:font script="Nkoo" typeface="Ebrima"/>
+        <a:font script="Olck" typeface="Nirmala UI"/>
+        <a:font script="Osma" typeface="Ebrima"/>
+        <a:font script="Phag" typeface="Phagspa"/>
+        <a:font script="Syrn" typeface="Estrangelo Edessa"/>
+        <a:font script="Syrj" typeface="Estrangelo Edessa"/>
+        <a:font script="Syre" typeface="Estrangelo Edessa"/>
+        <a:font script="Sora" typeface="Nirmala UI"/>
+        <a:font script="Tale" typeface="Microsoft Tai Le"/>
+        <a:font script="Talu" typeface="Microsoft New Tai Lue"/>
+        <a:font script="Tfng" typeface="Ebrima"/>
+      </a:majorFont>
+      <a:minorFont>
+        <a:latin typeface="Aptos" panose="02110004020202020204"/>
+        <a:ea typeface=""/>
+        <a:cs typeface=""/>
+        <a:font script="Jpan" typeface="游ゴシック"/>
+        <a:font script="Hang" typeface="맑은 고딕"/>
+        <a:font script="Hans" typeface="等线"/>
+        <a:font script="Hant" typeface="新細明體"/>
+        <a:font script="Arab" typeface="Arial"/>
+        <a:font script="Hebr" typeface="Arial"/>
+        <a:font script="Thai" typeface="Cordia New"/>
+        <a:font script="Ethi" typeface="Nyala"/>
+        <a:font script="Beng" typeface="Vrinda"/>
+        <a:font script="Gujr" typeface="Shruti"/>
+        <a:font script="Khmr" typeface="DaunPenh"/>
+        <a:font script="Knda" typeface="Tunga"/>
+        <a:font script="Guru" typeface="Raavi"/>
+        <a:font script="Cans" typeface="Euphemia"/>
+        <a:font script="Cher" typeface="Plantagenet Cherokee"/>
+        <a:font script="Yiii" typeface="Microsoft Yi Baiti"/>
+        <a:font script="Tibt" typeface="Microsoft Himalaya"/>
+        <a:font script="Thaa" typeface="MV Boli"/>
+        <a:font script="Deva" typeface="Mangal"/>
+        <a:font script="Telu" typeface="Gautami"/>
+        <a:font script="Taml" typeface="Latha"/>
+        <a:font script="Syrc" typeface="Estrangelo Edessa"/>
+        <a:font script="Orya" typeface="Kalinga"/>
+        <a:font script="Mlym" typeface="Kartika"/>
+        <a:font script="Laoo" typeface="DokChampa"/>
+        <a:font script="Sinh" typeface="Iskoola Pota"/>
+        <a:font script="Mong" typeface="Mongolian Baiti"/>
+        <a:font script="Viet" typeface="Arial"/>
+        <a:font script="Uigh" typeface="Microsoft Uighur"/>
+        <a:font script="Geor" typeface="Sylfaen"/>
+        <a:font script="Armn" typeface="Arial"/>
+        <a:font script="Bugi" typeface="Leelawadee UI"/>
+        <a:font script="Bopo" typeface="Microsoft JhengHei"/>
+        <a:font script="Java" typeface="Javanese Text"/>
+        <a:font script="Lisu" typeface="Segoe UI"/>
+        <a:font script="Mymr" typeface="Myanmar Text"/>
+        <a:font script="Nkoo" typeface="Ebrima"/>
+        <a:font script="Olck" typeface="Nirmala UI"/>
+        <a:font script="Osma" typeface="Ebrima"/>
+        <a:font script="Phag" typeface="Phagspa"/>
+        <a:font script="Syrn" typeface="Estrangelo Edessa"/>
+        <a:font script="Syrj" typeface="Estrangelo Edessa"/>
+        <a:font script="Syre" typeface="Estrangelo Edessa"/>
+        <a:font script="Sora" typeface="Nirmala UI"/>
+        <a:font script="Tale" typeface="Microsoft Tai Le"/>
+        <a:font script="Talu" typeface="Microsoft New Tai Lue"/>
+        <a:font script="Tfng" typeface="Ebrima"/>
+      </a:minorFont>
+    </a:fontScheme>
+    <a:fmtScheme name="Office">
+      <a:fillStyleLst>
+        <a:solidFill>
+          <a:schemeClr val="phClr"/>
+        </a:solidFill>
+        <a:gradFill rotWithShape="1">
+          <a:gsLst>
+            <a:gs pos="0">
+              <a:schemeClr val="phClr">
+                <a:lumMod val="110000"/>
+                <a:satMod val="105000"/>
+                <a:tint val="67000"/>
+              </a:schemeClr>
+            </a:gs>
+            <a:gs pos="50000">
+              <a:schemeClr val="phClr">
+                <a:lumMod val="105000"/>
+                <a:satMod val="103000"/>
+                <a:tint val="73000"/>
+              </a:schemeClr>
+            </a:gs>
+            <a:gs pos="100000">
+              <a:schemeClr val="phClr">
+                <a:lumMod val="105000"/>
+                <a:satMod val="109000"/>
+                <a:tint val="81000"/>
+              </a:schemeClr>
+            </a:gs>
+          </a:gsLst>
+          <a:lin ang="5400000" scaled="0"/>
+        </a:gradFill>
+        <a:gradFill rotWithShape="1">
+          <a:gsLst>
+            <a:gs pos="0">
+              <a:schemeClr val="phClr">
+                <a:satMod val="103000"/>
+                <a:lumMod val="102000"/>
+                <a:tint val="94000"/>
+              </a:schemeClr>
+            </a:gs>
+            <a:gs pos="50000">
+              <a:schemeClr val="phClr">
+                <a:satMod val="110000"/>
+                <a:lumMod val="100000"/>
+                <a:shade val="100000"/>
+              </a:schemeClr>
+            </a:gs>
+            <a:gs pos="100000">
+              <a:schemeClr val="phClr">
+                <a:lumMod val="99000"/>
+                <a:satMod val="120000"/>
+                <a:shade val="78000"/>
+              </a:schemeClr>
+            </a:gs>
+          </a:gsLst>
+          <a:lin ang="5400000" scaled="0"/>
+        </a:gradFill>
+      </a:fillStyleLst>
+      <a:lnStyleLst>
+        <a:ln w="12700" cap="flat" cmpd="sng" algn="ctr">
+          <a:solidFill>
+            <a:schemeClr val="phClr"/>
+          </a:solidFill>
+          <a:prstDash val="solid"/>
+          <a:miter lim="800000"/>
+        </a:ln>
+        <a:ln w="19050" cap="flat" cmpd="sng" algn="ctr">
+          <a:solidFill>
+            <a:schemeClr val="phClr"/>
+          </a:solidFill>
+          <a:prstDash val="solid"/>
+          <a:miter lim="800000"/>
+        </a:ln>
+        <a:ln w="25400" cap="flat" cmpd="sng" algn="ctr">
+          <a:solidFill>
+            <a:schemeClr val="phClr"/>
+          </a:solidFill>
+          <a:prstDash val="solid"/>
+          <a:miter lim="800000"/>
+        </a:ln>
+      </a:lnStyleLst>
+      <a:effectStyleLst>
+        <a:effectStyle>
+          <a:effectLst/>
+        </a:effectStyle>
+        <a:effectStyle>
+          <a:effectLst/>
+        </a:effectStyle>
+        <a:effectStyle>
+          <a:effectLst>
+            <a:outerShdw blurRad="57150" dist="19050" dir="5400000" algn="ctr" rotWithShape="0">
+              <a:srgbClr val="000000">
+                <a:alpha val="63000"/>
+              </a:srgbClr>
+            </a:outerShdw>
+          </a:effectLst>
+        </a:effectStyle>
+      </a:effectStyleLst>
+      <a:bgFillStyleLst>
+        <a:solidFill>
+          <a:schemeClr val="phClr"/>
+        </a:solidFill>
+        <a:solidFill>
+          <a:schemeClr val="phClr">
+            <a:tint val="95000"/>
+            <a:satMod val="170000"/>
+          </a:schemeClr>
+        </a:solidFill>
+        <a:gradFill rotWithShape="1">
+          <a:gsLst>
+            <a:gs pos="0">
+              <a:schemeClr val="phClr">
+                <a:tint val="93000"/>
+                <a:satMod val="150000"/>
+                <a:shade val="98000"/>
+                <a:lumMod val="102000"/>
+              </a:schemeClr>
+            </a:gs>
+            <a:gs pos="50000">
+              <a:schemeClr val="phClr">
+                <a:tint val="98000"/>
+                <a:satMod val="130000"/>
+                <a:shade val="90000"/>
+                <a:lumMod val="103000"/>
+              </a:schemeClr>
+            </a:gs>
+            <a:gs pos="100000">
+              <a:schemeClr val="phClr">
+                <a:shade val="63000"/>
+                <a:satMod val="120000"/>
+              </a:schemeClr>
+            </a:gs>
+          </a:gsLst>
+          <a:lin ang="5400000" scaled="0"/>
+        </a:gradFill>
+      </a:bgFillStyleLst>
+    </a:fmtScheme>
+  </a:themeElements>
+  <a:objectDefaults>
+    <a:lnDef>
+      <a:spPr/>
+      <a:bodyPr/>
+      <a:lstStyle/>
+      <a:style>
+        <a:lnRef idx="2">
+          <a:schemeClr val="accent1"/>
+        </a:lnRef>
+        <a:fillRef idx="0">
+          <a:schemeClr val="accent1"/>
+        </a:fillRef>
+        <a:effectRef idx="1">
+          <a:schemeClr val="accent1"/>
+        </a:effectRef>
+        <a:fontRef idx="minor">
+          <a:schemeClr val="tx1"/>
+        </a:fontRef>
+      </a:style>
+    </a:lnDef>
+  </a:objectDefaults>
+  <a:extraClrSchemeLst/>
+  <a:extLst>
+    <a:ext uri="{05A4C25C-085E-4340-85A3-A5531E510DB2}">
+      <thm15:themeFamily xmlns:thm15="http://schemas.microsoft.com/office/thememl/2012/main" name="Office Theme" id="{2E142A2C-CD16-42D6-873A-C26D2A0506FA}" vid="{1BDDFF52-6CD6-40A5-AB3C-68EB2F1E4D0A}"/>
+    </a:ext>
+  </a:extLst>
+</a:theme>
+</file>
+
+<file path=ppt/theme/theme3.xml><?xml version="1.0" encoding="utf-8"?>
+<a:theme xmlns:a="http://schemas.openxmlformats.org/drawingml/2006/main" name="Office Theme">
+  <a:themeElements>
+    <a:clrScheme name="Office">
+      <a:dk1>
+        <a:sysClr val="windowText" lastClr="000000"/>
+      </a:dk1>
+      <a:lt1>
+        <a:sysClr val="window" lastClr="FFFFFF"/>
+      </a:lt1>
+      <a:dk2>
+        <a:srgbClr val="0E2841"/>
+      </a:dk2>
+      <a:lt2>
+        <a:srgbClr val="E8E8E8"/>
+      </a:lt2>
+      <a:accent1>
+        <a:srgbClr val="156082"/>
+      </a:accent1>
+      <a:accent2>
+        <a:srgbClr val="E97132"/>
+      </a:accent2>
+      <a:accent3>
+        <a:srgbClr val="196B24"/>
+      </a:accent3>
+      <a:accent4>
+        <a:srgbClr val="0F9ED5"/>
+      </a:accent4>
+      <a:accent5>
+        <a:srgbClr val="A02B93"/>
+      </a:accent5>
+      <a:accent6>
+        <a:srgbClr val="4EA72E"/>
+      </a:accent6>
+      <a:hlink>
+        <a:srgbClr val="467886"/>
+      </a:hlink>
+      <a:folHlink>
+        <a:srgbClr val="96607D"/>
+      </a:folHlink>
+    </a:clrScheme>
+    <a:fontScheme name="Office">
+      <a:majorFont>
+        <a:latin typeface="Aptos Display" panose="02110004020202020204"/>
+        <a:ea typeface=""/>
+        <a:cs typeface=""/>
+        <a:font script="Jpan" typeface="游ゴシック Light"/>
+        <a:font script="Hang" typeface="맑은 고딕"/>
+        <a:font script="Hans" typeface="等线 Light"/>
+        <a:font script="Hant" typeface="新細明體"/>
+        <a:font script="Arab" typeface="Times New Roman"/>
+        <a:font script="Hebr" typeface="Times New Roman"/>
+        <a:font script="Thai" typeface="Angsana New"/>
+        <a:font script="Ethi" typeface="Nyala"/>
+        <a:font script="Beng" typeface="Vrinda"/>
+        <a:font script="Gujr" typeface="Shruti"/>
+        <a:font script="Khmr" typeface="MoolBoran"/>
+        <a:font script="Knda" typeface="Tunga"/>
+        <a:font script="Guru" typeface="Raavi"/>
+        <a:font script="Cans" typeface="Euphemia"/>
+        <a:font script="Cher" typeface="Plantagenet Cherokee"/>
+        <a:font script="Yiii" typeface="Microsoft Yi Baiti"/>
+        <a:font script="Tibt" typeface="Microsoft Himalaya"/>
+        <a:font script="Thaa" typeface="MV Boli"/>
+        <a:font script="Deva" typeface="Mangal"/>
+        <a:font script="Telu" typeface="Gautami"/>
+        <a:font script="Taml" typeface="Latha"/>
+        <a:font script="Syrc" typeface="Estrangelo Edessa"/>
+        <a:font script="Orya" typeface="Kalinga"/>
+        <a:font script="Mlym" typeface="Kartika"/>
+        <a:font script="Laoo" typeface="DokChampa"/>
+        <a:font script="Sinh" typeface="Iskoola Pota"/>
+        <a:font script="Mong" typeface="Mongolian Baiti"/>
+        <a:font script="Viet" typeface="Times New Roman"/>
+        <a:font script="Uigh" typeface="Microsoft Uighur"/>
+        <a:font script="Geor" typeface="Sylfaen"/>
+        <a:font script="Armn" typeface="Arial"/>
+        <a:font script="Bugi" typeface="Leelawadee UI"/>
+        <a:font script="Bopo" typeface="Microsoft JhengHei"/>
+        <a:font script="Java" typeface="Javanese Text"/>
+        <a:font script="Lisu" typeface="Segoe UI"/>
+        <a:font script="Mymr" typeface="Myanmar Text"/>
+        <a:font script="Nkoo" typeface="Ebrima"/>
+        <a:font script="Olck" typeface="Nirmala UI"/>
+        <a:font script="Osma" typeface="Ebrima"/>
+        <a:font script="Phag" typeface="Phagspa"/>
+        <a:font script="Syrn" typeface="Estrangelo Edessa"/>
+        <a:font script="Syrj" typeface="Estrangelo Edessa"/>
+        <a:font script="Syre" typeface="Estrangelo Edessa"/>
+        <a:font script="Sora" typeface="Nirmala UI"/>
+        <a:font script="Tale" typeface="Microsoft Tai Le"/>
+        <a:font script="Talu" typeface="Microsoft New Tai Lue"/>
+        <a:font script="Tfng" typeface="Ebrima"/>
+      </a:majorFont>
+      <a:minorFont>
+        <a:latin typeface="Aptos" panose="02110004020202020204"/>
+        <a:ea typeface=""/>
+        <a:cs typeface=""/>
+        <a:font script="Jpan" typeface="游ゴシック"/>
+        <a:font script="Hang" typeface="맑은 고딕"/>
+        <a:font script="Hans" typeface="等线"/>
+        <a:font script="Hant" typeface="新細明體"/>
+        <a:font script="Arab" typeface="Arial"/>
+        <a:font script="Hebr" typeface="Arial"/>
+        <a:font script="Thai" typeface="Cordia New"/>
+        <a:font script="Ethi" typeface="Nyala"/>
+        <a:font script="Beng" typeface="Vrinda"/>
+        <a:font script="Gujr" typeface="Shruti"/>
+        <a:font script="Khmr" typeface="DaunPenh"/>
+        <a:font script="Knda" typeface="Tunga"/>
+        <a:font script="Guru" typeface="Raavi"/>
+        <a:font script="Cans" typeface="Euphemia"/>
+        <a:font script="Cher" typeface="Plantagenet Cherokee"/>
+        <a:font script="Yiii" typeface="Microsoft Yi Baiti"/>
+        <a:font script="Tibt" typeface="Microsoft Himalaya"/>
+        <a:font script="Thaa" typeface="MV Boli"/>
+        <a:font script="Deva" typeface="Mangal"/>
+        <a:font script="Telu" typeface="Gautami"/>
+        <a:font script="Taml" typeface="Latha"/>
+        <a:font script="Syrc" typeface="Estrangelo Edessa"/>
+        <a:font script="Orya" typeface="Kalinga"/>
+        <a:font script="Mlym" typeface="Kartika"/>
+        <a:font script="Laoo" typeface="DokChampa"/>
+        <a:font script="Sinh" typeface="Iskoola Pota"/>
+        <a:font script="Mong" typeface="Mongolian Baiti"/>
+        <a:font script="Viet" typeface="Arial"/>
+        <a:font script="Uigh" typeface="Microsoft Uighur"/>
+        <a:font script="Geor" typeface="Sylfaen"/>
+        <a:font script="Armn" typeface="Arial"/>
+        <a:font script="Bugi" typeface="Leelawadee UI"/>
+        <a:font script="Bopo" typeface="Microsoft JhengHei"/>
+        <a:font script="Java" typeface="Javanese Text"/>
+        <a:font script="Lisu" typeface="Segoe UI"/>
+        <a:font script="Mymr" typeface="Myanmar Text"/>
+        <a:font script="Nkoo" typeface="Ebrima"/>
+        <a:font script="Olck" typeface="Nirmala UI"/>
+        <a:font script="Osma" typeface="Ebrima"/>
+        <a:font script="Phag" typeface="Phagspa"/>
+        <a:font script="Syrn" typeface="Estrangelo Edessa"/>
+        <a:font script="Syrj" typeface="Estrangelo Edessa"/>
+        <a:font script="Syre" typeface="Estrangelo Edessa"/>
+        <a:font script="Sora" typeface="Nirmala UI"/>
+        <a:font script="Tale" typeface="Microsoft Tai Le"/>
+        <a:font script="Talu" typeface="Microsoft New Tai Lue"/>
+        <a:font script="Tfng" typeface="Ebrima"/>
+      </a:minorFont>
+    </a:fontScheme>
+    <a:fmtScheme name="Office">
+      <a:fillStyleLst>
+        <a:solidFill>
+          <a:schemeClr val="phClr"/>
+        </a:solidFill>
+        <a:gradFill rotWithShape="1">
+          <a:gsLst>
+            <a:gs pos="0">
+              <a:schemeClr val="phClr">
+                <a:lumMod val="110000"/>
+                <a:satMod val="105000"/>
+                <a:tint val="67000"/>
+              </a:schemeClr>
+            </a:gs>
+            <a:gs pos="50000">
+              <a:schemeClr val="phClr">
+                <a:lumMod val="105000"/>
+                <a:satMod val="103000"/>
+                <a:tint val="73000"/>
+              </a:schemeClr>
+            </a:gs>
+            <a:gs pos="100000">
+              <a:schemeClr val="phClr">
+                <a:lumMod val="105000"/>
+                <a:satMod val="109000"/>
+                <a:tint val="81000"/>
+              </a:schemeClr>
+            </a:gs>
+          </a:gsLst>
+          <a:lin ang="5400000" scaled="0"/>
+        </a:gradFill>
+        <a:gradFill rotWithShape="1">
+          <a:gsLst>
+            <a:gs pos="0">
+              <a:schemeClr val="phClr">
+                <a:satMod val="103000"/>
+                <a:lumMod val="102000"/>
+                <a:tint val="94000"/>
+              </a:schemeClr>
+            </a:gs>
+            <a:gs pos="50000">
+              <a:schemeClr val="phClr">
+                <a:satMod val="110000"/>
+                <a:lumMod val="100000"/>
+                <a:shade val="100000"/>
+              </a:schemeClr>
+            </a:gs>
+            <a:gs pos="100000">
+              <a:schemeClr val="phClr">
+                <a:lumMod val="99000"/>
+                <a:satMod val="120000"/>
+                <a:shade val="78000"/>
+              </a:schemeClr>
+            </a:gs>
+          </a:gsLst>
+          <a:lin ang="5400000" scaled="0"/>
+        </a:gradFill>
+      </a:fillStyleLst>
+      <a:lnStyleLst>
+        <a:ln w="12700" cap="flat" cmpd="sng" algn="ctr">
+          <a:solidFill>
+            <a:schemeClr val="phClr"/>
+          </a:solidFill>
+          <a:prstDash val="solid"/>
+          <a:miter lim="800000"/>
+        </a:ln>
+        <a:ln w="19050" cap="flat" cmpd="sng" algn="ctr">
+          <a:solidFill>
+            <a:schemeClr val="phClr"/>
+          </a:solidFill>
+          <a:prstDash val="solid"/>
+          <a:miter lim="800000"/>
+        </a:ln>
+        <a:ln w="25400" cap="flat" cmpd="sng" algn="ctr">
+          <a:solidFill>
+            <a:schemeClr val="phClr"/>
+          </a:solidFill>
+          <a:prstDash val="solid"/>
+          <a:miter lim="800000"/>
+        </a:ln>
+      </a:lnStyleLst>
+      <a:effectStyleLst>
+        <a:effectStyle>
+          <a:effectLst/>
+        </a:effectStyle>
+        <a:effectStyle>
+          <a:effectLst/>
+        </a:effectStyle>
+        <a:effectStyle>
+          <a:effectLst>
+            <a:outerShdw blurRad="57150" dist="19050" dir="5400000" algn="ctr" rotWithShape="0">
+              <a:srgbClr val="000000">
+                <a:alpha val="63000"/>
+              </a:srgbClr>
+            </a:outerShdw>
+          </a:effectLst>
+        </a:effectStyle>
+      </a:effectStyleLst>
+      <a:bgFillStyleLst>
+        <a:solidFill>
+          <a:schemeClr val="phClr"/>
+        </a:solidFill>
+        <a:solidFill>
+          <a:schemeClr val="phClr">
+            <a:tint val="95000"/>
+            <a:satMod val="170000"/>
+          </a:schemeClr>
+        </a:solidFill>
+        <a:gradFill rotWithShape="1">
+          <a:gsLst>
+            <a:gs pos="0">
+              <a:schemeClr val="phClr">
+                <a:tint val="93000"/>
+                <a:satMod val="150000"/>
+                <a:shade val="98000"/>
+                <a:lumMod val="102000"/>
+              </a:schemeClr>
+            </a:gs>
+            <a:gs pos="50000">
+              <a:schemeClr val="phClr">
+                <a:tint val="98000"/>
+                <a:satMod val="130000"/>
+                <a:shade val="90000"/>
+                <a:lumMod val="103000"/>
+              </a:schemeClr>
+            </a:gs>
+            <a:gs pos="100000">
+              <a:schemeClr val="phClr">
+                <a:shade val="63000"/>
+                <a:satMod val="120000"/>
+              </a:schemeClr>
+            </a:gs>
+          </a:gsLst>
+          <a:lin ang="5400000" scaled="0"/>
+        </a:gradFill>
+      </a:bgFillStyleLst>
+    </a:fmtScheme>
+  </a:themeElements>
+  <a:objectDefaults>
+    <a:lnDef>
+      <a:spPr/>
+      <a:bodyPr/>
+      <a:lstStyle/>
+      <a:style>
+        <a:lnRef idx="2">
+          <a:schemeClr val="accent1"/>
+        </a:lnRef>
+        <a:fillRef idx="0">
+          <a:schemeClr val="accent1"/>
+        </a:fillRef>
+        <a:effectRef idx="1">
+          <a:schemeClr val="accent1"/>
+        </a:effectRef>
+        <a:fontRef idx="minor">
+          <a:schemeClr val="tx1"/>
+        </a:fontRef>
+      </a:style>
+    </a:lnDef>
+  </a:objectDefaults>
+  <a:extraClrSchemeLst/>
+  <a:extLst>
+    <a:ext uri="{05A4C25C-085E-4340-85A3-A5531E510DB2}">
+      <thm15:themeFamily xmlns:thm15="http://schemas.microsoft.com/office/thememl/2012/main" name="Office Theme" id="{2E142A2C-CD16-42D6-873A-C26D2A0506FA}" vid="{1BDDFF52-6CD6-40A5-AB3C-68EB2F1E4D0A}"/>
+    </a:ext>
+  </a:extLst>
+</a:theme>
 </file>
--- a/AIASPres.pptx
+++ b/AIASPres.pptx
@@ -22,15 +22,15 @@
     <p:sldId id="269" r:id="rId10"/>
     <p:sldId id="262" r:id="rId11"/>
     <p:sldId id="264" r:id="rId12"/>
-    <p:sldId id="278" r:id="rId13"/>
-    <p:sldId id="281" r:id="rId14"/>
+    <p:sldId id="271" r:id="rId13"/>
+    <p:sldId id="277" r:id="rId14"/>
     <p:sldId id="282" r:id="rId15"/>
-    <p:sldId id="274" r:id="rId16"/>
-    <p:sldId id="277" r:id="rId17"/>
-    <p:sldId id="271" r:id="rId18"/>
-    <p:sldId id="275" r:id="rId19"/>
-    <p:sldId id="280" r:id="rId20"/>
-    <p:sldId id="279" r:id="rId21"/>
+    <p:sldId id="283" r:id="rId16"/>
+    <p:sldId id="275" r:id="rId17"/>
+    <p:sldId id="279" r:id="rId18"/>
+    <p:sldId id="295" r:id="rId19"/>
+    <p:sldId id="274" r:id="rId20"/>
+    <p:sldId id="285" r:id="rId21"/>
     <p:sldId id="270" r:id="rId22"/>
   </p:sldIdLst>
   <p:sldSz cx="12192000" cy="6858000"/>
@@ -4831,7 +4831,7 @@
         <p:cNvPr id="1" name="">
           <a:extLst>
             <a:ext uri="{FF2B5EF4-FFF2-40B4-BE49-F238E27FC236}">
-              <a16:creationId xmlns:a16="http://schemas.microsoft.com/office/drawing/2014/main" id="{6F8B5475-0839-D5AC-A2A5-D27BA8C7A039}"/>
+              <a16:creationId xmlns:a16="http://schemas.microsoft.com/office/drawing/2014/main" id="{A16CF9F3-5EF9-28CB-C11B-3B5BF09C5FBC}"/>
             </a:ext>
           </a:extLst>
         </p:cNvPr>
@@ -4851,7 +4851,7 @@
           <p:cNvPr id="2" name="Title 1">
             <a:extLst>
               <a:ext uri="{FF2B5EF4-FFF2-40B4-BE49-F238E27FC236}">
-                <a16:creationId xmlns:a16="http://schemas.microsoft.com/office/drawing/2014/main" id="{DF2F75F2-A581-3CF1-5ED2-0929306C20B4}"/>
+                <a16:creationId xmlns:a16="http://schemas.microsoft.com/office/drawing/2014/main" id="{FB46B7BC-13EC-EACC-1CFE-8D6FAA379AC4}"/>
               </a:ext>
             </a:extLst>
           </p:cNvPr>
@@ -4869,7 +4869,7 @@
           <a:p>
             <a:r>
               <a:rPr lang="de-DE" dirty="0"/>
-              <a:t>EASA AI Levels</a:t>
+              <a:t>Fault Tolerant Flight Controller</a:t>
             </a:r>
             <a:endParaRPr lang="en-DE" dirty="0"/>
           </a:p>
@@ -4880,7 +4880,7 @@
           <p:cNvPr id="10" name="Slide Number Placeholder 9">
             <a:extLst>
               <a:ext uri="{FF2B5EF4-FFF2-40B4-BE49-F238E27FC236}">
-                <a16:creationId xmlns:a16="http://schemas.microsoft.com/office/drawing/2014/main" id="{786E64F7-C2E4-F208-7BF3-AE3425DE408E}"/>
+                <a16:creationId xmlns:a16="http://schemas.microsoft.com/office/drawing/2014/main" id="{FAFAD91A-7394-BEF2-447E-0870037B831B}"/>
               </a:ext>
             </a:extLst>
           </p:cNvPr>
@@ -4904,10 +4904,46 @@
           </a:p>
         </p:txBody>
       </p:sp>
+      <p:pic>
+        <p:nvPicPr>
+          <p:cNvPr id="14" name="Graphic 13">
+            <a:extLst>
+              <a:ext uri="{FF2B5EF4-FFF2-40B4-BE49-F238E27FC236}">
+                <a16:creationId xmlns:a16="http://schemas.microsoft.com/office/drawing/2014/main" id="{12F5A8A8-5E5C-5906-A115-7FF44B9F9B00}"/>
+              </a:ext>
+            </a:extLst>
+          </p:cNvPr>
+          <p:cNvPicPr>
+            <a:picLocks noChangeAspect="1"/>
+          </p:cNvPicPr>
+          <p:nvPr/>
+        </p:nvPicPr>
+        <p:blipFill>
+          <a:blip r:embed="rId2">
+            <a:extLst>
+              <a:ext uri="{96DAC541-7B7A-43D3-8B79-37D633B846F1}">
+                <asvg:svgBlip xmlns:asvg="http://schemas.microsoft.com/office/drawing/2016/SVG/main" r:embed="rId3"/>
+              </a:ext>
+            </a:extLst>
+          </a:blip>
+          <a:stretch>
+            <a:fillRect/>
+          </a:stretch>
+        </p:blipFill>
+        <p:spPr>
+          <a:xfrm>
+            <a:off x="1592150" y="1690688"/>
+            <a:ext cx="9007699" cy="4485315"/>
+          </a:xfrm>
+          <a:prstGeom prst="rect">
+            <a:avLst/>
+          </a:prstGeom>
+        </p:spPr>
+      </p:pic>
     </p:spTree>
     <p:extLst>
       <p:ext uri="{BB962C8B-B14F-4D97-AF65-F5344CB8AC3E}">
-        <p14:creationId xmlns:p14="http://schemas.microsoft.com/office/powerpoint/2010/main" val="703721573"/>
+        <p14:creationId xmlns:p14="http://schemas.microsoft.com/office/powerpoint/2010/main" val="3189545690"/>
       </p:ext>
     </p:extLst>
   </p:cSld>
@@ -4918,1423 +4954,6 @@
 </file>
 
 <file path=ppt/slides/slide13.xml><?xml version="1.0" encoding="utf-8"?>
-<p:sld xmlns:a="http://schemas.openxmlformats.org/drawingml/2006/main" xmlns:r="http://schemas.openxmlformats.org/officeDocument/2006/relationships" xmlns:p="http://schemas.openxmlformats.org/presentationml/2006/main">
-  <p:cSld>
-    <p:spTree>
-      <p:nvGrpSpPr>
-        <p:cNvPr id="1" name="">
-          <a:extLst>
-            <a:ext uri="{FF2B5EF4-FFF2-40B4-BE49-F238E27FC236}">
-              <a16:creationId xmlns:a16="http://schemas.microsoft.com/office/drawing/2014/main" id="{3113C3DD-2133-6A93-6508-C090DD4B173B}"/>
-            </a:ext>
-          </a:extLst>
-        </p:cNvPr>
-        <p:cNvGrpSpPr/>
-        <p:nvPr/>
-      </p:nvGrpSpPr>
-      <p:grpSpPr>
-        <a:xfrm>
-          <a:off x="0" y="0"/>
-          <a:ext cx="0" cy="0"/>
-          <a:chOff x="0" y="0"/>
-          <a:chExt cx="0" cy="0"/>
-        </a:xfrm>
-      </p:grpSpPr>
-      <p:sp>
-        <p:nvSpPr>
-          <p:cNvPr id="2" name="Title 1">
-            <a:extLst>
-              <a:ext uri="{FF2B5EF4-FFF2-40B4-BE49-F238E27FC236}">
-                <a16:creationId xmlns:a16="http://schemas.microsoft.com/office/drawing/2014/main" id="{D94A1B24-0157-BD7A-15A7-D22EA0E41D42}"/>
-              </a:ext>
-            </a:extLst>
-          </p:cNvPr>
-          <p:cNvSpPr>
-            <a:spLocks noGrp="1"/>
-          </p:cNvSpPr>
-          <p:nvPr>
-            <p:ph type="title"/>
-          </p:nvPr>
-        </p:nvSpPr>
-        <p:spPr/>
-        <p:txBody>
-          <a:bodyPr/>
-          <a:lstStyle/>
-          <a:p>
-            <a:r>
-              <a:rPr lang="de-DE" dirty="0"/>
-              <a:t>EASA AI Levels</a:t>
-            </a:r>
-            <a:endParaRPr lang="en-DE" dirty="0"/>
-          </a:p>
-        </p:txBody>
-      </p:sp>
-      <p:sp>
-        <p:nvSpPr>
-          <p:cNvPr id="10" name="Slide Number Placeholder 9">
-            <a:extLst>
-              <a:ext uri="{FF2B5EF4-FFF2-40B4-BE49-F238E27FC236}">
-                <a16:creationId xmlns:a16="http://schemas.microsoft.com/office/drawing/2014/main" id="{1AF7C427-6CEF-0D92-FB59-7C009C9343D2}"/>
-              </a:ext>
-            </a:extLst>
-          </p:cNvPr>
-          <p:cNvSpPr>
-            <a:spLocks noGrp="1"/>
-          </p:cNvSpPr>
-          <p:nvPr>
-            <p:ph type="sldNum" sz="quarter" idx="12"/>
-          </p:nvPr>
-        </p:nvSpPr>
-        <p:spPr/>
-        <p:txBody>
-          <a:bodyPr/>
-          <a:lstStyle/>
-          <a:p>
-            <a:fld id="{B304D30C-128B-5449-AD8B-09F07771E88F}" type="slidenum">
-              <a:rPr lang="en-DE" smtClean="0"/>
-              <a:t>13</a:t>
-            </a:fld>
-            <a:endParaRPr lang="en-DE"/>
-          </a:p>
-        </p:txBody>
-      </p:sp>
-    </p:spTree>
-    <p:extLst>
-      <p:ext uri="{BB962C8B-B14F-4D97-AF65-F5344CB8AC3E}">
-        <p14:creationId xmlns:p14="http://schemas.microsoft.com/office/powerpoint/2010/main" val="292070366"/>
-      </p:ext>
-    </p:extLst>
-  </p:cSld>
-  <p:clrMapOvr>
-    <a:masterClrMapping/>
-  </p:clrMapOvr>
-</p:sld>
-</file>
-
-<file path=ppt/slides/slide14.xml><?xml version="1.0" encoding="utf-8"?>
-<p:sld xmlns:a="http://schemas.openxmlformats.org/drawingml/2006/main" xmlns:r="http://schemas.openxmlformats.org/officeDocument/2006/relationships" xmlns:p="http://schemas.openxmlformats.org/presentationml/2006/main">
-  <p:cSld>
-    <p:spTree>
-      <p:nvGrpSpPr>
-        <p:cNvPr id="1" name="">
-          <a:extLst>
-            <a:ext uri="{FF2B5EF4-FFF2-40B4-BE49-F238E27FC236}">
-              <a16:creationId xmlns:a16="http://schemas.microsoft.com/office/drawing/2014/main" id="{A39F926C-9418-9B1E-87C5-9D815F5D9222}"/>
-            </a:ext>
-          </a:extLst>
-        </p:cNvPr>
-        <p:cNvGrpSpPr/>
-        <p:nvPr/>
-      </p:nvGrpSpPr>
-      <p:grpSpPr>
-        <a:xfrm>
-          <a:off x="0" y="0"/>
-          <a:ext cx="0" cy="0"/>
-          <a:chOff x="0" y="0"/>
-          <a:chExt cx="0" cy="0"/>
-        </a:xfrm>
-      </p:grpSpPr>
-      <p:sp>
-        <p:nvSpPr>
-          <p:cNvPr id="2" name="Title 1">
-            <a:extLst>
-              <a:ext uri="{FF2B5EF4-FFF2-40B4-BE49-F238E27FC236}">
-                <a16:creationId xmlns:a16="http://schemas.microsoft.com/office/drawing/2014/main" id="{A8FCE949-8A62-CDAC-9EC2-CF00F67BCFD2}"/>
-              </a:ext>
-            </a:extLst>
-          </p:cNvPr>
-          <p:cNvSpPr>
-            <a:spLocks noGrp="1"/>
-          </p:cNvSpPr>
-          <p:nvPr>
-            <p:ph type="title"/>
-          </p:nvPr>
-        </p:nvSpPr>
-        <p:spPr/>
-        <p:txBody>
-          <a:bodyPr/>
-          <a:lstStyle/>
-          <a:p>
-            <a:r>
-              <a:rPr lang="de-DE" dirty="0"/>
-              <a:t>EASA AI Levels</a:t>
-            </a:r>
-            <a:endParaRPr lang="en-DE" dirty="0"/>
-          </a:p>
-        </p:txBody>
-      </p:sp>
-      <p:sp>
-        <p:nvSpPr>
-          <p:cNvPr id="3" name="Slide Number Placeholder 2">
-            <a:extLst>
-              <a:ext uri="{FF2B5EF4-FFF2-40B4-BE49-F238E27FC236}">
-                <a16:creationId xmlns:a16="http://schemas.microsoft.com/office/drawing/2014/main" id="{E6A1F4F8-0C88-D7DC-7F88-A3A243FC033B}"/>
-              </a:ext>
-            </a:extLst>
-          </p:cNvPr>
-          <p:cNvSpPr>
-            <a:spLocks noGrp="1"/>
-          </p:cNvSpPr>
-          <p:nvPr>
-            <p:ph type="sldNum" sz="quarter" idx="12"/>
-          </p:nvPr>
-        </p:nvSpPr>
-        <p:spPr/>
-        <p:txBody>
-          <a:bodyPr/>
-          <a:lstStyle/>
-          <a:p>
-            <a:fld id="{B304D30C-128B-5449-AD8B-09F07771E88F}" type="slidenum">
-              <a:rPr lang="en-DE" smtClean="0"/>
-              <a:t>14</a:t>
-            </a:fld>
-            <a:endParaRPr lang="en-DE"/>
-          </a:p>
-        </p:txBody>
-      </p:sp>
-      <p:graphicFrame>
-        <p:nvGraphicFramePr>
-          <p:cNvPr id="4" name="Content Placeholder 3">
-            <a:extLst>
-              <a:ext uri="{FF2B5EF4-FFF2-40B4-BE49-F238E27FC236}">
-                <a16:creationId xmlns:a16="http://schemas.microsoft.com/office/drawing/2014/main" id="{F186AB3B-F542-1300-A6E5-CF7E66A1A353}"/>
-              </a:ext>
-            </a:extLst>
-          </p:cNvPr>
-          <p:cNvGraphicFramePr>
-            <a:graphicFrameLocks noGrp="1"/>
-          </p:cNvGraphicFramePr>
-          <p:nvPr>
-            <p:ph idx="1"/>
-            <p:extLst>
-              <p:ext uri="{D42A27DB-BD31-4B8C-83A1-F6EECF244321}">
-                <p14:modId xmlns:p14="http://schemas.microsoft.com/office/powerpoint/2010/main" val="705826559"/>
-              </p:ext>
-            </p:extLst>
-          </p:nvPr>
-        </p:nvGraphicFramePr>
-        <p:xfrm>
-          <a:off x="838200" y="1690688"/>
-          <a:ext cx="10515600" cy="4409806"/>
-        </p:xfrm>
-        <a:graphic>
-          <a:graphicData uri="http://schemas.openxmlformats.org/drawingml/2006/table">
-            <a:tbl>
-              <a:tblPr firstRow="1" bandRow="1">
-                <a:tableStyleId>{5C22544A-7EE6-4342-B048-85BDC9FD1C3A}</a:tableStyleId>
-              </a:tblPr>
-              <a:tblGrid>
-                <a:gridCol w="5257800">
-                  <a:extLst>
-                    <a:ext uri="{9D8B030D-6E8A-4147-A177-3AD203B41FA5}">
-                      <a16:colId xmlns:a16="http://schemas.microsoft.com/office/drawing/2014/main" val="2558460373"/>
-                    </a:ext>
-                  </a:extLst>
-                </a:gridCol>
-                <a:gridCol w="5257800">
-                  <a:extLst>
-                    <a:ext uri="{9D8B030D-6E8A-4147-A177-3AD203B41FA5}">
-                      <a16:colId xmlns:a16="http://schemas.microsoft.com/office/drawing/2014/main" val="3368442779"/>
-                    </a:ext>
-                  </a:extLst>
-                </a:gridCol>
-              </a:tblGrid>
-              <a:tr h="1042318">
-                <a:tc gridSpan="2">
-                  <a:txBody>
-                    <a:bodyPr/>
-                    <a:lstStyle/>
-                    <a:p>
-                      <a:r>
-                        <a:rPr lang="en-GB" sz="1800" b="1" kern="1200" dirty="0">
-                          <a:solidFill>
-                            <a:schemeClr val="lt1"/>
-                          </a:solidFill>
-                          <a:effectLst/>
-                          <a:latin typeface="+mn-lt"/>
-                          <a:ea typeface="+mn-ea"/>
-                          <a:cs typeface="+mn-cs"/>
-                        </a:rPr>
-                        <a:t>Level 3A Supervised Automation</a:t>
-                      </a:r>
-                    </a:p>
-                    <a:p>
-                      <a:endParaRPr lang="en-DE" dirty="0"/>
-                    </a:p>
-                  </a:txBody>
-                  <a:tcPr/>
-                </a:tc>
-                <a:tc hMerge="1">
-                  <a:txBody>
-                    <a:bodyPr/>
-                    <a:lstStyle/>
-                    <a:p>
-                      <a:endParaRPr lang="en-DE" dirty="0"/>
-                    </a:p>
-                  </a:txBody>
-                  <a:tcPr/>
-                </a:tc>
-                <a:extLst>
-                  <a:ext uri="{0D108BD9-81ED-4DB2-BD59-A6C34878D82A}">
-                    <a16:rowId xmlns:a16="http://schemas.microsoft.com/office/drawing/2014/main" val="1060518884"/>
-                  </a:ext>
-                </a:extLst>
-              </a:tr>
-              <a:tr h="1042318">
-                <a:tc>
-                  <a:txBody>
-                    <a:bodyPr/>
-                    <a:lstStyle/>
-                    <a:p>
-                      <a:r>
-                        <a:rPr lang="en-GB" sz="1800" kern="1200" dirty="0">
-                          <a:solidFill>
-                            <a:schemeClr val="dk1"/>
-                          </a:solidFill>
-                          <a:effectLst/>
-                          <a:latin typeface="+mn-lt"/>
-                          <a:ea typeface="+mn-ea"/>
-                          <a:cs typeface="+mn-cs"/>
-                        </a:rPr>
-                        <a:t>Human oversight ensures safety.</a:t>
-                      </a:r>
-                    </a:p>
-                    <a:p>
-                      <a:endParaRPr lang="en-DE" dirty="0"/>
-                    </a:p>
-                  </a:txBody>
-                  <a:tcPr/>
-                </a:tc>
-                <a:tc>
-                  <a:txBody>
-                    <a:bodyPr/>
-                    <a:lstStyle/>
-                    <a:p>
-                      <a:r>
-                        <a:rPr lang="en-DE" dirty="0"/>
-                        <a:t>Pilot has to monitor system, system will alert in case of deviation from classical controller</a:t>
-                      </a:r>
-                    </a:p>
-                  </a:txBody>
-                  <a:tcPr/>
-                </a:tc>
-                <a:extLst>
-                  <a:ext uri="{0D108BD9-81ED-4DB2-BD59-A6C34878D82A}">
-                    <a16:rowId xmlns:a16="http://schemas.microsoft.com/office/drawing/2014/main" val="1378951959"/>
-                  </a:ext>
-                </a:extLst>
-              </a:tr>
-              <a:tr h="1282852">
-                <a:tc>
-                  <a:txBody>
-                    <a:bodyPr/>
-                    <a:lstStyle/>
-                    <a:p>
-                      <a:pPr algn="l"/>
-                      <a:r>
-                        <a:rPr lang="en-GB" sz="1800" kern="1200" dirty="0">
-                          <a:solidFill>
-                            <a:schemeClr val="dk1"/>
-                          </a:solidFill>
-                          <a:effectLst/>
-                          <a:latin typeface="+mn-lt"/>
-                          <a:ea typeface="+mn-ea"/>
-                          <a:cs typeface="+mn-cs"/>
-                        </a:rPr>
-                        <a:t>Significant shift to AI autonomy with user overrides.</a:t>
-                      </a:r>
-                    </a:p>
-                    <a:p>
-                      <a:endParaRPr lang="en-DE" dirty="0"/>
-                    </a:p>
-                  </a:txBody>
-                  <a:tcPr/>
-                </a:tc>
-                <a:tc>
-                  <a:txBody>
-                    <a:bodyPr/>
-                    <a:lstStyle/>
-                    <a:p>
-                      <a:r>
-                        <a:rPr lang="en-DE" dirty="0"/>
-                        <a:t>SAC can fly autonomously in predefined scenarios</a:t>
-                      </a:r>
-                    </a:p>
-                  </a:txBody>
-                  <a:tcPr/>
-                </a:tc>
-                <a:extLst>
-                  <a:ext uri="{0D108BD9-81ED-4DB2-BD59-A6C34878D82A}">
-                    <a16:rowId xmlns:a16="http://schemas.microsoft.com/office/drawing/2014/main" val="475331706"/>
-                  </a:ext>
-                </a:extLst>
-              </a:tr>
-              <a:tr h="1042318">
-                <a:tc>
-                  <a:txBody>
-                    <a:bodyPr/>
-                    <a:lstStyle/>
-                    <a:p>
-                      <a:r>
-                        <a:rPr lang="en-GB" sz="1800" kern="1200" dirty="0">
-                          <a:solidFill>
-                            <a:schemeClr val="dk1"/>
-                          </a:solidFill>
-                          <a:effectLst/>
-                          <a:latin typeface="+mn-lt"/>
-                          <a:ea typeface="+mn-ea"/>
-                          <a:cs typeface="+mn-cs"/>
-                        </a:rPr>
-                        <a:t>High need for </a:t>
-                      </a:r>
-                      <a:r>
-                        <a:rPr lang="en-GB" sz="1800" kern="1200">
-                          <a:solidFill>
-                            <a:schemeClr val="dk1"/>
-                          </a:solidFill>
-                          <a:effectLst/>
-                          <a:latin typeface="+mn-lt"/>
-                          <a:ea typeface="+mn-ea"/>
-                          <a:cs typeface="+mn-cs"/>
-                        </a:rPr>
-                        <a:t>explainability for user </a:t>
-                      </a:r>
-                      <a:r>
-                        <a:rPr lang="en-GB" sz="1800" kern="1200" dirty="0">
-                          <a:solidFill>
-                            <a:schemeClr val="dk1"/>
-                          </a:solidFill>
-                          <a:effectLst/>
-                          <a:latin typeface="+mn-lt"/>
-                          <a:ea typeface="+mn-ea"/>
-                          <a:cs typeface="+mn-cs"/>
-                        </a:rPr>
-                        <a:t>overrides.</a:t>
-                      </a:r>
-                    </a:p>
-                    <a:p>
-                      <a:endParaRPr lang="en-DE" dirty="0"/>
-                    </a:p>
-                  </a:txBody>
-                  <a:tcPr/>
-                </a:tc>
-                <a:tc>
-                  <a:txBody>
-                    <a:bodyPr/>
-                    <a:lstStyle/>
-                    <a:p>
-                      <a:r>
-                        <a:rPr lang="en-DE" dirty="0"/>
-                        <a:t>System outputs must deviate significantly from classical controller for alert -&gt; Pilot Override</a:t>
-                      </a:r>
-                    </a:p>
-                  </a:txBody>
-                  <a:tcPr/>
-                </a:tc>
-                <a:extLst>
-                  <a:ext uri="{0D108BD9-81ED-4DB2-BD59-A6C34878D82A}">
-                    <a16:rowId xmlns:a16="http://schemas.microsoft.com/office/drawing/2014/main" val="1048487355"/>
-                  </a:ext>
-                </a:extLst>
-              </a:tr>
-            </a:tbl>
-          </a:graphicData>
-        </a:graphic>
-      </p:graphicFrame>
-    </p:spTree>
-    <p:extLst>
-      <p:ext uri="{BB962C8B-B14F-4D97-AF65-F5344CB8AC3E}">
-        <p14:creationId xmlns:p14="http://schemas.microsoft.com/office/powerpoint/2010/main" val="4275118363"/>
-      </p:ext>
-    </p:extLst>
-  </p:cSld>
-  <p:clrMapOvr>
-    <a:masterClrMapping/>
-  </p:clrMapOvr>
-</p:sld>
-</file>
-
-<file path=ppt/slides/slide15.xml><?xml version="1.0" encoding="utf-8"?>
-<p:sld xmlns:a="http://schemas.openxmlformats.org/drawingml/2006/main" xmlns:r="http://schemas.openxmlformats.org/officeDocument/2006/relationships" xmlns:p="http://schemas.openxmlformats.org/presentationml/2006/main">
-  <p:cSld>
-    <p:spTree>
-      <p:nvGrpSpPr>
-        <p:cNvPr id="1" name="">
-          <a:extLst>
-            <a:ext uri="{FF2B5EF4-FFF2-40B4-BE49-F238E27FC236}">
-              <a16:creationId xmlns:a16="http://schemas.microsoft.com/office/drawing/2014/main" id="{B505AECE-23E8-F228-A5E5-EB15C2AF19DF}"/>
-            </a:ext>
-          </a:extLst>
-        </p:cNvPr>
-        <p:cNvGrpSpPr/>
-        <p:nvPr/>
-      </p:nvGrpSpPr>
-      <p:grpSpPr>
-        <a:xfrm>
-          <a:off x="0" y="0"/>
-          <a:ext cx="0" cy="0"/>
-          <a:chOff x="0" y="0"/>
-          <a:chExt cx="0" cy="0"/>
-        </a:xfrm>
-      </p:grpSpPr>
-      <p:sp>
-        <p:nvSpPr>
-          <p:cNvPr id="2" name="Title 1">
-            <a:extLst>
-              <a:ext uri="{FF2B5EF4-FFF2-40B4-BE49-F238E27FC236}">
-                <a16:creationId xmlns:a16="http://schemas.microsoft.com/office/drawing/2014/main" id="{AC9CC66A-8860-C1AC-8195-C8687B887AED}"/>
-              </a:ext>
-            </a:extLst>
-          </p:cNvPr>
-          <p:cNvSpPr>
-            <a:spLocks noGrp="1"/>
-          </p:cNvSpPr>
-          <p:nvPr>
-            <p:ph type="title"/>
-          </p:nvPr>
-        </p:nvSpPr>
-        <p:spPr/>
-        <p:txBody>
-          <a:bodyPr/>
-          <a:lstStyle/>
-          <a:p>
-            <a:r>
-              <a:rPr lang="de-DE" dirty="0" err="1"/>
-              <a:t>Functional</a:t>
-            </a:r>
-            <a:r>
-              <a:rPr lang="de-DE" dirty="0"/>
-              <a:t> Hazard Assessment</a:t>
-            </a:r>
-            <a:endParaRPr lang="en-DE" dirty="0"/>
-          </a:p>
-        </p:txBody>
-      </p:sp>
-      <p:sp>
-        <p:nvSpPr>
-          <p:cNvPr id="3" name="Slide Number Placeholder 2">
-            <a:extLst>
-              <a:ext uri="{FF2B5EF4-FFF2-40B4-BE49-F238E27FC236}">
-                <a16:creationId xmlns:a16="http://schemas.microsoft.com/office/drawing/2014/main" id="{E7A678EA-FF2A-3974-0555-A33BE3EE397B}"/>
-              </a:ext>
-            </a:extLst>
-          </p:cNvPr>
-          <p:cNvSpPr>
-            <a:spLocks noGrp="1"/>
-          </p:cNvSpPr>
-          <p:nvPr>
-            <p:ph type="sldNum" sz="quarter" idx="12"/>
-          </p:nvPr>
-        </p:nvSpPr>
-        <p:spPr/>
-        <p:txBody>
-          <a:bodyPr/>
-          <a:lstStyle/>
-          <a:p>
-            <a:fld id="{B304D30C-128B-5449-AD8B-09F07771E88F}" type="slidenum">
-              <a:rPr lang="en-DE" smtClean="0"/>
-              <a:t>15</a:t>
-            </a:fld>
-            <a:endParaRPr lang="en-DE"/>
-          </a:p>
-        </p:txBody>
-      </p:sp>
-      <p:graphicFrame>
-        <p:nvGraphicFramePr>
-          <p:cNvPr id="10" name="Content Placeholder 9">
-            <a:extLst>
-              <a:ext uri="{FF2B5EF4-FFF2-40B4-BE49-F238E27FC236}">
-                <a16:creationId xmlns:a16="http://schemas.microsoft.com/office/drawing/2014/main" id="{ABFC1FCC-32DE-103D-794C-010E3F6A7ED3}"/>
-              </a:ext>
-            </a:extLst>
-          </p:cNvPr>
-          <p:cNvGraphicFramePr>
-            <a:graphicFrameLocks noGrp="1"/>
-          </p:cNvGraphicFramePr>
-          <p:nvPr>
-            <p:ph idx="1"/>
-            <p:extLst>
-              <p:ext uri="{D42A27DB-BD31-4B8C-83A1-F6EECF244321}">
-                <p14:modId xmlns:p14="http://schemas.microsoft.com/office/powerpoint/2010/main" val="3319598457"/>
-              </p:ext>
-            </p:extLst>
-          </p:nvPr>
-        </p:nvGraphicFramePr>
-        <p:xfrm>
-          <a:off x="441306" y="1690688"/>
-          <a:ext cx="11075832" cy="4340582"/>
-        </p:xfrm>
-        <a:graphic>
-          <a:graphicData uri="http://schemas.openxmlformats.org/drawingml/2006/table">
-            <a:tbl>
-              <a:tblPr/>
-              <a:tblGrid>
-                <a:gridCol w="2768958">
-                  <a:extLst>
-                    <a:ext uri="{9D8B030D-6E8A-4147-A177-3AD203B41FA5}">
-                      <a16:colId xmlns:a16="http://schemas.microsoft.com/office/drawing/2014/main" val="2550614472"/>
-                    </a:ext>
-                  </a:extLst>
-                </a:gridCol>
-                <a:gridCol w="2768958">
-                  <a:extLst>
-                    <a:ext uri="{9D8B030D-6E8A-4147-A177-3AD203B41FA5}">
-                      <a16:colId xmlns:a16="http://schemas.microsoft.com/office/drawing/2014/main" val="3652472109"/>
-                    </a:ext>
-                  </a:extLst>
-                </a:gridCol>
-                <a:gridCol w="2768958">
-                  <a:extLst>
-                    <a:ext uri="{9D8B030D-6E8A-4147-A177-3AD203B41FA5}">
-                      <a16:colId xmlns:a16="http://schemas.microsoft.com/office/drawing/2014/main" val="2715499835"/>
-                    </a:ext>
-                  </a:extLst>
-                </a:gridCol>
-                <a:gridCol w="2768958">
-                  <a:extLst>
-                    <a:ext uri="{9D8B030D-6E8A-4147-A177-3AD203B41FA5}">
-                      <a16:colId xmlns:a16="http://schemas.microsoft.com/office/drawing/2014/main" val="3837899192"/>
-                    </a:ext>
-                  </a:extLst>
-                </a:gridCol>
-              </a:tblGrid>
-              <a:tr h="230970">
-                <a:tc>
-                  <a:txBody>
-                    <a:bodyPr/>
-                    <a:lstStyle/>
-                    <a:p>
-                      <a:r>
-                        <a:rPr lang="en-GB" sz="1400" dirty="0"/>
-                        <a:t>Function</a:t>
-                      </a:r>
-                    </a:p>
-                  </a:txBody>
-                  <a:tcPr marL="31305" marR="31305" marT="15652" marB="15652" anchor="ctr">
-                    <a:lnL>
-                      <a:noFill/>
-                    </a:lnL>
-                    <a:lnR>
-                      <a:noFill/>
-                    </a:lnR>
-                    <a:lnT>
-                      <a:noFill/>
-                    </a:lnT>
-                    <a:lnB>
-                      <a:noFill/>
-                    </a:lnB>
-                    <a:solidFill>
-                      <a:schemeClr val="bg2">
-                        <a:lumMod val="90000"/>
-                      </a:schemeClr>
-                    </a:solidFill>
-                  </a:tcPr>
-                </a:tc>
-                <a:tc>
-                  <a:txBody>
-                    <a:bodyPr/>
-                    <a:lstStyle/>
-                    <a:p>
-                      <a:r>
-                        <a:rPr lang="en-GB" sz="1400" dirty="0"/>
-                        <a:t>Failure Condition</a:t>
-                      </a:r>
-                    </a:p>
-                  </a:txBody>
-                  <a:tcPr marL="31305" marR="31305" marT="15652" marB="15652" anchor="ctr">
-                    <a:lnL>
-                      <a:noFill/>
-                    </a:lnL>
-                    <a:lnR>
-                      <a:noFill/>
-                    </a:lnR>
-                    <a:lnT>
-                      <a:noFill/>
-                    </a:lnT>
-                    <a:lnB>
-                      <a:noFill/>
-                    </a:lnB>
-                    <a:solidFill>
-                      <a:schemeClr val="bg2">
-                        <a:lumMod val="90000"/>
-                      </a:schemeClr>
-                    </a:solidFill>
-                  </a:tcPr>
-                </a:tc>
-                <a:tc>
-                  <a:txBody>
-                    <a:bodyPr/>
-                    <a:lstStyle/>
-                    <a:p>
-                      <a:r>
-                        <a:rPr lang="en-GB" sz="1400" dirty="0"/>
-                        <a:t>Failure Effect</a:t>
-                      </a:r>
-                    </a:p>
-                  </a:txBody>
-                  <a:tcPr marL="31305" marR="31305" marT="15652" marB="15652" anchor="ctr">
-                    <a:lnL>
-                      <a:noFill/>
-                    </a:lnL>
-                    <a:lnR>
-                      <a:noFill/>
-                    </a:lnR>
-                    <a:lnT>
-                      <a:noFill/>
-                    </a:lnT>
-                    <a:lnB>
-                      <a:noFill/>
-                    </a:lnB>
-                    <a:solidFill>
-                      <a:schemeClr val="bg2">
-                        <a:lumMod val="90000"/>
-                      </a:schemeClr>
-                    </a:solidFill>
-                  </a:tcPr>
-                </a:tc>
-                <a:tc>
-                  <a:txBody>
-                    <a:bodyPr/>
-                    <a:lstStyle/>
-                    <a:p>
-                      <a:r>
-                        <a:rPr lang="en-GB" sz="1400" dirty="0"/>
-                        <a:t>Severity</a:t>
-                      </a:r>
-                    </a:p>
-                  </a:txBody>
-                  <a:tcPr marL="31305" marR="31305" marT="15652" marB="15652" anchor="ctr">
-                    <a:lnL>
-                      <a:noFill/>
-                    </a:lnL>
-                    <a:lnR>
-                      <a:noFill/>
-                    </a:lnR>
-                    <a:lnT>
-                      <a:noFill/>
-                    </a:lnT>
-                    <a:lnB>
-                      <a:noFill/>
-                    </a:lnB>
-                    <a:solidFill>
-                      <a:schemeClr val="bg2">
-                        <a:lumMod val="90000"/>
-                      </a:schemeClr>
-                    </a:solidFill>
-                  </a:tcPr>
-                </a:tc>
-                <a:extLst>
-                  <a:ext uri="{0D108BD9-81ED-4DB2-BD59-A6C34878D82A}">
-                    <a16:rowId xmlns:a16="http://schemas.microsoft.com/office/drawing/2014/main" val="843777992"/>
-                  </a:ext>
-                </a:extLst>
-              </a:tr>
-              <a:tr h="910203">
-                <a:tc>
-                  <a:txBody>
-                    <a:bodyPr/>
-                    <a:lstStyle/>
-                    <a:p>
-                      <a:r>
-                        <a:rPr lang="en-GB" sz="1200" b="1" dirty="0"/>
-                        <a:t>Maintain Cruise Altitude</a:t>
-                      </a:r>
-                      <a:endParaRPr lang="en-GB" sz="1200" dirty="0"/>
-                    </a:p>
-                  </a:txBody>
-                  <a:tcPr marL="31305" marR="31305" marT="15652" marB="15652" anchor="ctr">
-                    <a:lnL>
-                      <a:noFill/>
-                    </a:lnL>
-                    <a:lnR>
-                      <a:noFill/>
-                    </a:lnR>
-                    <a:lnT>
-                      <a:noFill/>
-                    </a:lnT>
-                    <a:lnB>
-                      <a:noFill/>
-                    </a:lnB>
-                    <a:noFill/>
-                  </a:tcPr>
-                </a:tc>
-                <a:tc>
-                  <a:txBody>
-                    <a:bodyPr/>
-                    <a:lstStyle/>
-                    <a:p>
-                      <a:r>
-                        <a:rPr lang="en-GB" sz="1200" dirty="0"/>
-                        <a:t>Loss of Function</a:t>
-                      </a:r>
-                    </a:p>
-                  </a:txBody>
-                  <a:tcPr marL="31305" marR="31305" marT="15652" marB="15652" anchor="ctr">
-                    <a:lnL>
-                      <a:noFill/>
-                    </a:lnL>
-                    <a:lnR>
-                      <a:noFill/>
-                    </a:lnR>
-                    <a:lnT>
-                      <a:noFill/>
-                    </a:lnT>
-                    <a:lnB>
-                      <a:noFill/>
-                    </a:lnB>
-                    <a:noFill/>
-                  </a:tcPr>
-                </a:tc>
-                <a:tc>
-                  <a:txBody>
-                    <a:bodyPr/>
-                    <a:lstStyle/>
-                    <a:p>
-                      <a:r>
-                        <a:rPr lang="en-GB" sz="1200" dirty="0"/>
-                        <a:t>Aircraft drifts from assigned altitude; potential loss of separation or controlled flight into terrain</a:t>
-                      </a:r>
-                    </a:p>
-                  </a:txBody>
-                  <a:tcPr marL="31305" marR="31305" marT="15652" marB="15652" anchor="ctr">
-                    <a:lnL>
-                      <a:noFill/>
-                    </a:lnL>
-                    <a:lnR>
-                      <a:noFill/>
-                    </a:lnR>
-                    <a:lnT>
-                      <a:noFill/>
-                    </a:lnT>
-                    <a:lnB>
-                      <a:noFill/>
-                    </a:lnB>
-                    <a:noFill/>
-                  </a:tcPr>
-                </a:tc>
-                <a:tc>
-                  <a:txBody>
-                    <a:bodyPr/>
-                    <a:lstStyle/>
-                    <a:p>
-                      <a:r>
-                        <a:rPr lang="en-GB" sz="1200" dirty="0"/>
-                        <a:t>Catastrophic</a:t>
-                      </a:r>
-                    </a:p>
-                  </a:txBody>
-                  <a:tcPr marL="31305" marR="31305" marT="15652" marB="15652" anchor="ctr">
-                    <a:lnL>
-                      <a:noFill/>
-                    </a:lnL>
-                    <a:lnR>
-                      <a:noFill/>
-                    </a:lnR>
-                    <a:lnT>
-                      <a:noFill/>
-                    </a:lnT>
-                    <a:lnB>
-                      <a:noFill/>
-                    </a:lnB>
-                    <a:noFill/>
-                  </a:tcPr>
-                </a:tc>
-                <a:extLst>
-                  <a:ext uri="{0D108BD9-81ED-4DB2-BD59-A6C34878D82A}">
-                    <a16:rowId xmlns:a16="http://schemas.microsoft.com/office/drawing/2014/main" val="4215929046"/>
-                  </a:ext>
-                </a:extLst>
-              </a:tr>
-              <a:tr h="568877">
-                <a:tc>
-                  <a:txBody>
-                    <a:bodyPr/>
-                    <a:lstStyle/>
-                    <a:p>
-                      <a:endParaRPr lang="en-DE" sz="1200"/>
-                    </a:p>
-                  </a:txBody>
-                  <a:tcPr marL="31305" marR="31305" marT="15652" marB="15652" anchor="ctr">
-                    <a:lnL>
-                      <a:noFill/>
-                    </a:lnL>
-                    <a:lnR>
-                      <a:noFill/>
-                    </a:lnR>
-                    <a:lnT>
-                      <a:noFill/>
-                    </a:lnT>
-                    <a:lnB>
-                      <a:noFill/>
-                    </a:lnB>
-                    <a:noFill/>
-                  </a:tcPr>
-                </a:tc>
-                <a:tc>
-                  <a:txBody>
-                    <a:bodyPr/>
-                    <a:lstStyle/>
-                    <a:p>
-                      <a:r>
-                        <a:rPr lang="en-GB" sz="1200" dirty="0" err="1"/>
-                        <a:t>Unannunciated</a:t>
-                      </a:r>
-                      <a:r>
-                        <a:rPr lang="en-GB" sz="1200" dirty="0"/>
-                        <a:t> Loss</a:t>
-                      </a:r>
-                    </a:p>
-                  </a:txBody>
-                  <a:tcPr marL="31305" marR="31305" marT="15652" marB="15652" anchor="ctr">
-                    <a:lnL>
-                      <a:noFill/>
-                    </a:lnL>
-                    <a:lnR>
-                      <a:noFill/>
-                    </a:lnR>
-                    <a:lnT>
-                      <a:noFill/>
-                    </a:lnT>
-                    <a:lnB>
-                      <a:noFill/>
-                    </a:lnB>
-                    <a:noFill/>
-                  </a:tcPr>
-                </a:tc>
-                <a:tc>
-                  <a:txBody>
-                    <a:bodyPr/>
-                    <a:lstStyle/>
-                    <a:p>
-                      <a:r>
-                        <a:rPr lang="en-GB" sz="1200"/>
-                        <a:t>Crew unaware altitude hold has failed; delayed recovery action</a:t>
-                      </a:r>
-                    </a:p>
-                  </a:txBody>
-                  <a:tcPr marL="31305" marR="31305" marT="15652" marB="15652" anchor="ctr">
-                    <a:lnL>
-                      <a:noFill/>
-                    </a:lnL>
-                    <a:lnR>
-                      <a:noFill/>
-                    </a:lnR>
-                    <a:lnT>
-                      <a:noFill/>
-                    </a:lnT>
-                    <a:lnB>
-                      <a:noFill/>
-                    </a:lnB>
-                    <a:noFill/>
-                  </a:tcPr>
-                </a:tc>
-                <a:tc>
-                  <a:txBody>
-                    <a:bodyPr/>
-                    <a:lstStyle/>
-                    <a:p>
-                      <a:r>
-                        <a:rPr lang="en-GB" sz="1200"/>
-                        <a:t>Hazardous</a:t>
-                      </a:r>
-                    </a:p>
-                  </a:txBody>
-                  <a:tcPr marL="31305" marR="31305" marT="15652" marB="15652" anchor="ctr">
-                    <a:lnL>
-                      <a:noFill/>
-                    </a:lnL>
-                    <a:lnR>
-                      <a:noFill/>
-                    </a:lnR>
-                    <a:lnT>
-                      <a:noFill/>
-                    </a:lnT>
-                    <a:lnB>
-                      <a:noFill/>
-                    </a:lnB>
-                    <a:noFill/>
-                  </a:tcPr>
-                </a:tc>
-                <a:extLst>
-                  <a:ext uri="{0D108BD9-81ED-4DB2-BD59-A6C34878D82A}">
-                    <a16:rowId xmlns:a16="http://schemas.microsoft.com/office/drawing/2014/main" val="2867444570"/>
-                  </a:ext>
-                </a:extLst>
-              </a:tr>
-              <a:tr h="568877">
-                <a:tc>
-                  <a:txBody>
-                    <a:bodyPr/>
-                    <a:lstStyle/>
-                    <a:p>
-                      <a:endParaRPr lang="en-DE" sz="1200"/>
-                    </a:p>
-                  </a:txBody>
-                  <a:tcPr marL="31305" marR="31305" marT="15652" marB="15652" anchor="ctr">
-                    <a:lnL>
-                      <a:noFill/>
-                    </a:lnL>
-                    <a:lnR>
-                      <a:noFill/>
-                    </a:lnR>
-                    <a:lnT>
-                      <a:noFill/>
-                    </a:lnT>
-                    <a:lnB>
-                      <a:noFill/>
-                    </a:lnB>
-                    <a:noFill/>
-                  </a:tcPr>
-                </a:tc>
-                <a:tc>
-                  <a:txBody>
-                    <a:bodyPr/>
-                    <a:lstStyle/>
-                    <a:p>
-                      <a:r>
-                        <a:rPr lang="en-GB" sz="1200"/>
-                        <a:t>Erroneous Output (over/undershoot)</a:t>
-                      </a:r>
-                    </a:p>
-                  </a:txBody>
-                  <a:tcPr marL="31305" marR="31305" marT="15652" marB="15652" anchor="ctr">
-                    <a:lnL>
-                      <a:noFill/>
-                    </a:lnL>
-                    <a:lnR>
-                      <a:noFill/>
-                    </a:lnR>
-                    <a:lnT>
-                      <a:noFill/>
-                    </a:lnT>
-                    <a:lnB>
-                      <a:noFill/>
-                    </a:lnB>
-                    <a:noFill/>
-                  </a:tcPr>
-                </a:tc>
-                <a:tc>
-                  <a:txBody>
-                    <a:bodyPr/>
-                    <a:lstStyle/>
-                    <a:p>
-                      <a:r>
-                        <a:rPr lang="en-GB" sz="1200"/>
-                        <a:t>Oscillatory altitude deviations, increased pilot workload</a:t>
-                      </a:r>
-                    </a:p>
-                  </a:txBody>
-                  <a:tcPr marL="31305" marR="31305" marT="15652" marB="15652" anchor="ctr">
-                    <a:lnL>
-                      <a:noFill/>
-                    </a:lnL>
-                    <a:lnR>
-                      <a:noFill/>
-                    </a:lnR>
-                    <a:lnT>
-                      <a:noFill/>
-                    </a:lnT>
-                    <a:lnB>
-                      <a:noFill/>
-                    </a:lnB>
-                    <a:noFill/>
-                  </a:tcPr>
-                </a:tc>
-                <a:tc>
-                  <a:txBody>
-                    <a:bodyPr/>
-                    <a:lstStyle/>
-                    <a:p>
-                      <a:r>
-                        <a:rPr lang="en-GB" sz="1200"/>
-                        <a:t>Major</a:t>
-                      </a:r>
-                    </a:p>
-                  </a:txBody>
-                  <a:tcPr marL="31305" marR="31305" marT="15652" marB="15652" anchor="ctr">
-                    <a:lnL>
-                      <a:noFill/>
-                    </a:lnL>
-                    <a:lnR>
-                      <a:noFill/>
-                    </a:lnR>
-                    <a:lnT>
-                      <a:noFill/>
-                    </a:lnT>
-                    <a:lnB>
-                      <a:noFill/>
-                    </a:lnB>
-                    <a:noFill/>
-                  </a:tcPr>
-                </a:tc>
-                <a:extLst>
-                  <a:ext uri="{0D108BD9-81ED-4DB2-BD59-A6C34878D82A}">
-                    <a16:rowId xmlns:a16="http://schemas.microsoft.com/office/drawing/2014/main" val="3919697028"/>
-                  </a:ext>
-                </a:extLst>
-              </a:tr>
-              <a:tr h="568877">
-                <a:tc>
-                  <a:txBody>
-                    <a:bodyPr/>
-                    <a:lstStyle/>
-                    <a:p>
-                      <a:r>
-                        <a:rPr lang="en-GB" sz="1200" b="1"/>
-                        <a:t>Maintain Cruise Speed</a:t>
-                      </a:r>
-                      <a:endParaRPr lang="en-GB" sz="1200"/>
-                    </a:p>
-                  </a:txBody>
-                  <a:tcPr marL="31305" marR="31305" marT="15652" marB="15652" anchor="ctr">
-                    <a:lnL>
-                      <a:noFill/>
-                    </a:lnL>
-                    <a:lnR>
-                      <a:noFill/>
-                    </a:lnR>
-                    <a:lnT>
-                      <a:noFill/>
-                    </a:lnT>
-                    <a:lnB>
-                      <a:noFill/>
-                    </a:lnB>
-                    <a:noFill/>
-                  </a:tcPr>
-                </a:tc>
-                <a:tc>
-                  <a:txBody>
-                    <a:bodyPr/>
-                    <a:lstStyle/>
-                    <a:p>
-                      <a:r>
-                        <a:rPr lang="en-GB" sz="1200"/>
-                        <a:t>Loss of Function</a:t>
-                      </a:r>
-                    </a:p>
-                  </a:txBody>
-                  <a:tcPr marL="31305" marR="31305" marT="15652" marB="15652" anchor="ctr">
-                    <a:lnL>
-                      <a:noFill/>
-                    </a:lnL>
-                    <a:lnR>
-                      <a:noFill/>
-                    </a:lnR>
-                    <a:lnT>
-                      <a:noFill/>
-                    </a:lnT>
-                    <a:lnB>
-                      <a:noFill/>
-                    </a:lnB>
-                    <a:noFill/>
-                  </a:tcPr>
-                </a:tc>
-                <a:tc>
-                  <a:txBody>
-                    <a:bodyPr/>
-                    <a:lstStyle/>
-                    <a:p>
-                      <a:r>
-                        <a:rPr lang="en-GB" sz="1200"/>
-                        <a:t>Airspeed decays or overspeeds; risk of stall or structural overstress</a:t>
-                      </a:r>
-                    </a:p>
-                  </a:txBody>
-                  <a:tcPr marL="31305" marR="31305" marT="15652" marB="15652" anchor="ctr">
-                    <a:lnL>
-                      <a:noFill/>
-                    </a:lnL>
-                    <a:lnR>
-                      <a:noFill/>
-                    </a:lnR>
-                    <a:lnT>
-                      <a:noFill/>
-                    </a:lnT>
-                    <a:lnB>
-                      <a:noFill/>
-                    </a:lnB>
-                    <a:noFill/>
-                  </a:tcPr>
-                </a:tc>
-                <a:tc>
-                  <a:txBody>
-                    <a:bodyPr/>
-                    <a:lstStyle/>
-                    <a:p>
-                      <a:r>
-                        <a:rPr lang="en-GB" sz="1200"/>
-                        <a:t>Catastrophic</a:t>
-                      </a:r>
-                    </a:p>
-                  </a:txBody>
-                  <a:tcPr marL="31305" marR="31305" marT="15652" marB="15652" anchor="ctr">
-                    <a:lnL>
-                      <a:noFill/>
-                    </a:lnL>
-                    <a:lnR>
-                      <a:noFill/>
-                    </a:lnR>
-                    <a:lnT>
-                      <a:noFill/>
-                    </a:lnT>
-                    <a:lnB>
-                      <a:noFill/>
-                    </a:lnB>
-                    <a:noFill/>
-                  </a:tcPr>
-                </a:tc>
-                <a:extLst>
-                  <a:ext uri="{0D108BD9-81ED-4DB2-BD59-A6C34878D82A}">
-                    <a16:rowId xmlns:a16="http://schemas.microsoft.com/office/drawing/2014/main" val="2355052602"/>
-                  </a:ext>
-                </a:extLst>
-              </a:tr>
-              <a:tr h="739542">
-                <a:tc>
-                  <a:txBody>
-                    <a:bodyPr/>
-                    <a:lstStyle/>
-                    <a:p>
-                      <a:endParaRPr lang="en-DE" sz="1200"/>
-                    </a:p>
-                  </a:txBody>
-                  <a:tcPr marL="31305" marR="31305" marT="15652" marB="15652" anchor="ctr">
-                    <a:lnL>
-                      <a:noFill/>
-                    </a:lnL>
-                    <a:lnR>
-                      <a:noFill/>
-                    </a:lnR>
-                    <a:lnT>
-                      <a:noFill/>
-                    </a:lnT>
-                    <a:lnB>
-                      <a:noFill/>
-                    </a:lnB>
-                    <a:noFill/>
-                  </a:tcPr>
-                </a:tc>
-                <a:tc>
-                  <a:txBody>
-                    <a:bodyPr/>
-                    <a:lstStyle/>
-                    <a:p>
-                      <a:r>
-                        <a:rPr lang="en-GB" sz="1200" dirty="0" err="1"/>
-                        <a:t>Unannunciated</a:t>
-                      </a:r>
-                      <a:r>
-                        <a:rPr lang="en-GB" sz="1200" dirty="0"/>
-                        <a:t> Loss</a:t>
-                      </a:r>
-                    </a:p>
-                  </a:txBody>
-                  <a:tcPr marL="31305" marR="31305" marT="15652" marB="15652" anchor="ctr">
-                    <a:lnL>
-                      <a:noFill/>
-                    </a:lnL>
-                    <a:lnR>
-                      <a:noFill/>
-                    </a:lnR>
-                    <a:lnT>
-                      <a:noFill/>
-                    </a:lnT>
-                    <a:lnB>
-                      <a:noFill/>
-                    </a:lnB>
-                    <a:noFill/>
-                  </a:tcPr>
-                </a:tc>
-                <a:tc>
-                  <a:txBody>
-                    <a:bodyPr/>
-                    <a:lstStyle/>
-                    <a:p>
-                      <a:r>
-                        <a:rPr lang="en-GB" sz="1200" dirty="0"/>
-                        <a:t>Crew unaware of airspeed control failure; delayed throttle intervention</a:t>
-                      </a:r>
-                    </a:p>
-                  </a:txBody>
-                  <a:tcPr marL="31305" marR="31305" marT="15652" marB="15652" anchor="ctr">
-                    <a:lnL>
-                      <a:noFill/>
-                    </a:lnL>
-                    <a:lnR>
-                      <a:noFill/>
-                    </a:lnR>
-                    <a:lnT>
-                      <a:noFill/>
-                    </a:lnT>
-                    <a:lnB>
-                      <a:noFill/>
-                    </a:lnB>
-                    <a:noFill/>
-                  </a:tcPr>
-                </a:tc>
-                <a:tc>
-                  <a:txBody>
-                    <a:bodyPr/>
-                    <a:lstStyle/>
-                    <a:p>
-                      <a:r>
-                        <a:rPr lang="en-GB" sz="1200"/>
-                        <a:t>Hazardous</a:t>
-                      </a:r>
-                    </a:p>
-                  </a:txBody>
-                  <a:tcPr marL="31305" marR="31305" marT="15652" marB="15652" anchor="ctr">
-                    <a:lnL>
-                      <a:noFill/>
-                    </a:lnL>
-                    <a:lnR>
-                      <a:noFill/>
-                    </a:lnR>
-                    <a:lnT>
-                      <a:noFill/>
-                    </a:lnT>
-                    <a:lnB>
-                      <a:noFill/>
-                    </a:lnB>
-                    <a:noFill/>
-                  </a:tcPr>
-                </a:tc>
-                <a:extLst>
-                  <a:ext uri="{0D108BD9-81ED-4DB2-BD59-A6C34878D82A}">
-                    <a16:rowId xmlns:a16="http://schemas.microsoft.com/office/drawing/2014/main" val="4071350997"/>
-                  </a:ext>
-                </a:extLst>
-              </a:tr>
-              <a:tr h="739542">
-                <a:tc>
-                  <a:txBody>
-                    <a:bodyPr/>
-                    <a:lstStyle/>
-                    <a:p>
-                      <a:endParaRPr lang="en-DE" sz="1200"/>
-                    </a:p>
-                  </a:txBody>
-                  <a:tcPr marL="31305" marR="31305" marT="15652" marB="15652" anchor="ctr">
-                    <a:lnL>
-                      <a:noFill/>
-                    </a:lnL>
-                    <a:lnR>
-                      <a:noFill/>
-                    </a:lnR>
-                    <a:lnT>
-                      <a:noFill/>
-                    </a:lnT>
-                    <a:lnB>
-                      <a:noFill/>
-                    </a:lnB>
-                    <a:noFill/>
-                  </a:tcPr>
-                </a:tc>
-                <a:tc>
-                  <a:txBody>
-                    <a:bodyPr/>
-                    <a:lstStyle/>
-                    <a:p>
-                      <a:r>
-                        <a:rPr lang="en-GB" sz="1200" dirty="0"/>
-                        <a:t>Erroneous Output (throttle oscillation)</a:t>
-                      </a:r>
-                    </a:p>
-                  </a:txBody>
-                  <a:tcPr marL="31305" marR="31305" marT="15652" marB="15652" anchor="ctr">
-                    <a:lnL>
-                      <a:noFill/>
-                    </a:lnL>
-                    <a:lnR>
-                      <a:noFill/>
-                    </a:lnR>
-                    <a:lnT>
-                      <a:noFill/>
-                    </a:lnT>
-                    <a:lnB>
-                      <a:noFill/>
-                    </a:lnB>
-                    <a:noFill/>
-                  </a:tcPr>
-                </a:tc>
-                <a:tc>
-                  <a:txBody>
-                    <a:bodyPr/>
-                    <a:lstStyle/>
-                    <a:p>
-                      <a:r>
-                        <a:rPr lang="en-GB" sz="1200"/>
-                        <a:t>Speed hunting, increased pilot workload, passenger discomfort</a:t>
-                      </a:r>
-                    </a:p>
-                  </a:txBody>
-                  <a:tcPr marL="31305" marR="31305" marT="15652" marB="15652" anchor="ctr">
-                    <a:lnL>
-                      <a:noFill/>
-                    </a:lnL>
-                    <a:lnR>
-                      <a:noFill/>
-                    </a:lnR>
-                    <a:lnT>
-                      <a:noFill/>
-                    </a:lnT>
-                    <a:lnB>
-                      <a:noFill/>
-                    </a:lnB>
-                    <a:noFill/>
-                  </a:tcPr>
-                </a:tc>
-                <a:tc>
-                  <a:txBody>
-                    <a:bodyPr/>
-                    <a:lstStyle/>
-                    <a:p>
-                      <a:r>
-                        <a:rPr lang="en-GB" sz="1200" dirty="0"/>
-                        <a:t>Major</a:t>
-                      </a:r>
-                    </a:p>
-                  </a:txBody>
-                  <a:tcPr marL="31305" marR="31305" marT="15652" marB="15652" anchor="ctr">
-                    <a:lnL>
-                      <a:noFill/>
-                    </a:lnL>
-                    <a:lnR>
-                      <a:noFill/>
-                    </a:lnR>
-                    <a:lnT>
-                      <a:noFill/>
-                    </a:lnT>
-                    <a:lnB>
-                      <a:noFill/>
-                    </a:lnB>
-                    <a:noFill/>
-                  </a:tcPr>
-                </a:tc>
-                <a:extLst>
-                  <a:ext uri="{0D108BD9-81ED-4DB2-BD59-A6C34878D82A}">
-                    <a16:rowId xmlns:a16="http://schemas.microsoft.com/office/drawing/2014/main" val="2357205851"/>
-                  </a:ext>
-                </a:extLst>
-              </a:tr>
-            </a:tbl>
-          </a:graphicData>
-        </a:graphic>
-      </p:graphicFrame>
-    </p:spTree>
-    <p:extLst>
-      <p:ext uri="{BB962C8B-B14F-4D97-AF65-F5344CB8AC3E}">
-        <p14:creationId xmlns:p14="http://schemas.microsoft.com/office/powerpoint/2010/main" val="245157357"/>
-      </p:ext>
-    </p:extLst>
-  </p:cSld>
-  <p:clrMapOvr>
-    <a:masterClrMapping/>
-  </p:clrMapOvr>
-</p:sld>
-</file>
-
-<file path=ppt/slides/slide16.xml><?xml version="1.0" encoding="utf-8"?>
 <p:sld xmlns:a="http://schemas.openxmlformats.org/drawingml/2006/main" xmlns:r="http://schemas.openxmlformats.org/officeDocument/2006/relationships" xmlns:p="http://schemas.openxmlformats.org/presentationml/2006/main">
   <p:cSld>
     <p:spTree>
@@ -6379,12 +4998,8 @@
           <a:lstStyle/>
           <a:p>
             <a:r>
-              <a:rPr lang="de-DE" dirty="0" err="1"/>
-              <a:t>Functional</a:t>
-            </a:r>
-            <a:r>
               <a:rPr lang="de-DE" dirty="0"/>
-              <a:t> Hazard Assessment</a:t>
+              <a:t>Functional Hazard Assessment</a:t>
             </a:r>
             <a:endParaRPr lang="en-DE" dirty="0"/>
           </a:p>
@@ -6413,7 +5028,7 @@
           <a:p>
             <a:fld id="{B304D30C-128B-5449-AD8B-09F07771E88F}" type="slidenum">
               <a:rPr lang="en-DE" smtClean="0"/>
-              <a:t>16</a:t>
+              <a:t>13</a:t>
             </a:fld>
             <a:endParaRPr lang="en-DE"/>
           </a:p>
@@ -6435,13 +5050,13 @@
             <p:ph idx="1"/>
             <p:extLst>
               <p:ext uri="{D42A27DB-BD31-4B8C-83A1-F6EECF244321}">
-                <p14:modId xmlns:p14="http://schemas.microsoft.com/office/powerpoint/2010/main" val="3985763867"/>
+                <p14:modId xmlns:p14="http://schemas.microsoft.com/office/powerpoint/2010/main" val="4020407379"/>
               </p:ext>
             </p:extLst>
           </p:nvPr>
         </p:nvGraphicFramePr>
         <p:xfrm>
-          <a:off x="180304" y="1891665"/>
+          <a:off x="345582" y="1690688"/>
           <a:ext cx="11500836" cy="4353491"/>
         </p:xfrm>
         <a:graphic>
@@ -6616,10 +5231,10 @@
                     <a:lstStyle/>
                     <a:p>
                       <a:r>
-                        <a:rPr lang="en-GB" sz="1200" b="1"/>
-                        <a:t>Maintain Cruise Heading</a:t>
+                        <a:rPr lang="en-GB" sz="1200" b="1" dirty="0"/>
+                        <a:t>SAC: Maintain Stability</a:t>
                       </a:r>
-                      <a:endParaRPr lang="en-GB" sz="1200"/>
+                      <a:endParaRPr lang="en-GB" sz="1200" dirty="0"/>
                     </a:p>
                   </a:txBody>
                   <a:tcPr marL="31305" marR="31305" marT="15652" marB="15652" anchor="ctr">
@@ -6671,8 +5286,8 @@
                     <a:lstStyle/>
                     <a:p>
                       <a:r>
-                        <a:rPr lang="en-GB" sz="1200"/>
-                        <a:t>Aircraft drifts off course; potential separation loss</a:t>
+                        <a:rPr lang="en-GB" sz="1200" dirty="0"/>
+                        <a:t>Aircraft drifts off course; Aircraft deviates from nominal state; increased workload for Crew</a:t>
                       </a:r>
                     </a:p>
                   </a:txBody>
@@ -6699,7 +5314,7 @@
                     <a:p>
                       <a:r>
                         <a:rPr lang="en-GB" sz="1200" dirty="0"/>
-                        <a:t>Hazardous</a:t>
+                        <a:t>Major</a:t>
                       </a:r>
                     </a:p>
                   </a:txBody>
@@ -6756,7 +5371,7 @@
                     <a:lstStyle/>
                     <a:p>
                       <a:r>
-                        <a:rPr lang="en-GB" sz="1200"/>
+                        <a:rPr lang="en-GB" sz="1200" dirty="0"/>
                         <a:t>Unannunciated Loss</a:t>
                       </a:r>
                     </a:p>
@@ -6783,8 +5398,8 @@
                     <a:lstStyle/>
                     <a:p>
                       <a:r>
-                        <a:rPr lang="en-GB" sz="1200"/>
-                        <a:t>Undetected heading drift; increased ATC workload</a:t>
+                        <a:rPr lang="en-GB" sz="1200" dirty="0"/>
+                        <a:t>Undetected heading drift; increased workload for Crew &amp; ATC</a:t>
                       </a:r>
                     </a:p>
                   </a:txBody>
@@ -6810,7 +5425,7 @@
                     <a:lstStyle/>
                     <a:p>
                       <a:r>
-                        <a:rPr lang="en-GB" sz="1200"/>
+                        <a:rPr lang="en-GB" sz="1200" dirty="0"/>
                         <a:t>Major</a:t>
                       </a:r>
                     </a:p>
@@ -6837,13 +5452,34 @@
                   </a:ext>
                 </a:extLst>
               </a:tr>
-              <a:tr h="619721">
-                <a:tc>
-                  <a:txBody>
-                    <a:bodyPr/>
-                    <a:lstStyle/>
-                    <a:p>
-                      <a:endParaRPr lang="en-DE" sz="1200"/>
+              <a:tr h="905152">
+                <a:tc>
+                  <a:txBody>
+                    <a:bodyPr/>
+                    <a:lstStyle/>
+                    <a:p>
+                      <a:pPr marL="0" marR="0" lvl="0" indent="0" algn="l" defTabSz="914400" rtl="0" eaLnBrk="1" fontAlgn="auto" latinLnBrk="0" hangingPunct="1">
+                        <a:lnSpc>
+                          <a:spcPct val="100000"/>
+                        </a:lnSpc>
+                        <a:spcBef>
+                          <a:spcPts val="0"/>
+                        </a:spcBef>
+                        <a:spcAft>
+                          <a:spcPts val="0"/>
+                        </a:spcAft>
+                        <a:buClrTx/>
+                        <a:buSzTx/>
+                        <a:buFontTx/>
+                        <a:buNone/>
+                        <a:tabLst/>
+                        <a:defRPr/>
+                      </a:pPr>
+                      <a:r>
+                        <a:rPr lang="en-GB" sz="1200" b="1" dirty="0"/>
+                        <a:t>Watchdog: Hallucination Detection &amp; Classical‐Controller Override</a:t>
+                      </a:r>
+                      <a:endParaRPr lang="en-GB" sz="1200" dirty="0"/>
                     </a:p>
                   </a:txBody>
                   <a:tcPr marL="31305" marR="31305" marT="15652" marB="15652" anchor="ctr">
@@ -6868,8 +5504,8 @@
                     <a:lstStyle/>
                     <a:p>
                       <a:r>
-                        <a:rPr lang="en-GB" sz="1200"/>
-                        <a:t>Erroneous Output (zig‐zag)</a:t>
+                        <a:rPr lang="en-GB" sz="1200" dirty="0"/>
+                        <a:t>False Negative (Missed Detection)</a:t>
                       </a:r>
                     </a:p>
                   </a:txBody>
@@ -6895,8 +5531,8 @@
                     <a:lstStyle/>
                     <a:p>
                       <a:r>
-                        <a:rPr lang="en-GB" sz="1200"/>
-                        <a:t>Oscillatory heading deviations; increased crew workload</a:t>
+                        <a:rPr lang="en-GB" sz="1200" dirty="0"/>
+                        <a:t>ML hallucination unmitigated; unsafe command applied</a:t>
                       </a:r>
                     </a:p>
                   </a:txBody>
@@ -6922,124 +5558,8 @@
                     <a:lstStyle/>
                     <a:p>
                       <a:r>
-                        <a:rPr lang="en-GB" sz="1200"/>
-                        <a:t>Minor</a:t>
-                      </a:r>
-                    </a:p>
-                  </a:txBody>
-                  <a:tcPr marL="31305" marR="31305" marT="15652" marB="15652" anchor="ctr">
-                    <a:lnL>
-                      <a:noFill/>
-                    </a:lnL>
-                    <a:lnR>
-                      <a:noFill/>
-                    </a:lnR>
-                    <a:lnT>
-                      <a:noFill/>
-                    </a:lnT>
-                    <a:lnB>
-                      <a:noFill/>
-                    </a:lnB>
-                    <a:noFill/>
-                  </a:tcPr>
-                </a:tc>
-                <a:extLst>
-                  <a:ext uri="{0D108BD9-81ED-4DB2-BD59-A6C34878D82A}">
-                    <a16:rowId xmlns:a16="http://schemas.microsoft.com/office/drawing/2014/main" val="2535416607"/>
-                  </a:ext>
-                </a:extLst>
-              </a:tr>
-              <a:tr h="905152">
-                <a:tc>
-                  <a:txBody>
-                    <a:bodyPr/>
-                    <a:lstStyle/>
-                    <a:p>
-                      <a:r>
-                        <a:rPr lang="en-GB" sz="1200" b="1"/>
-                        <a:t>Hallucination Detection &amp; Classical‐Controller Override</a:t>
-                      </a:r>
-                      <a:endParaRPr lang="en-GB" sz="1200"/>
-                    </a:p>
-                  </a:txBody>
-                  <a:tcPr marL="31305" marR="31305" marT="15652" marB="15652" anchor="ctr">
-                    <a:lnL>
-                      <a:noFill/>
-                    </a:lnL>
-                    <a:lnR>
-                      <a:noFill/>
-                    </a:lnR>
-                    <a:lnT>
-                      <a:noFill/>
-                    </a:lnT>
-                    <a:lnB>
-                      <a:noFill/>
-                    </a:lnB>
-                    <a:noFill/>
-                  </a:tcPr>
-                </a:tc>
-                <a:tc>
-                  <a:txBody>
-                    <a:bodyPr/>
-                    <a:lstStyle/>
-                    <a:p>
-                      <a:r>
-                        <a:rPr lang="en-GB" sz="1200"/>
-                        <a:t>Failure to Detect ML Hallucination</a:t>
-                      </a:r>
-                    </a:p>
-                  </a:txBody>
-                  <a:tcPr marL="31305" marR="31305" marT="15652" marB="15652" anchor="ctr">
-                    <a:lnL>
-                      <a:noFill/>
-                    </a:lnL>
-                    <a:lnR>
-                      <a:noFill/>
-                    </a:lnR>
-                    <a:lnT>
-                      <a:noFill/>
-                    </a:lnT>
-                    <a:lnB>
-                      <a:noFill/>
-                    </a:lnB>
-                    <a:noFill/>
-                  </a:tcPr>
-                </a:tc>
-                <a:tc>
-                  <a:txBody>
-                    <a:bodyPr/>
-                    <a:lstStyle/>
-                    <a:p>
-                      <a:r>
-                        <a:rPr lang="en-GB" sz="1200"/>
-                        <a:t>Erroneous ML commands executed unchecked; could lead into unsafe flight regime</a:t>
-                      </a:r>
-                    </a:p>
-                  </a:txBody>
-                  <a:tcPr marL="31305" marR="31305" marT="15652" marB="15652" anchor="ctr">
-                    <a:lnL>
-                      <a:noFill/>
-                    </a:lnL>
-                    <a:lnR>
-                      <a:noFill/>
-                    </a:lnR>
-                    <a:lnT>
-                      <a:noFill/>
-                    </a:lnT>
-                    <a:lnB>
-                      <a:noFill/>
-                    </a:lnB>
-                    <a:noFill/>
-                  </a:tcPr>
-                </a:tc>
-                <a:tc>
-                  <a:txBody>
-                    <a:bodyPr/>
-                    <a:lstStyle/>
-                    <a:p>
-                      <a:r>
-                        <a:rPr lang="en-GB" sz="1200"/>
-                        <a:t>Catastrophic</a:t>
+                        <a:rPr lang="en-GB" sz="1200" dirty="0"/>
+                        <a:t>Major</a:t>
                       </a:r>
                     </a:p>
                   </a:txBody>
@@ -7150,8 +5670,8 @@
                     <a:lstStyle/>
                     <a:p>
                       <a:r>
-                        <a:rPr lang="en-GB" sz="1200"/>
-                        <a:t>Major</a:t>
+                        <a:rPr lang="en-GB" sz="1200" dirty="0"/>
+                        <a:t>Minor</a:t>
                       </a:r>
                     </a:p>
                   </a:txBody>
@@ -7183,7 +5703,10 @@
                     <a:bodyPr/>
                     <a:lstStyle/>
                     <a:p>
-                      <a:endParaRPr lang="en-DE" sz="1200" dirty="0"/>
+                      <a:r>
+                        <a:rPr lang="en-DE" sz="1200" b="1" dirty="0"/>
+                        <a:t>Switch to Backup</a:t>
+                      </a:r>
                     </a:p>
                   </a:txBody>
                   <a:tcPr marL="31305" marR="31305" marT="15652" marB="15652" anchor="ctr">
@@ -7208,8 +5731,8 @@
                     <a:lstStyle/>
                     <a:p>
                       <a:r>
-                        <a:rPr lang="en-GB" sz="1200"/>
-                        <a:t>False Negative (Missed Detection)</a:t>
+                        <a:rPr lang="en-GB" sz="1200" dirty="0"/>
+                        <a:t>Failure of Switch</a:t>
                       </a:r>
                     </a:p>
                   </a:txBody>
@@ -7235,8 +5758,8 @@
                     <a:lstStyle/>
                     <a:p>
                       <a:r>
-                        <a:rPr lang="en-GB" sz="1200"/>
-                        <a:t>ML hallucination unmitigated; unsafe command applied</a:t>
+                        <a:rPr lang="en-GB" sz="1200" dirty="0"/>
+                        <a:t>Erroneous SAC is online</a:t>
                       </a:r>
                     </a:p>
                   </a:txBody>
@@ -7285,7 +5808,110 @@
                 </a:tc>
                 <a:extLst>
                   <a:ext uri="{0D108BD9-81ED-4DB2-BD59-A6C34878D82A}">
-                    <a16:rowId xmlns:a16="http://schemas.microsoft.com/office/drawing/2014/main" val="4174833316"/>
+                    <a16:rowId xmlns:a16="http://schemas.microsoft.com/office/drawing/2014/main" val="1800780278"/>
+                  </a:ext>
+                </a:extLst>
+              </a:tr>
+              <a:tr h="619721">
+                <a:tc>
+                  <a:txBody>
+                    <a:bodyPr/>
+                    <a:lstStyle/>
+                    <a:p>
+                      <a:endParaRPr lang="en-DE" sz="1200" b="1" dirty="0"/>
+                    </a:p>
+                  </a:txBody>
+                  <a:tcPr marL="31305" marR="31305" marT="15652" marB="15652" anchor="ctr">
+                    <a:lnL>
+                      <a:noFill/>
+                    </a:lnL>
+                    <a:lnR>
+                      <a:noFill/>
+                    </a:lnR>
+                    <a:lnT>
+                      <a:noFill/>
+                    </a:lnT>
+                    <a:lnB>
+                      <a:noFill/>
+                    </a:lnB>
+                    <a:noFill/>
+                  </a:tcPr>
+                </a:tc>
+                <a:tc>
+                  <a:txBody>
+                    <a:bodyPr/>
+                    <a:lstStyle/>
+                    <a:p>
+                      <a:endParaRPr lang="en-GB" sz="1200" dirty="0"/>
+                    </a:p>
+                  </a:txBody>
+                  <a:tcPr marL="31305" marR="31305" marT="15652" marB="15652" anchor="ctr">
+                    <a:lnL>
+                      <a:noFill/>
+                    </a:lnL>
+                    <a:lnR>
+                      <a:noFill/>
+                    </a:lnR>
+                    <a:lnT>
+                      <a:noFill/>
+                    </a:lnT>
+                    <a:lnB>
+                      <a:noFill/>
+                    </a:lnB>
+                    <a:noFill/>
+                  </a:tcPr>
+                </a:tc>
+                <a:tc>
+                  <a:txBody>
+                    <a:bodyPr/>
+                    <a:lstStyle/>
+                    <a:p>
+                      <a:endParaRPr lang="en-GB" sz="1200" dirty="0"/>
+                    </a:p>
+                  </a:txBody>
+                  <a:tcPr marL="31305" marR="31305" marT="15652" marB="15652" anchor="ctr">
+                    <a:lnL>
+                      <a:noFill/>
+                    </a:lnL>
+                    <a:lnR>
+                      <a:noFill/>
+                    </a:lnR>
+                    <a:lnT>
+                      <a:noFill/>
+                    </a:lnT>
+                    <a:lnB>
+                      <a:noFill/>
+                    </a:lnB>
+                    <a:noFill/>
+                  </a:tcPr>
+                </a:tc>
+                <a:tc>
+                  <a:txBody>
+                    <a:bodyPr/>
+                    <a:lstStyle/>
+                    <a:p>
+                      <a:endParaRPr lang="en-GB" sz="1200" dirty="0"/>
+                    </a:p>
+                  </a:txBody>
+                  <a:tcPr marL="31305" marR="31305" marT="15652" marB="15652" anchor="ctr">
+                    <a:lnL>
+                      <a:noFill/>
+                    </a:lnL>
+                    <a:lnR>
+                      <a:noFill/>
+                    </a:lnR>
+                    <a:lnT>
+                      <a:noFill/>
+                    </a:lnT>
+                    <a:lnB>
+                      <a:noFill/>
+                    </a:lnB>
+                    <a:noFill/>
+                  </a:tcPr>
+                </a:tc>
+                <a:extLst>
+                  <a:ext uri="{0D108BD9-81ED-4DB2-BD59-A6C34878D82A}">
+                    <a16:rowId xmlns:a16="http://schemas.microsoft.com/office/drawing/2014/main" val="1144327288"/>
                   </a:ext>
                 </a:extLst>
               </a:tr>
@@ -7306,7 +5932,7 @@
 </p:sld>
 </file>
 
-<file path=ppt/slides/slide17.xml><?xml version="1.0" encoding="utf-8"?>
+<file path=ppt/slides/slide14.xml><?xml version="1.0" encoding="utf-8"?>
 <p:sld xmlns:a="http://schemas.openxmlformats.org/drawingml/2006/main" xmlns:r="http://schemas.openxmlformats.org/officeDocument/2006/relationships" xmlns:p="http://schemas.openxmlformats.org/presentationml/2006/main">
   <p:cSld>
     <p:spTree>
@@ -7314,7 +5940,7 @@
         <p:cNvPr id="1" name="">
           <a:extLst>
             <a:ext uri="{FF2B5EF4-FFF2-40B4-BE49-F238E27FC236}">
-              <a16:creationId xmlns:a16="http://schemas.microsoft.com/office/drawing/2014/main" id="{A16CF9F3-5EF9-28CB-C11B-3B5BF09C5FBC}"/>
+              <a16:creationId xmlns:a16="http://schemas.microsoft.com/office/drawing/2014/main" id="{A39F926C-9418-9B1E-87C5-9D815F5D9222}"/>
             </a:ext>
           </a:extLst>
         </p:cNvPr>
@@ -7334,7 +5960,7 @@
           <p:cNvPr id="2" name="Title 1">
             <a:extLst>
               <a:ext uri="{FF2B5EF4-FFF2-40B4-BE49-F238E27FC236}">
-                <a16:creationId xmlns:a16="http://schemas.microsoft.com/office/drawing/2014/main" id="{FB46B7BC-13EC-EACC-1CFE-8D6FAA379AC4}"/>
+                <a16:creationId xmlns:a16="http://schemas.microsoft.com/office/drawing/2014/main" id="{A8FCE949-8A62-CDAC-9EC2-CF00F67BCFD2}"/>
               </a:ext>
             </a:extLst>
           </p:cNvPr>
@@ -7352,7 +5978,7 @@
           <a:p>
             <a:r>
               <a:rPr lang="de-DE" dirty="0"/>
-              <a:t>System Architecture</a:t>
+              <a:t>EASA AI Levels</a:t>
             </a:r>
             <a:endParaRPr lang="en-DE" dirty="0"/>
           </a:p>
@@ -7360,10 +5986,10 @@
       </p:sp>
       <p:sp>
         <p:nvSpPr>
-          <p:cNvPr id="10" name="Slide Number Placeholder 9">
-            <a:extLst>
-              <a:ext uri="{FF2B5EF4-FFF2-40B4-BE49-F238E27FC236}">
-                <a16:creationId xmlns:a16="http://schemas.microsoft.com/office/drawing/2014/main" id="{FAFAD91A-7394-BEF2-447E-0870037B831B}"/>
+          <p:cNvPr id="3" name="Slide Number Placeholder 2">
+            <a:extLst>
+              <a:ext uri="{FF2B5EF4-FFF2-40B4-BE49-F238E27FC236}">
+                <a16:creationId xmlns:a16="http://schemas.microsoft.com/office/drawing/2014/main" id="{E6A1F4F8-0C88-D7DC-7F88-A3A243FC033B}"/>
               </a:ext>
             </a:extLst>
           </p:cNvPr>
@@ -7381,52 +6007,229 @@
           <a:p>
             <a:fld id="{B304D30C-128B-5449-AD8B-09F07771E88F}" type="slidenum">
               <a:rPr lang="en-DE" smtClean="0"/>
-              <a:t>17</a:t>
+              <a:t>14</a:t>
             </a:fld>
             <a:endParaRPr lang="en-DE"/>
           </a:p>
         </p:txBody>
       </p:sp>
-      <p:pic>
-        <p:nvPicPr>
-          <p:cNvPr id="12" name="Graphic 11">
-            <a:extLst>
-              <a:ext uri="{FF2B5EF4-FFF2-40B4-BE49-F238E27FC236}">
-                <a16:creationId xmlns:a16="http://schemas.microsoft.com/office/drawing/2014/main" id="{A6568037-71AD-CD67-56A6-52A481D1FBEF}"/>
-              </a:ext>
-            </a:extLst>
-          </p:cNvPr>
-          <p:cNvPicPr>
-            <a:picLocks noChangeAspect="1"/>
-          </p:cNvPicPr>
-          <p:nvPr/>
-        </p:nvPicPr>
-        <p:blipFill>
-          <a:blip r:embed="rId2">
-            <a:extLst>
-              <a:ext uri="{96DAC541-7B7A-43D3-8B79-37D633B846F1}">
-                <asvg:svgBlip xmlns:asvg="http://schemas.microsoft.com/office/drawing/2016/SVG/main" r:embed="rId3"/>
-              </a:ext>
-            </a:extLst>
-          </a:blip>
-          <a:stretch>
-            <a:fillRect/>
-          </a:stretch>
-        </p:blipFill>
-        <p:spPr>
-          <a:xfrm>
-            <a:off x="2209800" y="2053205"/>
-            <a:ext cx="7772400" cy="3940628"/>
-          </a:xfrm>
-          <a:prstGeom prst="rect">
-            <a:avLst/>
-          </a:prstGeom>
-        </p:spPr>
-      </p:pic>
+      <p:graphicFrame>
+        <p:nvGraphicFramePr>
+          <p:cNvPr id="4" name="Content Placeholder 3">
+            <a:extLst>
+              <a:ext uri="{FF2B5EF4-FFF2-40B4-BE49-F238E27FC236}">
+                <a16:creationId xmlns:a16="http://schemas.microsoft.com/office/drawing/2014/main" id="{F186AB3B-F542-1300-A6E5-CF7E66A1A353}"/>
+              </a:ext>
+            </a:extLst>
+          </p:cNvPr>
+          <p:cNvGraphicFramePr>
+            <a:graphicFrameLocks noGrp="1"/>
+          </p:cNvGraphicFramePr>
+          <p:nvPr>
+            <p:ph idx="1"/>
+            <p:extLst>
+              <p:ext uri="{D42A27DB-BD31-4B8C-83A1-F6EECF244321}">
+                <p14:modId xmlns:p14="http://schemas.microsoft.com/office/powerpoint/2010/main" val="1222060444"/>
+              </p:ext>
+            </p:extLst>
+          </p:nvPr>
+        </p:nvGraphicFramePr>
+        <p:xfrm>
+          <a:off x="838200" y="1690688"/>
+          <a:ext cx="10515600" cy="4409806"/>
+        </p:xfrm>
+        <a:graphic>
+          <a:graphicData uri="http://schemas.openxmlformats.org/drawingml/2006/table">
+            <a:tbl>
+              <a:tblPr firstRow="1" bandRow="1">
+                <a:tableStyleId>{7DF18680-E054-41AD-8BC1-D1AEF772440D}</a:tableStyleId>
+              </a:tblPr>
+              <a:tblGrid>
+                <a:gridCol w="5257800">
+                  <a:extLst>
+                    <a:ext uri="{9D8B030D-6E8A-4147-A177-3AD203B41FA5}">
+                      <a16:colId xmlns:a16="http://schemas.microsoft.com/office/drawing/2014/main" val="2558460373"/>
+                    </a:ext>
+                  </a:extLst>
+                </a:gridCol>
+                <a:gridCol w="5257800">
+                  <a:extLst>
+                    <a:ext uri="{9D8B030D-6E8A-4147-A177-3AD203B41FA5}">
+                      <a16:colId xmlns:a16="http://schemas.microsoft.com/office/drawing/2014/main" val="3368442779"/>
+                    </a:ext>
+                  </a:extLst>
+                </a:gridCol>
+              </a:tblGrid>
+              <a:tr h="1042318">
+                <a:tc gridSpan="2">
+                  <a:txBody>
+                    <a:bodyPr/>
+                    <a:lstStyle/>
+                    <a:p>
+                      <a:r>
+                        <a:rPr lang="en-GB" sz="1800" b="1" kern="1200" dirty="0">
+                          <a:solidFill>
+                            <a:schemeClr val="lt1"/>
+                          </a:solidFill>
+                          <a:effectLst/>
+                        </a:rPr>
+                        <a:t>Level 3A Supervised Automation</a:t>
+                      </a:r>
+                    </a:p>
+                    <a:p>
+                      <a:endParaRPr lang="en-DE" dirty="0"/>
+                    </a:p>
+                  </a:txBody>
+                  <a:tcPr/>
+                </a:tc>
+                <a:tc hMerge="1">
+                  <a:txBody>
+                    <a:bodyPr/>
+                    <a:lstStyle/>
+                    <a:p>
+                      <a:endParaRPr lang="en-DE" dirty="0"/>
+                    </a:p>
+                  </a:txBody>
+                  <a:tcPr/>
+                </a:tc>
+                <a:extLst>
+                  <a:ext uri="{0D108BD9-81ED-4DB2-BD59-A6C34878D82A}">
+                    <a16:rowId xmlns:a16="http://schemas.microsoft.com/office/drawing/2014/main" val="1060518884"/>
+                  </a:ext>
+                </a:extLst>
+              </a:tr>
+              <a:tr h="1042318">
+                <a:tc>
+                  <a:txBody>
+                    <a:bodyPr/>
+                    <a:lstStyle/>
+                    <a:p>
+                      <a:r>
+                        <a:rPr lang="en-GB" sz="1800" kern="1200" dirty="0">
+                          <a:solidFill>
+                            <a:schemeClr val="dk1"/>
+                          </a:solidFill>
+                          <a:effectLst/>
+                        </a:rPr>
+                        <a:t>Human oversight ensures safety.</a:t>
+                      </a:r>
+                    </a:p>
+                    <a:p>
+                      <a:endParaRPr lang="en-DE" dirty="0"/>
+                    </a:p>
+                  </a:txBody>
+                  <a:tcPr/>
+                </a:tc>
+                <a:tc>
+                  <a:txBody>
+                    <a:bodyPr/>
+                    <a:lstStyle/>
+                    <a:p>
+                      <a:r>
+                        <a:rPr lang="en-DE" dirty="0"/>
+                        <a:t>Pilot has to monitor system, system will alert in case of deviation from classical controller</a:t>
+                      </a:r>
+                    </a:p>
+                  </a:txBody>
+                  <a:tcPr/>
+                </a:tc>
+                <a:extLst>
+                  <a:ext uri="{0D108BD9-81ED-4DB2-BD59-A6C34878D82A}">
+                    <a16:rowId xmlns:a16="http://schemas.microsoft.com/office/drawing/2014/main" val="1378951959"/>
+                  </a:ext>
+                </a:extLst>
+              </a:tr>
+              <a:tr h="1282852">
+                <a:tc>
+                  <a:txBody>
+                    <a:bodyPr/>
+                    <a:lstStyle/>
+                    <a:p>
+                      <a:pPr algn="l"/>
+                      <a:r>
+                        <a:rPr lang="en-GB" sz="1800" kern="1200" dirty="0">
+                          <a:solidFill>
+                            <a:schemeClr val="dk1"/>
+                          </a:solidFill>
+                          <a:effectLst/>
+                        </a:rPr>
+                        <a:t>Significant shift to AI autonomy with user overrides.</a:t>
+                      </a:r>
+                    </a:p>
+                    <a:p>
+                      <a:endParaRPr lang="en-DE" dirty="0"/>
+                    </a:p>
+                  </a:txBody>
+                  <a:tcPr/>
+                </a:tc>
+                <a:tc>
+                  <a:txBody>
+                    <a:bodyPr/>
+                    <a:lstStyle/>
+                    <a:p>
+                      <a:r>
+                        <a:rPr lang="en-DE" dirty="0"/>
+                        <a:t>SAC can fly autonomously in predefined scenarios</a:t>
+                      </a:r>
+                    </a:p>
+                  </a:txBody>
+                  <a:tcPr/>
+                </a:tc>
+                <a:extLst>
+                  <a:ext uri="{0D108BD9-81ED-4DB2-BD59-A6C34878D82A}">
+                    <a16:rowId xmlns:a16="http://schemas.microsoft.com/office/drawing/2014/main" val="475331706"/>
+                  </a:ext>
+                </a:extLst>
+              </a:tr>
+              <a:tr h="1042318">
+                <a:tc>
+                  <a:txBody>
+                    <a:bodyPr/>
+                    <a:lstStyle/>
+                    <a:p>
+                      <a:r>
+                        <a:rPr lang="en-GB" sz="1800" kern="1200" dirty="0">
+                          <a:solidFill>
+                            <a:schemeClr val="dk1"/>
+                          </a:solidFill>
+                          <a:effectLst/>
+                        </a:rPr>
+                        <a:t>High need for explainability for user overrides.</a:t>
+                      </a:r>
+                    </a:p>
+                    <a:p>
+                      <a:endParaRPr lang="en-DE" dirty="0"/>
+                    </a:p>
+                  </a:txBody>
+                  <a:tcPr/>
+                </a:tc>
+                <a:tc>
+                  <a:txBody>
+                    <a:bodyPr/>
+                    <a:lstStyle/>
+                    <a:p>
+                      <a:r>
+                        <a:rPr lang="en-DE" dirty="0"/>
+                        <a:t>System outputs must deviate significantly from classical controller for alert -&gt; Pilot Override</a:t>
+                      </a:r>
+                    </a:p>
+                  </a:txBody>
+                  <a:tcPr/>
+                </a:tc>
+                <a:extLst>
+                  <a:ext uri="{0D108BD9-81ED-4DB2-BD59-A6C34878D82A}">
+                    <a16:rowId xmlns:a16="http://schemas.microsoft.com/office/drawing/2014/main" val="1048487355"/>
+                  </a:ext>
+                </a:extLst>
+              </a:tr>
+            </a:tbl>
+          </a:graphicData>
+        </a:graphic>
+      </p:graphicFrame>
     </p:spTree>
     <p:extLst>
       <p:ext uri="{BB962C8B-B14F-4D97-AF65-F5344CB8AC3E}">
-        <p14:creationId xmlns:p14="http://schemas.microsoft.com/office/powerpoint/2010/main" val="3189545690"/>
+        <p14:creationId xmlns:p14="http://schemas.microsoft.com/office/powerpoint/2010/main" val="4275118363"/>
       </p:ext>
     </p:extLst>
   </p:cSld>
@@ -7436,7 +6239,301 @@
 </p:sld>
 </file>
 
-<file path=ppt/slides/slide18.xml><?xml version="1.0" encoding="utf-8"?>
+<file path=ppt/slides/slide15.xml><?xml version="1.0" encoding="utf-8"?>
+<p:sld xmlns:a="http://schemas.openxmlformats.org/drawingml/2006/main" xmlns:r="http://schemas.openxmlformats.org/officeDocument/2006/relationships" xmlns:p="http://schemas.openxmlformats.org/presentationml/2006/main">
+  <p:cSld>
+    <p:spTree>
+      <p:nvGrpSpPr>
+        <p:cNvPr id="1" name=""/>
+        <p:cNvGrpSpPr/>
+        <p:nvPr/>
+      </p:nvGrpSpPr>
+      <p:grpSpPr>
+        <a:xfrm>
+          <a:off x="0" y="0"/>
+          <a:ext cx="0" cy="0"/>
+          <a:chOff x="0" y="0"/>
+          <a:chExt cx="0" cy="0"/>
+        </a:xfrm>
+      </p:grpSpPr>
+      <p:sp>
+        <p:nvSpPr>
+          <p:cNvPr id="3" name="Titel 2">
+            <a:extLst>
+              <a:ext uri="{FF2B5EF4-FFF2-40B4-BE49-F238E27FC236}">
+                <a16:creationId xmlns:a16="http://schemas.microsoft.com/office/drawing/2014/main" id="{2B211066-72C0-D363-8BDD-E44154B6E39C}"/>
+              </a:ext>
+            </a:extLst>
+          </p:cNvPr>
+          <p:cNvSpPr>
+            <a:spLocks noGrp="1"/>
+          </p:cNvSpPr>
+          <p:nvPr>
+            <p:ph type="title"/>
+          </p:nvPr>
+        </p:nvSpPr>
+        <p:spPr/>
+        <p:txBody>
+          <a:bodyPr/>
+          <a:lstStyle/>
+          <a:p>
+            <a:r>
+              <a:rPr lang="de-DE" dirty="0"/>
+              <a:t>Failure Matrix</a:t>
+            </a:r>
+          </a:p>
+        </p:txBody>
+      </p:sp>
+      <p:graphicFrame>
+        <p:nvGraphicFramePr>
+          <p:cNvPr id="5" name="Inhaltsplatzhalter 4">
+            <a:extLst>
+              <a:ext uri="{FF2B5EF4-FFF2-40B4-BE49-F238E27FC236}">
+                <a16:creationId xmlns:a16="http://schemas.microsoft.com/office/drawing/2014/main" id="{B701BDB5-AE94-EDF5-568C-E2884B3A8357}"/>
+              </a:ext>
+            </a:extLst>
+          </p:cNvPr>
+          <p:cNvGraphicFramePr>
+            <a:graphicFrameLocks noGrp="1"/>
+          </p:cNvGraphicFramePr>
+          <p:nvPr>
+            <p:ph idx="1"/>
+            <p:extLst>
+              <p:ext uri="{D42A27DB-BD31-4B8C-83A1-F6EECF244321}">
+                <p14:modId xmlns:p14="http://schemas.microsoft.com/office/powerpoint/2010/main" val="2583708980"/>
+              </p:ext>
+            </p:extLst>
+          </p:nvPr>
+        </p:nvGraphicFramePr>
+        <p:xfrm>
+          <a:off x="609601" y="2480555"/>
+          <a:ext cx="10972797" cy="3803513"/>
+        </p:xfrm>
+        <a:graphic>
+          <a:graphicData uri="http://schemas.openxmlformats.org/drawingml/2006/table">
+            <a:tbl>
+              <a:tblPr firstRow="1" bandRow="1">
+                <a:tableStyleId>{5940675A-B579-460E-94D1-54222C63F5DA}</a:tableStyleId>
+              </a:tblPr>
+              <a:tblGrid>
+                <a:gridCol w="3657599">
+                  <a:extLst>
+                    <a:ext uri="{9D8B030D-6E8A-4147-A177-3AD203B41FA5}">
+                      <a16:colId xmlns:a16="http://schemas.microsoft.com/office/drawing/2014/main" val="2832713826"/>
+                    </a:ext>
+                  </a:extLst>
+                </a:gridCol>
+                <a:gridCol w="3657599">
+                  <a:extLst>
+                    <a:ext uri="{9D8B030D-6E8A-4147-A177-3AD203B41FA5}">
+                      <a16:colId xmlns:a16="http://schemas.microsoft.com/office/drawing/2014/main" val="3411260430"/>
+                    </a:ext>
+                  </a:extLst>
+                </a:gridCol>
+                <a:gridCol w="3657599">
+                  <a:extLst>
+                    <a:ext uri="{9D8B030D-6E8A-4147-A177-3AD203B41FA5}">
+                      <a16:colId xmlns:a16="http://schemas.microsoft.com/office/drawing/2014/main" val="1126328101"/>
+                    </a:ext>
+                  </a:extLst>
+                </a:gridCol>
+              </a:tblGrid>
+              <a:tr h="1474593">
+                <a:tc>
+                  <a:txBody>
+                    <a:bodyPr/>
+                    <a:lstStyle/>
+                    <a:p>
+                      <a:endParaRPr lang="de-DE" dirty="0"/>
+                    </a:p>
+                  </a:txBody>
+                  <a:tcPr/>
+                </a:tc>
+                <a:tc>
+                  <a:txBody>
+                    <a:bodyPr/>
+                    <a:lstStyle/>
+                    <a:p>
+                      <a:r>
+                        <a:rPr lang="en-GB" dirty="0"/>
+                        <a:t>SAC Failure</a:t>
+                      </a:r>
+                      <a:endParaRPr lang="de-DE" dirty="0"/>
+                    </a:p>
+                  </a:txBody>
+                  <a:tcPr/>
+                </a:tc>
+                <a:tc>
+                  <a:txBody>
+                    <a:bodyPr/>
+                    <a:lstStyle/>
+                    <a:p>
+                      <a:r>
+                        <a:rPr lang="en-GB" dirty="0"/>
+                        <a:t>No SAC Failure</a:t>
+                      </a:r>
+                      <a:endParaRPr lang="de-DE" dirty="0"/>
+                    </a:p>
+                  </a:txBody>
+                  <a:tcPr/>
+                </a:tc>
+                <a:extLst>
+                  <a:ext uri="{0D108BD9-81ED-4DB2-BD59-A6C34878D82A}">
+                    <a16:rowId xmlns:a16="http://schemas.microsoft.com/office/drawing/2014/main" val="611918063"/>
+                  </a:ext>
+                </a:extLst>
+              </a:tr>
+              <a:tr h="854327">
+                <a:tc>
+                  <a:txBody>
+                    <a:bodyPr/>
+                    <a:lstStyle/>
+                    <a:p>
+                      <a:r>
+                        <a:rPr lang="en-GB" dirty="0"/>
+                        <a:t>Plant Failure</a:t>
+                      </a:r>
+                      <a:endParaRPr lang="de-DE" dirty="0"/>
+                    </a:p>
+                  </a:txBody>
+                  <a:tcPr/>
+                </a:tc>
+                <a:tc>
+                  <a:txBody>
+                    <a:bodyPr/>
+                    <a:lstStyle/>
+                    <a:p>
+                      <a:r>
+                        <a:rPr lang="en-GB" dirty="0"/>
+                        <a:t>Hazardous Failure</a:t>
+                      </a:r>
+                      <a:endParaRPr lang="de-DE" dirty="0"/>
+                    </a:p>
+                  </a:txBody>
+                  <a:tcPr>
+                    <a:solidFill>
+                      <a:srgbClr val="FF7C80"/>
+                    </a:solidFill>
+                  </a:tcPr>
+                </a:tc>
+                <a:tc>
+                  <a:txBody>
+                    <a:bodyPr/>
+                    <a:lstStyle/>
+                    <a:p>
+                      <a:r>
+                        <a:rPr lang="en-GB" dirty="0"/>
+                        <a:t>Potential recovery through SAC</a:t>
+                      </a:r>
+                      <a:endParaRPr lang="de-DE" dirty="0"/>
+                    </a:p>
+                  </a:txBody>
+                  <a:tcPr>
+                    <a:solidFill>
+                      <a:srgbClr val="FFFF99"/>
+                    </a:solidFill>
+                  </a:tcPr>
+                </a:tc>
+                <a:extLst>
+                  <a:ext uri="{0D108BD9-81ED-4DB2-BD59-A6C34878D82A}">
+                    <a16:rowId xmlns:a16="http://schemas.microsoft.com/office/drawing/2014/main" val="2221814348"/>
+                  </a:ext>
+                </a:extLst>
+              </a:tr>
+              <a:tr h="1474593">
+                <a:tc>
+                  <a:txBody>
+                    <a:bodyPr/>
+                    <a:lstStyle/>
+                    <a:p>
+                      <a:r>
+                        <a:rPr lang="en-GB" dirty="0"/>
+                        <a:t>No Plant Failure</a:t>
+                      </a:r>
+                      <a:endParaRPr lang="de-DE" dirty="0"/>
+                    </a:p>
+                  </a:txBody>
+                  <a:tcPr/>
+                </a:tc>
+                <a:tc>
+                  <a:txBody>
+                    <a:bodyPr/>
+                    <a:lstStyle/>
+                    <a:p>
+                      <a:pPr marL="0" marR="0" lvl="0" indent="0" algn="l" defTabSz="457200" rtl="0" eaLnBrk="1" fontAlgn="auto" latinLnBrk="0" hangingPunct="1">
+                        <a:lnSpc>
+                          <a:spcPct val="100000"/>
+                        </a:lnSpc>
+                        <a:spcBef>
+                          <a:spcPts val="0"/>
+                        </a:spcBef>
+                        <a:spcAft>
+                          <a:spcPts val="0"/>
+                        </a:spcAft>
+                        <a:buClrTx/>
+                        <a:buSzTx/>
+                        <a:buFontTx/>
+                        <a:buNone/>
+                        <a:tabLst/>
+                        <a:defRPr/>
+                      </a:pPr>
+                      <a:r>
+                        <a:rPr lang="en-GB" dirty="0"/>
+                        <a:t>No Failure of whole System</a:t>
+                      </a:r>
+                      <a:endParaRPr lang="de-DE" dirty="0"/>
+                    </a:p>
+                    <a:p>
+                      <a:r>
+                        <a:rPr lang="en-GB" dirty="0"/>
+                        <a:t>-&gt; Switch to FCC</a:t>
+                      </a:r>
+                      <a:endParaRPr lang="de-DE" dirty="0"/>
+                    </a:p>
+                  </a:txBody>
+                  <a:tcPr>
+                    <a:solidFill>
+                      <a:srgbClr val="CCFF99"/>
+                    </a:solidFill>
+                  </a:tcPr>
+                </a:tc>
+                <a:tc>
+                  <a:txBody>
+                    <a:bodyPr/>
+                    <a:lstStyle/>
+                    <a:p>
+                      <a:r>
+                        <a:rPr lang="en-GB" dirty="0"/>
+                        <a:t>No Failure of whole System</a:t>
+                      </a:r>
+                      <a:endParaRPr lang="de-DE" dirty="0"/>
+                    </a:p>
+                  </a:txBody>
+                  <a:tcPr>
+                    <a:solidFill>
+                      <a:srgbClr val="CCFF99"/>
+                    </a:solidFill>
+                  </a:tcPr>
+                </a:tc>
+                <a:extLst>
+                  <a:ext uri="{0D108BD9-81ED-4DB2-BD59-A6C34878D82A}">
+                    <a16:rowId xmlns:a16="http://schemas.microsoft.com/office/drawing/2014/main" val="2122569168"/>
+                  </a:ext>
+                </a:extLst>
+              </a:tr>
+            </a:tbl>
+          </a:graphicData>
+        </a:graphic>
+      </p:graphicFrame>
+    </p:spTree>
+  </p:cSld>
+  <p:clrMapOvr>
+    <a:masterClrMapping/>
+  </p:clrMapOvr>
+</p:sld>
+</file>
+
+<file path=ppt/slides/slide16.xml><?xml version="1.0" encoding="utf-8"?>
 <p:sld xmlns:a="http://schemas.openxmlformats.org/drawingml/2006/main" xmlns:r="http://schemas.openxmlformats.org/officeDocument/2006/relationships" xmlns:p="http://schemas.openxmlformats.org/presentationml/2006/main">
   <p:cSld>
     <p:spTree>
@@ -7481,12 +6578,8 @@
           <a:lstStyle/>
           <a:p>
             <a:r>
-              <a:rPr lang="de-DE" dirty="0" err="1"/>
-              <a:t>Safety</a:t>
-            </a:r>
-            <a:r>
               <a:rPr lang="de-DE" dirty="0"/>
-              <a:t> Assessment</a:t>
+              <a:t>Safety Assessment</a:t>
             </a:r>
             <a:endParaRPr lang="en-DE" dirty="0"/>
           </a:p>
@@ -7515,41 +6608,47 @@
           <a:p>
             <a:fld id="{B304D30C-128B-5449-AD8B-09F07771E88F}" type="slidenum">
               <a:rPr lang="en-DE" smtClean="0"/>
-              <a:t>18</a:t>
+              <a:t>16</a:t>
             </a:fld>
             <a:endParaRPr lang="en-DE"/>
           </a:p>
         </p:txBody>
       </p:sp>
-      <p:sp>
-        <p:nvSpPr>
-          <p:cNvPr id="6" name="Content Placeholder 5">
-            <a:extLst>
-              <a:ext uri="{FF2B5EF4-FFF2-40B4-BE49-F238E27FC236}">
-                <a16:creationId xmlns:a16="http://schemas.microsoft.com/office/drawing/2014/main" id="{0590812F-2726-CA06-D9F2-5F75EA4DB45A}"/>
-              </a:ext>
-            </a:extLst>
-          </p:cNvPr>
-          <p:cNvSpPr>
-            <a:spLocks noGrp="1"/>
-          </p:cNvSpPr>
+      <p:pic>
+        <p:nvPicPr>
+          <p:cNvPr id="5" name="Content Placeholder 4">
+            <a:extLst>
+              <a:ext uri="{FF2B5EF4-FFF2-40B4-BE49-F238E27FC236}">
+                <a16:creationId xmlns:a16="http://schemas.microsoft.com/office/drawing/2014/main" id="{5AFBF75B-B539-BAA7-8DC4-0019B144F57A}"/>
+              </a:ext>
+            </a:extLst>
+          </p:cNvPr>
+          <p:cNvPicPr>
+            <a:picLocks noGrp="1" noChangeAspect="1"/>
+          </p:cNvPicPr>
           <p:nvPr>
             <p:ph idx="1"/>
           </p:nvPr>
-        </p:nvSpPr>
-        <p:spPr/>
-        <p:txBody>
-          <a:bodyPr/>
-          <a:lstStyle/>
-          <a:p>
-            <a:pPr marL="514350" indent="-514350">
-              <a:buFont typeface="+mj-lt"/>
-              <a:buAutoNum type="arabicPeriod"/>
-            </a:pPr>
-            <a:endParaRPr lang="en-DE" dirty="0"/>
-          </a:p>
-        </p:txBody>
-      </p:sp>
+        </p:nvPicPr>
+        <p:blipFill>
+          <a:blip r:embed="rId2">
+            <a:extLst>
+              <a:ext uri="{96DAC541-7B7A-43D3-8B79-37D633B846F1}">
+                <asvg:svgBlip xmlns:asvg="http://schemas.microsoft.com/office/drawing/2016/SVG/main" r:embed="rId3"/>
+              </a:ext>
+            </a:extLst>
+          </a:blip>
+          <a:stretch>
+            <a:fillRect/>
+          </a:stretch>
+        </p:blipFill>
+        <p:spPr>
+          <a:xfrm>
+            <a:off x="838200" y="2091313"/>
+            <a:ext cx="10515600" cy="2480560"/>
+          </a:xfrm>
+        </p:spPr>
+      </p:pic>
     </p:spTree>
     <p:extLst>
       <p:ext uri="{BB962C8B-B14F-4D97-AF65-F5344CB8AC3E}">
@@ -7563,7 +6662,7 @@
 </p:sld>
 </file>
 
-<file path=ppt/slides/slide19.xml><?xml version="1.0" encoding="utf-8"?>
+<file path=ppt/slides/slide17.xml><?xml version="1.0" encoding="utf-8"?>
 <p:sld xmlns:a="http://schemas.openxmlformats.org/drawingml/2006/main" xmlns:r="http://schemas.openxmlformats.org/officeDocument/2006/relationships" xmlns:p="http://schemas.openxmlformats.org/presentationml/2006/main">
   <p:cSld>
     <p:spTree>
@@ -7571,7 +6670,7 @@
         <p:cNvPr id="1" name="">
           <a:extLst>
             <a:ext uri="{FF2B5EF4-FFF2-40B4-BE49-F238E27FC236}">
-              <a16:creationId xmlns:a16="http://schemas.microsoft.com/office/drawing/2014/main" id="{05294753-3627-E137-C3E3-EB064BF29E2E}"/>
+              <a16:creationId xmlns:a16="http://schemas.microsoft.com/office/drawing/2014/main" id="{3B8C32B7-A80E-9391-C016-E091E025D81F}"/>
             </a:ext>
           </a:extLst>
         </p:cNvPr>
@@ -7591,7 +6690,7 @@
           <p:cNvPr id="2" name="Title 1">
             <a:extLst>
               <a:ext uri="{FF2B5EF4-FFF2-40B4-BE49-F238E27FC236}">
-                <a16:creationId xmlns:a16="http://schemas.microsoft.com/office/drawing/2014/main" id="{7D8D0A04-4C5C-1BA8-B2FF-4FEE6FF6FF94}"/>
+                <a16:creationId xmlns:a16="http://schemas.microsoft.com/office/drawing/2014/main" id="{4D385C97-ED7C-65DF-B8AD-BA85E5D37D68}"/>
               </a:ext>
             </a:extLst>
           </p:cNvPr>
@@ -7612,7 +6711,7 @@
               <a:t>Potential </a:t>
             </a:r>
             <a:r>
-              <a:rPr lang="de-DE" dirty="0" err="1"/>
+              <a:rPr lang="en-GB" noProof="0" dirty="0"/>
               <a:t>Hazardous</a:t>
             </a:r>
             <a:r>
@@ -7628,7 +6727,331 @@
           <p:cNvPr id="3" name="Slide Number Placeholder 2">
             <a:extLst>
               <a:ext uri="{FF2B5EF4-FFF2-40B4-BE49-F238E27FC236}">
-                <a16:creationId xmlns:a16="http://schemas.microsoft.com/office/drawing/2014/main" id="{57226F23-FADE-B2F6-AA87-74E7969AA949}"/>
+                <a16:creationId xmlns:a16="http://schemas.microsoft.com/office/drawing/2014/main" id="{83A87A40-F0CF-ECB7-8891-2CFF15DE6B18}"/>
+              </a:ext>
+            </a:extLst>
+          </p:cNvPr>
+          <p:cNvSpPr>
+            <a:spLocks noGrp="1"/>
+          </p:cNvSpPr>
+          <p:nvPr>
+            <p:ph type="sldNum" sz="quarter" idx="12"/>
+          </p:nvPr>
+        </p:nvSpPr>
+        <p:spPr/>
+        <p:txBody>
+          <a:bodyPr/>
+          <a:lstStyle/>
+          <a:p>
+            <a:fld id="{B304D30C-128B-5449-AD8B-09F07771E88F}" type="slidenum">
+              <a:rPr lang="en-DE" smtClean="0"/>
+              <a:t>17</a:t>
+            </a:fld>
+            <a:endParaRPr lang="en-DE"/>
+          </a:p>
+        </p:txBody>
+      </p:sp>
+      <p:sp>
+        <p:nvSpPr>
+          <p:cNvPr id="6" name="Content Placeholder 5">
+            <a:extLst>
+              <a:ext uri="{FF2B5EF4-FFF2-40B4-BE49-F238E27FC236}">
+                <a16:creationId xmlns:a16="http://schemas.microsoft.com/office/drawing/2014/main" id="{4395921B-B53E-6B84-0EE2-577FFD7B225E}"/>
+              </a:ext>
+            </a:extLst>
+          </p:cNvPr>
+          <p:cNvSpPr>
+            <a:spLocks noGrp="1"/>
+          </p:cNvSpPr>
+          <p:nvPr>
+            <p:ph idx="1"/>
+          </p:nvPr>
+        </p:nvSpPr>
+        <p:spPr/>
+        <p:txBody>
+          <a:bodyPr/>
+          <a:lstStyle/>
+          <a:p>
+            <a:pPr marL="514350" indent="-514350">
+              <a:buFont typeface="+mj-lt"/>
+              <a:buAutoNum type="arabicPeriod"/>
+            </a:pPr>
+            <a:r>
+              <a:rPr lang="en-DE" dirty="0"/>
+              <a:t>Function fails to deactivate due to Hardware failure</a:t>
+            </a:r>
+          </a:p>
+          <a:p>
+            <a:pPr marL="514350" indent="-514350">
+              <a:buFont typeface="+mj-lt"/>
+              <a:buAutoNum type="arabicPeriod"/>
+            </a:pPr>
+            <a:r>
+              <a:rPr lang="en-DE" dirty="0"/>
+              <a:t>Soft Actor Critic (SAC) hallucinates and comparison system fails to detect</a:t>
+            </a:r>
+          </a:p>
+          <a:p>
+            <a:pPr marL="514350" indent="-514350">
+              <a:buFont typeface="+mj-lt"/>
+              <a:buAutoNum type="arabicPeriod"/>
+            </a:pPr>
+            <a:r>
+              <a:rPr lang="en-DE" dirty="0"/>
+              <a:t>Pilots fail to switch off SAC when deviation from classic control</a:t>
+            </a:r>
+          </a:p>
+          <a:p>
+            <a:pPr marL="514350" indent="-514350">
+              <a:buFont typeface="+mj-lt"/>
+              <a:buAutoNum type="arabicPeriod"/>
+            </a:pPr>
+            <a:r>
+              <a:rPr lang="en-DE" dirty="0"/>
+              <a:t>Deactivating SAC in a potentially unstable flight condition</a:t>
+            </a:r>
+          </a:p>
+          <a:p>
+            <a:pPr marL="514350" indent="-514350">
+              <a:buFont typeface="+mj-lt"/>
+              <a:buAutoNum type="arabicPeriod"/>
+            </a:pPr>
+            <a:r>
+              <a:rPr lang="en-GB" dirty="0"/>
+              <a:t>I</a:t>
+            </a:r>
+            <a:r>
+              <a:rPr lang="en-DE" dirty="0"/>
+              <a:t>n unstable flight condition SAC fails</a:t>
+            </a:r>
+          </a:p>
+          <a:p>
+            <a:pPr marL="514350" indent="-514350">
+              <a:buFont typeface="+mj-lt"/>
+              <a:buAutoNum type="arabicPeriod"/>
+            </a:pPr>
+            <a:r>
+              <a:rPr lang="en-GB" dirty="0"/>
+              <a:t>Pilot misunderstands system intent and disables it prematurely</a:t>
+            </a:r>
+          </a:p>
+          <a:p>
+            <a:pPr marL="514350" indent="-514350">
+              <a:buFont typeface="+mj-lt"/>
+              <a:buAutoNum type="arabicPeriod"/>
+            </a:pPr>
+            <a:endParaRPr lang="en-DE" dirty="0"/>
+          </a:p>
+          <a:p>
+            <a:pPr marL="514350" indent="-514350">
+              <a:buFont typeface="+mj-lt"/>
+              <a:buAutoNum type="arabicPeriod"/>
+            </a:pPr>
+            <a:endParaRPr lang="en-DE" dirty="0"/>
+          </a:p>
+        </p:txBody>
+      </p:sp>
+    </p:spTree>
+    <p:extLst>
+      <p:ext uri="{BB962C8B-B14F-4D97-AF65-F5344CB8AC3E}">
+        <p14:creationId xmlns:p14="http://schemas.microsoft.com/office/powerpoint/2010/main" val="1695921950"/>
+      </p:ext>
+    </p:extLst>
+  </p:cSld>
+  <p:clrMapOvr>
+    <a:masterClrMapping/>
+  </p:clrMapOvr>
+</p:sld>
+</file>
+
+<file path=ppt/slides/slide18.xml><?xml version="1.0" encoding="utf-8"?>
+<p:sld xmlns:a="http://schemas.openxmlformats.org/drawingml/2006/main" xmlns:r="http://schemas.openxmlformats.org/officeDocument/2006/relationships" xmlns:p="http://schemas.openxmlformats.org/presentationml/2006/main">
+  <p:cSld>
+    <p:spTree>
+      <p:nvGrpSpPr>
+        <p:cNvPr id="1" name="">
+          <a:extLst>
+            <a:ext uri="{FF2B5EF4-FFF2-40B4-BE49-F238E27FC236}">
+              <a16:creationId xmlns:a16="http://schemas.microsoft.com/office/drawing/2014/main" id="{C1FB9D17-5EB8-880F-3D65-0FBCF425A93E}"/>
+            </a:ext>
+          </a:extLst>
+        </p:cNvPr>
+        <p:cNvGrpSpPr/>
+        <p:nvPr/>
+      </p:nvGrpSpPr>
+      <p:grpSpPr>
+        <a:xfrm>
+          <a:off x="0" y="0"/>
+          <a:ext cx="0" cy="0"/>
+          <a:chOff x="0" y="0"/>
+          <a:chExt cx="0" cy="0"/>
+        </a:xfrm>
+      </p:grpSpPr>
+      <p:sp>
+        <p:nvSpPr>
+          <p:cNvPr id="2" name="Title 1">
+            <a:extLst>
+              <a:ext uri="{FF2B5EF4-FFF2-40B4-BE49-F238E27FC236}">
+                <a16:creationId xmlns:a16="http://schemas.microsoft.com/office/drawing/2014/main" id="{8B185C66-1581-5AFB-3BB2-28DDEB467B14}"/>
+              </a:ext>
+            </a:extLst>
+          </p:cNvPr>
+          <p:cNvSpPr>
+            <a:spLocks noGrp="1"/>
+          </p:cNvSpPr>
+          <p:nvPr>
+            <p:ph type="title"/>
+          </p:nvPr>
+        </p:nvSpPr>
+        <p:spPr/>
+        <p:txBody>
+          <a:bodyPr/>
+          <a:lstStyle/>
+          <a:p>
+            <a:r>
+              <a:rPr lang="de-DE" dirty="0"/>
+              <a:t>System Architecture</a:t>
+            </a:r>
+            <a:endParaRPr lang="en-DE" dirty="0"/>
+          </a:p>
+        </p:txBody>
+      </p:sp>
+      <p:sp>
+        <p:nvSpPr>
+          <p:cNvPr id="10" name="Slide Number Placeholder 9">
+            <a:extLst>
+              <a:ext uri="{FF2B5EF4-FFF2-40B4-BE49-F238E27FC236}">
+                <a16:creationId xmlns:a16="http://schemas.microsoft.com/office/drawing/2014/main" id="{4F591984-7025-F071-4410-56718D92C059}"/>
+              </a:ext>
+            </a:extLst>
+          </p:cNvPr>
+          <p:cNvSpPr>
+            <a:spLocks noGrp="1"/>
+          </p:cNvSpPr>
+          <p:nvPr>
+            <p:ph type="sldNum" sz="quarter" idx="12"/>
+          </p:nvPr>
+        </p:nvSpPr>
+        <p:spPr/>
+        <p:txBody>
+          <a:bodyPr/>
+          <a:lstStyle/>
+          <a:p>
+            <a:fld id="{B304D30C-128B-5449-AD8B-09F07771E88F}" type="slidenum">
+              <a:rPr lang="en-DE" smtClean="0"/>
+              <a:t>18</a:t>
+            </a:fld>
+            <a:endParaRPr lang="en-DE"/>
+          </a:p>
+        </p:txBody>
+      </p:sp>
+      <p:pic>
+        <p:nvPicPr>
+          <p:cNvPr id="14" name="Graphic 13">
+            <a:extLst>
+              <a:ext uri="{FF2B5EF4-FFF2-40B4-BE49-F238E27FC236}">
+                <a16:creationId xmlns:a16="http://schemas.microsoft.com/office/drawing/2014/main" id="{5188F0E6-87A3-C631-6C54-0DFDCDC5E56C}"/>
+              </a:ext>
+            </a:extLst>
+          </p:cNvPr>
+          <p:cNvPicPr>
+            <a:picLocks noChangeAspect="1"/>
+          </p:cNvPicPr>
+          <p:nvPr/>
+        </p:nvPicPr>
+        <p:blipFill>
+          <a:blip r:embed="rId2">
+            <a:extLst>
+              <a:ext uri="{96DAC541-7B7A-43D3-8B79-37D633B846F1}">
+                <asvg:svgBlip xmlns:asvg="http://schemas.microsoft.com/office/drawing/2016/SVG/main" r:embed="rId3"/>
+              </a:ext>
+            </a:extLst>
+          </a:blip>
+          <a:stretch>
+            <a:fillRect/>
+          </a:stretch>
+        </p:blipFill>
+        <p:spPr>
+          <a:xfrm>
+            <a:off x="1592150" y="1690688"/>
+            <a:ext cx="9007699" cy="4485315"/>
+          </a:xfrm>
+          <a:prstGeom prst="rect">
+            <a:avLst/>
+          </a:prstGeom>
+        </p:spPr>
+      </p:pic>
+    </p:spTree>
+    <p:extLst>
+      <p:ext uri="{BB962C8B-B14F-4D97-AF65-F5344CB8AC3E}">
+        <p14:creationId xmlns:p14="http://schemas.microsoft.com/office/powerpoint/2010/main" val="2400031850"/>
+      </p:ext>
+    </p:extLst>
+  </p:cSld>
+  <p:clrMapOvr>
+    <a:masterClrMapping/>
+  </p:clrMapOvr>
+</p:sld>
+</file>
+
+<file path=ppt/slides/slide19.xml><?xml version="1.0" encoding="utf-8"?>
+<p:sld xmlns:a="http://schemas.openxmlformats.org/drawingml/2006/main" xmlns:r="http://schemas.openxmlformats.org/officeDocument/2006/relationships" xmlns:p="http://schemas.openxmlformats.org/presentationml/2006/main" show="0">
+  <p:cSld>
+    <p:spTree>
+      <p:nvGrpSpPr>
+        <p:cNvPr id="1" name="">
+          <a:extLst>
+            <a:ext uri="{FF2B5EF4-FFF2-40B4-BE49-F238E27FC236}">
+              <a16:creationId xmlns:a16="http://schemas.microsoft.com/office/drawing/2014/main" id="{B505AECE-23E8-F228-A5E5-EB15C2AF19DF}"/>
+            </a:ext>
+          </a:extLst>
+        </p:cNvPr>
+        <p:cNvGrpSpPr/>
+        <p:nvPr/>
+      </p:nvGrpSpPr>
+      <p:grpSpPr>
+        <a:xfrm>
+          <a:off x="0" y="0"/>
+          <a:ext cx="0" cy="0"/>
+          <a:chOff x="0" y="0"/>
+          <a:chExt cx="0" cy="0"/>
+        </a:xfrm>
+      </p:grpSpPr>
+      <p:sp>
+        <p:nvSpPr>
+          <p:cNvPr id="2" name="Title 1">
+            <a:extLst>
+              <a:ext uri="{FF2B5EF4-FFF2-40B4-BE49-F238E27FC236}">
+                <a16:creationId xmlns:a16="http://schemas.microsoft.com/office/drawing/2014/main" id="{AC9CC66A-8860-C1AC-8195-C8687B887AED}"/>
+              </a:ext>
+            </a:extLst>
+          </p:cNvPr>
+          <p:cNvSpPr>
+            <a:spLocks noGrp="1"/>
+          </p:cNvSpPr>
+          <p:nvPr>
+            <p:ph type="title"/>
+          </p:nvPr>
+        </p:nvSpPr>
+        <p:spPr/>
+        <p:txBody>
+          <a:bodyPr/>
+          <a:lstStyle/>
+          <a:p>
+            <a:r>
+              <a:rPr lang="de-DE" dirty="0"/>
+              <a:t>Functional Hazard Assessment</a:t>
+            </a:r>
+            <a:endParaRPr lang="en-DE" dirty="0"/>
+          </a:p>
+        </p:txBody>
+      </p:sp>
+      <p:sp>
+        <p:nvSpPr>
+          <p:cNvPr id="3" name="Slide Number Placeholder 2">
+            <a:extLst>
+              <a:ext uri="{FF2B5EF4-FFF2-40B4-BE49-F238E27FC236}">
+                <a16:creationId xmlns:a16="http://schemas.microsoft.com/office/drawing/2014/main" id="{E7A678EA-FF2A-3974-0555-A33BE3EE397B}"/>
               </a:ext>
             </a:extLst>
           </p:cNvPr>
@@ -7652,93 +7075,884 @@
           </a:p>
         </p:txBody>
       </p:sp>
-      <p:sp>
-        <p:nvSpPr>
-          <p:cNvPr id="6" name="Content Placeholder 5">
-            <a:extLst>
-              <a:ext uri="{FF2B5EF4-FFF2-40B4-BE49-F238E27FC236}">
-                <a16:creationId xmlns:a16="http://schemas.microsoft.com/office/drawing/2014/main" id="{A9A76335-86E5-0978-C9DC-B4A1D1340CF0}"/>
-              </a:ext>
-            </a:extLst>
-          </p:cNvPr>
-          <p:cNvSpPr>
-            <a:spLocks noGrp="1"/>
-          </p:cNvSpPr>
+      <p:graphicFrame>
+        <p:nvGraphicFramePr>
+          <p:cNvPr id="10" name="Content Placeholder 9">
+            <a:extLst>
+              <a:ext uri="{FF2B5EF4-FFF2-40B4-BE49-F238E27FC236}">
+                <a16:creationId xmlns:a16="http://schemas.microsoft.com/office/drawing/2014/main" id="{ABFC1FCC-32DE-103D-794C-010E3F6A7ED3}"/>
+              </a:ext>
+            </a:extLst>
+          </p:cNvPr>
+          <p:cNvGraphicFramePr>
+            <a:graphicFrameLocks noGrp="1"/>
+          </p:cNvGraphicFramePr>
           <p:nvPr>
             <p:ph idx="1"/>
-          </p:nvPr>
-        </p:nvSpPr>
-        <p:spPr/>
-        <p:txBody>
-          <a:bodyPr/>
-          <a:lstStyle/>
-          <a:p>
-            <a:pPr marL="514350" indent="-514350">
-              <a:buFont typeface="+mj-lt"/>
-              <a:buAutoNum type="arabicPeriod"/>
-            </a:pPr>
-            <a:r>
-              <a:rPr lang="en-DE" dirty="0"/>
-              <a:t>Function fails to deactivate due to Hardware failure</a:t>
-            </a:r>
-          </a:p>
-          <a:p>
-            <a:pPr marL="514350" indent="-514350">
-              <a:buFont typeface="+mj-lt"/>
-              <a:buAutoNum type="arabicPeriod"/>
-            </a:pPr>
-            <a:r>
-              <a:rPr lang="en-DE" dirty="0"/>
-              <a:t>Soft Actor Critic (SAC) hallucinates and comparison system fails to detect</a:t>
-            </a:r>
-          </a:p>
-          <a:p>
-            <a:pPr marL="514350" indent="-514350">
-              <a:buFont typeface="+mj-lt"/>
-              <a:buAutoNum type="arabicPeriod"/>
-            </a:pPr>
-            <a:r>
-              <a:rPr lang="en-DE" dirty="0"/>
-              <a:t>Pilots fail to switch off SAC when deviation from classic control</a:t>
-            </a:r>
-          </a:p>
-          <a:p>
-            <a:pPr marL="514350" indent="-514350">
-              <a:buFont typeface="+mj-lt"/>
-              <a:buAutoNum type="arabicPeriod"/>
-            </a:pPr>
-            <a:r>
-              <a:rPr lang="en-DE" dirty="0"/>
-              <a:t>Deactivating SAC in a potentially unstable flight condition</a:t>
-            </a:r>
-          </a:p>
-          <a:p>
-            <a:pPr marL="514350" indent="-514350">
-              <a:buFont typeface="+mj-lt"/>
-              <a:buAutoNum type="arabicPeriod"/>
-            </a:pPr>
-            <a:r>
-              <a:rPr lang="en-GB" dirty="0"/>
-              <a:t>I</a:t>
-            </a:r>
-            <a:r>
-              <a:rPr lang="en-DE" dirty="0"/>
-              <a:t>n unstable flight condition SAC fails</a:t>
-            </a:r>
-          </a:p>
-          <a:p>
-            <a:pPr marL="514350" indent="-514350">
-              <a:buFont typeface="+mj-lt"/>
-              <a:buAutoNum type="arabicPeriod"/>
-            </a:pPr>
-            <a:endParaRPr lang="en-DE" dirty="0"/>
-          </a:p>
-        </p:txBody>
-      </p:sp>
+            <p:extLst>
+              <p:ext uri="{D42A27DB-BD31-4B8C-83A1-F6EECF244321}">
+                <p14:modId xmlns:p14="http://schemas.microsoft.com/office/powerpoint/2010/main" val="2326853575"/>
+              </p:ext>
+            </p:extLst>
+          </p:nvPr>
+        </p:nvGraphicFramePr>
+        <p:xfrm>
+          <a:off x="311285" y="1690688"/>
+          <a:ext cx="11673192" cy="4477221"/>
+        </p:xfrm>
+        <a:graphic>
+          <a:graphicData uri="http://schemas.openxmlformats.org/drawingml/2006/table">
+            <a:tbl>
+              <a:tblPr/>
+              <a:tblGrid>
+                <a:gridCol w="2918298">
+                  <a:extLst>
+                    <a:ext uri="{9D8B030D-6E8A-4147-A177-3AD203B41FA5}">
+                      <a16:colId xmlns:a16="http://schemas.microsoft.com/office/drawing/2014/main" val="2550614472"/>
+                    </a:ext>
+                  </a:extLst>
+                </a:gridCol>
+                <a:gridCol w="2918298">
+                  <a:extLst>
+                    <a:ext uri="{9D8B030D-6E8A-4147-A177-3AD203B41FA5}">
+                      <a16:colId xmlns:a16="http://schemas.microsoft.com/office/drawing/2014/main" val="3652472109"/>
+                    </a:ext>
+                  </a:extLst>
+                </a:gridCol>
+                <a:gridCol w="2918298">
+                  <a:extLst>
+                    <a:ext uri="{9D8B030D-6E8A-4147-A177-3AD203B41FA5}">
+                      <a16:colId xmlns:a16="http://schemas.microsoft.com/office/drawing/2014/main" val="2715499835"/>
+                    </a:ext>
+                  </a:extLst>
+                </a:gridCol>
+                <a:gridCol w="2918298">
+                  <a:extLst>
+                    <a:ext uri="{9D8B030D-6E8A-4147-A177-3AD203B41FA5}">
+                      <a16:colId xmlns:a16="http://schemas.microsoft.com/office/drawing/2014/main" val="3837899192"/>
+                    </a:ext>
+                  </a:extLst>
+                </a:gridCol>
+              </a:tblGrid>
+              <a:tr h="381303">
+                <a:tc>
+                  <a:txBody>
+                    <a:bodyPr/>
+                    <a:lstStyle/>
+                    <a:p>
+                      <a:r>
+                        <a:rPr lang="en-GB" sz="1200" dirty="0"/>
+                        <a:t>Function</a:t>
+                      </a:r>
+                    </a:p>
+                  </a:txBody>
+                  <a:tcPr marL="31305" marR="31305" marT="15652" marB="15652" anchor="ctr">
+                    <a:lnL>
+                      <a:noFill/>
+                    </a:lnL>
+                    <a:lnR>
+                      <a:noFill/>
+                    </a:lnR>
+                    <a:lnT>
+                      <a:noFill/>
+                    </a:lnT>
+                    <a:lnB>
+                      <a:noFill/>
+                    </a:lnB>
+                    <a:solidFill>
+                      <a:schemeClr val="bg2">
+                        <a:lumMod val="90000"/>
+                      </a:schemeClr>
+                    </a:solidFill>
+                  </a:tcPr>
+                </a:tc>
+                <a:tc>
+                  <a:txBody>
+                    <a:bodyPr/>
+                    <a:lstStyle/>
+                    <a:p>
+                      <a:r>
+                        <a:rPr lang="en-GB" sz="1200" dirty="0"/>
+                        <a:t>Failure Condition</a:t>
+                      </a:r>
+                    </a:p>
+                  </a:txBody>
+                  <a:tcPr marL="31305" marR="31305" marT="15652" marB="15652" anchor="ctr">
+                    <a:lnL>
+                      <a:noFill/>
+                    </a:lnL>
+                    <a:lnR>
+                      <a:noFill/>
+                    </a:lnR>
+                    <a:lnT>
+                      <a:noFill/>
+                    </a:lnT>
+                    <a:lnB>
+                      <a:noFill/>
+                    </a:lnB>
+                    <a:solidFill>
+                      <a:schemeClr val="bg2">
+                        <a:lumMod val="90000"/>
+                      </a:schemeClr>
+                    </a:solidFill>
+                  </a:tcPr>
+                </a:tc>
+                <a:tc>
+                  <a:txBody>
+                    <a:bodyPr/>
+                    <a:lstStyle/>
+                    <a:p>
+                      <a:r>
+                        <a:rPr lang="en-GB" sz="1200" dirty="0"/>
+                        <a:t>Failure Effect</a:t>
+                      </a:r>
+                    </a:p>
+                  </a:txBody>
+                  <a:tcPr marL="31305" marR="31305" marT="15652" marB="15652" anchor="ctr">
+                    <a:lnL>
+                      <a:noFill/>
+                    </a:lnL>
+                    <a:lnR>
+                      <a:noFill/>
+                    </a:lnR>
+                    <a:lnT>
+                      <a:noFill/>
+                    </a:lnT>
+                    <a:lnB>
+                      <a:noFill/>
+                    </a:lnB>
+                    <a:solidFill>
+                      <a:schemeClr val="bg2">
+                        <a:lumMod val="90000"/>
+                      </a:schemeClr>
+                    </a:solidFill>
+                  </a:tcPr>
+                </a:tc>
+                <a:tc>
+                  <a:txBody>
+                    <a:bodyPr/>
+                    <a:lstStyle/>
+                    <a:p>
+                      <a:r>
+                        <a:rPr lang="en-GB" sz="1200" dirty="0"/>
+                        <a:t>Severity</a:t>
+                      </a:r>
+                    </a:p>
+                  </a:txBody>
+                  <a:tcPr marL="31305" marR="31305" marT="15652" marB="15652" anchor="ctr">
+                    <a:lnL>
+                      <a:noFill/>
+                    </a:lnL>
+                    <a:lnR>
+                      <a:noFill/>
+                    </a:lnR>
+                    <a:lnT>
+                      <a:noFill/>
+                    </a:lnT>
+                    <a:lnB>
+                      <a:noFill/>
+                    </a:lnB>
+                    <a:solidFill>
+                      <a:schemeClr val="bg2">
+                        <a:lumMod val="90000"/>
+                      </a:schemeClr>
+                    </a:solidFill>
+                  </a:tcPr>
+                </a:tc>
+                <a:extLst>
+                  <a:ext uri="{0D108BD9-81ED-4DB2-BD59-A6C34878D82A}">
+                    <a16:rowId xmlns:a16="http://schemas.microsoft.com/office/drawing/2014/main" val="843777992"/>
+                  </a:ext>
+                </a:extLst>
+              </a:tr>
+              <a:tr h="910203">
+                <a:tc>
+                  <a:txBody>
+                    <a:bodyPr/>
+                    <a:lstStyle/>
+                    <a:p>
+                      <a:r>
+                        <a:rPr lang="en-GB" sz="1200" b="1" dirty="0"/>
+                        <a:t>Maintain Cruise Altitude</a:t>
+                      </a:r>
+                      <a:endParaRPr lang="en-GB" sz="1200" dirty="0"/>
+                    </a:p>
+                  </a:txBody>
+                  <a:tcPr marL="31305" marR="31305" marT="15652" marB="15652" anchor="ctr">
+                    <a:lnL>
+                      <a:noFill/>
+                    </a:lnL>
+                    <a:lnR>
+                      <a:noFill/>
+                    </a:lnR>
+                    <a:lnT>
+                      <a:noFill/>
+                    </a:lnT>
+                    <a:lnB>
+                      <a:noFill/>
+                    </a:lnB>
+                    <a:noFill/>
+                  </a:tcPr>
+                </a:tc>
+                <a:tc>
+                  <a:txBody>
+                    <a:bodyPr/>
+                    <a:lstStyle/>
+                    <a:p>
+                      <a:r>
+                        <a:rPr lang="en-GB" sz="1200" dirty="0"/>
+                        <a:t>Loss of Function</a:t>
+                      </a:r>
+                    </a:p>
+                  </a:txBody>
+                  <a:tcPr marL="31305" marR="31305" marT="15652" marB="15652" anchor="ctr">
+                    <a:lnL>
+                      <a:noFill/>
+                    </a:lnL>
+                    <a:lnR>
+                      <a:noFill/>
+                    </a:lnR>
+                    <a:lnT>
+                      <a:noFill/>
+                    </a:lnT>
+                    <a:lnB>
+                      <a:noFill/>
+                    </a:lnB>
+                    <a:noFill/>
+                  </a:tcPr>
+                </a:tc>
+                <a:tc>
+                  <a:txBody>
+                    <a:bodyPr/>
+                    <a:lstStyle/>
+                    <a:p>
+                      <a:r>
+                        <a:rPr lang="en-GB" sz="1200" dirty="0"/>
+                        <a:t>Aircraft drifts from assigned altitude; potential loss of separation or controlled flight into terrain</a:t>
+                      </a:r>
+                    </a:p>
+                  </a:txBody>
+                  <a:tcPr marL="31305" marR="31305" marT="15652" marB="15652" anchor="ctr">
+                    <a:lnL>
+                      <a:noFill/>
+                    </a:lnL>
+                    <a:lnR>
+                      <a:noFill/>
+                    </a:lnR>
+                    <a:lnT>
+                      <a:noFill/>
+                    </a:lnT>
+                    <a:lnB>
+                      <a:noFill/>
+                    </a:lnB>
+                    <a:noFill/>
+                  </a:tcPr>
+                </a:tc>
+                <a:tc>
+                  <a:txBody>
+                    <a:bodyPr/>
+                    <a:lstStyle/>
+                    <a:p>
+                      <a:r>
+                        <a:rPr lang="en-GB" sz="1200" dirty="0"/>
+                        <a:t>Catastrophic</a:t>
+                      </a:r>
+                    </a:p>
+                  </a:txBody>
+                  <a:tcPr marL="31305" marR="31305" marT="15652" marB="15652" anchor="ctr">
+                    <a:lnL>
+                      <a:noFill/>
+                    </a:lnL>
+                    <a:lnR>
+                      <a:noFill/>
+                    </a:lnR>
+                    <a:lnT>
+                      <a:noFill/>
+                    </a:lnT>
+                    <a:lnB>
+                      <a:noFill/>
+                    </a:lnB>
+                    <a:noFill/>
+                  </a:tcPr>
+                </a:tc>
+                <a:extLst>
+                  <a:ext uri="{0D108BD9-81ED-4DB2-BD59-A6C34878D82A}">
+                    <a16:rowId xmlns:a16="http://schemas.microsoft.com/office/drawing/2014/main" val="4215929046"/>
+                  </a:ext>
+                </a:extLst>
+              </a:tr>
+              <a:tr h="568877">
+                <a:tc>
+                  <a:txBody>
+                    <a:bodyPr/>
+                    <a:lstStyle/>
+                    <a:p>
+                      <a:endParaRPr lang="en-DE" sz="1200"/>
+                    </a:p>
+                  </a:txBody>
+                  <a:tcPr marL="31305" marR="31305" marT="15652" marB="15652" anchor="ctr">
+                    <a:lnL>
+                      <a:noFill/>
+                    </a:lnL>
+                    <a:lnR>
+                      <a:noFill/>
+                    </a:lnR>
+                    <a:lnT>
+                      <a:noFill/>
+                    </a:lnT>
+                    <a:lnB>
+                      <a:noFill/>
+                    </a:lnB>
+                    <a:noFill/>
+                  </a:tcPr>
+                </a:tc>
+                <a:tc>
+                  <a:txBody>
+                    <a:bodyPr/>
+                    <a:lstStyle/>
+                    <a:p>
+                      <a:r>
+                        <a:rPr lang="en-GB" sz="1200" dirty="0"/>
+                        <a:t>Unannunciated Loss</a:t>
+                      </a:r>
+                    </a:p>
+                  </a:txBody>
+                  <a:tcPr marL="31305" marR="31305" marT="15652" marB="15652" anchor="ctr">
+                    <a:lnL>
+                      <a:noFill/>
+                    </a:lnL>
+                    <a:lnR>
+                      <a:noFill/>
+                    </a:lnR>
+                    <a:lnT>
+                      <a:noFill/>
+                    </a:lnT>
+                    <a:lnB>
+                      <a:noFill/>
+                    </a:lnB>
+                    <a:noFill/>
+                  </a:tcPr>
+                </a:tc>
+                <a:tc>
+                  <a:txBody>
+                    <a:bodyPr/>
+                    <a:lstStyle/>
+                    <a:p>
+                      <a:r>
+                        <a:rPr lang="en-GB" sz="1200"/>
+                        <a:t>Crew unaware altitude hold has failed; delayed recovery action</a:t>
+                      </a:r>
+                    </a:p>
+                  </a:txBody>
+                  <a:tcPr marL="31305" marR="31305" marT="15652" marB="15652" anchor="ctr">
+                    <a:lnL>
+                      <a:noFill/>
+                    </a:lnL>
+                    <a:lnR>
+                      <a:noFill/>
+                    </a:lnR>
+                    <a:lnT>
+                      <a:noFill/>
+                    </a:lnT>
+                    <a:lnB>
+                      <a:noFill/>
+                    </a:lnB>
+                    <a:noFill/>
+                  </a:tcPr>
+                </a:tc>
+                <a:tc>
+                  <a:txBody>
+                    <a:bodyPr/>
+                    <a:lstStyle/>
+                    <a:p>
+                      <a:r>
+                        <a:rPr lang="en-GB" sz="1200"/>
+                        <a:t>Hazardous</a:t>
+                      </a:r>
+                    </a:p>
+                  </a:txBody>
+                  <a:tcPr marL="31305" marR="31305" marT="15652" marB="15652" anchor="ctr">
+                    <a:lnL>
+                      <a:noFill/>
+                    </a:lnL>
+                    <a:lnR>
+                      <a:noFill/>
+                    </a:lnR>
+                    <a:lnT>
+                      <a:noFill/>
+                    </a:lnT>
+                    <a:lnB>
+                      <a:noFill/>
+                    </a:lnB>
+                    <a:noFill/>
+                  </a:tcPr>
+                </a:tc>
+                <a:extLst>
+                  <a:ext uri="{0D108BD9-81ED-4DB2-BD59-A6C34878D82A}">
+                    <a16:rowId xmlns:a16="http://schemas.microsoft.com/office/drawing/2014/main" val="2867444570"/>
+                  </a:ext>
+                </a:extLst>
+              </a:tr>
+              <a:tr h="568877">
+                <a:tc>
+                  <a:txBody>
+                    <a:bodyPr/>
+                    <a:lstStyle/>
+                    <a:p>
+                      <a:endParaRPr lang="en-DE" sz="1200"/>
+                    </a:p>
+                  </a:txBody>
+                  <a:tcPr marL="31305" marR="31305" marT="15652" marB="15652" anchor="ctr">
+                    <a:lnL>
+                      <a:noFill/>
+                    </a:lnL>
+                    <a:lnR>
+                      <a:noFill/>
+                    </a:lnR>
+                    <a:lnT>
+                      <a:noFill/>
+                    </a:lnT>
+                    <a:lnB>
+                      <a:noFill/>
+                    </a:lnB>
+                    <a:noFill/>
+                  </a:tcPr>
+                </a:tc>
+                <a:tc>
+                  <a:txBody>
+                    <a:bodyPr/>
+                    <a:lstStyle/>
+                    <a:p>
+                      <a:r>
+                        <a:rPr lang="en-GB" sz="1200" dirty="0"/>
+                        <a:t>Erroneous Output (over/undershoot)</a:t>
+                      </a:r>
+                    </a:p>
+                  </a:txBody>
+                  <a:tcPr marL="31305" marR="31305" marT="15652" marB="15652" anchor="ctr">
+                    <a:lnL>
+                      <a:noFill/>
+                    </a:lnL>
+                    <a:lnR>
+                      <a:noFill/>
+                    </a:lnR>
+                    <a:lnT>
+                      <a:noFill/>
+                    </a:lnT>
+                    <a:lnB>
+                      <a:noFill/>
+                    </a:lnB>
+                    <a:noFill/>
+                  </a:tcPr>
+                </a:tc>
+                <a:tc>
+                  <a:txBody>
+                    <a:bodyPr/>
+                    <a:lstStyle/>
+                    <a:p>
+                      <a:r>
+                        <a:rPr lang="en-GB" sz="1200"/>
+                        <a:t>Oscillatory altitude deviations, increased pilot workload</a:t>
+                      </a:r>
+                    </a:p>
+                  </a:txBody>
+                  <a:tcPr marL="31305" marR="31305" marT="15652" marB="15652" anchor="ctr">
+                    <a:lnL>
+                      <a:noFill/>
+                    </a:lnL>
+                    <a:lnR>
+                      <a:noFill/>
+                    </a:lnR>
+                    <a:lnT>
+                      <a:noFill/>
+                    </a:lnT>
+                    <a:lnB>
+                      <a:noFill/>
+                    </a:lnB>
+                    <a:noFill/>
+                  </a:tcPr>
+                </a:tc>
+                <a:tc>
+                  <a:txBody>
+                    <a:bodyPr/>
+                    <a:lstStyle/>
+                    <a:p>
+                      <a:r>
+                        <a:rPr lang="en-GB" sz="1200"/>
+                        <a:t>Major</a:t>
+                      </a:r>
+                    </a:p>
+                  </a:txBody>
+                  <a:tcPr marL="31305" marR="31305" marT="15652" marB="15652" anchor="ctr">
+                    <a:lnL>
+                      <a:noFill/>
+                    </a:lnL>
+                    <a:lnR>
+                      <a:noFill/>
+                    </a:lnR>
+                    <a:lnT>
+                      <a:noFill/>
+                    </a:lnT>
+                    <a:lnB>
+                      <a:noFill/>
+                    </a:lnB>
+                    <a:noFill/>
+                  </a:tcPr>
+                </a:tc>
+                <a:extLst>
+                  <a:ext uri="{0D108BD9-81ED-4DB2-BD59-A6C34878D82A}">
+                    <a16:rowId xmlns:a16="http://schemas.microsoft.com/office/drawing/2014/main" val="3919697028"/>
+                  </a:ext>
+                </a:extLst>
+              </a:tr>
+              <a:tr h="568877">
+                <a:tc>
+                  <a:txBody>
+                    <a:bodyPr/>
+                    <a:lstStyle/>
+                    <a:p>
+                      <a:r>
+                        <a:rPr lang="en-GB" sz="1200" b="1"/>
+                        <a:t>Maintain Cruise Speed</a:t>
+                      </a:r>
+                      <a:endParaRPr lang="en-GB" sz="1200"/>
+                    </a:p>
+                  </a:txBody>
+                  <a:tcPr marL="31305" marR="31305" marT="15652" marB="15652" anchor="ctr">
+                    <a:lnL>
+                      <a:noFill/>
+                    </a:lnL>
+                    <a:lnR>
+                      <a:noFill/>
+                    </a:lnR>
+                    <a:lnT>
+                      <a:noFill/>
+                    </a:lnT>
+                    <a:lnB>
+                      <a:noFill/>
+                    </a:lnB>
+                    <a:noFill/>
+                  </a:tcPr>
+                </a:tc>
+                <a:tc>
+                  <a:txBody>
+                    <a:bodyPr/>
+                    <a:lstStyle/>
+                    <a:p>
+                      <a:r>
+                        <a:rPr lang="en-GB" sz="1200"/>
+                        <a:t>Loss of Function</a:t>
+                      </a:r>
+                    </a:p>
+                  </a:txBody>
+                  <a:tcPr marL="31305" marR="31305" marT="15652" marB="15652" anchor="ctr">
+                    <a:lnL>
+                      <a:noFill/>
+                    </a:lnL>
+                    <a:lnR>
+                      <a:noFill/>
+                    </a:lnR>
+                    <a:lnT>
+                      <a:noFill/>
+                    </a:lnT>
+                    <a:lnB>
+                      <a:noFill/>
+                    </a:lnB>
+                    <a:noFill/>
+                  </a:tcPr>
+                </a:tc>
+                <a:tc>
+                  <a:txBody>
+                    <a:bodyPr/>
+                    <a:lstStyle/>
+                    <a:p>
+                      <a:r>
+                        <a:rPr lang="en-GB" sz="1200"/>
+                        <a:t>Airspeed decays or overspeeds; risk of stall or structural overstress</a:t>
+                      </a:r>
+                    </a:p>
+                  </a:txBody>
+                  <a:tcPr marL="31305" marR="31305" marT="15652" marB="15652" anchor="ctr">
+                    <a:lnL>
+                      <a:noFill/>
+                    </a:lnL>
+                    <a:lnR>
+                      <a:noFill/>
+                    </a:lnR>
+                    <a:lnT>
+                      <a:noFill/>
+                    </a:lnT>
+                    <a:lnB>
+                      <a:noFill/>
+                    </a:lnB>
+                    <a:noFill/>
+                  </a:tcPr>
+                </a:tc>
+                <a:tc>
+                  <a:txBody>
+                    <a:bodyPr/>
+                    <a:lstStyle/>
+                    <a:p>
+                      <a:r>
+                        <a:rPr lang="en-GB" sz="1200"/>
+                        <a:t>Catastrophic</a:t>
+                      </a:r>
+                    </a:p>
+                  </a:txBody>
+                  <a:tcPr marL="31305" marR="31305" marT="15652" marB="15652" anchor="ctr">
+                    <a:lnL>
+                      <a:noFill/>
+                    </a:lnL>
+                    <a:lnR>
+                      <a:noFill/>
+                    </a:lnR>
+                    <a:lnT>
+                      <a:noFill/>
+                    </a:lnT>
+                    <a:lnB>
+                      <a:noFill/>
+                    </a:lnB>
+                    <a:noFill/>
+                  </a:tcPr>
+                </a:tc>
+                <a:extLst>
+                  <a:ext uri="{0D108BD9-81ED-4DB2-BD59-A6C34878D82A}">
+                    <a16:rowId xmlns:a16="http://schemas.microsoft.com/office/drawing/2014/main" val="2355052602"/>
+                  </a:ext>
+                </a:extLst>
+              </a:tr>
+              <a:tr h="739542">
+                <a:tc>
+                  <a:txBody>
+                    <a:bodyPr/>
+                    <a:lstStyle/>
+                    <a:p>
+                      <a:endParaRPr lang="en-DE" sz="1200"/>
+                    </a:p>
+                  </a:txBody>
+                  <a:tcPr marL="31305" marR="31305" marT="15652" marB="15652" anchor="ctr">
+                    <a:lnL>
+                      <a:noFill/>
+                    </a:lnL>
+                    <a:lnR>
+                      <a:noFill/>
+                    </a:lnR>
+                    <a:lnT>
+                      <a:noFill/>
+                    </a:lnT>
+                    <a:lnB>
+                      <a:noFill/>
+                    </a:lnB>
+                    <a:noFill/>
+                  </a:tcPr>
+                </a:tc>
+                <a:tc>
+                  <a:txBody>
+                    <a:bodyPr/>
+                    <a:lstStyle/>
+                    <a:p>
+                      <a:r>
+                        <a:rPr lang="en-GB" sz="1200" dirty="0"/>
+                        <a:t>Unannunciated Loss</a:t>
+                      </a:r>
+                    </a:p>
+                  </a:txBody>
+                  <a:tcPr marL="31305" marR="31305" marT="15652" marB="15652" anchor="ctr">
+                    <a:lnL>
+                      <a:noFill/>
+                    </a:lnL>
+                    <a:lnR>
+                      <a:noFill/>
+                    </a:lnR>
+                    <a:lnT>
+                      <a:noFill/>
+                    </a:lnT>
+                    <a:lnB>
+                      <a:noFill/>
+                    </a:lnB>
+                    <a:noFill/>
+                  </a:tcPr>
+                </a:tc>
+                <a:tc>
+                  <a:txBody>
+                    <a:bodyPr/>
+                    <a:lstStyle/>
+                    <a:p>
+                      <a:r>
+                        <a:rPr lang="en-GB" sz="1200" dirty="0"/>
+                        <a:t>Crew unaware of airspeed control failure; delayed throttle intervention</a:t>
+                      </a:r>
+                    </a:p>
+                  </a:txBody>
+                  <a:tcPr marL="31305" marR="31305" marT="15652" marB="15652" anchor="ctr">
+                    <a:lnL>
+                      <a:noFill/>
+                    </a:lnL>
+                    <a:lnR>
+                      <a:noFill/>
+                    </a:lnR>
+                    <a:lnT>
+                      <a:noFill/>
+                    </a:lnT>
+                    <a:lnB>
+                      <a:noFill/>
+                    </a:lnB>
+                    <a:noFill/>
+                  </a:tcPr>
+                </a:tc>
+                <a:tc>
+                  <a:txBody>
+                    <a:bodyPr/>
+                    <a:lstStyle/>
+                    <a:p>
+                      <a:r>
+                        <a:rPr lang="en-GB" sz="1200"/>
+                        <a:t>Hazardous</a:t>
+                      </a:r>
+                    </a:p>
+                  </a:txBody>
+                  <a:tcPr marL="31305" marR="31305" marT="15652" marB="15652" anchor="ctr">
+                    <a:lnL>
+                      <a:noFill/>
+                    </a:lnL>
+                    <a:lnR>
+                      <a:noFill/>
+                    </a:lnR>
+                    <a:lnT>
+                      <a:noFill/>
+                    </a:lnT>
+                    <a:lnB>
+                      <a:noFill/>
+                    </a:lnB>
+                    <a:noFill/>
+                  </a:tcPr>
+                </a:tc>
+                <a:extLst>
+                  <a:ext uri="{0D108BD9-81ED-4DB2-BD59-A6C34878D82A}">
+                    <a16:rowId xmlns:a16="http://schemas.microsoft.com/office/drawing/2014/main" val="4071350997"/>
+                  </a:ext>
+                </a:extLst>
+              </a:tr>
+              <a:tr h="739542">
+                <a:tc>
+                  <a:txBody>
+                    <a:bodyPr/>
+                    <a:lstStyle/>
+                    <a:p>
+                      <a:endParaRPr lang="en-DE" sz="1200"/>
+                    </a:p>
+                  </a:txBody>
+                  <a:tcPr marL="31305" marR="31305" marT="15652" marB="15652" anchor="ctr">
+                    <a:lnL>
+                      <a:noFill/>
+                    </a:lnL>
+                    <a:lnR>
+                      <a:noFill/>
+                    </a:lnR>
+                    <a:lnT>
+                      <a:noFill/>
+                    </a:lnT>
+                    <a:lnB>
+                      <a:noFill/>
+                    </a:lnB>
+                    <a:noFill/>
+                  </a:tcPr>
+                </a:tc>
+                <a:tc>
+                  <a:txBody>
+                    <a:bodyPr/>
+                    <a:lstStyle/>
+                    <a:p>
+                      <a:r>
+                        <a:rPr lang="en-GB" sz="1200" dirty="0"/>
+                        <a:t>Erroneous Output (throttle oscillation)</a:t>
+                      </a:r>
+                    </a:p>
+                  </a:txBody>
+                  <a:tcPr marL="31305" marR="31305" marT="15652" marB="15652" anchor="ctr">
+                    <a:lnL>
+                      <a:noFill/>
+                    </a:lnL>
+                    <a:lnR>
+                      <a:noFill/>
+                    </a:lnR>
+                    <a:lnT>
+                      <a:noFill/>
+                    </a:lnT>
+                    <a:lnB>
+                      <a:noFill/>
+                    </a:lnB>
+                    <a:noFill/>
+                  </a:tcPr>
+                </a:tc>
+                <a:tc>
+                  <a:txBody>
+                    <a:bodyPr/>
+                    <a:lstStyle/>
+                    <a:p>
+                      <a:r>
+                        <a:rPr lang="en-GB" sz="1200"/>
+                        <a:t>Speed hunting, increased pilot workload, passenger discomfort</a:t>
+                      </a:r>
+                    </a:p>
+                  </a:txBody>
+                  <a:tcPr marL="31305" marR="31305" marT="15652" marB="15652" anchor="ctr">
+                    <a:lnL>
+                      <a:noFill/>
+                    </a:lnL>
+                    <a:lnR>
+                      <a:noFill/>
+                    </a:lnR>
+                    <a:lnT>
+                      <a:noFill/>
+                    </a:lnT>
+                    <a:lnB>
+                      <a:noFill/>
+                    </a:lnB>
+                    <a:noFill/>
+                  </a:tcPr>
+                </a:tc>
+                <a:tc>
+                  <a:txBody>
+                    <a:bodyPr/>
+                    <a:lstStyle/>
+                    <a:p>
+                      <a:r>
+                        <a:rPr lang="en-GB" sz="1200" dirty="0"/>
+                        <a:t>Major</a:t>
+                      </a:r>
+                    </a:p>
+                  </a:txBody>
+                  <a:tcPr marL="31305" marR="31305" marT="15652" marB="15652" anchor="ctr">
+                    <a:lnL>
+                      <a:noFill/>
+                    </a:lnL>
+                    <a:lnR>
+                      <a:noFill/>
+                    </a:lnR>
+                    <a:lnT>
+                      <a:noFill/>
+                    </a:lnT>
+                    <a:lnB>
+                      <a:noFill/>
+                    </a:lnB>
+                    <a:noFill/>
+                  </a:tcPr>
+                </a:tc>
+                <a:extLst>
+                  <a:ext uri="{0D108BD9-81ED-4DB2-BD59-A6C34878D82A}">
+                    <a16:rowId xmlns:a16="http://schemas.microsoft.com/office/drawing/2014/main" val="2357205851"/>
+                  </a:ext>
+                </a:extLst>
+              </a:tr>
+            </a:tbl>
+          </a:graphicData>
+        </a:graphic>
+      </p:graphicFrame>
     </p:spTree>
     <p:extLst>
       <p:ext uri="{BB962C8B-B14F-4D97-AF65-F5344CB8AC3E}">
-        <p14:creationId xmlns:p14="http://schemas.microsoft.com/office/powerpoint/2010/main" val="1334350558"/>
+        <p14:creationId xmlns:p14="http://schemas.microsoft.com/office/powerpoint/2010/main" val="245157357"/>
       </p:ext>
     </p:extLst>
   </p:cSld>
@@ -7897,14 +8111,14 @@
 </file>
 
 <file path=ppt/slides/slide20.xml><?xml version="1.0" encoding="utf-8"?>
-<p:sld xmlns:a="http://schemas.openxmlformats.org/drawingml/2006/main" xmlns:r="http://schemas.openxmlformats.org/officeDocument/2006/relationships" xmlns:p="http://schemas.openxmlformats.org/presentationml/2006/main">
+<p:sld xmlns:a="http://schemas.openxmlformats.org/drawingml/2006/main" xmlns:r="http://schemas.openxmlformats.org/officeDocument/2006/relationships" xmlns:p="http://schemas.openxmlformats.org/presentationml/2006/main" show="0">
   <p:cSld>
     <p:spTree>
       <p:nvGrpSpPr>
         <p:cNvPr id="1" name="">
           <a:extLst>
             <a:ext uri="{FF2B5EF4-FFF2-40B4-BE49-F238E27FC236}">
-              <a16:creationId xmlns:a16="http://schemas.microsoft.com/office/drawing/2014/main" id="{3B8C32B7-A80E-9391-C016-E091E025D81F}"/>
+              <a16:creationId xmlns:a16="http://schemas.microsoft.com/office/drawing/2014/main" id="{0DDF69B9-E97A-FC75-ECA3-28B4B85475E3}"/>
             </a:ext>
           </a:extLst>
         </p:cNvPr>
@@ -7924,7 +8138,7 @@
           <p:cNvPr id="2" name="Title 1">
             <a:extLst>
               <a:ext uri="{FF2B5EF4-FFF2-40B4-BE49-F238E27FC236}">
-                <a16:creationId xmlns:a16="http://schemas.microsoft.com/office/drawing/2014/main" id="{4D385C97-ED7C-65DF-B8AD-BA85E5D37D68}"/>
+                <a16:creationId xmlns:a16="http://schemas.microsoft.com/office/drawing/2014/main" id="{24BCE170-3A42-4C2A-E154-3FD2ED969F62}"/>
               </a:ext>
             </a:extLst>
           </p:cNvPr>
@@ -7942,15 +8156,7 @@
           <a:p>
             <a:r>
               <a:rPr lang="de-DE" dirty="0"/>
-              <a:t>Potential </a:t>
-            </a:r>
-            <a:r>
-              <a:rPr lang="de-DE" dirty="0" err="1"/>
-              <a:t>Hazardous</a:t>
-            </a:r>
-            <a:r>
-              <a:rPr lang="de-DE" dirty="0"/>
-              <a:t> Scenarios</a:t>
+              <a:t>Functional Hazard Assessment</a:t>
             </a:r>
             <a:endParaRPr lang="en-DE" dirty="0"/>
           </a:p>
@@ -7961,7 +8167,7 @@
           <p:cNvPr id="3" name="Slide Number Placeholder 2">
             <a:extLst>
               <a:ext uri="{FF2B5EF4-FFF2-40B4-BE49-F238E27FC236}">
-                <a16:creationId xmlns:a16="http://schemas.microsoft.com/office/drawing/2014/main" id="{83A87A40-F0CF-ECB7-8891-2CFF15DE6B18}"/>
+                <a16:creationId xmlns:a16="http://schemas.microsoft.com/office/drawing/2014/main" id="{44A3437C-DDDB-9FAB-0A82-FDCD9FFB9F21}"/>
               </a:ext>
             </a:extLst>
           </p:cNvPr>
@@ -7985,93 +8191,994 @@
           </a:p>
         </p:txBody>
       </p:sp>
-      <p:sp>
-        <p:nvSpPr>
+      <p:graphicFrame>
+        <p:nvGraphicFramePr>
           <p:cNvPr id="6" name="Content Placeholder 5">
             <a:extLst>
               <a:ext uri="{FF2B5EF4-FFF2-40B4-BE49-F238E27FC236}">
-                <a16:creationId xmlns:a16="http://schemas.microsoft.com/office/drawing/2014/main" id="{4395921B-B53E-6B84-0EE2-577FFD7B225E}"/>
-              </a:ext>
-            </a:extLst>
-          </p:cNvPr>
-          <p:cNvSpPr>
-            <a:spLocks noGrp="1"/>
-          </p:cNvSpPr>
+                <a16:creationId xmlns:a16="http://schemas.microsoft.com/office/drawing/2014/main" id="{8D56438E-F8BD-3E44-BC4B-6DB1DC714CA5}"/>
+              </a:ext>
+            </a:extLst>
+          </p:cNvPr>
+          <p:cNvGraphicFramePr>
+            <a:graphicFrameLocks noGrp="1"/>
+          </p:cNvGraphicFramePr>
           <p:nvPr>
             <p:ph idx="1"/>
           </p:nvPr>
-        </p:nvSpPr>
-        <p:spPr/>
-        <p:txBody>
-          <a:bodyPr/>
-          <a:lstStyle/>
-          <a:p>
-            <a:pPr marL="514350" indent="-514350">
-              <a:buFont typeface="+mj-lt"/>
-              <a:buAutoNum type="arabicPeriod"/>
-            </a:pPr>
-            <a:r>
-              <a:rPr lang="en-DE" dirty="0"/>
-              <a:t>Function fails to deactivate due to Hardware failure</a:t>
-            </a:r>
-          </a:p>
-          <a:p>
-            <a:pPr marL="514350" indent="-514350">
-              <a:buFont typeface="+mj-lt"/>
-              <a:buAutoNum type="arabicPeriod"/>
-            </a:pPr>
-            <a:r>
-              <a:rPr lang="en-DE" dirty="0"/>
-              <a:t>Soft Actor Critic (SAC) hallucinates and comparison system fails to detect</a:t>
-            </a:r>
-          </a:p>
-          <a:p>
-            <a:pPr marL="514350" indent="-514350">
-              <a:buFont typeface="+mj-lt"/>
-              <a:buAutoNum type="arabicPeriod"/>
-            </a:pPr>
-            <a:r>
-              <a:rPr lang="en-DE" dirty="0"/>
-              <a:t>Pilots fail to switch off SAC when deviation from classic control</a:t>
-            </a:r>
-          </a:p>
-          <a:p>
-            <a:pPr marL="514350" indent="-514350">
-              <a:buFont typeface="+mj-lt"/>
-              <a:buAutoNum type="arabicPeriod"/>
-            </a:pPr>
-            <a:r>
-              <a:rPr lang="en-DE" dirty="0"/>
-              <a:t>Deactivating SAC in a potentially unstable flight condition</a:t>
-            </a:r>
-          </a:p>
-          <a:p>
-            <a:pPr marL="514350" indent="-514350">
-              <a:buFont typeface="+mj-lt"/>
-              <a:buAutoNum type="arabicPeriod"/>
-            </a:pPr>
-            <a:r>
-              <a:rPr lang="en-GB" dirty="0"/>
-              <a:t>I</a:t>
-            </a:r>
-            <a:r>
-              <a:rPr lang="en-DE" dirty="0"/>
-              <a:t>n unstable flight condition SAC fails</a:t>
-            </a:r>
-          </a:p>
-          <a:p>
-            <a:pPr marL="514350" indent="-514350">
-              <a:buFont typeface="+mj-lt"/>
-              <a:buAutoNum type="arabicPeriod"/>
-            </a:pPr>
-            <a:endParaRPr lang="en-DE" dirty="0"/>
-          </a:p>
-        </p:txBody>
-      </p:sp>
+        </p:nvGraphicFramePr>
+        <p:xfrm>
+          <a:off x="345582" y="1690688"/>
+          <a:ext cx="11500836" cy="4973212"/>
+        </p:xfrm>
+        <a:graphic>
+          <a:graphicData uri="http://schemas.openxmlformats.org/drawingml/2006/table">
+            <a:tbl>
+              <a:tblPr/>
+              <a:tblGrid>
+                <a:gridCol w="2875209">
+                  <a:extLst>
+                    <a:ext uri="{9D8B030D-6E8A-4147-A177-3AD203B41FA5}">
+                      <a16:colId xmlns:a16="http://schemas.microsoft.com/office/drawing/2014/main" val="3546182547"/>
+                    </a:ext>
+                  </a:extLst>
+                </a:gridCol>
+                <a:gridCol w="2875209">
+                  <a:extLst>
+                    <a:ext uri="{9D8B030D-6E8A-4147-A177-3AD203B41FA5}">
+                      <a16:colId xmlns:a16="http://schemas.microsoft.com/office/drawing/2014/main" val="3450273686"/>
+                    </a:ext>
+                  </a:extLst>
+                </a:gridCol>
+                <a:gridCol w="2875209">
+                  <a:extLst>
+                    <a:ext uri="{9D8B030D-6E8A-4147-A177-3AD203B41FA5}">
+                      <a16:colId xmlns:a16="http://schemas.microsoft.com/office/drawing/2014/main" val="1953087648"/>
+                    </a:ext>
+                  </a:extLst>
+                </a:gridCol>
+                <a:gridCol w="2875209">
+                  <a:extLst>
+                    <a:ext uri="{9D8B030D-6E8A-4147-A177-3AD203B41FA5}">
+                      <a16:colId xmlns:a16="http://schemas.microsoft.com/office/drawing/2014/main" val="476421427"/>
+                    </a:ext>
+                  </a:extLst>
+                </a:gridCol>
+              </a:tblGrid>
+              <a:tr h="334289">
+                <a:tc>
+                  <a:txBody>
+                    <a:bodyPr/>
+                    <a:lstStyle/>
+                    <a:p>
+                      <a:r>
+                        <a:rPr lang="en-GB" sz="1200" dirty="0"/>
+                        <a:t>Function</a:t>
+                      </a:r>
+                    </a:p>
+                  </a:txBody>
+                  <a:tcPr marL="31305" marR="31305" marT="15652" marB="15652" anchor="ctr">
+                    <a:lnL>
+                      <a:noFill/>
+                    </a:lnL>
+                    <a:lnR>
+                      <a:noFill/>
+                    </a:lnR>
+                    <a:lnT>
+                      <a:noFill/>
+                    </a:lnT>
+                    <a:lnB>
+                      <a:noFill/>
+                    </a:lnB>
+                    <a:solidFill>
+                      <a:schemeClr val="bg2">
+                        <a:lumMod val="90000"/>
+                      </a:schemeClr>
+                    </a:solidFill>
+                  </a:tcPr>
+                </a:tc>
+                <a:tc>
+                  <a:txBody>
+                    <a:bodyPr/>
+                    <a:lstStyle/>
+                    <a:p>
+                      <a:r>
+                        <a:rPr lang="en-GB" sz="1200" dirty="0"/>
+                        <a:t>Failure Condition</a:t>
+                      </a:r>
+                    </a:p>
+                  </a:txBody>
+                  <a:tcPr marL="31305" marR="31305" marT="15652" marB="15652" anchor="ctr">
+                    <a:lnL>
+                      <a:noFill/>
+                    </a:lnL>
+                    <a:lnR>
+                      <a:noFill/>
+                    </a:lnR>
+                    <a:lnT>
+                      <a:noFill/>
+                    </a:lnT>
+                    <a:lnB>
+                      <a:noFill/>
+                    </a:lnB>
+                    <a:solidFill>
+                      <a:schemeClr val="bg2">
+                        <a:lumMod val="90000"/>
+                      </a:schemeClr>
+                    </a:solidFill>
+                  </a:tcPr>
+                </a:tc>
+                <a:tc>
+                  <a:txBody>
+                    <a:bodyPr/>
+                    <a:lstStyle/>
+                    <a:p>
+                      <a:r>
+                        <a:rPr lang="en-GB" sz="1200" dirty="0"/>
+                        <a:t>Failure Effect</a:t>
+                      </a:r>
+                    </a:p>
+                  </a:txBody>
+                  <a:tcPr marL="31305" marR="31305" marT="15652" marB="15652" anchor="ctr">
+                    <a:lnL>
+                      <a:noFill/>
+                    </a:lnL>
+                    <a:lnR>
+                      <a:noFill/>
+                    </a:lnR>
+                    <a:lnT>
+                      <a:noFill/>
+                    </a:lnT>
+                    <a:lnB>
+                      <a:noFill/>
+                    </a:lnB>
+                    <a:solidFill>
+                      <a:schemeClr val="bg2">
+                        <a:lumMod val="90000"/>
+                      </a:schemeClr>
+                    </a:solidFill>
+                  </a:tcPr>
+                </a:tc>
+                <a:tc>
+                  <a:txBody>
+                    <a:bodyPr/>
+                    <a:lstStyle/>
+                    <a:p>
+                      <a:r>
+                        <a:rPr lang="en-GB" sz="1200" dirty="0"/>
+                        <a:t>Severity</a:t>
+                      </a:r>
+                    </a:p>
+                  </a:txBody>
+                  <a:tcPr marL="31305" marR="31305" marT="15652" marB="15652" anchor="ctr">
+                    <a:lnL>
+                      <a:noFill/>
+                    </a:lnL>
+                    <a:lnR>
+                      <a:noFill/>
+                    </a:lnR>
+                    <a:lnT>
+                      <a:noFill/>
+                    </a:lnT>
+                    <a:lnB>
+                      <a:noFill/>
+                    </a:lnB>
+                    <a:solidFill>
+                      <a:schemeClr val="bg2">
+                        <a:lumMod val="90000"/>
+                      </a:schemeClr>
+                    </a:solidFill>
+                  </a:tcPr>
+                </a:tc>
+                <a:extLst>
+                  <a:ext uri="{0D108BD9-81ED-4DB2-BD59-A6C34878D82A}">
+                    <a16:rowId xmlns:a16="http://schemas.microsoft.com/office/drawing/2014/main" val="1751098977"/>
+                  </a:ext>
+                </a:extLst>
+              </a:tr>
+              <a:tr h="619721">
+                <a:tc>
+                  <a:txBody>
+                    <a:bodyPr/>
+                    <a:lstStyle/>
+                    <a:p>
+                      <a:r>
+                        <a:rPr lang="en-GB" sz="1200" b="1"/>
+                        <a:t>Maintain Cruise Heading</a:t>
+                      </a:r>
+                      <a:endParaRPr lang="en-GB" sz="1200"/>
+                    </a:p>
+                  </a:txBody>
+                  <a:tcPr marL="31305" marR="31305" marT="15652" marB="15652" anchor="ctr">
+                    <a:lnL>
+                      <a:noFill/>
+                    </a:lnL>
+                    <a:lnR>
+                      <a:noFill/>
+                    </a:lnR>
+                    <a:lnT>
+                      <a:noFill/>
+                    </a:lnT>
+                    <a:lnB>
+                      <a:noFill/>
+                    </a:lnB>
+                    <a:noFill/>
+                  </a:tcPr>
+                </a:tc>
+                <a:tc>
+                  <a:txBody>
+                    <a:bodyPr/>
+                    <a:lstStyle/>
+                    <a:p>
+                      <a:r>
+                        <a:rPr lang="en-GB" sz="1200" dirty="0"/>
+                        <a:t>Loss of Function</a:t>
+                      </a:r>
+                    </a:p>
+                  </a:txBody>
+                  <a:tcPr marL="31305" marR="31305" marT="15652" marB="15652" anchor="ctr">
+                    <a:lnL>
+                      <a:noFill/>
+                    </a:lnL>
+                    <a:lnR>
+                      <a:noFill/>
+                    </a:lnR>
+                    <a:lnT>
+                      <a:noFill/>
+                    </a:lnT>
+                    <a:lnB>
+                      <a:noFill/>
+                    </a:lnB>
+                    <a:noFill/>
+                  </a:tcPr>
+                </a:tc>
+                <a:tc>
+                  <a:txBody>
+                    <a:bodyPr/>
+                    <a:lstStyle/>
+                    <a:p>
+                      <a:r>
+                        <a:rPr lang="en-GB" sz="1200"/>
+                        <a:t>Aircraft drifts off course; potential separation loss</a:t>
+                      </a:r>
+                    </a:p>
+                  </a:txBody>
+                  <a:tcPr marL="31305" marR="31305" marT="15652" marB="15652" anchor="ctr">
+                    <a:lnL>
+                      <a:noFill/>
+                    </a:lnL>
+                    <a:lnR>
+                      <a:noFill/>
+                    </a:lnR>
+                    <a:lnT>
+                      <a:noFill/>
+                    </a:lnT>
+                    <a:lnB>
+                      <a:noFill/>
+                    </a:lnB>
+                    <a:noFill/>
+                  </a:tcPr>
+                </a:tc>
+                <a:tc>
+                  <a:txBody>
+                    <a:bodyPr/>
+                    <a:lstStyle/>
+                    <a:p>
+                      <a:r>
+                        <a:rPr lang="en-GB" sz="1200" dirty="0"/>
+                        <a:t>Hazardous</a:t>
+                      </a:r>
+                    </a:p>
+                  </a:txBody>
+                  <a:tcPr marL="31305" marR="31305" marT="15652" marB="15652" anchor="ctr">
+                    <a:lnL>
+                      <a:noFill/>
+                    </a:lnL>
+                    <a:lnR>
+                      <a:noFill/>
+                    </a:lnR>
+                    <a:lnT>
+                      <a:noFill/>
+                    </a:lnT>
+                    <a:lnB>
+                      <a:noFill/>
+                    </a:lnB>
+                    <a:noFill/>
+                  </a:tcPr>
+                </a:tc>
+                <a:extLst>
+                  <a:ext uri="{0D108BD9-81ED-4DB2-BD59-A6C34878D82A}">
+                    <a16:rowId xmlns:a16="http://schemas.microsoft.com/office/drawing/2014/main" val="16621418"/>
+                  </a:ext>
+                </a:extLst>
+              </a:tr>
+              <a:tr h="619721">
+                <a:tc>
+                  <a:txBody>
+                    <a:bodyPr/>
+                    <a:lstStyle/>
+                    <a:p>
+                      <a:endParaRPr lang="en-DE" sz="1200"/>
+                    </a:p>
+                  </a:txBody>
+                  <a:tcPr marL="31305" marR="31305" marT="15652" marB="15652" anchor="ctr">
+                    <a:lnL>
+                      <a:noFill/>
+                    </a:lnL>
+                    <a:lnR>
+                      <a:noFill/>
+                    </a:lnR>
+                    <a:lnT>
+                      <a:noFill/>
+                    </a:lnT>
+                    <a:lnB>
+                      <a:noFill/>
+                    </a:lnB>
+                    <a:noFill/>
+                  </a:tcPr>
+                </a:tc>
+                <a:tc>
+                  <a:txBody>
+                    <a:bodyPr/>
+                    <a:lstStyle/>
+                    <a:p>
+                      <a:r>
+                        <a:rPr lang="en-GB" sz="1200" dirty="0"/>
+                        <a:t>Unannunciated Loss</a:t>
+                      </a:r>
+                    </a:p>
+                  </a:txBody>
+                  <a:tcPr marL="31305" marR="31305" marT="15652" marB="15652" anchor="ctr">
+                    <a:lnL>
+                      <a:noFill/>
+                    </a:lnL>
+                    <a:lnR>
+                      <a:noFill/>
+                    </a:lnR>
+                    <a:lnT>
+                      <a:noFill/>
+                    </a:lnT>
+                    <a:lnB>
+                      <a:noFill/>
+                    </a:lnB>
+                    <a:noFill/>
+                  </a:tcPr>
+                </a:tc>
+                <a:tc>
+                  <a:txBody>
+                    <a:bodyPr/>
+                    <a:lstStyle/>
+                    <a:p>
+                      <a:r>
+                        <a:rPr lang="en-GB" sz="1200"/>
+                        <a:t>Undetected heading drift; increased ATC workload</a:t>
+                      </a:r>
+                    </a:p>
+                  </a:txBody>
+                  <a:tcPr marL="31305" marR="31305" marT="15652" marB="15652" anchor="ctr">
+                    <a:lnL>
+                      <a:noFill/>
+                    </a:lnL>
+                    <a:lnR>
+                      <a:noFill/>
+                    </a:lnR>
+                    <a:lnT>
+                      <a:noFill/>
+                    </a:lnT>
+                    <a:lnB>
+                      <a:noFill/>
+                    </a:lnB>
+                    <a:noFill/>
+                  </a:tcPr>
+                </a:tc>
+                <a:tc>
+                  <a:txBody>
+                    <a:bodyPr/>
+                    <a:lstStyle/>
+                    <a:p>
+                      <a:r>
+                        <a:rPr lang="en-GB" sz="1200"/>
+                        <a:t>Major</a:t>
+                      </a:r>
+                    </a:p>
+                  </a:txBody>
+                  <a:tcPr marL="31305" marR="31305" marT="15652" marB="15652" anchor="ctr">
+                    <a:lnL>
+                      <a:noFill/>
+                    </a:lnL>
+                    <a:lnR>
+                      <a:noFill/>
+                    </a:lnR>
+                    <a:lnT>
+                      <a:noFill/>
+                    </a:lnT>
+                    <a:lnB>
+                      <a:noFill/>
+                    </a:lnB>
+                    <a:noFill/>
+                  </a:tcPr>
+                </a:tc>
+                <a:extLst>
+                  <a:ext uri="{0D108BD9-81ED-4DB2-BD59-A6C34878D82A}">
+                    <a16:rowId xmlns:a16="http://schemas.microsoft.com/office/drawing/2014/main" val="591850643"/>
+                  </a:ext>
+                </a:extLst>
+              </a:tr>
+              <a:tr h="619721">
+                <a:tc>
+                  <a:txBody>
+                    <a:bodyPr/>
+                    <a:lstStyle/>
+                    <a:p>
+                      <a:endParaRPr lang="en-DE" sz="1200"/>
+                    </a:p>
+                  </a:txBody>
+                  <a:tcPr marL="31305" marR="31305" marT="15652" marB="15652" anchor="ctr">
+                    <a:lnL>
+                      <a:noFill/>
+                    </a:lnL>
+                    <a:lnR>
+                      <a:noFill/>
+                    </a:lnR>
+                    <a:lnT>
+                      <a:noFill/>
+                    </a:lnT>
+                    <a:lnB>
+                      <a:noFill/>
+                    </a:lnB>
+                    <a:noFill/>
+                  </a:tcPr>
+                </a:tc>
+                <a:tc>
+                  <a:txBody>
+                    <a:bodyPr/>
+                    <a:lstStyle/>
+                    <a:p>
+                      <a:r>
+                        <a:rPr lang="en-GB" sz="1200"/>
+                        <a:t>Erroneous Output (zig‐zag)</a:t>
+                      </a:r>
+                    </a:p>
+                  </a:txBody>
+                  <a:tcPr marL="31305" marR="31305" marT="15652" marB="15652" anchor="ctr">
+                    <a:lnL>
+                      <a:noFill/>
+                    </a:lnL>
+                    <a:lnR>
+                      <a:noFill/>
+                    </a:lnR>
+                    <a:lnT>
+                      <a:noFill/>
+                    </a:lnT>
+                    <a:lnB>
+                      <a:noFill/>
+                    </a:lnB>
+                    <a:noFill/>
+                  </a:tcPr>
+                </a:tc>
+                <a:tc>
+                  <a:txBody>
+                    <a:bodyPr/>
+                    <a:lstStyle/>
+                    <a:p>
+                      <a:r>
+                        <a:rPr lang="en-GB" sz="1200"/>
+                        <a:t>Oscillatory heading deviations; increased crew workload</a:t>
+                      </a:r>
+                    </a:p>
+                  </a:txBody>
+                  <a:tcPr marL="31305" marR="31305" marT="15652" marB="15652" anchor="ctr">
+                    <a:lnL>
+                      <a:noFill/>
+                    </a:lnL>
+                    <a:lnR>
+                      <a:noFill/>
+                    </a:lnR>
+                    <a:lnT>
+                      <a:noFill/>
+                    </a:lnT>
+                    <a:lnB>
+                      <a:noFill/>
+                    </a:lnB>
+                    <a:noFill/>
+                  </a:tcPr>
+                </a:tc>
+                <a:tc>
+                  <a:txBody>
+                    <a:bodyPr/>
+                    <a:lstStyle/>
+                    <a:p>
+                      <a:r>
+                        <a:rPr lang="en-GB" sz="1200"/>
+                        <a:t>Minor</a:t>
+                      </a:r>
+                    </a:p>
+                  </a:txBody>
+                  <a:tcPr marL="31305" marR="31305" marT="15652" marB="15652" anchor="ctr">
+                    <a:lnL>
+                      <a:noFill/>
+                    </a:lnL>
+                    <a:lnR>
+                      <a:noFill/>
+                    </a:lnR>
+                    <a:lnT>
+                      <a:noFill/>
+                    </a:lnT>
+                    <a:lnB>
+                      <a:noFill/>
+                    </a:lnB>
+                    <a:noFill/>
+                  </a:tcPr>
+                </a:tc>
+                <a:extLst>
+                  <a:ext uri="{0D108BD9-81ED-4DB2-BD59-A6C34878D82A}">
+                    <a16:rowId xmlns:a16="http://schemas.microsoft.com/office/drawing/2014/main" val="2535416607"/>
+                  </a:ext>
+                </a:extLst>
+              </a:tr>
+              <a:tr h="905152">
+                <a:tc>
+                  <a:txBody>
+                    <a:bodyPr/>
+                    <a:lstStyle/>
+                    <a:p>
+                      <a:r>
+                        <a:rPr lang="en-GB" sz="1200" b="1"/>
+                        <a:t>Hallucination Detection &amp; Classical‐Controller Override</a:t>
+                      </a:r>
+                      <a:endParaRPr lang="en-GB" sz="1200"/>
+                    </a:p>
+                  </a:txBody>
+                  <a:tcPr marL="31305" marR="31305" marT="15652" marB="15652" anchor="ctr">
+                    <a:lnL>
+                      <a:noFill/>
+                    </a:lnL>
+                    <a:lnR>
+                      <a:noFill/>
+                    </a:lnR>
+                    <a:lnT>
+                      <a:noFill/>
+                    </a:lnT>
+                    <a:lnB>
+                      <a:noFill/>
+                    </a:lnB>
+                    <a:noFill/>
+                  </a:tcPr>
+                </a:tc>
+                <a:tc>
+                  <a:txBody>
+                    <a:bodyPr/>
+                    <a:lstStyle/>
+                    <a:p>
+                      <a:r>
+                        <a:rPr lang="en-GB" sz="1200"/>
+                        <a:t>Failure to Detect ML Hallucination</a:t>
+                      </a:r>
+                    </a:p>
+                  </a:txBody>
+                  <a:tcPr marL="31305" marR="31305" marT="15652" marB="15652" anchor="ctr">
+                    <a:lnL>
+                      <a:noFill/>
+                    </a:lnL>
+                    <a:lnR>
+                      <a:noFill/>
+                    </a:lnR>
+                    <a:lnT>
+                      <a:noFill/>
+                    </a:lnT>
+                    <a:lnB>
+                      <a:noFill/>
+                    </a:lnB>
+                    <a:noFill/>
+                  </a:tcPr>
+                </a:tc>
+                <a:tc>
+                  <a:txBody>
+                    <a:bodyPr/>
+                    <a:lstStyle/>
+                    <a:p>
+                      <a:r>
+                        <a:rPr lang="en-GB" sz="1200"/>
+                        <a:t>Erroneous ML commands executed unchecked; could lead into unsafe flight regime</a:t>
+                      </a:r>
+                    </a:p>
+                  </a:txBody>
+                  <a:tcPr marL="31305" marR="31305" marT="15652" marB="15652" anchor="ctr">
+                    <a:lnL>
+                      <a:noFill/>
+                    </a:lnL>
+                    <a:lnR>
+                      <a:noFill/>
+                    </a:lnR>
+                    <a:lnT>
+                      <a:noFill/>
+                    </a:lnT>
+                    <a:lnB>
+                      <a:noFill/>
+                    </a:lnB>
+                    <a:noFill/>
+                  </a:tcPr>
+                </a:tc>
+                <a:tc>
+                  <a:txBody>
+                    <a:bodyPr/>
+                    <a:lstStyle/>
+                    <a:p>
+                      <a:r>
+                        <a:rPr lang="en-GB" sz="1200"/>
+                        <a:t>Catastrophic</a:t>
+                      </a:r>
+                    </a:p>
+                  </a:txBody>
+                  <a:tcPr marL="31305" marR="31305" marT="15652" marB="15652" anchor="ctr">
+                    <a:lnL>
+                      <a:noFill/>
+                    </a:lnL>
+                    <a:lnR>
+                      <a:noFill/>
+                    </a:lnR>
+                    <a:lnT>
+                      <a:noFill/>
+                    </a:lnT>
+                    <a:lnB>
+                      <a:noFill/>
+                    </a:lnB>
+                    <a:noFill/>
+                  </a:tcPr>
+                </a:tc>
+                <a:extLst>
+                  <a:ext uri="{0D108BD9-81ED-4DB2-BD59-A6C34878D82A}">
+                    <a16:rowId xmlns:a16="http://schemas.microsoft.com/office/drawing/2014/main" val="1586116310"/>
+                  </a:ext>
+                </a:extLst>
+              </a:tr>
+              <a:tr h="635166">
+                <a:tc>
+                  <a:txBody>
+                    <a:bodyPr/>
+                    <a:lstStyle/>
+                    <a:p>
+                      <a:endParaRPr lang="en-DE" sz="1200"/>
+                    </a:p>
+                  </a:txBody>
+                  <a:tcPr marL="31305" marR="31305" marT="15652" marB="15652" anchor="ctr">
+                    <a:lnL>
+                      <a:noFill/>
+                    </a:lnL>
+                    <a:lnR>
+                      <a:noFill/>
+                    </a:lnR>
+                    <a:lnT>
+                      <a:noFill/>
+                    </a:lnT>
+                    <a:lnB>
+                      <a:noFill/>
+                    </a:lnB>
+                    <a:noFill/>
+                  </a:tcPr>
+                </a:tc>
+                <a:tc>
+                  <a:txBody>
+                    <a:bodyPr/>
+                    <a:lstStyle/>
+                    <a:p>
+                      <a:r>
+                        <a:rPr lang="en-GB" sz="1200"/>
+                        <a:t>False Positive Override</a:t>
+                      </a:r>
+                    </a:p>
+                  </a:txBody>
+                  <a:tcPr marL="31305" marR="31305" marT="15652" marB="15652" anchor="ctr">
+                    <a:lnL>
+                      <a:noFill/>
+                    </a:lnL>
+                    <a:lnR>
+                      <a:noFill/>
+                    </a:lnR>
+                    <a:lnT>
+                      <a:noFill/>
+                    </a:lnT>
+                    <a:lnB>
+                      <a:noFill/>
+                    </a:lnB>
+                    <a:noFill/>
+                  </a:tcPr>
+                </a:tc>
+                <a:tc>
+                  <a:txBody>
+                    <a:bodyPr/>
+                    <a:lstStyle/>
+                    <a:p>
+                      <a:r>
+                        <a:rPr lang="en-GB" sz="1200"/>
+                        <a:t>Unnecessary switch to classical controller; degraded performance but safe</a:t>
+                      </a:r>
+                    </a:p>
+                  </a:txBody>
+                  <a:tcPr marL="31305" marR="31305" marT="15652" marB="15652" anchor="ctr">
+                    <a:lnL>
+                      <a:noFill/>
+                    </a:lnL>
+                    <a:lnR>
+                      <a:noFill/>
+                    </a:lnR>
+                    <a:lnT>
+                      <a:noFill/>
+                    </a:lnT>
+                    <a:lnB>
+                      <a:noFill/>
+                    </a:lnB>
+                    <a:noFill/>
+                  </a:tcPr>
+                </a:tc>
+                <a:tc>
+                  <a:txBody>
+                    <a:bodyPr/>
+                    <a:lstStyle/>
+                    <a:p>
+                      <a:r>
+                        <a:rPr lang="en-GB" sz="1200"/>
+                        <a:t>Major</a:t>
+                      </a:r>
+                    </a:p>
+                  </a:txBody>
+                  <a:tcPr marL="31305" marR="31305" marT="15652" marB="15652" anchor="ctr">
+                    <a:lnL>
+                      <a:noFill/>
+                    </a:lnL>
+                    <a:lnR>
+                      <a:noFill/>
+                    </a:lnR>
+                    <a:lnT>
+                      <a:noFill/>
+                    </a:lnT>
+                    <a:lnB>
+                      <a:noFill/>
+                    </a:lnB>
+                    <a:noFill/>
+                  </a:tcPr>
+                </a:tc>
+                <a:extLst>
+                  <a:ext uri="{0D108BD9-81ED-4DB2-BD59-A6C34878D82A}">
+                    <a16:rowId xmlns:a16="http://schemas.microsoft.com/office/drawing/2014/main" val="3394091437"/>
+                  </a:ext>
+                </a:extLst>
+              </a:tr>
+              <a:tr h="619721">
+                <a:tc>
+                  <a:txBody>
+                    <a:bodyPr/>
+                    <a:lstStyle/>
+                    <a:p>
+                      <a:endParaRPr lang="en-DE" sz="1200" dirty="0"/>
+                    </a:p>
+                  </a:txBody>
+                  <a:tcPr marL="31305" marR="31305" marT="15652" marB="15652" anchor="ctr">
+                    <a:lnL>
+                      <a:noFill/>
+                    </a:lnL>
+                    <a:lnR>
+                      <a:noFill/>
+                    </a:lnR>
+                    <a:lnT>
+                      <a:noFill/>
+                    </a:lnT>
+                    <a:lnB>
+                      <a:noFill/>
+                    </a:lnB>
+                    <a:noFill/>
+                  </a:tcPr>
+                </a:tc>
+                <a:tc>
+                  <a:txBody>
+                    <a:bodyPr/>
+                    <a:lstStyle/>
+                    <a:p>
+                      <a:r>
+                        <a:rPr lang="en-GB" sz="1200" dirty="0"/>
+                        <a:t>False Negative (Missed Detection)</a:t>
+                      </a:r>
+                    </a:p>
+                  </a:txBody>
+                  <a:tcPr marL="31305" marR="31305" marT="15652" marB="15652" anchor="ctr">
+                    <a:lnL>
+                      <a:noFill/>
+                    </a:lnL>
+                    <a:lnR>
+                      <a:noFill/>
+                    </a:lnR>
+                    <a:lnT>
+                      <a:noFill/>
+                    </a:lnT>
+                    <a:lnB>
+                      <a:noFill/>
+                    </a:lnB>
+                    <a:noFill/>
+                  </a:tcPr>
+                </a:tc>
+                <a:tc>
+                  <a:txBody>
+                    <a:bodyPr/>
+                    <a:lstStyle/>
+                    <a:p>
+                      <a:r>
+                        <a:rPr lang="en-GB" sz="1200" dirty="0"/>
+                        <a:t>ML hallucination unmitigated; unsafe command applied</a:t>
+                      </a:r>
+                    </a:p>
+                  </a:txBody>
+                  <a:tcPr marL="31305" marR="31305" marT="15652" marB="15652" anchor="ctr">
+                    <a:lnL>
+                      <a:noFill/>
+                    </a:lnL>
+                    <a:lnR>
+                      <a:noFill/>
+                    </a:lnR>
+                    <a:lnT>
+                      <a:noFill/>
+                    </a:lnT>
+                    <a:lnB>
+                      <a:noFill/>
+                    </a:lnB>
+                    <a:noFill/>
+                  </a:tcPr>
+                </a:tc>
+                <a:tc>
+                  <a:txBody>
+                    <a:bodyPr/>
+                    <a:lstStyle/>
+                    <a:p>
+                      <a:r>
+                        <a:rPr lang="en-GB" sz="1200" dirty="0"/>
+                        <a:t>Catastrophic</a:t>
+                      </a:r>
+                    </a:p>
+                  </a:txBody>
+                  <a:tcPr marL="31305" marR="31305" marT="15652" marB="15652" anchor="ctr">
+                    <a:lnL>
+                      <a:noFill/>
+                    </a:lnL>
+                    <a:lnR>
+                      <a:noFill/>
+                    </a:lnR>
+                    <a:lnT>
+                      <a:noFill/>
+                    </a:lnT>
+                    <a:lnB>
+                      <a:noFill/>
+                    </a:lnB>
+                    <a:noFill/>
+                  </a:tcPr>
+                </a:tc>
+                <a:extLst>
+                  <a:ext uri="{0D108BD9-81ED-4DB2-BD59-A6C34878D82A}">
+                    <a16:rowId xmlns:a16="http://schemas.microsoft.com/office/drawing/2014/main" val="4174833316"/>
+                  </a:ext>
+                </a:extLst>
+              </a:tr>
+              <a:tr h="619721">
+                <a:tc>
+                  <a:txBody>
+                    <a:bodyPr/>
+                    <a:lstStyle/>
+                    <a:p>
+                      <a:r>
+                        <a:rPr lang="en-DE" sz="1200" b="1" dirty="0"/>
+                        <a:t>Switch to Backup</a:t>
+                      </a:r>
+                    </a:p>
+                  </a:txBody>
+                  <a:tcPr marL="31305" marR="31305" marT="15652" marB="15652" anchor="ctr">
+                    <a:lnL>
+                      <a:noFill/>
+                    </a:lnL>
+                    <a:lnR>
+                      <a:noFill/>
+                    </a:lnR>
+                    <a:lnT>
+                      <a:noFill/>
+                    </a:lnT>
+                    <a:lnB>
+                      <a:noFill/>
+                    </a:lnB>
+                    <a:noFill/>
+                  </a:tcPr>
+                </a:tc>
+                <a:tc>
+                  <a:txBody>
+                    <a:bodyPr/>
+                    <a:lstStyle/>
+                    <a:p>
+                      <a:r>
+                        <a:rPr lang="en-GB" sz="1200" dirty="0"/>
+                        <a:t>Failure of Switch</a:t>
+                      </a:r>
+                    </a:p>
+                  </a:txBody>
+                  <a:tcPr marL="31305" marR="31305" marT="15652" marB="15652" anchor="ctr">
+                    <a:lnL>
+                      <a:noFill/>
+                    </a:lnL>
+                    <a:lnR>
+                      <a:noFill/>
+                    </a:lnR>
+                    <a:lnT>
+                      <a:noFill/>
+                    </a:lnT>
+                    <a:lnB>
+                      <a:noFill/>
+                    </a:lnB>
+                    <a:noFill/>
+                  </a:tcPr>
+                </a:tc>
+                <a:tc>
+                  <a:txBody>
+                    <a:bodyPr/>
+                    <a:lstStyle/>
+                    <a:p>
+                      <a:r>
+                        <a:rPr lang="en-GB" sz="1200" dirty="0"/>
+                        <a:t>Erroneous SAC is online</a:t>
+                      </a:r>
+                    </a:p>
+                  </a:txBody>
+                  <a:tcPr marL="31305" marR="31305" marT="15652" marB="15652" anchor="ctr">
+                    <a:lnL>
+                      <a:noFill/>
+                    </a:lnL>
+                    <a:lnR>
+                      <a:noFill/>
+                    </a:lnR>
+                    <a:lnT>
+                      <a:noFill/>
+                    </a:lnT>
+                    <a:lnB>
+                      <a:noFill/>
+                    </a:lnB>
+                    <a:noFill/>
+                  </a:tcPr>
+                </a:tc>
+                <a:tc>
+                  <a:txBody>
+                    <a:bodyPr/>
+                    <a:lstStyle/>
+                    <a:p>
+                      <a:r>
+                        <a:rPr lang="en-GB" sz="1200" dirty="0"/>
+                        <a:t>Catastrophic</a:t>
+                      </a:r>
+                    </a:p>
+                  </a:txBody>
+                  <a:tcPr marL="31305" marR="31305" marT="15652" marB="15652" anchor="ctr">
+                    <a:lnL>
+                      <a:noFill/>
+                    </a:lnL>
+                    <a:lnR>
+                      <a:noFill/>
+                    </a:lnR>
+                    <a:lnT>
+                      <a:noFill/>
+                    </a:lnT>
+                    <a:lnB>
+                      <a:noFill/>
+                    </a:lnB>
+                    <a:noFill/>
+                  </a:tcPr>
+                </a:tc>
+                <a:extLst>
+                  <a:ext uri="{0D108BD9-81ED-4DB2-BD59-A6C34878D82A}">
+                    <a16:rowId xmlns:a16="http://schemas.microsoft.com/office/drawing/2014/main" val="1800780278"/>
+                  </a:ext>
+                </a:extLst>
+              </a:tr>
+            </a:tbl>
+          </a:graphicData>
+        </a:graphic>
+      </p:graphicFrame>
     </p:spTree>
     <p:extLst>
       <p:ext uri="{BB962C8B-B14F-4D97-AF65-F5344CB8AC3E}">
-        <p14:creationId xmlns:p14="http://schemas.microsoft.com/office/powerpoint/2010/main" val="1695921950"/>
+        <p14:creationId xmlns:p14="http://schemas.microsoft.com/office/powerpoint/2010/main" val="2137110231"/>
       </p:ext>
     </p:extLst>
   </p:cSld>
